--- a/aspnet5/slides/01_Overview.pptx
+++ b/aspnet5/slides/01_Overview.pptx
@@ -5,14 +5,21 @@
     <p:sldMasterId id="2147483772" r:id="rId1"/>
   </p:sldMasterIdLst>
   <p:notesMasterIdLst>
-    <p:notesMasterId r:id="rId4"/>
+    <p:notesMasterId r:id="rId11"/>
   </p:notesMasterIdLst>
   <p:handoutMasterIdLst>
-    <p:handoutMasterId r:id="rId5"/>
+    <p:handoutMasterId r:id="rId12"/>
   </p:handoutMasterIdLst>
   <p:sldIdLst>
     <p:sldId id="327" r:id="rId2"/>
     <p:sldId id="328" r:id="rId3"/>
+    <p:sldId id="329" r:id="rId4"/>
+    <p:sldId id="330" r:id="rId5"/>
+    <p:sldId id="331" r:id="rId6"/>
+    <p:sldId id="332" r:id="rId7"/>
+    <p:sldId id="333" r:id="rId8"/>
+    <p:sldId id="334" r:id="rId9"/>
+    <p:sldId id="335" r:id="rId10"/>
   </p:sldIdLst>
   <p:sldSz cx="9144000" cy="6858000" type="screen4x3"/>
   <p:notesSz cx="7302500" cy="9588500"/>
@@ -897,6 +904,186 @@
     <p:extLst>
       <p:ext uri="{BB962C8B-B14F-4D97-AF65-F5344CB8AC3E}">
         <p14:creationId xmlns:p14="http://schemas.microsoft.com/office/powerpoint/2010/main" val="2286862011"/>
+      </p:ext>
+    </p:extLst>
+  </p:cSld>
+  <p:clrMapOvr>
+    <a:masterClrMapping/>
+  </p:clrMapOvr>
+</p:notes>
+</file>
+
+<file path=ppt/notesSlides/notesSlide2.xml><?xml version="1.0" encoding="utf-8"?>
+<p:notes xmlns:a="http://schemas.openxmlformats.org/drawingml/2006/main" xmlns:r="http://schemas.openxmlformats.org/officeDocument/2006/relationships" xmlns:p="http://schemas.openxmlformats.org/presentationml/2006/main">
+  <p:cSld>
+    <p:spTree>
+      <p:nvGrpSpPr>
+        <p:cNvPr id="1" name=""/>
+        <p:cNvGrpSpPr/>
+        <p:nvPr/>
+      </p:nvGrpSpPr>
+      <p:grpSpPr>
+        <a:xfrm>
+          <a:off x="0" y="0"/>
+          <a:ext cx="0" cy="0"/>
+          <a:chOff x="0" y="0"/>
+          <a:chExt cx="0" cy="0"/>
+        </a:xfrm>
+      </p:grpSpPr>
+      <p:sp>
+        <p:nvSpPr>
+          <p:cNvPr id="2" name="Slide Image Placeholder 1"/>
+          <p:cNvSpPr>
+            <a:spLocks noGrp="1" noRot="1" noChangeAspect="1"/>
+          </p:cNvSpPr>
+          <p:nvPr>
+            <p:ph type="sldImg"/>
+          </p:nvPr>
+        </p:nvSpPr>
+        <p:spPr/>
+      </p:sp>
+      <p:sp>
+        <p:nvSpPr>
+          <p:cNvPr id="3" name="Notes Placeholder 2"/>
+          <p:cNvSpPr>
+            <a:spLocks noGrp="1"/>
+          </p:cNvSpPr>
+          <p:nvPr>
+            <p:ph type="body" idx="1"/>
+          </p:nvPr>
+        </p:nvSpPr>
+        <p:spPr/>
+        <p:txBody>
+          <a:bodyPr/>
+          <a:lstStyle/>
+          <a:p>
+            <a:endParaRPr lang="en-US" dirty="0"/>
+          </a:p>
+        </p:txBody>
+      </p:sp>
+      <p:sp>
+        <p:nvSpPr>
+          <p:cNvPr id="4" name="Slide Number Placeholder 3"/>
+          <p:cNvSpPr>
+            <a:spLocks noGrp="1"/>
+          </p:cNvSpPr>
+          <p:nvPr>
+            <p:ph type="sldNum" sz="quarter" idx="10"/>
+          </p:nvPr>
+        </p:nvSpPr>
+        <p:spPr/>
+        <p:txBody>
+          <a:bodyPr/>
+          <a:lstStyle/>
+          <a:p>
+            <a:pPr>
+              <a:defRPr/>
+            </a:pPr>
+            <a:fld id="{11D29CD3-EA91-4B07-8041-33A63E8C46BA}" type="slidenum">
+              <a:rPr lang="en-US" smtClean="0"/>
+              <a:pPr>
+                <a:defRPr/>
+              </a:pPr>
+              <a:t>3</a:t>
+            </a:fld>
+            <a:endParaRPr lang="en-US"/>
+          </a:p>
+        </p:txBody>
+      </p:sp>
+    </p:spTree>
+    <p:extLst>
+      <p:ext uri="{BB962C8B-B14F-4D97-AF65-F5344CB8AC3E}">
+        <p14:creationId xmlns:p14="http://schemas.microsoft.com/office/powerpoint/2010/main" val="621804151"/>
+      </p:ext>
+    </p:extLst>
+  </p:cSld>
+  <p:clrMapOvr>
+    <a:masterClrMapping/>
+  </p:clrMapOvr>
+</p:notes>
+</file>
+
+<file path=ppt/notesSlides/notesSlide3.xml><?xml version="1.0" encoding="utf-8"?>
+<p:notes xmlns:a="http://schemas.openxmlformats.org/drawingml/2006/main" xmlns:r="http://schemas.openxmlformats.org/officeDocument/2006/relationships" xmlns:p="http://schemas.openxmlformats.org/presentationml/2006/main">
+  <p:cSld>
+    <p:spTree>
+      <p:nvGrpSpPr>
+        <p:cNvPr id="1" name=""/>
+        <p:cNvGrpSpPr/>
+        <p:nvPr/>
+      </p:nvGrpSpPr>
+      <p:grpSpPr>
+        <a:xfrm>
+          <a:off x="0" y="0"/>
+          <a:ext cx="0" cy="0"/>
+          <a:chOff x="0" y="0"/>
+          <a:chExt cx="0" cy="0"/>
+        </a:xfrm>
+      </p:grpSpPr>
+      <p:sp>
+        <p:nvSpPr>
+          <p:cNvPr id="2" name="Slide Image Placeholder 1"/>
+          <p:cNvSpPr>
+            <a:spLocks noGrp="1" noRot="1" noChangeAspect="1"/>
+          </p:cNvSpPr>
+          <p:nvPr>
+            <p:ph type="sldImg"/>
+          </p:nvPr>
+        </p:nvSpPr>
+        <p:spPr/>
+      </p:sp>
+      <p:sp>
+        <p:nvSpPr>
+          <p:cNvPr id="3" name="Notes Placeholder 2"/>
+          <p:cNvSpPr>
+            <a:spLocks noGrp="1"/>
+          </p:cNvSpPr>
+          <p:nvPr>
+            <p:ph type="body" idx="1"/>
+          </p:nvPr>
+        </p:nvSpPr>
+        <p:spPr/>
+        <p:txBody>
+          <a:bodyPr/>
+          <a:lstStyle/>
+          <a:p>
+            <a:endParaRPr lang="en-US" dirty="0"/>
+          </a:p>
+        </p:txBody>
+      </p:sp>
+      <p:sp>
+        <p:nvSpPr>
+          <p:cNvPr id="4" name="Slide Number Placeholder 3"/>
+          <p:cNvSpPr>
+            <a:spLocks noGrp="1"/>
+          </p:cNvSpPr>
+          <p:nvPr>
+            <p:ph type="sldNum" sz="quarter" idx="10"/>
+          </p:nvPr>
+        </p:nvSpPr>
+        <p:spPr/>
+        <p:txBody>
+          <a:bodyPr/>
+          <a:lstStyle/>
+          <a:p>
+            <a:pPr>
+              <a:defRPr/>
+            </a:pPr>
+            <a:fld id="{11D29CD3-EA91-4B07-8041-33A63E8C46BA}" type="slidenum">
+              <a:rPr lang="en-US" smtClean="0"/>
+              <a:pPr>
+                <a:defRPr/>
+              </a:pPr>
+              <a:t>4</a:t>
+            </a:fld>
+            <a:endParaRPr lang="en-US"/>
+          </a:p>
+        </p:txBody>
+      </p:sp>
+    </p:spTree>
+    <p:extLst>
+      <p:ext uri="{BB962C8B-B14F-4D97-AF65-F5344CB8AC3E}">
+        <p14:creationId xmlns:p14="http://schemas.microsoft.com/office/powerpoint/2010/main" val="517759799"/>
       </p:ext>
     </p:extLst>
   </p:cSld>
@@ -2744,7 +2931,6 @@
               <a:rPr lang="en-US" dirty="0" smtClean="0"/>
               <a:t>ASP.NET 5</a:t>
             </a:r>
-            <a:endParaRPr lang="en-US" dirty="0" smtClean="0"/>
           </a:p>
         </p:txBody>
       </p:sp>
@@ -2766,13 +2952,8 @@
             <a:pPr defTabSz="914400" eaLnBrk="1" hangingPunct="1"/>
             <a:r>
               <a:rPr lang="en-US" dirty="0" smtClean="0"/>
-              <a:t>Old patterns on a </a:t>
-            </a:r>
-            <a:r>
-              <a:rPr lang="en-US" dirty="0" smtClean="0"/>
-              <a:t>new framework</a:t>
-            </a:r>
-            <a:endParaRPr lang="en-US" dirty="0" smtClean="0"/>
+              <a:t>Old patterns on a new framework</a:t>
+            </a:r>
           </a:p>
         </p:txBody>
       </p:sp>
@@ -2826,7 +3007,620 @@
           <a:bodyPr/>
           <a:lstStyle/>
           <a:p>
-            <a:endParaRPr lang="en-US"/>
+            <a:r>
+              <a:rPr lang="en-US" dirty="0" smtClean="0"/>
+              <a:t>The 15 Year Reboot</a:t>
+            </a:r>
+            <a:endParaRPr lang="en-US" dirty="0"/>
+          </a:p>
+        </p:txBody>
+      </p:sp>
+      <p:pic>
+        <p:nvPicPr>
+          <p:cNvPr id="4" name="Picture 3"/>
+          <p:cNvPicPr>
+            <a:picLocks noChangeAspect="1"/>
+          </p:cNvPicPr>
+          <p:nvPr/>
+        </p:nvPicPr>
+        <p:blipFill>
+          <a:blip r:embed="rId2" cstate="print">
+            <a:extLst>
+              <a:ext uri="{28A0092B-C50C-407E-A947-70E740481C1C}">
+                <a14:useLocalDpi xmlns:a14="http://schemas.microsoft.com/office/drawing/2010/main" val="0"/>
+              </a:ext>
+            </a:extLst>
+          </a:blip>
+          <a:stretch>
+            <a:fillRect/>
+          </a:stretch>
+        </p:blipFill>
+        <p:spPr>
+          <a:xfrm>
+            <a:off x="5533832" y="1143000"/>
+            <a:ext cx="3596813" cy="2248406"/>
+          </a:xfrm>
+          <a:prstGeom prst="rect">
+            <a:avLst/>
+          </a:prstGeom>
+        </p:spPr>
+      </p:pic>
+      <p:sp>
+        <p:nvSpPr>
+          <p:cNvPr id="6" name="Text Placeholder 2"/>
+          <p:cNvSpPr>
+            <a:spLocks noGrp="1"/>
+          </p:cNvSpPr>
+          <p:nvPr>
+            <p:ph type="body" idx="1"/>
+          </p:nvPr>
+        </p:nvSpPr>
+        <p:spPr>
+          <a:xfrm>
+            <a:off x="457200" y="1447800"/>
+            <a:ext cx="8229600" cy="4495800"/>
+          </a:xfrm>
+        </p:spPr>
+        <p:txBody>
+          <a:bodyPr/>
+          <a:lstStyle/>
+          <a:p>
+            <a:r>
+              <a:rPr lang="en-US" dirty="0" smtClean="0"/>
+              <a:t>Major architectural changes</a:t>
+            </a:r>
+          </a:p>
+          <a:p>
+            <a:pPr lvl="1"/>
+            <a:r>
+              <a:rPr lang="en-US" dirty="0" smtClean="0"/>
+              <a:t>No more System.Web.dll</a:t>
+            </a:r>
+          </a:p>
+          <a:p>
+            <a:r>
+              <a:rPr lang="en-US" dirty="0" smtClean="0"/>
+              <a:t>Cross Platform</a:t>
+            </a:r>
+          </a:p>
+          <a:p>
+            <a:pPr lvl="1"/>
+            <a:r>
+              <a:rPr lang="en-US" dirty="0" smtClean="0"/>
+              <a:t>Windows, OS/X, Linux</a:t>
+            </a:r>
+          </a:p>
+          <a:p>
+            <a:r>
+              <a:rPr lang="en-US" dirty="0" smtClean="0"/>
+              <a:t>Unified programming model</a:t>
+            </a:r>
+          </a:p>
+          <a:p>
+            <a:pPr lvl="1"/>
+            <a:r>
+              <a:rPr lang="en-US" dirty="0" smtClean="0"/>
+              <a:t>One framework for UI and APIs</a:t>
+            </a:r>
+          </a:p>
+          <a:p>
+            <a:r>
+              <a:rPr lang="en-US" dirty="0" smtClean="0"/>
+              <a:t>Faster, lighter, and pay as you go</a:t>
+            </a:r>
+          </a:p>
+          <a:p>
+            <a:pPr lvl="1"/>
+            <a:r>
+              <a:rPr lang="en-US" dirty="0" smtClean="0"/>
+              <a:t>Customize the processing pipeline</a:t>
+            </a:r>
+            <a:endParaRPr lang="en-US" dirty="0"/>
+          </a:p>
+        </p:txBody>
+      </p:sp>
+    </p:spTree>
+    <p:extLst>
+      <p:ext uri="{BB962C8B-B14F-4D97-AF65-F5344CB8AC3E}">
+        <p14:creationId xmlns:p14="http://schemas.microsoft.com/office/powerpoint/2010/main" val="3142893659"/>
+      </p:ext>
+    </p:extLst>
+  </p:cSld>
+  <p:clrMapOvr>
+    <a:masterClrMapping/>
+  </p:clrMapOvr>
+  <p:transition>
+    <p:fade/>
+  </p:transition>
+  <p:timing>
+    <p:tnLst>
+      <p:par>
+        <p:cTn id="1" dur="indefinite" restart="never" nodeType="tmRoot">
+          <p:childTnLst>
+            <p:seq concurrent="1" nextAc="seek">
+              <p:cTn id="2" dur="indefinite" nodeType="mainSeq">
+                <p:childTnLst>
+                  <p:par>
+                    <p:cTn id="3" fill="hold">
+                      <p:stCondLst>
+                        <p:cond delay="indefinite"/>
+                      </p:stCondLst>
+                      <p:childTnLst>
+                        <p:par>
+                          <p:cTn id="4" fill="hold">
+                            <p:stCondLst>
+                              <p:cond delay="0"/>
+                            </p:stCondLst>
+                            <p:childTnLst>
+                              <p:par>
+                                <p:cTn id="5" presetID="10" presetClass="entr" presetSubtype="0" fill="hold" grpId="0" nodeType="clickEffect">
+                                  <p:stCondLst>
+                                    <p:cond delay="0"/>
+                                  </p:stCondLst>
+                                  <p:childTnLst>
+                                    <p:set>
+                                      <p:cBhvr>
+                                        <p:cTn id="6" dur="1" fill="hold">
+                                          <p:stCondLst>
+                                            <p:cond delay="0"/>
+                                          </p:stCondLst>
+                                        </p:cTn>
+                                        <p:tgtEl>
+                                          <p:spTgt spid="6">
+                                            <p:txEl>
+                                              <p:pRg st="0" end="0"/>
+                                            </p:txEl>
+                                          </p:spTgt>
+                                        </p:tgtEl>
+                                        <p:attrNameLst>
+                                          <p:attrName>style.visibility</p:attrName>
+                                        </p:attrNameLst>
+                                      </p:cBhvr>
+                                      <p:to>
+                                        <p:strVal val="visible"/>
+                                      </p:to>
+                                    </p:set>
+                                    <p:animEffect transition="in" filter="fade">
+                                      <p:cBhvr>
+                                        <p:cTn id="7" dur="500"/>
+                                        <p:tgtEl>
+                                          <p:spTgt spid="6">
+                                            <p:txEl>
+                                              <p:pRg st="0" end="0"/>
+                                            </p:txEl>
+                                          </p:spTgt>
+                                        </p:tgtEl>
+                                      </p:cBhvr>
+                                    </p:animEffect>
+                                  </p:childTnLst>
+                                </p:cTn>
+                              </p:par>
+                              <p:par>
+                                <p:cTn id="8" presetID="10" presetClass="entr" presetSubtype="0" fill="hold" grpId="0" nodeType="withEffect">
+                                  <p:stCondLst>
+                                    <p:cond delay="0"/>
+                                  </p:stCondLst>
+                                  <p:childTnLst>
+                                    <p:set>
+                                      <p:cBhvr>
+                                        <p:cTn id="9" dur="1" fill="hold">
+                                          <p:stCondLst>
+                                            <p:cond delay="0"/>
+                                          </p:stCondLst>
+                                        </p:cTn>
+                                        <p:tgtEl>
+                                          <p:spTgt spid="6">
+                                            <p:txEl>
+                                              <p:pRg st="1" end="1"/>
+                                            </p:txEl>
+                                          </p:spTgt>
+                                        </p:tgtEl>
+                                        <p:attrNameLst>
+                                          <p:attrName>style.visibility</p:attrName>
+                                        </p:attrNameLst>
+                                      </p:cBhvr>
+                                      <p:to>
+                                        <p:strVal val="visible"/>
+                                      </p:to>
+                                    </p:set>
+                                    <p:animEffect transition="in" filter="fade">
+                                      <p:cBhvr>
+                                        <p:cTn id="10" dur="500"/>
+                                        <p:tgtEl>
+                                          <p:spTgt spid="6">
+                                            <p:txEl>
+                                              <p:pRg st="1" end="1"/>
+                                            </p:txEl>
+                                          </p:spTgt>
+                                        </p:tgtEl>
+                                      </p:cBhvr>
+                                    </p:animEffect>
+                                  </p:childTnLst>
+                                </p:cTn>
+                              </p:par>
+                            </p:childTnLst>
+                          </p:cTn>
+                        </p:par>
+                      </p:childTnLst>
+                    </p:cTn>
+                  </p:par>
+                  <p:par>
+                    <p:cTn id="11" fill="hold">
+                      <p:stCondLst>
+                        <p:cond delay="indefinite"/>
+                      </p:stCondLst>
+                      <p:childTnLst>
+                        <p:par>
+                          <p:cTn id="12" fill="hold">
+                            <p:stCondLst>
+                              <p:cond delay="0"/>
+                            </p:stCondLst>
+                            <p:childTnLst>
+                              <p:par>
+                                <p:cTn id="13" presetID="10" presetClass="entr" presetSubtype="0" fill="hold" grpId="0" nodeType="clickEffect">
+                                  <p:stCondLst>
+                                    <p:cond delay="0"/>
+                                  </p:stCondLst>
+                                  <p:childTnLst>
+                                    <p:set>
+                                      <p:cBhvr>
+                                        <p:cTn id="14" dur="1" fill="hold">
+                                          <p:stCondLst>
+                                            <p:cond delay="0"/>
+                                          </p:stCondLst>
+                                        </p:cTn>
+                                        <p:tgtEl>
+                                          <p:spTgt spid="6">
+                                            <p:txEl>
+                                              <p:pRg st="2" end="2"/>
+                                            </p:txEl>
+                                          </p:spTgt>
+                                        </p:tgtEl>
+                                        <p:attrNameLst>
+                                          <p:attrName>style.visibility</p:attrName>
+                                        </p:attrNameLst>
+                                      </p:cBhvr>
+                                      <p:to>
+                                        <p:strVal val="visible"/>
+                                      </p:to>
+                                    </p:set>
+                                    <p:animEffect transition="in" filter="fade">
+                                      <p:cBhvr>
+                                        <p:cTn id="15" dur="500"/>
+                                        <p:tgtEl>
+                                          <p:spTgt spid="6">
+                                            <p:txEl>
+                                              <p:pRg st="2" end="2"/>
+                                            </p:txEl>
+                                          </p:spTgt>
+                                        </p:tgtEl>
+                                      </p:cBhvr>
+                                    </p:animEffect>
+                                  </p:childTnLst>
+                                </p:cTn>
+                              </p:par>
+                              <p:par>
+                                <p:cTn id="16" presetID="10" presetClass="entr" presetSubtype="0" fill="hold" grpId="0" nodeType="withEffect">
+                                  <p:stCondLst>
+                                    <p:cond delay="0"/>
+                                  </p:stCondLst>
+                                  <p:childTnLst>
+                                    <p:set>
+                                      <p:cBhvr>
+                                        <p:cTn id="17" dur="1" fill="hold">
+                                          <p:stCondLst>
+                                            <p:cond delay="0"/>
+                                          </p:stCondLst>
+                                        </p:cTn>
+                                        <p:tgtEl>
+                                          <p:spTgt spid="6">
+                                            <p:txEl>
+                                              <p:pRg st="3" end="3"/>
+                                            </p:txEl>
+                                          </p:spTgt>
+                                        </p:tgtEl>
+                                        <p:attrNameLst>
+                                          <p:attrName>style.visibility</p:attrName>
+                                        </p:attrNameLst>
+                                      </p:cBhvr>
+                                      <p:to>
+                                        <p:strVal val="visible"/>
+                                      </p:to>
+                                    </p:set>
+                                    <p:animEffect transition="in" filter="fade">
+                                      <p:cBhvr>
+                                        <p:cTn id="18" dur="500"/>
+                                        <p:tgtEl>
+                                          <p:spTgt spid="6">
+                                            <p:txEl>
+                                              <p:pRg st="3" end="3"/>
+                                            </p:txEl>
+                                          </p:spTgt>
+                                        </p:tgtEl>
+                                      </p:cBhvr>
+                                    </p:animEffect>
+                                  </p:childTnLst>
+                                </p:cTn>
+                              </p:par>
+                            </p:childTnLst>
+                          </p:cTn>
+                        </p:par>
+                      </p:childTnLst>
+                    </p:cTn>
+                  </p:par>
+                  <p:par>
+                    <p:cTn id="19" fill="hold">
+                      <p:stCondLst>
+                        <p:cond delay="indefinite"/>
+                      </p:stCondLst>
+                      <p:childTnLst>
+                        <p:par>
+                          <p:cTn id="20" fill="hold">
+                            <p:stCondLst>
+                              <p:cond delay="0"/>
+                            </p:stCondLst>
+                            <p:childTnLst>
+                              <p:par>
+                                <p:cTn id="21" presetID="10" presetClass="entr" presetSubtype="0" fill="hold" grpId="0" nodeType="clickEffect">
+                                  <p:stCondLst>
+                                    <p:cond delay="0"/>
+                                  </p:stCondLst>
+                                  <p:childTnLst>
+                                    <p:set>
+                                      <p:cBhvr>
+                                        <p:cTn id="22" dur="1" fill="hold">
+                                          <p:stCondLst>
+                                            <p:cond delay="0"/>
+                                          </p:stCondLst>
+                                        </p:cTn>
+                                        <p:tgtEl>
+                                          <p:spTgt spid="6">
+                                            <p:txEl>
+                                              <p:pRg st="4" end="4"/>
+                                            </p:txEl>
+                                          </p:spTgt>
+                                        </p:tgtEl>
+                                        <p:attrNameLst>
+                                          <p:attrName>style.visibility</p:attrName>
+                                        </p:attrNameLst>
+                                      </p:cBhvr>
+                                      <p:to>
+                                        <p:strVal val="visible"/>
+                                      </p:to>
+                                    </p:set>
+                                    <p:animEffect transition="in" filter="fade">
+                                      <p:cBhvr>
+                                        <p:cTn id="23" dur="500"/>
+                                        <p:tgtEl>
+                                          <p:spTgt spid="6">
+                                            <p:txEl>
+                                              <p:pRg st="4" end="4"/>
+                                            </p:txEl>
+                                          </p:spTgt>
+                                        </p:tgtEl>
+                                      </p:cBhvr>
+                                    </p:animEffect>
+                                  </p:childTnLst>
+                                </p:cTn>
+                              </p:par>
+                              <p:par>
+                                <p:cTn id="24" presetID="10" presetClass="entr" presetSubtype="0" fill="hold" grpId="0" nodeType="withEffect">
+                                  <p:stCondLst>
+                                    <p:cond delay="0"/>
+                                  </p:stCondLst>
+                                  <p:childTnLst>
+                                    <p:set>
+                                      <p:cBhvr>
+                                        <p:cTn id="25" dur="1" fill="hold">
+                                          <p:stCondLst>
+                                            <p:cond delay="0"/>
+                                          </p:stCondLst>
+                                        </p:cTn>
+                                        <p:tgtEl>
+                                          <p:spTgt spid="6">
+                                            <p:txEl>
+                                              <p:pRg st="5" end="5"/>
+                                            </p:txEl>
+                                          </p:spTgt>
+                                        </p:tgtEl>
+                                        <p:attrNameLst>
+                                          <p:attrName>style.visibility</p:attrName>
+                                        </p:attrNameLst>
+                                      </p:cBhvr>
+                                      <p:to>
+                                        <p:strVal val="visible"/>
+                                      </p:to>
+                                    </p:set>
+                                    <p:animEffect transition="in" filter="fade">
+                                      <p:cBhvr>
+                                        <p:cTn id="26" dur="500"/>
+                                        <p:tgtEl>
+                                          <p:spTgt spid="6">
+                                            <p:txEl>
+                                              <p:pRg st="5" end="5"/>
+                                            </p:txEl>
+                                          </p:spTgt>
+                                        </p:tgtEl>
+                                      </p:cBhvr>
+                                    </p:animEffect>
+                                  </p:childTnLst>
+                                </p:cTn>
+                              </p:par>
+                            </p:childTnLst>
+                          </p:cTn>
+                        </p:par>
+                      </p:childTnLst>
+                    </p:cTn>
+                  </p:par>
+                  <p:par>
+                    <p:cTn id="27" fill="hold">
+                      <p:stCondLst>
+                        <p:cond delay="indefinite"/>
+                      </p:stCondLst>
+                      <p:childTnLst>
+                        <p:par>
+                          <p:cTn id="28" fill="hold">
+                            <p:stCondLst>
+                              <p:cond delay="0"/>
+                            </p:stCondLst>
+                            <p:childTnLst>
+                              <p:par>
+                                <p:cTn id="29" presetID="10" presetClass="entr" presetSubtype="0" fill="hold" grpId="0" nodeType="clickEffect">
+                                  <p:stCondLst>
+                                    <p:cond delay="0"/>
+                                  </p:stCondLst>
+                                  <p:childTnLst>
+                                    <p:set>
+                                      <p:cBhvr>
+                                        <p:cTn id="30" dur="1" fill="hold">
+                                          <p:stCondLst>
+                                            <p:cond delay="0"/>
+                                          </p:stCondLst>
+                                        </p:cTn>
+                                        <p:tgtEl>
+                                          <p:spTgt spid="6">
+                                            <p:txEl>
+                                              <p:pRg st="6" end="6"/>
+                                            </p:txEl>
+                                          </p:spTgt>
+                                        </p:tgtEl>
+                                        <p:attrNameLst>
+                                          <p:attrName>style.visibility</p:attrName>
+                                        </p:attrNameLst>
+                                      </p:cBhvr>
+                                      <p:to>
+                                        <p:strVal val="visible"/>
+                                      </p:to>
+                                    </p:set>
+                                    <p:animEffect transition="in" filter="fade">
+                                      <p:cBhvr>
+                                        <p:cTn id="31" dur="500"/>
+                                        <p:tgtEl>
+                                          <p:spTgt spid="6">
+                                            <p:txEl>
+                                              <p:pRg st="6" end="6"/>
+                                            </p:txEl>
+                                          </p:spTgt>
+                                        </p:tgtEl>
+                                      </p:cBhvr>
+                                    </p:animEffect>
+                                  </p:childTnLst>
+                                </p:cTn>
+                              </p:par>
+                              <p:par>
+                                <p:cTn id="32" presetID="10" presetClass="entr" presetSubtype="0" fill="hold" grpId="0" nodeType="withEffect">
+                                  <p:stCondLst>
+                                    <p:cond delay="0"/>
+                                  </p:stCondLst>
+                                  <p:childTnLst>
+                                    <p:set>
+                                      <p:cBhvr>
+                                        <p:cTn id="33" dur="1" fill="hold">
+                                          <p:stCondLst>
+                                            <p:cond delay="0"/>
+                                          </p:stCondLst>
+                                        </p:cTn>
+                                        <p:tgtEl>
+                                          <p:spTgt spid="6">
+                                            <p:txEl>
+                                              <p:pRg st="7" end="7"/>
+                                            </p:txEl>
+                                          </p:spTgt>
+                                        </p:tgtEl>
+                                        <p:attrNameLst>
+                                          <p:attrName>style.visibility</p:attrName>
+                                        </p:attrNameLst>
+                                      </p:cBhvr>
+                                      <p:to>
+                                        <p:strVal val="visible"/>
+                                      </p:to>
+                                    </p:set>
+                                    <p:animEffect transition="in" filter="fade">
+                                      <p:cBhvr>
+                                        <p:cTn id="34" dur="500"/>
+                                        <p:tgtEl>
+                                          <p:spTgt spid="6">
+                                            <p:txEl>
+                                              <p:pRg st="7" end="7"/>
+                                            </p:txEl>
+                                          </p:spTgt>
+                                        </p:tgtEl>
+                                      </p:cBhvr>
+                                    </p:animEffect>
+                                  </p:childTnLst>
+                                </p:cTn>
+                              </p:par>
+                            </p:childTnLst>
+                          </p:cTn>
+                        </p:par>
+                      </p:childTnLst>
+                    </p:cTn>
+                  </p:par>
+                </p:childTnLst>
+              </p:cTn>
+              <p:prevCondLst>
+                <p:cond evt="onPrev" delay="0">
+                  <p:tgtEl>
+                    <p:sldTgt/>
+                  </p:tgtEl>
+                </p:cond>
+              </p:prevCondLst>
+              <p:nextCondLst>
+                <p:cond evt="onNext" delay="0">
+                  <p:tgtEl>
+                    <p:sldTgt/>
+                  </p:tgtEl>
+                </p:cond>
+              </p:nextCondLst>
+            </p:seq>
+          </p:childTnLst>
+        </p:cTn>
+      </p:par>
+    </p:tnLst>
+    <p:bldLst>
+      <p:bldP spid="6" grpId="0" build="p"/>
+    </p:bldLst>
+  </p:timing>
+</p:sld>
+</file>
+
+<file path=ppt/slides/slide3.xml><?xml version="1.0" encoding="utf-8"?>
+<p:sld xmlns:a="http://schemas.openxmlformats.org/drawingml/2006/main" xmlns:r="http://schemas.openxmlformats.org/officeDocument/2006/relationships" xmlns:p="http://schemas.openxmlformats.org/presentationml/2006/main">
+  <p:cSld>
+    <p:spTree>
+      <p:nvGrpSpPr>
+        <p:cNvPr id="1" name=""/>
+        <p:cNvGrpSpPr/>
+        <p:nvPr/>
+      </p:nvGrpSpPr>
+      <p:grpSpPr>
+        <a:xfrm>
+          <a:off x="0" y="0"/>
+          <a:ext cx="0" cy="0"/>
+          <a:chOff x="0" y="0"/>
+          <a:chExt cx="0" cy="0"/>
+        </a:xfrm>
+      </p:grpSpPr>
+      <p:sp>
+        <p:nvSpPr>
+          <p:cNvPr id="2" name="Title 1"/>
+          <p:cNvSpPr>
+            <a:spLocks noGrp="1"/>
+          </p:cNvSpPr>
+          <p:nvPr>
+            <p:ph type="title"/>
+          </p:nvPr>
+        </p:nvSpPr>
+        <p:spPr/>
+        <p:txBody>
+          <a:bodyPr/>
+          <a:lstStyle/>
+          <a:p>
+            <a:r>
+              <a:rPr lang="en-US" dirty="0" smtClean="0"/>
+              <a:t>Getting Started</a:t>
+            </a:r>
+            <a:endParaRPr lang="en-US" dirty="0"/>
           </a:p>
         </p:txBody>
       </p:sp>
@@ -2845,14 +3639,100 @@
           <a:bodyPr/>
           <a:lstStyle/>
           <a:p>
-            <a:endParaRPr lang="en-US"/>
+            <a:r>
+              <a:rPr lang="en-US" dirty="0" smtClean="0"/>
+              <a:t>Install with Visual Studio 2015</a:t>
+            </a:r>
+          </a:p>
+          <a:p>
+            <a:r>
+              <a:rPr lang="en-US" dirty="0" smtClean="0"/>
+              <a:t>Install using the .NET Version Manager (</a:t>
+            </a:r>
+            <a:r>
+              <a:rPr lang="en-US" dirty="0" err="1" smtClean="0"/>
+              <a:t>dnvm</a:t>
+            </a:r>
+            <a:r>
+              <a:rPr lang="en-US" dirty="0" smtClean="0"/>
+              <a:t>)</a:t>
+            </a:r>
+            <a:endParaRPr lang="en-US" dirty="0"/>
           </a:p>
         </p:txBody>
       </p:sp>
+      <p:pic>
+        <p:nvPicPr>
+          <p:cNvPr id="4" name="Picture 3"/>
+          <p:cNvPicPr>
+            <a:picLocks noChangeAspect="1"/>
+          </p:cNvPicPr>
+          <p:nvPr/>
+        </p:nvPicPr>
+        <p:blipFill>
+          <a:blip r:embed="rId3"/>
+          <a:stretch>
+            <a:fillRect/>
+          </a:stretch>
+        </p:blipFill>
+        <p:spPr>
+          <a:xfrm>
+            <a:off x="457200" y="2667000"/>
+            <a:ext cx="3733800" cy="2791590"/>
+          </a:xfrm>
+          <a:prstGeom prst="rect">
+            <a:avLst/>
+          </a:prstGeom>
+          <a:ln>
+            <a:noFill/>
+          </a:ln>
+          <a:effectLst>
+            <a:outerShdw blurRad="292100" dist="139700" dir="2700000" algn="tl" rotWithShape="0">
+              <a:srgbClr val="333333">
+                <a:alpha val="65000"/>
+              </a:srgbClr>
+            </a:outerShdw>
+          </a:effectLst>
+        </p:spPr>
+      </p:pic>
+      <p:pic>
+        <p:nvPicPr>
+          <p:cNvPr id="5" name="Picture 4"/>
+          <p:cNvPicPr>
+            <a:picLocks noChangeAspect="1"/>
+          </p:cNvPicPr>
+          <p:nvPr/>
+        </p:nvPicPr>
+        <p:blipFill>
+          <a:blip r:embed="rId4"/>
+          <a:stretch>
+            <a:fillRect/>
+          </a:stretch>
+        </p:blipFill>
+        <p:spPr>
+          <a:xfrm>
+            <a:off x="4593076" y="2667000"/>
+            <a:ext cx="3788923" cy="2763646"/>
+          </a:xfrm>
+          <a:prstGeom prst="rect">
+            <a:avLst/>
+          </a:prstGeom>
+          <a:ln>
+            <a:noFill/>
+          </a:ln>
+          <a:effectLst>
+            <a:outerShdw blurRad="292100" dist="139700" dir="2700000" algn="tl" rotWithShape="0">
+              <a:srgbClr val="333333">
+                <a:alpha val="65000"/>
+              </a:srgbClr>
+            </a:outerShdw>
+          </a:effectLst>
+        </p:spPr>
+      </p:pic>
     </p:spTree>
     <p:extLst>
       <p:ext uri="{BB962C8B-B14F-4D97-AF65-F5344CB8AC3E}">
-        <p14:creationId xmlns:p14="http://schemas.microsoft.com/office/powerpoint/2010/main" val="3142893659"/>
+        <p14:creationId xmlns:p14="http://schemas.microsoft.com/office/powerpoint/2010/main" val="1188321203"/>
       </p:ext>
     </p:extLst>
   </p:cSld>
@@ -2862,6 +3742,821 @@
   <p:transition>
     <p:fade/>
   </p:transition>
+  <p:timing>
+    <p:tnLst>
+      <p:par>
+        <p:cTn id="1" dur="indefinite" restart="never" nodeType="tmRoot"/>
+      </p:par>
+    </p:tnLst>
+  </p:timing>
+</p:sld>
+</file>
+
+<file path=ppt/slides/slide4.xml><?xml version="1.0" encoding="utf-8"?>
+<p:sld xmlns:a="http://schemas.openxmlformats.org/drawingml/2006/main" xmlns:r="http://schemas.openxmlformats.org/officeDocument/2006/relationships" xmlns:p="http://schemas.openxmlformats.org/presentationml/2006/main">
+  <p:cSld>
+    <p:spTree>
+      <p:nvGrpSpPr>
+        <p:cNvPr id="1" name=""/>
+        <p:cNvGrpSpPr/>
+        <p:nvPr/>
+      </p:nvGrpSpPr>
+      <p:grpSpPr>
+        <a:xfrm>
+          <a:off x="0" y="0"/>
+          <a:ext cx="0" cy="0"/>
+          <a:chOff x="0" y="0"/>
+          <a:chExt cx="0" cy="0"/>
+        </a:xfrm>
+      </p:grpSpPr>
+      <p:sp>
+        <p:nvSpPr>
+          <p:cNvPr id="2" name="Title 1"/>
+          <p:cNvSpPr>
+            <a:spLocks noGrp="1"/>
+          </p:cNvSpPr>
+          <p:nvPr>
+            <p:ph type="title"/>
+          </p:nvPr>
+        </p:nvSpPr>
+        <p:spPr/>
+        <p:txBody>
+          <a:bodyPr/>
+          <a:lstStyle/>
+          <a:p>
+            <a:r>
+              <a:rPr lang="en-US" dirty="0" smtClean="0"/>
+              <a:t>Creating a Web App</a:t>
+            </a:r>
+            <a:endParaRPr lang="en-US" dirty="0"/>
+          </a:p>
+        </p:txBody>
+      </p:sp>
+      <p:sp>
+        <p:nvSpPr>
+          <p:cNvPr id="3" name="Text Placeholder 2"/>
+          <p:cNvSpPr>
+            <a:spLocks noGrp="1"/>
+          </p:cNvSpPr>
+          <p:nvPr>
+            <p:ph type="body" idx="1"/>
+          </p:nvPr>
+        </p:nvSpPr>
+        <p:spPr/>
+        <p:txBody>
+          <a:bodyPr/>
+          <a:lstStyle/>
+          <a:p>
+            <a:r>
+              <a:rPr lang="en-US" dirty="0" smtClean="0"/>
+              <a:t>Visual Studio offers ASP.NET 5 templates</a:t>
+            </a:r>
+            <a:endParaRPr lang="en-US" dirty="0"/>
+          </a:p>
+        </p:txBody>
+      </p:sp>
+      <p:pic>
+        <p:nvPicPr>
+          <p:cNvPr id="4" name="Picture 3"/>
+          <p:cNvPicPr>
+            <a:picLocks noChangeAspect="1"/>
+          </p:cNvPicPr>
+          <p:nvPr/>
+        </p:nvPicPr>
+        <p:blipFill>
+          <a:blip r:embed="rId3"/>
+          <a:stretch>
+            <a:fillRect/>
+          </a:stretch>
+        </p:blipFill>
+        <p:spPr>
+          <a:xfrm>
+            <a:off x="2209800" y="2209800"/>
+            <a:ext cx="4495800" cy="3504348"/>
+          </a:xfrm>
+          <a:prstGeom prst="rect">
+            <a:avLst/>
+          </a:prstGeom>
+          <a:ln>
+            <a:noFill/>
+          </a:ln>
+          <a:effectLst>
+            <a:outerShdw blurRad="292100" dist="139700" dir="2700000" algn="tl" rotWithShape="0">
+              <a:srgbClr val="333333">
+                <a:alpha val="65000"/>
+              </a:srgbClr>
+            </a:outerShdw>
+          </a:effectLst>
+        </p:spPr>
+      </p:pic>
+    </p:spTree>
+    <p:extLst>
+      <p:ext uri="{BB962C8B-B14F-4D97-AF65-F5344CB8AC3E}">
+        <p14:creationId xmlns:p14="http://schemas.microsoft.com/office/powerpoint/2010/main" val="944689732"/>
+      </p:ext>
+    </p:extLst>
+  </p:cSld>
+  <p:clrMapOvr>
+    <a:masterClrMapping/>
+  </p:clrMapOvr>
+  <p:transition>
+    <p:fade/>
+  </p:transition>
+  <p:timing>
+    <p:tnLst>
+      <p:par>
+        <p:cTn id="1" dur="indefinite" restart="never" nodeType="tmRoot"/>
+      </p:par>
+    </p:tnLst>
+  </p:timing>
+</p:sld>
+</file>
+
+<file path=ppt/slides/slide5.xml><?xml version="1.0" encoding="utf-8"?>
+<p:sld xmlns:a="http://schemas.openxmlformats.org/drawingml/2006/main" xmlns:r="http://schemas.openxmlformats.org/officeDocument/2006/relationships" xmlns:p="http://schemas.openxmlformats.org/presentationml/2006/main">
+  <p:cSld>
+    <p:spTree>
+      <p:nvGrpSpPr>
+        <p:cNvPr id="1" name=""/>
+        <p:cNvGrpSpPr/>
+        <p:nvPr/>
+      </p:nvGrpSpPr>
+      <p:grpSpPr>
+        <a:xfrm>
+          <a:off x="0" y="0"/>
+          <a:ext cx="0" cy="0"/>
+          <a:chOff x="0" y="0"/>
+          <a:chExt cx="0" cy="0"/>
+        </a:xfrm>
+      </p:grpSpPr>
+      <p:sp>
+        <p:nvSpPr>
+          <p:cNvPr id="2" name="Title 1"/>
+          <p:cNvSpPr>
+            <a:spLocks noGrp="1"/>
+          </p:cNvSpPr>
+          <p:nvPr>
+            <p:ph type="title"/>
+          </p:nvPr>
+        </p:nvSpPr>
+        <p:spPr/>
+        <p:txBody>
+          <a:bodyPr/>
+          <a:lstStyle/>
+          <a:p>
+            <a:r>
+              <a:rPr lang="en-US" dirty="0" smtClean="0"/>
+              <a:t>The .</a:t>
+            </a:r>
+            <a:r>
+              <a:rPr lang="en-US" dirty="0" err="1" smtClean="0"/>
+              <a:t>xproj</a:t>
+            </a:r>
+            <a:r>
+              <a:rPr lang="en-US" dirty="0" smtClean="0"/>
+              <a:t> file</a:t>
+            </a:r>
+            <a:endParaRPr lang="en-US" dirty="0"/>
+          </a:p>
+        </p:txBody>
+      </p:sp>
+      <p:sp>
+        <p:nvSpPr>
+          <p:cNvPr id="3" name="Text Placeholder 2"/>
+          <p:cNvSpPr>
+            <a:spLocks noGrp="1"/>
+          </p:cNvSpPr>
+          <p:nvPr>
+            <p:ph type="body" idx="1"/>
+          </p:nvPr>
+        </p:nvSpPr>
+        <p:spPr/>
+        <p:txBody>
+          <a:bodyPr/>
+          <a:lstStyle/>
+          <a:p>
+            <a:r>
+              <a:rPr lang="en-US" dirty="0" smtClean="0"/>
+              <a:t>.</a:t>
+            </a:r>
+            <a:r>
+              <a:rPr lang="en-US" dirty="0" err="1" smtClean="0"/>
+              <a:t>xproj</a:t>
+            </a:r>
+            <a:r>
+              <a:rPr lang="en-US" dirty="0" smtClean="0"/>
+              <a:t> file for Visual Studio</a:t>
+            </a:r>
+          </a:p>
+          <a:p>
+            <a:pPr lvl="1"/>
+            <a:r>
+              <a:rPr lang="en-US" dirty="0" smtClean="0"/>
+              <a:t>No individual files</a:t>
+            </a:r>
+          </a:p>
+          <a:p>
+            <a:pPr lvl="1"/>
+            <a:r>
+              <a:rPr lang="en-US" dirty="0" smtClean="0"/>
+              <a:t>No assembly references</a:t>
+            </a:r>
+          </a:p>
+          <a:p>
+            <a:pPr lvl="1"/>
+            <a:r>
+              <a:rPr lang="en-US" dirty="0" smtClean="0"/>
+              <a:t>Enabled tooling, building</a:t>
+            </a:r>
+          </a:p>
+          <a:p>
+            <a:r>
+              <a:rPr lang="en-US" dirty="0" smtClean="0"/>
+              <a:t>File system dictates project contents</a:t>
+            </a:r>
+            <a:endParaRPr lang="en-US" dirty="0"/>
+          </a:p>
+        </p:txBody>
+      </p:sp>
+      <p:pic>
+        <p:nvPicPr>
+          <p:cNvPr id="4" name="Picture 3"/>
+          <p:cNvPicPr>
+            <a:picLocks noChangeAspect="1"/>
+          </p:cNvPicPr>
+          <p:nvPr/>
+        </p:nvPicPr>
+        <p:blipFill>
+          <a:blip r:embed="rId2"/>
+          <a:stretch>
+            <a:fillRect/>
+          </a:stretch>
+        </p:blipFill>
+        <p:spPr>
+          <a:xfrm>
+            <a:off x="5336210" y="1509028"/>
+            <a:ext cx="3367087" cy="4373343"/>
+          </a:xfrm>
+          <a:prstGeom prst="rect">
+            <a:avLst/>
+          </a:prstGeom>
+          <a:ln>
+            <a:noFill/>
+          </a:ln>
+          <a:effectLst>
+            <a:outerShdw blurRad="292100" dist="139700" dir="2700000" algn="tl" rotWithShape="0">
+              <a:srgbClr val="333333">
+                <a:alpha val="65000"/>
+              </a:srgbClr>
+            </a:outerShdw>
+          </a:effectLst>
+        </p:spPr>
+      </p:pic>
+    </p:spTree>
+    <p:extLst>
+      <p:ext uri="{BB962C8B-B14F-4D97-AF65-F5344CB8AC3E}">
+        <p14:creationId xmlns:p14="http://schemas.microsoft.com/office/powerpoint/2010/main" val="2548110037"/>
+      </p:ext>
+    </p:extLst>
+  </p:cSld>
+  <p:clrMapOvr>
+    <a:masterClrMapping/>
+  </p:clrMapOvr>
+  <p:transition>
+    <p:fade/>
+  </p:transition>
+  <p:timing>
+    <p:tnLst>
+      <p:par>
+        <p:cTn id="1" dur="indefinite" restart="never" nodeType="tmRoot"/>
+      </p:par>
+    </p:tnLst>
+  </p:timing>
+</p:sld>
+</file>
+
+<file path=ppt/slides/slide6.xml><?xml version="1.0" encoding="utf-8"?>
+<p:sld xmlns:a="http://schemas.openxmlformats.org/drawingml/2006/main" xmlns:r="http://schemas.openxmlformats.org/officeDocument/2006/relationships" xmlns:p="http://schemas.openxmlformats.org/presentationml/2006/main">
+  <p:cSld>
+    <p:spTree>
+      <p:nvGrpSpPr>
+        <p:cNvPr id="1" name=""/>
+        <p:cNvGrpSpPr/>
+        <p:nvPr/>
+      </p:nvGrpSpPr>
+      <p:grpSpPr>
+        <a:xfrm>
+          <a:off x="0" y="0"/>
+          <a:ext cx="0" cy="0"/>
+          <a:chOff x="0" y="0"/>
+          <a:chExt cx="0" cy="0"/>
+        </a:xfrm>
+      </p:grpSpPr>
+      <p:sp>
+        <p:nvSpPr>
+          <p:cNvPr id="2" name="Title 1"/>
+          <p:cNvSpPr>
+            <a:spLocks noGrp="1"/>
+          </p:cNvSpPr>
+          <p:nvPr>
+            <p:ph type="title"/>
+          </p:nvPr>
+        </p:nvSpPr>
+        <p:spPr/>
+        <p:txBody>
+          <a:bodyPr/>
+          <a:lstStyle/>
+          <a:p>
+            <a:r>
+              <a:rPr lang="en-US" dirty="0" smtClean="0"/>
+              <a:t>The </a:t>
+            </a:r>
+            <a:r>
+              <a:rPr lang="en-US" dirty="0" err="1" smtClean="0"/>
+              <a:t>project.json</a:t>
+            </a:r>
+            <a:endParaRPr lang="en-US" dirty="0"/>
+          </a:p>
+        </p:txBody>
+      </p:sp>
+      <p:sp>
+        <p:nvSpPr>
+          <p:cNvPr id="3" name="Text Placeholder 2"/>
+          <p:cNvSpPr>
+            <a:spLocks noGrp="1"/>
+          </p:cNvSpPr>
+          <p:nvPr>
+            <p:ph type="body" idx="1"/>
+          </p:nvPr>
+        </p:nvSpPr>
+        <p:spPr/>
+        <p:txBody>
+          <a:bodyPr/>
+          <a:lstStyle/>
+          <a:p>
+            <a:r>
+              <a:rPr lang="en-US" dirty="0" err="1"/>
+              <a:t>p</a:t>
+            </a:r>
+            <a:r>
+              <a:rPr lang="en-US" dirty="0" err="1" smtClean="0"/>
+              <a:t>roject.json</a:t>
+            </a:r>
+            <a:r>
+              <a:rPr lang="en-US" dirty="0" smtClean="0"/>
+              <a:t> is the heart of the project</a:t>
+            </a:r>
+          </a:p>
+          <a:p>
+            <a:pPr lvl="1"/>
+            <a:r>
+              <a:rPr lang="en-US" dirty="0" smtClean="0"/>
+              <a:t>Defines dependencies (references)</a:t>
+            </a:r>
+          </a:p>
+          <a:p>
+            <a:pPr lvl="1"/>
+            <a:r>
+              <a:rPr lang="en-US" dirty="0" smtClean="0"/>
+              <a:t>Defines framework</a:t>
+            </a:r>
+          </a:p>
+          <a:p>
+            <a:pPr lvl="1"/>
+            <a:r>
+              <a:rPr lang="en-US" dirty="0" smtClean="0"/>
+              <a:t>Defines the “build”</a:t>
+            </a:r>
+            <a:endParaRPr lang="en-US" dirty="0"/>
+          </a:p>
+        </p:txBody>
+      </p:sp>
+      <p:pic>
+        <p:nvPicPr>
+          <p:cNvPr id="4" name="Picture 3"/>
+          <p:cNvPicPr>
+            <a:picLocks noChangeAspect="1"/>
+          </p:cNvPicPr>
+          <p:nvPr/>
+        </p:nvPicPr>
+        <p:blipFill>
+          <a:blip r:embed="rId2"/>
+          <a:stretch>
+            <a:fillRect/>
+          </a:stretch>
+        </p:blipFill>
+        <p:spPr>
+          <a:xfrm>
+            <a:off x="1690688" y="2971800"/>
+            <a:ext cx="5319712" cy="3430780"/>
+          </a:xfrm>
+          <a:prstGeom prst="rect">
+            <a:avLst/>
+          </a:prstGeom>
+          <a:ln>
+            <a:noFill/>
+          </a:ln>
+          <a:effectLst>
+            <a:outerShdw blurRad="292100" dist="139700" dir="2700000" algn="tl" rotWithShape="0">
+              <a:srgbClr val="333333">
+                <a:alpha val="65000"/>
+              </a:srgbClr>
+            </a:outerShdw>
+          </a:effectLst>
+        </p:spPr>
+      </p:pic>
+    </p:spTree>
+    <p:extLst>
+      <p:ext uri="{BB962C8B-B14F-4D97-AF65-F5344CB8AC3E}">
+        <p14:creationId xmlns:p14="http://schemas.microsoft.com/office/powerpoint/2010/main" val="3011975128"/>
+      </p:ext>
+    </p:extLst>
+  </p:cSld>
+  <p:clrMapOvr>
+    <a:masterClrMapping/>
+  </p:clrMapOvr>
+  <p:transition>
+    <p:fade/>
+  </p:transition>
+  <p:timing>
+    <p:tnLst>
+      <p:par>
+        <p:cTn id="1" dur="indefinite" restart="never" nodeType="tmRoot"/>
+      </p:par>
+    </p:tnLst>
+  </p:timing>
+</p:sld>
+</file>
+
+<file path=ppt/slides/slide7.xml><?xml version="1.0" encoding="utf-8"?>
+<p:sld xmlns:a="http://schemas.openxmlformats.org/drawingml/2006/main" xmlns:r="http://schemas.openxmlformats.org/officeDocument/2006/relationships" xmlns:p="http://schemas.openxmlformats.org/presentationml/2006/main">
+  <p:cSld>
+    <p:spTree>
+      <p:nvGrpSpPr>
+        <p:cNvPr id="1" name=""/>
+        <p:cNvGrpSpPr/>
+        <p:nvPr/>
+      </p:nvGrpSpPr>
+      <p:grpSpPr>
+        <a:xfrm>
+          <a:off x="0" y="0"/>
+          <a:ext cx="0" cy="0"/>
+          <a:chOff x="0" y="0"/>
+          <a:chExt cx="0" cy="0"/>
+        </a:xfrm>
+      </p:grpSpPr>
+      <p:sp>
+        <p:nvSpPr>
+          <p:cNvPr id="2" name="Title 1"/>
+          <p:cNvSpPr>
+            <a:spLocks noGrp="1"/>
+          </p:cNvSpPr>
+          <p:nvPr>
+            <p:ph type="title"/>
+          </p:nvPr>
+        </p:nvSpPr>
+        <p:spPr/>
+        <p:txBody>
+          <a:bodyPr/>
+          <a:lstStyle/>
+          <a:p>
+            <a:r>
+              <a:rPr lang="en-US" dirty="0" smtClean="0"/>
+              <a:t>The </a:t>
+            </a:r>
+            <a:r>
+              <a:rPr lang="en-US" dirty="0" err="1" smtClean="0"/>
+              <a:t>wwwroot</a:t>
+            </a:r>
+            <a:r>
+              <a:rPr lang="en-US" dirty="0" smtClean="0"/>
+              <a:t> folder</a:t>
+            </a:r>
+            <a:endParaRPr lang="en-US" dirty="0"/>
+          </a:p>
+        </p:txBody>
+      </p:sp>
+      <p:sp>
+        <p:nvSpPr>
+          <p:cNvPr id="3" name="Text Placeholder 2"/>
+          <p:cNvSpPr>
+            <a:spLocks noGrp="1"/>
+          </p:cNvSpPr>
+          <p:nvPr>
+            <p:ph type="body" idx="1"/>
+          </p:nvPr>
+        </p:nvSpPr>
+        <p:spPr/>
+        <p:txBody>
+          <a:bodyPr/>
+          <a:lstStyle/>
+          <a:p>
+            <a:r>
+              <a:rPr lang="en-US" dirty="0" smtClean="0"/>
+              <a:t>Web site is rooted in </a:t>
+            </a:r>
+            <a:r>
+              <a:rPr lang="en-US" dirty="0" err="1" smtClean="0"/>
+              <a:t>wwwroot</a:t>
+            </a:r>
+            <a:endParaRPr lang="en-US" dirty="0" smtClean="0"/>
+          </a:p>
+          <a:p>
+            <a:pPr lvl="1"/>
+            <a:r>
+              <a:rPr lang="en-US" dirty="0" smtClean="0"/>
+              <a:t>Static assets must live in </a:t>
+            </a:r>
+            <a:r>
+              <a:rPr lang="en-US" dirty="0" err="1" smtClean="0"/>
+              <a:t>wwwroot</a:t>
+            </a:r>
+            <a:endParaRPr lang="en-US" dirty="0" smtClean="0"/>
+          </a:p>
+          <a:p>
+            <a:r>
+              <a:rPr lang="en-US" dirty="0" smtClean="0"/>
+              <a:t>Name is configurable in </a:t>
+            </a:r>
+            <a:r>
+              <a:rPr lang="en-US" dirty="0" err="1" smtClean="0"/>
+              <a:t>project.json</a:t>
+            </a:r>
+            <a:endParaRPr lang="en-US" dirty="0"/>
+          </a:p>
+        </p:txBody>
+      </p:sp>
+      <p:pic>
+        <p:nvPicPr>
+          <p:cNvPr id="4" name="Picture 3"/>
+          <p:cNvPicPr>
+            <a:picLocks noChangeAspect="1"/>
+          </p:cNvPicPr>
+          <p:nvPr/>
+        </p:nvPicPr>
+        <p:blipFill>
+          <a:blip r:embed="rId2"/>
+          <a:stretch>
+            <a:fillRect/>
+          </a:stretch>
+        </p:blipFill>
+        <p:spPr>
+          <a:xfrm>
+            <a:off x="4542148" y="2805112"/>
+            <a:ext cx="3889415" cy="3138488"/>
+          </a:xfrm>
+          <a:prstGeom prst="rect">
+            <a:avLst/>
+          </a:prstGeom>
+          <a:ln>
+            <a:noFill/>
+          </a:ln>
+          <a:effectLst>
+            <a:outerShdw blurRad="292100" dist="139700" dir="2700000" algn="tl" rotWithShape="0">
+              <a:srgbClr val="333333">
+                <a:alpha val="65000"/>
+              </a:srgbClr>
+            </a:outerShdw>
+          </a:effectLst>
+        </p:spPr>
+      </p:pic>
+    </p:spTree>
+    <p:extLst>
+      <p:ext uri="{BB962C8B-B14F-4D97-AF65-F5344CB8AC3E}">
+        <p14:creationId xmlns:p14="http://schemas.microsoft.com/office/powerpoint/2010/main" val="1406207352"/>
+      </p:ext>
+    </p:extLst>
+  </p:cSld>
+  <p:clrMapOvr>
+    <a:masterClrMapping/>
+  </p:clrMapOvr>
+  <p:transition>
+    <p:fade/>
+  </p:transition>
+  <p:timing>
+    <p:tnLst>
+      <p:par>
+        <p:cTn id="1" dur="indefinite" restart="never" nodeType="tmRoot"/>
+      </p:par>
+    </p:tnLst>
+  </p:timing>
+</p:sld>
+</file>
+
+<file path=ppt/slides/slide8.xml><?xml version="1.0" encoding="utf-8"?>
+<p:sld xmlns:a="http://schemas.openxmlformats.org/drawingml/2006/main" xmlns:r="http://schemas.openxmlformats.org/officeDocument/2006/relationships" xmlns:p="http://schemas.openxmlformats.org/presentationml/2006/main">
+  <p:cSld>
+    <p:spTree>
+      <p:nvGrpSpPr>
+        <p:cNvPr id="1" name=""/>
+        <p:cNvGrpSpPr/>
+        <p:nvPr/>
+      </p:nvGrpSpPr>
+      <p:grpSpPr>
+        <a:xfrm>
+          <a:off x="0" y="0"/>
+          <a:ext cx="0" cy="0"/>
+          <a:chOff x="0" y="0"/>
+          <a:chExt cx="0" cy="0"/>
+        </a:xfrm>
+      </p:grpSpPr>
+      <p:sp>
+        <p:nvSpPr>
+          <p:cNvPr id="2" name="Title 1"/>
+          <p:cNvSpPr>
+            <a:spLocks noGrp="1"/>
+          </p:cNvSpPr>
+          <p:nvPr>
+            <p:ph type="title"/>
+          </p:nvPr>
+        </p:nvSpPr>
+        <p:spPr/>
+        <p:txBody>
+          <a:bodyPr/>
+          <a:lstStyle/>
+          <a:p>
+            <a:r>
+              <a:rPr lang="en-US" dirty="0" smtClean="0"/>
+              <a:t>The </a:t>
+            </a:r>
+            <a:r>
+              <a:rPr lang="en-US" dirty="0" err="1" smtClean="0"/>
+              <a:t>config.json</a:t>
+            </a:r>
+            <a:r>
+              <a:rPr lang="en-US" dirty="0" smtClean="0"/>
+              <a:t> file</a:t>
+            </a:r>
+            <a:endParaRPr lang="en-US" dirty="0"/>
+          </a:p>
+        </p:txBody>
+      </p:sp>
+      <p:sp>
+        <p:nvSpPr>
+          <p:cNvPr id="3" name="Text Placeholder 2"/>
+          <p:cNvSpPr>
+            <a:spLocks noGrp="1"/>
+          </p:cNvSpPr>
+          <p:nvPr>
+            <p:ph type="body" idx="1"/>
+          </p:nvPr>
+        </p:nvSpPr>
+        <p:spPr/>
+        <p:txBody>
+          <a:bodyPr/>
+          <a:lstStyle/>
+          <a:p>
+            <a:r>
+              <a:rPr lang="en-US" dirty="0" smtClean="0"/>
+              <a:t>Runtime configuration options include:</a:t>
+            </a:r>
+          </a:p>
+          <a:p>
+            <a:pPr lvl="1"/>
+            <a:r>
+              <a:rPr lang="en-US" dirty="0" smtClean="0"/>
+              <a:t>JSON files</a:t>
+            </a:r>
+          </a:p>
+          <a:p>
+            <a:pPr lvl="1"/>
+            <a:r>
+              <a:rPr lang="en-US" dirty="0" smtClean="0"/>
+              <a:t>INI files</a:t>
+            </a:r>
+          </a:p>
+          <a:p>
+            <a:pPr lvl="1"/>
+            <a:r>
+              <a:rPr lang="en-US" dirty="0" smtClean="0"/>
+              <a:t>Environment variables</a:t>
+            </a:r>
+            <a:endParaRPr lang="en-US" dirty="0"/>
+          </a:p>
+        </p:txBody>
+      </p:sp>
+      <p:pic>
+        <p:nvPicPr>
+          <p:cNvPr id="4" name="Picture 3"/>
+          <p:cNvPicPr>
+            <a:picLocks noChangeAspect="1"/>
+          </p:cNvPicPr>
+          <p:nvPr/>
+        </p:nvPicPr>
+        <p:blipFill>
+          <a:blip r:embed="rId2"/>
+          <a:stretch>
+            <a:fillRect/>
+          </a:stretch>
+        </p:blipFill>
+        <p:spPr>
+          <a:xfrm>
+            <a:off x="350044" y="3581400"/>
+            <a:ext cx="8443912" cy="983757"/>
+          </a:xfrm>
+          <a:prstGeom prst="rect">
+            <a:avLst/>
+          </a:prstGeom>
+        </p:spPr>
+      </p:pic>
+    </p:spTree>
+    <p:extLst>
+      <p:ext uri="{BB962C8B-B14F-4D97-AF65-F5344CB8AC3E}">
+        <p14:creationId xmlns:p14="http://schemas.microsoft.com/office/powerpoint/2010/main" val="942590297"/>
+      </p:ext>
+    </p:extLst>
+  </p:cSld>
+  <p:clrMapOvr>
+    <a:masterClrMapping/>
+  </p:clrMapOvr>
+  <p:transition>
+    <p:fade/>
+  </p:transition>
+  <p:timing>
+    <p:tnLst>
+      <p:par>
+        <p:cTn id="1" dur="indefinite" restart="never" nodeType="tmRoot"/>
+      </p:par>
+    </p:tnLst>
+  </p:timing>
+</p:sld>
+</file>
+
+<file path=ppt/slides/slide9.xml><?xml version="1.0" encoding="utf-8"?>
+<p:sld xmlns:a="http://schemas.openxmlformats.org/drawingml/2006/main" xmlns:r="http://schemas.openxmlformats.org/officeDocument/2006/relationships" xmlns:p="http://schemas.openxmlformats.org/presentationml/2006/main">
+  <p:cSld>
+    <p:spTree>
+      <p:nvGrpSpPr>
+        <p:cNvPr id="1" name=""/>
+        <p:cNvGrpSpPr/>
+        <p:nvPr/>
+      </p:nvGrpSpPr>
+      <p:grpSpPr>
+        <a:xfrm>
+          <a:off x="0" y="0"/>
+          <a:ext cx="0" cy="0"/>
+          <a:chOff x="0" y="0"/>
+          <a:chExt cx="0" cy="0"/>
+        </a:xfrm>
+      </p:grpSpPr>
+      <p:sp>
+        <p:nvSpPr>
+          <p:cNvPr id="2" name="Title 1"/>
+          <p:cNvSpPr>
+            <a:spLocks noGrp="1"/>
+          </p:cNvSpPr>
+          <p:nvPr>
+            <p:ph type="title"/>
+          </p:nvPr>
+        </p:nvSpPr>
+        <p:spPr/>
+        <p:txBody>
+          <a:bodyPr/>
+          <a:lstStyle/>
+          <a:p>
+            <a:endParaRPr lang="en-US"/>
+          </a:p>
+        </p:txBody>
+      </p:sp>
+      <p:sp>
+        <p:nvSpPr>
+          <p:cNvPr id="3" name="Text Placeholder 2"/>
+          <p:cNvSpPr>
+            <a:spLocks noGrp="1"/>
+          </p:cNvSpPr>
+          <p:nvPr>
+            <p:ph type="body" idx="1"/>
+          </p:nvPr>
+        </p:nvSpPr>
+        <p:spPr/>
+        <p:txBody>
+          <a:bodyPr/>
+          <a:lstStyle/>
+          <a:p>
+            <a:endParaRPr lang="en-US"/>
+          </a:p>
+        </p:txBody>
+      </p:sp>
+    </p:spTree>
+    <p:extLst>
+      <p:ext uri="{BB962C8B-B14F-4D97-AF65-F5344CB8AC3E}">
+        <p14:creationId xmlns:p14="http://schemas.microsoft.com/office/powerpoint/2010/main" val="380657000"/>
+      </p:ext>
+    </p:extLst>
+  </p:cSld>
+  <p:clrMapOvr>
+    <a:masterClrMapping/>
+  </p:clrMapOvr>
+  <p:transition>
+    <p:fade/>
+  </p:transition>
+  <p:timing>
+    <p:tnLst>
+      <p:par>
+        <p:cTn id="1" dur="indefinite" restart="never" nodeType="tmRoot"/>
+      </p:par>
+    </p:tnLst>
+  </p:timing>
 </p:sld>
 </file>
 

--- a/aspnet5/slides/01_Overview.pptx
+++ b/aspnet5/slides/01_Overview.pptx
@@ -5,10 +5,10 @@
     <p:sldMasterId id="2147483772" r:id="rId1"/>
   </p:sldMasterIdLst>
   <p:notesMasterIdLst>
-    <p:notesMasterId r:id="rId11"/>
+    <p:notesMasterId r:id="rId23"/>
   </p:notesMasterIdLst>
   <p:handoutMasterIdLst>
-    <p:handoutMasterId r:id="rId12"/>
+    <p:handoutMasterId r:id="rId24"/>
   </p:handoutMasterIdLst>
   <p:sldIdLst>
     <p:sldId id="327" r:id="rId2"/>
@@ -16,10 +16,22 @@
     <p:sldId id="329" r:id="rId4"/>
     <p:sldId id="330" r:id="rId5"/>
     <p:sldId id="331" r:id="rId6"/>
-    <p:sldId id="332" r:id="rId7"/>
+    <p:sldId id="337" r:id="rId7"/>
     <p:sldId id="333" r:id="rId8"/>
     <p:sldId id="334" r:id="rId9"/>
-    <p:sldId id="335" r:id="rId10"/>
+    <p:sldId id="332" r:id="rId10"/>
+    <p:sldId id="335" r:id="rId11"/>
+    <p:sldId id="336" r:id="rId12"/>
+    <p:sldId id="338" r:id="rId13"/>
+    <p:sldId id="339" r:id="rId14"/>
+    <p:sldId id="340" r:id="rId15"/>
+    <p:sldId id="341" r:id="rId16"/>
+    <p:sldId id="342" r:id="rId17"/>
+    <p:sldId id="343" r:id="rId18"/>
+    <p:sldId id="344" r:id="rId19"/>
+    <p:sldId id="345" r:id="rId20"/>
+    <p:sldId id="346" r:id="rId21"/>
+    <p:sldId id="347" r:id="rId22"/>
   </p:sldIdLst>
   <p:sldSz cx="9144000" cy="6858000" type="screen4x3"/>
   <p:notesSz cx="7302500" cy="9588500"/>
@@ -149,6 +161,35 @@
     </a:lvl9pPr>
   </p:defaultTextStyle>
   <p:extLst>
+    <p:ext uri="{521415D9-36F7-43E2-AB2F-B90AF26B5E84}">
+      <p14:sectionLst xmlns:p14="http://schemas.microsoft.com/office/powerpoint/2010/main">
+        <p14:section name="Default Section" id="{1FAFB904-873B-4B5C-A5B3-7BBCB9659514}">
+          <p14:sldIdLst>
+            <p14:sldId id="327"/>
+            <p14:sldId id="328"/>
+            <p14:sldId id="329"/>
+            <p14:sldId id="330"/>
+            <p14:sldId id="331"/>
+            <p14:sldId id="337"/>
+            <p14:sldId id="333"/>
+            <p14:sldId id="334"/>
+            <p14:sldId id="332"/>
+            <p14:sldId id="335"/>
+            <p14:sldId id="336"/>
+            <p14:sldId id="338"/>
+            <p14:sldId id="339"/>
+            <p14:sldId id="340"/>
+            <p14:sldId id="341"/>
+            <p14:sldId id="342"/>
+            <p14:sldId id="343"/>
+            <p14:sldId id="344"/>
+            <p14:sldId id="345"/>
+            <p14:sldId id="346"/>
+            <p14:sldId id="347"/>
+          </p14:sldIdLst>
+        </p14:section>
+      </p14:sectionLst>
+    </p:ext>
     <p:ext uri="{EFAFB233-063F-42B5-8137-9DF3F51BA10A}">
       <p15:sldGuideLst xmlns:p15="http://schemas.microsoft.com/office/powerpoint/2012/main">
         <p15:guide id="1" orient="horz" pos="2160">
@@ -1084,6 +1125,456 @@
     <p:extLst>
       <p:ext uri="{BB962C8B-B14F-4D97-AF65-F5344CB8AC3E}">
         <p14:creationId xmlns:p14="http://schemas.microsoft.com/office/powerpoint/2010/main" val="517759799"/>
+      </p:ext>
+    </p:extLst>
+  </p:cSld>
+  <p:clrMapOvr>
+    <a:masterClrMapping/>
+  </p:clrMapOvr>
+</p:notes>
+</file>
+
+<file path=ppt/notesSlides/notesSlide4.xml><?xml version="1.0" encoding="utf-8"?>
+<p:notes xmlns:a="http://schemas.openxmlformats.org/drawingml/2006/main" xmlns:r="http://schemas.openxmlformats.org/officeDocument/2006/relationships" xmlns:p="http://schemas.openxmlformats.org/presentationml/2006/main">
+  <p:cSld>
+    <p:spTree>
+      <p:nvGrpSpPr>
+        <p:cNvPr id="1" name=""/>
+        <p:cNvGrpSpPr/>
+        <p:nvPr/>
+      </p:nvGrpSpPr>
+      <p:grpSpPr>
+        <a:xfrm>
+          <a:off x="0" y="0"/>
+          <a:ext cx="0" cy="0"/>
+          <a:chOff x="0" y="0"/>
+          <a:chExt cx="0" cy="0"/>
+        </a:xfrm>
+      </p:grpSpPr>
+      <p:sp>
+        <p:nvSpPr>
+          <p:cNvPr id="2" name="Slide Image Placeholder 1"/>
+          <p:cNvSpPr>
+            <a:spLocks noGrp="1" noRot="1" noChangeAspect="1"/>
+          </p:cNvSpPr>
+          <p:nvPr>
+            <p:ph type="sldImg"/>
+          </p:nvPr>
+        </p:nvSpPr>
+        <p:spPr/>
+      </p:sp>
+      <p:sp>
+        <p:nvSpPr>
+          <p:cNvPr id="3" name="Notes Placeholder 2"/>
+          <p:cNvSpPr>
+            <a:spLocks noGrp="1"/>
+          </p:cNvSpPr>
+          <p:nvPr>
+            <p:ph type="body" idx="1"/>
+          </p:nvPr>
+        </p:nvSpPr>
+        <p:spPr/>
+        <p:txBody>
+          <a:bodyPr/>
+          <a:lstStyle/>
+          <a:p>
+            <a:endParaRPr lang="en-US" dirty="0"/>
+          </a:p>
+        </p:txBody>
+      </p:sp>
+      <p:sp>
+        <p:nvSpPr>
+          <p:cNvPr id="4" name="Slide Number Placeholder 3"/>
+          <p:cNvSpPr>
+            <a:spLocks noGrp="1"/>
+          </p:cNvSpPr>
+          <p:nvPr>
+            <p:ph type="sldNum" sz="quarter" idx="10"/>
+          </p:nvPr>
+        </p:nvSpPr>
+        <p:spPr/>
+        <p:txBody>
+          <a:bodyPr/>
+          <a:lstStyle/>
+          <a:p>
+            <a:pPr>
+              <a:defRPr/>
+            </a:pPr>
+            <a:fld id="{11D29CD3-EA91-4B07-8041-33A63E8C46BA}" type="slidenum">
+              <a:rPr lang="en-US" smtClean="0"/>
+              <a:pPr>
+                <a:defRPr/>
+              </a:pPr>
+              <a:t>10</a:t>
+            </a:fld>
+            <a:endParaRPr lang="en-US"/>
+          </a:p>
+        </p:txBody>
+      </p:sp>
+    </p:spTree>
+    <p:extLst>
+      <p:ext uri="{BB962C8B-B14F-4D97-AF65-F5344CB8AC3E}">
+        <p14:creationId xmlns:p14="http://schemas.microsoft.com/office/powerpoint/2010/main" val="846764690"/>
+      </p:ext>
+    </p:extLst>
+  </p:cSld>
+  <p:clrMapOvr>
+    <a:masterClrMapping/>
+  </p:clrMapOvr>
+</p:notes>
+</file>
+
+<file path=ppt/notesSlides/notesSlide5.xml><?xml version="1.0" encoding="utf-8"?>
+<p:notes xmlns:a="http://schemas.openxmlformats.org/drawingml/2006/main" xmlns:r="http://schemas.openxmlformats.org/officeDocument/2006/relationships" xmlns:p="http://schemas.openxmlformats.org/presentationml/2006/main">
+  <p:cSld>
+    <p:spTree>
+      <p:nvGrpSpPr>
+        <p:cNvPr id="1" name=""/>
+        <p:cNvGrpSpPr/>
+        <p:nvPr/>
+      </p:nvGrpSpPr>
+      <p:grpSpPr>
+        <a:xfrm>
+          <a:off x="0" y="0"/>
+          <a:ext cx="0" cy="0"/>
+          <a:chOff x="0" y="0"/>
+          <a:chExt cx="0" cy="0"/>
+        </a:xfrm>
+      </p:grpSpPr>
+      <p:sp>
+        <p:nvSpPr>
+          <p:cNvPr id="2" name="Slide Image Placeholder 1"/>
+          <p:cNvSpPr>
+            <a:spLocks noGrp="1" noRot="1" noChangeAspect="1"/>
+          </p:cNvSpPr>
+          <p:nvPr>
+            <p:ph type="sldImg"/>
+          </p:nvPr>
+        </p:nvSpPr>
+        <p:spPr/>
+      </p:sp>
+      <p:sp>
+        <p:nvSpPr>
+          <p:cNvPr id="3" name="Notes Placeholder 2"/>
+          <p:cNvSpPr>
+            <a:spLocks noGrp="1"/>
+          </p:cNvSpPr>
+          <p:nvPr>
+            <p:ph type="body" idx="1"/>
+          </p:nvPr>
+        </p:nvSpPr>
+        <p:spPr/>
+        <p:txBody>
+          <a:bodyPr/>
+          <a:lstStyle/>
+          <a:p>
+            <a:endParaRPr lang="en-US" dirty="0"/>
+          </a:p>
+        </p:txBody>
+      </p:sp>
+      <p:sp>
+        <p:nvSpPr>
+          <p:cNvPr id="4" name="Slide Number Placeholder 3"/>
+          <p:cNvSpPr>
+            <a:spLocks noGrp="1"/>
+          </p:cNvSpPr>
+          <p:nvPr>
+            <p:ph type="sldNum" sz="quarter" idx="10"/>
+          </p:nvPr>
+        </p:nvSpPr>
+        <p:spPr/>
+        <p:txBody>
+          <a:bodyPr/>
+          <a:lstStyle/>
+          <a:p>
+            <a:pPr>
+              <a:defRPr/>
+            </a:pPr>
+            <a:fld id="{11D29CD3-EA91-4B07-8041-33A63E8C46BA}" type="slidenum">
+              <a:rPr lang="en-US" smtClean="0"/>
+              <a:pPr>
+                <a:defRPr/>
+              </a:pPr>
+              <a:t>13</a:t>
+            </a:fld>
+            <a:endParaRPr lang="en-US"/>
+          </a:p>
+        </p:txBody>
+      </p:sp>
+    </p:spTree>
+    <p:extLst>
+      <p:ext uri="{BB962C8B-B14F-4D97-AF65-F5344CB8AC3E}">
+        <p14:creationId xmlns:p14="http://schemas.microsoft.com/office/powerpoint/2010/main" val="374624918"/>
+      </p:ext>
+    </p:extLst>
+  </p:cSld>
+  <p:clrMapOvr>
+    <a:masterClrMapping/>
+  </p:clrMapOvr>
+</p:notes>
+</file>
+
+<file path=ppt/notesSlides/notesSlide6.xml><?xml version="1.0" encoding="utf-8"?>
+<p:notes xmlns:a="http://schemas.openxmlformats.org/drawingml/2006/main" xmlns:r="http://schemas.openxmlformats.org/officeDocument/2006/relationships" xmlns:p="http://schemas.openxmlformats.org/presentationml/2006/main">
+  <p:cSld>
+    <p:spTree>
+      <p:nvGrpSpPr>
+        <p:cNvPr id="1" name=""/>
+        <p:cNvGrpSpPr/>
+        <p:nvPr/>
+      </p:nvGrpSpPr>
+      <p:grpSpPr>
+        <a:xfrm>
+          <a:off x="0" y="0"/>
+          <a:ext cx="0" cy="0"/>
+          <a:chOff x="0" y="0"/>
+          <a:chExt cx="0" cy="0"/>
+        </a:xfrm>
+      </p:grpSpPr>
+      <p:sp>
+        <p:nvSpPr>
+          <p:cNvPr id="2" name="Slide Image Placeholder 1"/>
+          <p:cNvSpPr>
+            <a:spLocks noGrp="1" noRot="1" noChangeAspect="1"/>
+          </p:cNvSpPr>
+          <p:nvPr>
+            <p:ph type="sldImg"/>
+          </p:nvPr>
+        </p:nvSpPr>
+        <p:spPr/>
+      </p:sp>
+      <p:sp>
+        <p:nvSpPr>
+          <p:cNvPr id="3" name="Notes Placeholder 2"/>
+          <p:cNvSpPr>
+            <a:spLocks noGrp="1"/>
+          </p:cNvSpPr>
+          <p:nvPr>
+            <p:ph type="body" idx="1"/>
+          </p:nvPr>
+        </p:nvSpPr>
+        <p:spPr/>
+        <p:txBody>
+          <a:bodyPr/>
+          <a:lstStyle/>
+          <a:p>
+            <a:endParaRPr lang="en-US" dirty="0"/>
+          </a:p>
+        </p:txBody>
+      </p:sp>
+      <p:sp>
+        <p:nvSpPr>
+          <p:cNvPr id="4" name="Slide Number Placeholder 3"/>
+          <p:cNvSpPr>
+            <a:spLocks noGrp="1"/>
+          </p:cNvSpPr>
+          <p:nvPr>
+            <p:ph type="sldNum" sz="quarter" idx="10"/>
+          </p:nvPr>
+        </p:nvSpPr>
+        <p:spPr/>
+        <p:txBody>
+          <a:bodyPr/>
+          <a:lstStyle/>
+          <a:p>
+            <a:pPr>
+              <a:defRPr/>
+            </a:pPr>
+            <a:fld id="{11D29CD3-EA91-4B07-8041-33A63E8C46BA}" type="slidenum">
+              <a:rPr lang="en-US" smtClean="0"/>
+              <a:pPr>
+                <a:defRPr/>
+              </a:pPr>
+              <a:t>15</a:t>
+            </a:fld>
+            <a:endParaRPr lang="en-US"/>
+          </a:p>
+        </p:txBody>
+      </p:sp>
+    </p:spTree>
+    <p:extLst>
+      <p:ext uri="{BB962C8B-B14F-4D97-AF65-F5344CB8AC3E}">
+        <p14:creationId xmlns:p14="http://schemas.microsoft.com/office/powerpoint/2010/main" val="1500199805"/>
+      </p:ext>
+    </p:extLst>
+  </p:cSld>
+  <p:clrMapOvr>
+    <a:masterClrMapping/>
+  </p:clrMapOvr>
+</p:notes>
+</file>
+
+<file path=ppt/notesSlides/notesSlide7.xml><?xml version="1.0" encoding="utf-8"?>
+<p:notes xmlns:a="http://schemas.openxmlformats.org/drawingml/2006/main" xmlns:r="http://schemas.openxmlformats.org/officeDocument/2006/relationships" xmlns:p="http://schemas.openxmlformats.org/presentationml/2006/main">
+  <p:cSld>
+    <p:spTree>
+      <p:nvGrpSpPr>
+        <p:cNvPr id="1" name=""/>
+        <p:cNvGrpSpPr/>
+        <p:nvPr/>
+      </p:nvGrpSpPr>
+      <p:grpSpPr>
+        <a:xfrm>
+          <a:off x="0" y="0"/>
+          <a:ext cx="0" cy="0"/>
+          <a:chOff x="0" y="0"/>
+          <a:chExt cx="0" cy="0"/>
+        </a:xfrm>
+      </p:grpSpPr>
+      <p:sp>
+        <p:nvSpPr>
+          <p:cNvPr id="2" name="Slide Image Placeholder 1"/>
+          <p:cNvSpPr>
+            <a:spLocks noGrp="1" noRot="1" noChangeAspect="1"/>
+          </p:cNvSpPr>
+          <p:nvPr>
+            <p:ph type="sldImg"/>
+          </p:nvPr>
+        </p:nvSpPr>
+        <p:spPr/>
+      </p:sp>
+      <p:sp>
+        <p:nvSpPr>
+          <p:cNvPr id="3" name="Notes Placeholder 2"/>
+          <p:cNvSpPr>
+            <a:spLocks noGrp="1"/>
+          </p:cNvSpPr>
+          <p:nvPr>
+            <p:ph type="body" idx="1"/>
+          </p:nvPr>
+        </p:nvSpPr>
+        <p:spPr/>
+        <p:txBody>
+          <a:bodyPr/>
+          <a:lstStyle/>
+          <a:p>
+            <a:endParaRPr lang="en-US" dirty="0"/>
+          </a:p>
+        </p:txBody>
+      </p:sp>
+      <p:sp>
+        <p:nvSpPr>
+          <p:cNvPr id="4" name="Slide Number Placeholder 3"/>
+          <p:cNvSpPr>
+            <a:spLocks noGrp="1"/>
+          </p:cNvSpPr>
+          <p:nvPr>
+            <p:ph type="sldNum" sz="quarter" idx="10"/>
+          </p:nvPr>
+        </p:nvSpPr>
+        <p:spPr/>
+        <p:txBody>
+          <a:bodyPr/>
+          <a:lstStyle/>
+          <a:p>
+            <a:pPr>
+              <a:defRPr/>
+            </a:pPr>
+            <a:fld id="{11D29CD3-EA91-4B07-8041-33A63E8C46BA}" type="slidenum">
+              <a:rPr lang="en-US" smtClean="0"/>
+              <a:pPr>
+                <a:defRPr/>
+              </a:pPr>
+              <a:t>16</a:t>
+            </a:fld>
+            <a:endParaRPr lang="en-US"/>
+          </a:p>
+        </p:txBody>
+      </p:sp>
+    </p:spTree>
+    <p:extLst>
+      <p:ext uri="{BB962C8B-B14F-4D97-AF65-F5344CB8AC3E}">
+        <p14:creationId xmlns:p14="http://schemas.microsoft.com/office/powerpoint/2010/main" val="3112602916"/>
+      </p:ext>
+    </p:extLst>
+  </p:cSld>
+  <p:clrMapOvr>
+    <a:masterClrMapping/>
+  </p:clrMapOvr>
+</p:notes>
+</file>
+
+<file path=ppt/notesSlides/notesSlide8.xml><?xml version="1.0" encoding="utf-8"?>
+<p:notes xmlns:a="http://schemas.openxmlformats.org/drawingml/2006/main" xmlns:r="http://schemas.openxmlformats.org/officeDocument/2006/relationships" xmlns:p="http://schemas.openxmlformats.org/presentationml/2006/main">
+  <p:cSld>
+    <p:spTree>
+      <p:nvGrpSpPr>
+        <p:cNvPr id="1" name=""/>
+        <p:cNvGrpSpPr/>
+        <p:nvPr/>
+      </p:nvGrpSpPr>
+      <p:grpSpPr>
+        <a:xfrm>
+          <a:off x="0" y="0"/>
+          <a:ext cx="0" cy="0"/>
+          <a:chOff x="0" y="0"/>
+          <a:chExt cx="0" cy="0"/>
+        </a:xfrm>
+      </p:grpSpPr>
+      <p:sp>
+        <p:nvSpPr>
+          <p:cNvPr id="2" name="Slide Image Placeholder 1"/>
+          <p:cNvSpPr>
+            <a:spLocks noGrp="1" noRot="1" noChangeAspect="1"/>
+          </p:cNvSpPr>
+          <p:nvPr>
+            <p:ph type="sldImg"/>
+          </p:nvPr>
+        </p:nvSpPr>
+        <p:spPr/>
+      </p:sp>
+      <p:sp>
+        <p:nvSpPr>
+          <p:cNvPr id="3" name="Notes Placeholder 2"/>
+          <p:cNvSpPr>
+            <a:spLocks noGrp="1"/>
+          </p:cNvSpPr>
+          <p:nvPr>
+            <p:ph type="body" idx="1"/>
+          </p:nvPr>
+        </p:nvSpPr>
+        <p:spPr/>
+        <p:txBody>
+          <a:bodyPr/>
+          <a:lstStyle/>
+          <a:p>
+            <a:endParaRPr lang="en-US"/>
+          </a:p>
+        </p:txBody>
+      </p:sp>
+      <p:sp>
+        <p:nvSpPr>
+          <p:cNvPr id="4" name="Slide Number Placeholder 3"/>
+          <p:cNvSpPr>
+            <a:spLocks noGrp="1"/>
+          </p:cNvSpPr>
+          <p:nvPr>
+            <p:ph type="sldNum" sz="quarter" idx="10"/>
+          </p:nvPr>
+        </p:nvSpPr>
+        <p:spPr/>
+        <p:txBody>
+          <a:bodyPr/>
+          <a:lstStyle/>
+          <a:p>
+            <a:pPr>
+              <a:defRPr/>
+            </a:pPr>
+            <a:fld id="{11D29CD3-EA91-4B07-8041-33A63E8C46BA}" type="slidenum">
+              <a:rPr lang="en-US" smtClean="0"/>
+              <a:pPr>
+                <a:defRPr/>
+              </a:pPr>
+              <a:t>21</a:t>
+            </a:fld>
+            <a:endParaRPr lang="en-US"/>
+          </a:p>
+        </p:txBody>
+      </p:sp>
+    </p:spTree>
+    <p:extLst>
+      <p:ext uri="{BB962C8B-B14F-4D97-AF65-F5344CB8AC3E}">
+        <p14:creationId xmlns:p14="http://schemas.microsoft.com/office/powerpoint/2010/main" val="825463138"/>
       </p:ext>
     </p:extLst>
   </p:cSld>
@@ -2929,8 +3420,13 @@
             <a:pPr marL="0" indent="0" defTabSz="914400" eaLnBrk="1" hangingPunct="1"/>
             <a:r>
               <a:rPr lang="en-US" dirty="0" smtClean="0"/>
-              <a:t>ASP.NET 5</a:t>
-            </a:r>
+              <a:t>ASP.NET </a:t>
+            </a:r>
+            <a:r>
+              <a:rPr lang="en-US" dirty="0" smtClean="0"/>
+              <a:t>5 Overview</a:t>
+            </a:r>
+            <a:endParaRPr lang="en-US" dirty="0" smtClean="0"/>
           </a:p>
         </p:txBody>
       </p:sp>
@@ -2958,6 +3454,1325 @@
         </p:txBody>
       </p:sp>
     </p:spTree>
+  </p:cSld>
+  <p:clrMapOvr>
+    <a:masterClrMapping/>
+  </p:clrMapOvr>
+  <p:transition>
+    <p:fade/>
+  </p:transition>
+  <p:timing>
+    <p:tnLst>
+      <p:par>
+        <p:cTn id="1" dur="indefinite" restart="never" nodeType="tmRoot"/>
+      </p:par>
+    </p:tnLst>
+  </p:timing>
+</p:sld>
+</file>
+
+<file path=ppt/slides/slide10.xml><?xml version="1.0" encoding="utf-8"?>
+<p:sld xmlns:a="http://schemas.openxmlformats.org/drawingml/2006/main" xmlns:r="http://schemas.openxmlformats.org/officeDocument/2006/relationships" xmlns:p="http://schemas.openxmlformats.org/presentationml/2006/main">
+  <p:cSld>
+    <p:spTree>
+      <p:nvGrpSpPr>
+        <p:cNvPr id="1" name=""/>
+        <p:cNvGrpSpPr/>
+        <p:nvPr/>
+      </p:nvGrpSpPr>
+      <p:grpSpPr>
+        <a:xfrm>
+          <a:off x="0" y="0"/>
+          <a:ext cx="0" cy="0"/>
+          <a:chOff x="0" y="0"/>
+          <a:chExt cx="0" cy="0"/>
+        </a:xfrm>
+      </p:grpSpPr>
+      <p:sp>
+        <p:nvSpPr>
+          <p:cNvPr id="2" name="Title 1"/>
+          <p:cNvSpPr>
+            <a:spLocks noGrp="1"/>
+          </p:cNvSpPr>
+          <p:nvPr>
+            <p:ph type="title"/>
+          </p:nvPr>
+        </p:nvSpPr>
+        <p:spPr/>
+        <p:txBody>
+          <a:bodyPr/>
+          <a:lstStyle/>
+          <a:p>
+            <a:r>
+              <a:rPr lang="en-US" dirty="0" smtClean="0"/>
+              <a:t>Dependencies</a:t>
+            </a:r>
+            <a:endParaRPr lang="en-US" dirty="0"/>
+          </a:p>
+        </p:txBody>
+      </p:sp>
+      <p:sp>
+        <p:nvSpPr>
+          <p:cNvPr id="3" name="Text Placeholder 2"/>
+          <p:cNvSpPr>
+            <a:spLocks noGrp="1"/>
+          </p:cNvSpPr>
+          <p:nvPr>
+            <p:ph type="body" idx="1"/>
+          </p:nvPr>
+        </p:nvSpPr>
+        <p:spPr/>
+        <p:txBody>
+          <a:bodyPr/>
+          <a:lstStyle/>
+          <a:p>
+            <a:r>
+              <a:rPr lang="en-US" dirty="0" smtClean="0"/>
+              <a:t>Everything in </a:t>
+            </a:r>
+            <a:r>
+              <a:rPr lang="en-US" dirty="0" err="1" smtClean="0"/>
+              <a:t>NuGet</a:t>
+            </a:r>
+            <a:endParaRPr lang="en-US" dirty="0"/>
+          </a:p>
+        </p:txBody>
+      </p:sp>
+      <p:pic>
+        <p:nvPicPr>
+          <p:cNvPr id="4" name="Picture 3"/>
+          <p:cNvPicPr>
+            <a:picLocks noChangeAspect="1"/>
+          </p:cNvPicPr>
+          <p:nvPr/>
+        </p:nvPicPr>
+        <p:blipFill>
+          <a:blip r:embed="rId3"/>
+          <a:stretch>
+            <a:fillRect/>
+          </a:stretch>
+        </p:blipFill>
+        <p:spPr>
+          <a:xfrm>
+            <a:off x="4495800" y="1828800"/>
+            <a:ext cx="4064164" cy="4357687"/>
+          </a:xfrm>
+          <a:prstGeom prst="rect">
+            <a:avLst/>
+          </a:prstGeom>
+        </p:spPr>
+      </p:pic>
+      <p:pic>
+        <p:nvPicPr>
+          <p:cNvPr id="5" name="Picture 4"/>
+          <p:cNvPicPr>
+            <a:picLocks noChangeAspect="1"/>
+          </p:cNvPicPr>
+          <p:nvPr/>
+        </p:nvPicPr>
+        <p:blipFill>
+          <a:blip r:embed="rId4"/>
+          <a:stretch>
+            <a:fillRect/>
+          </a:stretch>
+        </p:blipFill>
+        <p:spPr>
+          <a:xfrm>
+            <a:off x="152400" y="2362200"/>
+            <a:ext cx="5064199" cy="3067050"/>
+          </a:xfrm>
+          <a:prstGeom prst="rect">
+            <a:avLst/>
+          </a:prstGeom>
+        </p:spPr>
+      </p:pic>
+    </p:spTree>
+    <p:extLst>
+      <p:ext uri="{BB962C8B-B14F-4D97-AF65-F5344CB8AC3E}">
+        <p14:creationId xmlns:p14="http://schemas.microsoft.com/office/powerpoint/2010/main" val="380657000"/>
+      </p:ext>
+    </p:extLst>
+  </p:cSld>
+  <p:clrMapOvr>
+    <a:masterClrMapping/>
+  </p:clrMapOvr>
+  <p:transition>
+    <p:fade/>
+  </p:transition>
+  <p:timing>
+    <p:tnLst>
+      <p:par>
+        <p:cTn id="1" dur="indefinite" restart="never" nodeType="tmRoot">
+          <p:childTnLst>
+            <p:seq concurrent="1" nextAc="seek">
+              <p:cTn id="2" dur="indefinite" nodeType="mainSeq">
+                <p:childTnLst>
+                  <p:par>
+                    <p:cTn id="3" fill="hold">
+                      <p:stCondLst>
+                        <p:cond delay="indefinite"/>
+                      </p:stCondLst>
+                      <p:childTnLst>
+                        <p:par>
+                          <p:cTn id="4" fill="hold">
+                            <p:stCondLst>
+                              <p:cond delay="0"/>
+                            </p:stCondLst>
+                            <p:childTnLst>
+                              <p:par>
+                                <p:cTn id="5" presetID="10" presetClass="entr" presetSubtype="0" fill="hold" nodeType="clickEffect">
+                                  <p:stCondLst>
+                                    <p:cond delay="0"/>
+                                  </p:stCondLst>
+                                  <p:childTnLst>
+                                    <p:set>
+                                      <p:cBhvr>
+                                        <p:cTn id="6" dur="1" fill="hold">
+                                          <p:stCondLst>
+                                            <p:cond delay="0"/>
+                                          </p:stCondLst>
+                                        </p:cTn>
+                                        <p:tgtEl>
+                                          <p:spTgt spid="4"/>
+                                        </p:tgtEl>
+                                        <p:attrNameLst>
+                                          <p:attrName>style.visibility</p:attrName>
+                                        </p:attrNameLst>
+                                      </p:cBhvr>
+                                      <p:to>
+                                        <p:strVal val="visible"/>
+                                      </p:to>
+                                    </p:set>
+                                    <p:animEffect transition="in" filter="fade">
+                                      <p:cBhvr>
+                                        <p:cTn id="7" dur="500"/>
+                                        <p:tgtEl>
+                                          <p:spTgt spid="4"/>
+                                        </p:tgtEl>
+                                      </p:cBhvr>
+                                    </p:animEffect>
+                                  </p:childTnLst>
+                                </p:cTn>
+                              </p:par>
+                            </p:childTnLst>
+                          </p:cTn>
+                        </p:par>
+                      </p:childTnLst>
+                    </p:cTn>
+                  </p:par>
+                </p:childTnLst>
+              </p:cTn>
+              <p:prevCondLst>
+                <p:cond evt="onPrev" delay="0">
+                  <p:tgtEl>
+                    <p:sldTgt/>
+                  </p:tgtEl>
+                </p:cond>
+              </p:prevCondLst>
+              <p:nextCondLst>
+                <p:cond evt="onNext" delay="0">
+                  <p:tgtEl>
+                    <p:sldTgt/>
+                  </p:tgtEl>
+                </p:cond>
+              </p:nextCondLst>
+            </p:seq>
+          </p:childTnLst>
+        </p:cTn>
+      </p:par>
+    </p:tnLst>
+  </p:timing>
+</p:sld>
+</file>
+
+<file path=ppt/slides/slide11.xml><?xml version="1.0" encoding="utf-8"?>
+<p:sld xmlns:a="http://schemas.openxmlformats.org/drawingml/2006/main" xmlns:r="http://schemas.openxmlformats.org/officeDocument/2006/relationships" xmlns:p="http://schemas.openxmlformats.org/presentationml/2006/main">
+  <p:cSld>
+    <p:spTree>
+      <p:nvGrpSpPr>
+        <p:cNvPr id="1" name=""/>
+        <p:cNvGrpSpPr/>
+        <p:nvPr/>
+      </p:nvGrpSpPr>
+      <p:grpSpPr>
+        <a:xfrm>
+          <a:off x="0" y="0"/>
+          <a:ext cx="0" cy="0"/>
+          <a:chOff x="0" y="0"/>
+          <a:chExt cx="0" cy="0"/>
+        </a:xfrm>
+      </p:grpSpPr>
+      <p:sp>
+        <p:nvSpPr>
+          <p:cNvPr id="2" name="Title 1"/>
+          <p:cNvSpPr>
+            <a:spLocks noGrp="1"/>
+          </p:cNvSpPr>
+          <p:nvPr>
+            <p:ph type="title"/>
+          </p:nvPr>
+        </p:nvSpPr>
+        <p:spPr/>
+        <p:txBody>
+          <a:bodyPr/>
+          <a:lstStyle/>
+          <a:p>
+            <a:r>
+              <a:rPr lang="en-US" dirty="0" smtClean="0"/>
+              <a:t>The Runtimes</a:t>
+            </a:r>
+            <a:endParaRPr lang="en-US" dirty="0"/>
+          </a:p>
+        </p:txBody>
+      </p:sp>
+      <p:sp>
+        <p:nvSpPr>
+          <p:cNvPr id="3" name="Text Placeholder 2"/>
+          <p:cNvSpPr>
+            <a:spLocks noGrp="1"/>
+          </p:cNvSpPr>
+          <p:nvPr>
+            <p:ph type="body" idx="1"/>
+          </p:nvPr>
+        </p:nvSpPr>
+        <p:spPr/>
+        <p:txBody>
+          <a:bodyPr/>
+          <a:lstStyle/>
+          <a:p>
+            <a:r>
+              <a:rPr lang="en-US" dirty="0" smtClean="0"/>
+              <a:t>Full CLR versus the Core CLR</a:t>
+            </a:r>
+          </a:p>
+          <a:p>
+            <a:r>
+              <a:rPr lang="en-US" dirty="0" smtClean="0"/>
+              <a:t>Build against 2 frameworks</a:t>
+            </a:r>
+          </a:p>
+          <a:p>
+            <a:endParaRPr lang="en-US" dirty="0" smtClean="0"/>
+          </a:p>
+          <a:p>
+            <a:pPr lvl="1"/>
+            <a:endParaRPr lang="en-US" dirty="0"/>
+          </a:p>
+        </p:txBody>
+      </p:sp>
+      <p:pic>
+        <p:nvPicPr>
+          <p:cNvPr id="4" name="Picture 3"/>
+          <p:cNvPicPr>
+            <a:picLocks noChangeAspect="1"/>
+          </p:cNvPicPr>
+          <p:nvPr/>
+        </p:nvPicPr>
+        <p:blipFill>
+          <a:blip r:embed="rId2"/>
+          <a:stretch>
+            <a:fillRect/>
+          </a:stretch>
+        </p:blipFill>
+        <p:spPr>
+          <a:xfrm>
+            <a:off x="1524000" y="3200400"/>
+            <a:ext cx="2676525" cy="1152525"/>
+          </a:xfrm>
+          <a:prstGeom prst="rect">
+            <a:avLst/>
+          </a:prstGeom>
+        </p:spPr>
+      </p:pic>
+      <p:pic>
+        <p:nvPicPr>
+          <p:cNvPr id="5" name="Picture 4"/>
+          <p:cNvPicPr>
+            <a:picLocks noChangeAspect="1"/>
+          </p:cNvPicPr>
+          <p:nvPr/>
+        </p:nvPicPr>
+        <p:blipFill>
+          <a:blip r:embed="rId3"/>
+          <a:stretch>
+            <a:fillRect/>
+          </a:stretch>
+        </p:blipFill>
+        <p:spPr>
+          <a:xfrm>
+            <a:off x="4953000" y="3438524"/>
+            <a:ext cx="2305050" cy="676275"/>
+          </a:xfrm>
+          <a:prstGeom prst="rect">
+            <a:avLst/>
+          </a:prstGeom>
+        </p:spPr>
+      </p:pic>
+    </p:spTree>
+    <p:extLst>
+      <p:ext uri="{BB962C8B-B14F-4D97-AF65-F5344CB8AC3E}">
+        <p14:creationId xmlns:p14="http://schemas.microsoft.com/office/powerpoint/2010/main" val="1474083853"/>
+      </p:ext>
+    </p:extLst>
+  </p:cSld>
+  <p:clrMapOvr>
+    <a:masterClrMapping/>
+  </p:clrMapOvr>
+  <p:transition>
+    <p:fade/>
+  </p:transition>
+  <p:timing>
+    <p:tnLst>
+      <p:par>
+        <p:cTn id="1" dur="indefinite" restart="never" nodeType="tmRoot"/>
+      </p:par>
+    </p:tnLst>
+  </p:timing>
+</p:sld>
+</file>
+
+<file path=ppt/slides/slide12.xml><?xml version="1.0" encoding="utf-8"?>
+<p:sld xmlns:a="http://schemas.openxmlformats.org/drawingml/2006/main" xmlns:r="http://schemas.openxmlformats.org/officeDocument/2006/relationships" xmlns:p="http://schemas.openxmlformats.org/presentationml/2006/main">
+  <p:cSld>
+    <p:spTree>
+      <p:nvGrpSpPr>
+        <p:cNvPr id="1" name=""/>
+        <p:cNvGrpSpPr/>
+        <p:nvPr/>
+      </p:nvGrpSpPr>
+      <p:grpSpPr>
+        <a:xfrm>
+          <a:off x="0" y="0"/>
+          <a:ext cx="0" cy="0"/>
+          <a:chOff x="0" y="0"/>
+          <a:chExt cx="0" cy="0"/>
+        </a:xfrm>
+      </p:grpSpPr>
+      <p:sp>
+        <p:nvSpPr>
+          <p:cNvPr id="2" name="Title 1"/>
+          <p:cNvSpPr>
+            <a:spLocks noGrp="1"/>
+          </p:cNvSpPr>
+          <p:nvPr>
+            <p:ph type="title"/>
+          </p:nvPr>
+        </p:nvSpPr>
+        <p:spPr/>
+        <p:txBody>
+          <a:bodyPr/>
+          <a:lstStyle/>
+          <a:p>
+            <a:r>
+              <a:rPr lang="en-US" dirty="0" smtClean="0"/>
+              <a:t>Core CLR</a:t>
+            </a:r>
+            <a:endParaRPr lang="en-US" dirty="0"/>
+          </a:p>
+        </p:txBody>
+      </p:sp>
+      <p:sp>
+        <p:nvSpPr>
+          <p:cNvPr id="3" name="Text Placeholder 2"/>
+          <p:cNvSpPr>
+            <a:spLocks noGrp="1"/>
+          </p:cNvSpPr>
+          <p:nvPr>
+            <p:ph type="body" idx="1"/>
+          </p:nvPr>
+        </p:nvSpPr>
+        <p:spPr/>
+        <p:txBody>
+          <a:bodyPr/>
+          <a:lstStyle/>
+          <a:p>
+            <a:r>
+              <a:rPr lang="en-US" dirty="0" smtClean="0"/>
+              <a:t>Cross platform</a:t>
+            </a:r>
+          </a:p>
+          <a:p>
+            <a:r>
+              <a:rPr lang="en-US" dirty="0" smtClean="0"/>
+              <a:t>Subset of full CLR</a:t>
+            </a:r>
+            <a:endParaRPr lang="en-US" dirty="0"/>
+          </a:p>
+        </p:txBody>
+      </p:sp>
+      <p:pic>
+        <p:nvPicPr>
+          <p:cNvPr id="4" name="Picture 3"/>
+          <p:cNvPicPr>
+            <a:picLocks noChangeAspect="1"/>
+          </p:cNvPicPr>
+          <p:nvPr/>
+        </p:nvPicPr>
+        <p:blipFill>
+          <a:blip r:embed="rId2"/>
+          <a:stretch>
+            <a:fillRect/>
+          </a:stretch>
+        </p:blipFill>
+        <p:spPr>
+          <a:xfrm>
+            <a:off x="4002206" y="1352550"/>
+            <a:ext cx="4989394" cy="4686300"/>
+          </a:xfrm>
+          <a:prstGeom prst="rect">
+            <a:avLst/>
+          </a:prstGeom>
+        </p:spPr>
+      </p:pic>
+    </p:spTree>
+    <p:extLst>
+      <p:ext uri="{BB962C8B-B14F-4D97-AF65-F5344CB8AC3E}">
+        <p14:creationId xmlns:p14="http://schemas.microsoft.com/office/powerpoint/2010/main" val="1414516733"/>
+      </p:ext>
+    </p:extLst>
+  </p:cSld>
+  <p:clrMapOvr>
+    <a:masterClrMapping/>
+  </p:clrMapOvr>
+  <p:transition>
+    <p:fade/>
+  </p:transition>
+  <p:timing>
+    <p:tnLst>
+      <p:par>
+        <p:cTn id="1" dur="indefinite" restart="never" nodeType="tmRoot"/>
+      </p:par>
+    </p:tnLst>
+  </p:timing>
+</p:sld>
+</file>
+
+<file path=ppt/slides/slide13.xml><?xml version="1.0" encoding="utf-8"?>
+<p:sld xmlns:a="http://schemas.openxmlformats.org/drawingml/2006/main" xmlns:r="http://schemas.openxmlformats.org/officeDocument/2006/relationships" xmlns:p="http://schemas.openxmlformats.org/presentationml/2006/main">
+  <p:cSld>
+    <p:spTree>
+      <p:nvGrpSpPr>
+        <p:cNvPr id="1" name=""/>
+        <p:cNvGrpSpPr/>
+        <p:nvPr/>
+      </p:nvGrpSpPr>
+      <p:grpSpPr>
+        <a:xfrm>
+          <a:off x="0" y="0"/>
+          <a:ext cx="0" cy="0"/>
+          <a:chOff x="0" y="0"/>
+          <a:chExt cx="0" cy="0"/>
+        </a:xfrm>
+      </p:grpSpPr>
+      <p:sp>
+        <p:nvSpPr>
+          <p:cNvPr id="2" name="Title 1"/>
+          <p:cNvSpPr>
+            <a:spLocks noGrp="1"/>
+          </p:cNvSpPr>
+          <p:nvPr>
+            <p:ph type="title"/>
+          </p:nvPr>
+        </p:nvSpPr>
+        <p:spPr/>
+        <p:txBody>
+          <a:bodyPr/>
+          <a:lstStyle/>
+          <a:p>
+            <a:r>
+              <a:rPr lang="en-US" dirty="0" smtClean="0"/>
+              <a:t>Managing .NET</a:t>
+            </a:r>
+            <a:endParaRPr lang="en-US" dirty="0"/>
+          </a:p>
+        </p:txBody>
+      </p:sp>
+      <p:sp>
+        <p:nvSpPr>
+          <p:cNvPr id="3" name="Text Placeholder 2"/>
+          <p:cNvSpPr>
+            <a:spLocks noGrp="1"/>
+          </p:cNvSpPr>
+          <p:nvPr>
+            <p:ph type="body" idx="1"/>
+          </p:nvPr>
+        </p:nvSpPr>
+        <p:spPr/>
+        <p:txBody>
+          <a:bodyPr/>
+          <a:lstStyle/>
+          <a:p>
+            <a:r>
+              <a:rPr lang="en-US" dirty="0" smtClean="0"/>
+              <a:t>DNVM - .NET Version Manager</a:t>
+            </a:r>
+          </a:p>
+          <a:p>
+            <a:pPr lvl="1"/>
+            <a:r>
+              <a:rPr lang="en-US" dirty="0" smtClean="0"/>
+              <a:t>Set default execution environment</a:t>
+            </a:r>
+          </a:p>
+          <a:p>
+            <a:endParaRPr lang="en-US" dirty="0"/>
+          </a:p>
+        </p:txBody>
+      </p:sp>
+      <p:pic>
+        <p:nvPicPr>
+          <p:cNvPr id="4" name="Picture 3"/>
+          <p:cNvPicPr>
+            <a:picLocks noChangeAspect="1"/>
+          </p:cNvPicPr>
+          <p:nvPr/>
+        </p:nvPicPr>
+        <p:blipFill>
+          <a:blip r:embed="rId3"/>
+          <a:stretch>
+            <a:fillRect/>
+          </a:stretch>
+        </p:blipFill>
+        <p:spPr>
+          <a:xfrm>
+            <a:off x="1555011" y="2209800"/>
+            <a:ext cx="6033978" cy="4401193"/>
+          </a:xfrm>
+          <a:prstGeom prst="rect">
+            <a:avLst/>
+          </a:prstGeom>
+        </p:spPr>
+      </p:pic>
+    </p:spTree>
+    <p:extLst>
+      <p:ext uri="{BB962C8B-B14F-4D97-AF65-F5344CB8AC3E}">
+        <p14:creationId xmlns:p14="http://schemas.microsoft.com/office/powerpoint/2010/main" val="131624184"/>
+      </p:ext>
+    </p:extLst>
+  </p:cSld>
+  <p:clrMapOvr>
+    <a:masterClrMapping/>
+  </p:clrMapOvr>
+  <p:transition>
+    <p:fade/>
+  </p:transition>
+  <p:timing>
+    <p:tnLst>
+      <p:par>
+        <p:cTn id="1" dur="indefinite" restart="never" nodeType="tmRoot"/>
+      </p:par>
+    </p:tnLst>
+  </p:timing>
+</p:sld>
+</file>
+
+<file path=ppt/slides/slide14.xml><?xml version="1.0" encoding="utf-8"?>
+<p:sld xmlns:a="http://schemas.openxmlformats.org/drawingml/2006/main" xmlns:r="http://schemas.openxmlformats.org/officeDocument/2006/relationships" xmlns:p="http://schemas.openxmlformats.org/presentationml/2006/main">
+  <p:cSld>
+    <p:spTree>
+      <p:nvGrpSpPr>
+        <p:cNvPr id="1" name=""/>
+        <p:cNvGrpSpPr/>
+        <p:nvPr/>
+      </p:nvGrpSpPr>
+      <p:grpSpPr>
+        <a:xfrm>
+          <a:off x="0" y="0"/>
+          <a:ext cx="0" cy="0"/>
+          <a:chOff x="0" y="0"/>
+          <a:chExt cx="0" cy="0"/>
+        </a:xfrm>
+      </p:grpSpPr>
+      <p:sp>
+        <p:nvSpPr>
+          <p:cNvPr id="2" name="Title 1"/>
+          <p:cNvSpPr>
+            <a:spLocks noGrp="1"/>
+          </p:cNvSpPr>
+          <p:nvPr>
+            <p:ph type="title"/>
+          </p:nvPr>
+        </p:nvSpPr>
+        <p:spPr/>
+        <p:txBody>
+          <a:bodyPr/>
+          <a:lstStyle/>
+          <a:p>
+            <a:r>
+              <a:rPr lang="en-US" dirty="0" smtClean="0"/>
+              <a:t>Executing .NET</a:t>
+            </a:r>
+            <a:endParaRPr lang="en-US" dirty="0"/>
+          </a:p>
+        </p:txBody>
+      </p:sp>
+      <p:sp>
+        <p:nvSpPr>
+          <p:cNvPr id="3" name="Text Placeholder 2"/>
+          <p:cNvSpPr>
+            <a:spLocks noGrp="1"/>
+          </p:cNvSpPr>
+          <p:nvPr>
+            <p:ph type="body" idx="1"/>
+          </p:nvPr>
+        </p:nvSpPr>
+        <p:spPr/>
+        <p:txBody>
+          <a:bodyPr/>
+          <a:lstStyle/>
+          <a:p>
+            <a:r>
+              <a:rPr lang="en-US" dirty="0" smtClean="0"/>
+              <a:t>DNX - .NET Execution Environment</a:t>
+            </a:r>
+          </a:p>
+          <a:p>
+            <a:r>
+              <a:rPr lang="en-US" dirty="0" smtClean="0"/>
+              <a:t>Cross platform</a:t>
+            </a:r>
+          </a:p>
+          <a:p>
+            <a:r>
+              <a:rPr lang="en-US" dirty="0" smtClean="0"/>
+              <a:t>Host for CLR and Core CLR</a:t>
+            </a:r>
+            <a:endParaRPr lang="en-US" dirty="0"/>
+          </a:p>
+        </p:txBody>
+      </p:sp>
+      <p:pic>
+        <p:nvPicPr>
+          <p:cNvPr id="4" name="Picture 3"/>
+          <p:cNvPicPr>
+            <a:picLocks noChangeAspect="1"/>
+          </p:cNvPicPr>
+          <p:nvPr/>
+        </p:nvPicPr>
+        <p:blipFill>
+          <a:blip r:embed="rId2"/>
+          <a:stretch>
+            <a:fillRect/>
+          </a:stretch>
+        </p:blipFill>
+        <p:spPr>
+          <a:xfrm>
+            <a:off x="1600200" y="2819400"/>
+            <a:ext cx="5109942" cy="3727199"/>
+          </a:xfrm>
+          <a:prstGeom prst="rect">
+            <a:avLst/>
+          </a:prstGeom>
+        </p:spPr>
+      </p:pic>
+    </p:spTree>
+    <p:extLst>
+      <p:ext uri="{BB962C8B-B14F-4D97-AF65-F5344CB8AC3E}">
+        <p14:creationId xmlns:p14="http://schemas.microsoft.com/office/powerpoint/2010/main" val="3794190737"/>
+      </p:ext>
+    </p:extLst>
+  </p:cSld>
+  <p:clrMapOvr>
+    <a:masterClrMapping/>
+  </p:clrMapOvr>
+  <p:transition>
+    <p:fade/>
+  </p:transition>
+  <p:timing>
+    <p:tnLst>
+      <p:par>
+        <p:cTn id="1" dur="indefinite" restart="never" nodeType="tmRoot"/>
+      </p:par>
+    </p:tnLst>
+  </p:timing>
+</p:sld>
+</file>
+
+<file path=ppt/slides/slide15.xml><?xml version="1.0" encoding="utf-8"?>
+<p:sld xmlns:a="http://schemas.openxmlformats.org/drawingml/2006/main" xmlns:r="http://schemas.openxmlformats.org/officeDocument/2006/relationships" xmlns:p="http://schemas.openxmlformats.org/presentationml/2006/main">
+  <p:cSld>
+    <p:spTree>
+      <p:nvGrpSpPr>
+        <p:cNvPr id="1" name=""/>
+        <p:cNvGrpSpPr/>
+        <p:nvPr/>
+      </p:nvGrpSpPr>
+      <p:grpSpPr>
+        <a:xfrm>
+          <a:off x="0" y="0"/>
+          <a:ext cx="0" cy="0"/>
+          <a:chOff x="0" y="0"/>
+          <a:chExt cx="0" cy="0"/>
+        </a:xfrm>
+      </p:grpSpPr>
+      <p:sp>
+        <p:nvSpPr>
+          <p:cNvPr id="2" name="Title 1"/>
+          <p:cNvSpPr>
+            <a:spLocks noGrp="1"/>
+          </p:cNvSpPr>
+          <p:nvPr>
+            <p:ph type="title"/>
+          </p:nvPr>
+        </p:nvSpPr>
+        <p:spPr/>
+        <p:txBody>
+          <a:bodyPr/>
+          <a:lstStyle/>
+          <a:p>
+            <a:r>
+              <a:rPr lang="en-US" dirty="0" smtClean="0"/>
+              <a:t>Locations</a:t>
+            </a:r>
+            <a:endParaRPr lang="en-US" dirty="0"/>
+          </a:p>
+        </p:txBody>
+      </p:sp>
+      <p:sp>
+        <p:nvSpPr>
+          <p:cNvPr id="3" name="Text Placeholder 2"/>
+          <p:cNvSpPr>
+            <a:spLocks noGrp="1"/>
+          </p:cNvSpPr>
+          <p:nvPr>
+            <p:ph type="body" idx="1"/>
+          </p:nvPr>
+        </p:nvSpPr>
+        <p:spPr/>
+        <p:txBody>
+          <a:bodyPr/>
+          <a:lstStyle/>
+          <a:p>
+            <a:r>
+              <a:rPr lang="en-US" dirty="0" smtClean="0"/>
+              <a:t>Look in ~/.</a:t>
+            </a:r>
+            <a:r>
+              <a:rPr lang="en-US" dirty="0" err="1" smtClean="0"/>
+              <a:t>dnx</a:t>
+            </a:r>
+            <a:endParaRPr lang="en-US" dirty="0"/>
+          </a:p>
+        </p:txBody>
+      </p:sp>
+      <p:pic>
+        <p:nvPicPr>
+          <p:cNvPr id="4" name="Picture 3"/>
+          <p:cNvPicPr>
+            <a:picLocks noChangeAspect="1"/>
+          </p:cNvPicPr>
+          <p:nvPr/>
+        </p:nvPicPr>
+        <p:blipFill>
+          <a:blip r:embed="rId3"/>
+          <a:stretch>
+            <a:fillRect/>
+          </a:stretch>
+        </p:blipFill>
+        <p:spPr>
+          <a:xfrm>
+            <a:off x="280987" y="2362200"/>
+            <a:ext cx="8582025" cy="3419475"/>
+          </a:xfrm>
+          <a:prstGeom prst="rect">
+            <a:avLst/>
+          </a:prstGeom>
+        </p:spPr>
+      </p:pic>
+    </p:spTree>
+    <p:extLst>
+      <p:ext uri="{BB962C8B-B14F-4D97-AF65-F5344CB8AC3E}">
+        <p14:creationId xmlns:p14="http://schemas.microsoft.com/office/powerpoint/2010/main" val="836720630"/>
+      </p:ext>
+    </p:extLst>
+  </p:cSld>
+  <p:clrMapOvr>
+    <a:masterClrMapping/>
+  </p:clrMapOvr>
+  <p:transition>
+    <p:fade/>
+  </p:transition>
+  <p:timing>
+    <p:tnLst>
+      <p:par>
+        <p:cTn id="1" dur="indefinite" restart="never" nodeType="tmRoot"/>
+      </p:par>
+    </p:tnLst>
+  </p:timing>
+</p:sld>
+</file>
+
+<file path=ppt/slides/slide16.xml><?xml version="1.0" encoding="utf-8"?>
+<p:sld xmlns:a="http://schemas.openxmlformats.org/drawingml/2006/main" xmlns:r="http://schemas.openxmlformats.org/officeDocument/2006/relationships" xmlns:p="http://schemas.openxmlformats.org/presentationml/2006/main">
+  <p:cSld>
+    <p:spTree>
+      <p:nvGrpSpPr>
+        <p:cNvPr id="1" name=""/>
+        <p:cNvGrpSpPr/>
+        <p:nvPr/>
+      </p:nvGrpSpPr>
+      <p:grpSpPr>
+        <a:xfrm>
+          <a:off x="0" y="0"/>
+          <a:ext cx="0" cy="0"/>
+          <a:chOff x="0" y="0"/>
+          <a:chExt cx="0" cy="0"/>
+        </a:xfrm>
+      </p:grpSpPr>
+      <p:sp>
+        <p:nvSpPr>
+          <p:cNvPr id="2" name="Title 1"/>
+          <p:cNvSpPr>
+            <a:spLocks noGrp="1"/>
+          </p:cNvSpPr>
+          <p:nvPr>
+            <p:ph type="title"/>
+          </p:nvPr>
+        </p:nvSpPr>
+        <p:spPr/>
+        <p:txBody>
+          <a:bodyPr/>
+          <a:lstStyle/>
+          <a:p>
+            <a:r>
+              <a:rPr lang="en-US" dirty="0" smtClean="0"/>
+              <a:t>Startup</a:t>
+            </a:r>
+            <a:endParaRPr lang="en-US" dirty="0"/>
+          </a:p>
+        </p:txBody>
+      </p:sp>
+      <p:sp>
+        <p:nvSpPr>
+          <p:cNvPr id="3" name="Text Placeholder 2"/>
+          <p:cNvSpPr>
+            <a:spLocks noGrp="1"/>
+          </p:cNvSpPr>
+          <p:nvPr>
+            <p:ph type="body" idx="1"/>
+          </p:nvPr>
+        </p:nvSpPr>
+        <p:spPr/>
+        <p:txBody>
+          <a:bodyPr/>
+          <a:lstStyle/>
+          <a:p>
+            <a:r>
+              <a:rPr lang="en-US" dirty="0" smtClean="0"/>
+              <a:t>Entry point for web application</a:t>
+            </a:r>
+          </a:p>
+          <a:p>
+            <a:pPr lvl="1"/>
+            <a:r>
+              <a:rPr lang="en-US" dirty="0" smtClean="0"/>
+              <a:t>Configure the configuration</a:t>
+            </a:r>
+          </a:p>
+          <a:p>
+            <a:pPr lvl="1"/>
+            <a:r>
+              <a:rPr lang="en-US" dirty="0" smtClean="0"/>
+              <a:t>Configure the HTTP processing pipeline</a:t>
+            </a:r>
+          </a:p>
+          <a:p>
+            <a:pPr lvl="1"/>
+            <a:r>
+              <a:rPr lang="en-US" dirty="0" smtClean="0"/>
+              <a:t>Configure services and container</a:t>
+            </a:r>
+          </a:p>
+        </p:txBody>
+      </p:sp>
+      <p:pic>
+        <p:nvPicPr>
+          <p:cNvPr id="4" name="Picture 3"/>
+          <p:cNvPicPr>
+            <a:picLocks noChangeAspect="1"/>
+          </p:cNvPicPr>
+          <p:nvPr/>
+        </p:nvPicPr>
+        <p:blipFill>
+          <a:blip r:embed="rId3"/>
+          <a:stretch>
+            <a:fillRect/>
+          </a:stretch>
+        </p:blipFill>
+        <p:spPr>
+          <a:xfrm>
+            <a:off x="990600" y="3129268"/>
+            <a:ext cx="7162800" cy="3195332"/>
+          </a:xfrm>
+          <a:prstGeom prst="rect">
+            <a:avLst/>
+          </a:prstGeom>
+        </p:spPr>
+      </p:pic>
+    </p:spTree>
+    <p:extLst>
+      <p:ext uri="{BB962C8B-B14F-4D97-AF65-F5344CB8AC3E}">
+        <p14:creationId xmlns:p14="http://schemas.microsoft.com/office/powerpoint/2010/main" val="1955445108"/>
+      </p:ext>
+    </p:extLst>
+  </p:cSld>
+  <p:clrMapOvr>
+    <a:masterClrMapping/>
+  </p:clrMapOvr>
+  <p:transition>
+    <p:fade/>
+  </p:transition>
+  <p:timing>
+    <p:tnLst>
+      <p:par>
+        <p:cTn id="1" dur="indefinite" restart="never" nodeType="tmRoot"/>
+      </p:par>
+    </p:tnLst>
+  </p:timing>
+</p:sld>
+</file>
+
+<file path=ppt/slides/slide17.xml><?xml version="1.0" encoding="utf-8"?>
+<p:sld xmlns:a="http://schemas.openxmlformats.org/drawingml/2006/main" xmlns:r="http://schemas.openxmlformats.org/officeDocument/2006/relationships" xmlns:p="http://schemas.openxmlformats.org/presentationml/2006/main">
+  <p:cSld>
+    <p:spTree>
+      <p:nvGrpSpPr>
+        <p:cNvPr id="1" name=""/>
+        <p:cNvGrpSpPr/>
+        <p:nvPr/>
+      </p:nvGrpSpPr>
+      <p:grpSpPr>
+        <a:xfrm>
+          <a:off x="0" y="0"/>
+          <a:ext cx="0" cy="0"/>
+          <a:chOff x="0" y="0"/>
+          <a:chExt cx="0" cy="0"/>
+        </a:xfrm>
+      </p:grpSpPr>
+      <p:sp>
+        <p:nvSpPr>
+          <p:cNvPr id="2" name="Title 1"/>
+          <p:cNvSpPr>
+            <a:spLocks noGrp="1"/>
+          </p:cNvSpPr>
+          <p:nvPr>
+            <p:ph type="title"/>
+          </p:nvPr>
+        </p:nvSpPr>
+        <p:spPr/>
+        <p:txBody>
+          <a:bodyPr/>
+          <a:lstStyle/>
+          <a:p>
+            <a:r>
+              <a:rPr lang="en-US" dirty="0" smtClean="0"/>
+              <a:t>Middleware</a:t>
+            </a:r>
+            <a:endParaRPr lang="en-US" dirty="0"/>
+          </a:p>
+        </p:txBody>
+      </p:sp>
+      <p:sp>
+        <p:nvSpPr>
+          <p:cNvPr id="3" name="Text Placeholder 2"/>
+          <p:cNvSpPr>
+            <a:spLocks noGrp="1"/>
+          </p:cNvSpPr>
+          <p:nvPr>
+            <p:ph type="body" idx="1"/>
+          </p:nvPr>
+        </p:nvSpPr>
+        <p:spPr/>
+        <p:txBody>
+          <a:bodyPr/>
+          <a:lstStyle/>
+          <a:p>
+            <a:r>
+              <a:rPr lang="en-US" dirty="0" smtClean="0"/>
+              <a:t>Middleware is the HTTP processing pipeline</a:t>
+            </a:r>
+          </a:p>
+          <a:p>
+            <a:r>
+              <a:rPr lang="en-US" dirty="0" smtClean="0"/>
+              <a:t>Based on OWIN</a:t>
+            </a:r>
+            <a:endParaRPr lang="en-US" dirty="0"/>
+          </a:p>
+        </p:txBody>
+      </p:sp>
+      <p:pic>
+        <p:nvPicPr>
+          <p:cNvPr id="3074" name="Picture 2" descr="../_images/request-delegate-pipeline.png"/>
+          <p:cNvPicPr>
+            <a:picLocks noChangeAspect="1" noChangeArrowheads="1"/>
+          </p:cNvPicPr>
+          <p:nvPr/>
+        </p:nvPicPr>
+        <p:blipFill>
+          <a:blip r:embed="rId2">
+            <a:extLst>
+              <a:ext uri="{28A0092B-C50C-407E-A947-70E740481C1C}">
+                <a14:useLocalDpi xmlns:a14="http://schemas.microsoft.com/office/drawing/2010/main" val="0"/>
+              </a:ext>
+            </a:extLst>
+          </a:blip>
+          <a:srcRect/>
+          <a:stretch>
+            <a:fillRect/>
+          </a:stretch>
+        </p:blipFill>
+        <p:spPr bwMode="auto">
+          <a:xfrm>
+            <a:off x="1981200" y="2590800"/>
+            <a:ext cx="4953000" cy="3169920"/>
+          </a:xfrm>
+          <a:prstGeom prst="rect">
+            <a:avLst/>
+          </a:prstGeom>
+          <a:ln>
+            <a:noFill/>
+          </a:ln>
+          <a:effectLst>
+            <a:outerShdw blurRad="292100" dist="139700" dir="2700000" algn="tl" rotWithShape="0">
+              <a:srgbClr val="333333">
+                <a:alpha val="65000"/>
+              </a:srgbClr>
+            </a:outerShdw>
+          </a:effectLst>
+          <a:extLst>
+            <a:ext uri="{909E8E84-426E-40DD-AFC4-6F175D3DCCD1}">
+              <a14:hiddenFill xmlns:a14="http://schemas.microsoft.com/office/drawing/2010/main">
+                <a:solidFill>
+                  <a:srgbClr val="FFFFFF"/>
+                </a:solidFill>
+              </a14:hiddenFill>
+            </a:ext>
+          </a:extLst>
+        </p:spPr>
+      </p:pic>
+    </p:spTree>
+    <p:extLst>
+      <p:ext uri="{BB962C8B-B14F-4D97-AF65-F5344CB8AC3E}">
+        <p14:creationId xmlns:p14="http://schemas.microsoft.com/office/powerpoint/2010/main" val="1471707818"/>
+      </p:ext>
+    </p:extLst>
+  </p:cSld>
+  <p:clrMapOvr>
+    <a:masterClrMapping/>
+  </p:clrMapOvr>
+  <p:transition>
+    <p:fade/>
+  </p:transition>
+  <p:timing>
+    <p:tnLst>
+      <p:par>
+        <p:cTn id="1" dur="indefinite" restart="never" nodeType="tmRoot"/>
+      </p:par>
+    </p:tnLst>
+  </p:timing>
+</p:sld>
+</file>
+
+<file path=ppt/slides/slide18.xml><?xml version="1.0" encoding="utf-8"?>
+<p:sld xmlns:a="http://schemas.openxmlformats.org/drawingml/2006/main" xmlns:r="http://schemas.openxmlformats.org/officeDocument/2006/relationships" xmlns:p="http://schemas.openxmlformats.org/presentationml/2006/main">
+  <p:cSld>
+    <p:spTree>
+      <p:nvGrpSpPr>
+        <p:cNvPr id="1" name=""/>
+        <p:cNvGrpSpPr/>
+        <p:nvPr/>
+      </p:nvGrpSpPr>
+      <p:grpSpPr>
+        <a:xfrm>
+          <a:off x="0" y="0"/>
+          <a:ext cx="0" cy="0"/>
+          <a:chOff x="0" y="0"/>
+          <a:chExt cx="0" cy="0"/>
+        </a:xfrm>
+      </p:grpSpPr>
+      <p:sp>
+        <p:nvSpPr>
+          <p:cNvPr id="2" name="Title 1"/>
+          <p:cNvSpPr>
+            <a:spLocks noGrp="1"/>
+          </p:cNvSpPr>
+          <p:nvPr>
+            <p:ph type="title"/>
+          </p:nvPr>
+        </p:nvSpPr>
+        <p:spPr/>
+        <p:txBody>
+          <a:bodyPr/>
+          <a:lstStyle/>
+          <a:p>
+            <a:r>
+              <a:rPr lang="en-US" dirty="0" smtClean="0"/>
+              <a:t>MVC Framework</a:t>
+            </a:r>
+            <a:endParaRPr lang="en-US" dirty="0"/>
+          </a:p>
+        </p:txBody>
+      </p:sp>
+      <p:sp>
+        <p:nvSpPr>
+          <p:cNvPr id="3" name="Text Placeholder 2"/>
+          <p:cNvSpPr>
+            <a:spLocks noGrp="1"/>
+          </p:cNvSpPr>
+          <p:nvPr>
+            <p:ph type="body" idx="1"/>
+          </p:nvPr>
+        </p:nvSpPr>
+        <p:spPr/>
+        <p:txBody>
+          <a:bodyPr/>
+          <a:lstStyle/>
+          <a:p>
+            <a:r>
+              <a:rPr lang="en-US" dirty="0" smtClean="0"/>
+              <a:t>Includes both HTML and API features</a:t>
+            </a:r>
+            <a:endParaRPr lang="en-US" dirty="0"/>
+          </a:p>
+        </p:txBody>
+      </p:sp>
+      <p:pic>
+        <p:nvPicPr>
+          <p:cNvPr id="4" name="Picture 3"/>
+          <p:cNvPicPr>
+            <a:picLocks noChangeAspect="1"/>
+          </p:cNvPicPr>
+          <p:nvPr/>
+        </p:nvPicPr>
+        <p:blipFill>
+          <a:blip r:embed="rId2"/>
+          <a:stretch>
+            <a:fillRect/>
+          </a:stretch>
+        </p:blipFill>
+        <p:spPr>
+          <a:xfrm>
+            <a:off x="457200" y="2082145"/>
+            <a:ext cx="8162925" cy="4229100"/>
+          </a:xfrm>
+          <a:prstGeom prst="rect">
+            <a:avLst/>
+          </a:prstGeom>
+        </p:spPr>
+      </p:pic>
+    </p:spTree>
+    <p:extLst>
+      <p:ext uri="{BB962C8B-B14F-4D97-AF65-F5344CB8AC3E}">
+        <p14:creationId xmlns:p14="http://schemas.microsoft.com/office/powerpoint/2010/main" val="1766268052"/>
+      </p:ext>
+    </p:extLst>
+  </p:cSld>
+  <p:clrMapOvr>
+    <a:masterClrMapping/>
+  </p:clrMapOvr>
+  <p:transition>
+    <p:fade/>
+  </p:transition>
+  <p:timing>
+    <p:tnLst>
+      <p:par>
+        <p:cTn id="1" dur="indefinite" restart="never" nodeType="tmRoot"/>
+      </p:par>
+    </p:tnLst>
+  </p:timing>
+</p:sld>
+</file>
+
+<file path=ppt/slides/slide19.xml><?xml version="1.0" encoding="utf-8"?>
+<p:sld xmlns:a="http://schemas.openxmlformats.org/drawingml/2006/main" xmlns:r="http://schemas.openxmlformats.org/officeDocument/2006/relationships" xmlns:p="http://schemas.openxmlformats.org/presentationml/2006/main">
+  <p:cSld>
+    <p:spTree>
+      <p:nvGrpSpPr>
+        <p:cNvPr id="1" name=""/>
+        <p:cNvGrpSpPr/>
+        <p:nvPr/>
+      </p:nvGrpSpPr>
+      <p:grpSpPr>
+        <a:xfrm>
+          <a:off x="0" y="0"/>
+          <a:ext cx="0" cy="0"/>
+          <a:chOff x="0" y="0"/>
+          <a:chExt cx="0" cy="0"/>
+        </a:xfrm>
+      </p:grpSpPr>
+      <p:sp>
+        <p:nvSpPr>
+          <p:cNvPr id="2" name="Title 1"/>
+          <p:cNvSpPr>
+            <a:spLocks noGrp="1"/>
+          </p:cNvSpPr>
+          <p:nvPr>
+            <p:ph type="title"/>
+          </p:nvPr>
+        </p:nvSpPr>
+        <p:spPr/>
+        <p:txBody>
+          <a:bodyPr/>
+          <a:lstStyle/>
+          <a:p>
+            <a:r>
+              <a:rPr lang="en-US" dirty="0" smtClean="0"/>
+              <a:t>Razor Views</a:t>
+            </a:r>
+            <a:endParaRPr lang="en-US" dirty="0"/>
+          </a:p>
+        </p:txBody>
+      </p:sp>
+      <p:sp>
+        <p:nvSpPr>
+          <p:cNvPr id="3" name="Text Placeholder 2"/>
+          <p:cNvSpPr>
+            <a:spLocks noGrp="1"/>
+          </p:cNvSpPr>
+          <p:nvPr>
+            <p:ph type="body" idx="1"/>
+          </p:nvPr>
+        </p:nvSpPr>
+        <p:spPr/>
+        <p:txBody>
+          <a:bodyPr/>
+          <a:lstStyle/>
+          <a:p>
+            <a:endParaRPr lang="en-US" dirty="0"/>
+          </a:p>
+        </p:txBody>
+      </p:sp>
+      <p:pic>
+        <p:nvPicPr>
+          <p:cNvPr id="4" name="Picture 3"/>
+          <p:cNvPicPr>
+            <a:picLocks noChangeAspect="1"/>
+          </p:cNvPicPr>
+          <p:nvPr/>
+        </p:nvPicPr>
+        <p:blipFill>
+          <a:blip r:embed="rId2"/>
+          <a:stretch>
+            <a:fillRect/>
+          </a:stretch>
+        </p:blipFill>
+        <p:spPr>
+          <a:xfrm>
+            <a:off x="466725" y="1219200"/>
+            <a:ext cx="8220075" cy="4820919"/>
+          </a:xfrm>
+          <a:prstGeom prst="rect">
+            <a:avLst/>
+          </a:prstGeom>
+        </p:spPr>
+      </p:pic>
+    </p:spTree>
+    <p:extLst>
+      <p:ext uri="{BB962C8B-B14F-4D97-AF65-F5344CB8AC3E}">
+        <p14:creationId xmlns:p14="http://schemas.microsoft.com/office/powerpoint/2010/main" val="1169428176"/>
+      </p:ext>
+    </p:extLst>
   </p:cSld>
   <p:clrMapOvr>
     <a:masterClrMapping/>
@@ -3584,6 +5399,328 @@
 </p:sld>
 </file>
 
+<file path=ppt/slides/slide20.xml><?xml version="1.0" encoding="utf-8"?>
+<p:sld xmlns:a="http://schemas.openxmlformats.org/drawingml/2006/main" xmlns:r="http://schemas.openxmlformats.org/officeDocument/2006/relationships" xmlns:p="http://schemas.openxmlformats.org/presentationml/2006/main">
+  <p:cSld>
+    <p:spTree>
+      <p:nvGrpSpPr>
+        <p:cNvPr id="1" name=""/>
+        <p:cNvGrpSpPr/>
+        <p:nvPr/>
+      </p:nvGrpSpPr>
+      <p:grpSpPr>
+        <a:xfrm>
+          <a:off x="0" y="0"/>
+          <a:ext cx="0" cy="0"/>
+          <a:chOff x="0" y="0"/>
+          <a:chExt cx="0" cy="0"/>
+        </a:xfrm>
+      </p:grpSpPr>
+      <p:sp>
+        <p:nvSpPr>
+          <p:cNvPr id="2" name="Title 1"/>
+          <p:cNvSpPr>
+            <a:spLocks noGrp="1"/>
+          </p:cNvSpPr>
+          <p:nvPr>
+            <p:ph type="title"/>
+          </p:nvPr>
+        </p:nvSpPr>
+        <p:spPr/>
+        <p:txBody>
+          <a:bodyPr/>
+          <a:lstStyle/>
+          <a:p>
+            <a:r>
+              <a:rPr lang="en-US" dirty="0" smtClean="0"/>
+              <a:t>Hosting</a:t>
+            </a:r>
+            <a:endParaRPr lang="en-US" dirty="0"/>
+          </a:p>
+        </p:txBody>
+      </p:sp>
+      <p:sp>
+        <p:nvSpPr>
+          <p:cNvPr id="3" name="Text Placeholder 2"/>
+          <p:cNvSpPr>
+            <a:spLocks noGrp="1"/>
+          </p:cNvSpPr>
+          <p:nvPr>
+            <p:ph type="body" idx="1"/>
+          </p:nvPr>
+        </p:nvSpPr>
+        <p:spPr/>
+        <p:txBody>
+          <a:bodyPr/>
+          <a:lstStyle/>
+          <a:p>
+            <a:r>
+              <a:rPr lang="en-US" dirty="0" smtClean="0"/>
+              <a:t>IIS / IIS Express</a:t>
+            </a:r>
+          </a:p>
+          <a:p>
+            <a:r>
+              <a:rPr lang="en-US" dirty="0" smtClean="0"/>
+              <a:t>http.sys</a:t>
+            </a:r>
+          </a:p>
+          <a:p>
+            <a:r>
+              <a:rPr lang="en-US" dirty="0" smtClean="0"/>
+              <a:t>Kestrel</a:t>
+            </a:r>
+            <a:endParaRPr lang="en-US" dirty="0"/>
+          </a:p>
+        </p:txBody>
+      </p:sp>
+      <p:pic>
+        <p:nvPicPr>
+          <p:cNvPr id="4098" name="Picture 2" descr="http://4.bp.blogspot.com/-X7CrLfzmTBQ/VB9_rUA0ubI/AAAAAAAACIA/7WXMI4by-F0/s1600/IIS%2B8.png"/>
+          <p:cNvPicPr>
+            <a:picLocks noChangeAspect="1" noChangeArrowheads="1"/>
+          </p:cNvPicPr>
+          <p:nvPr/>
+        </p:nvPicPr>
+        <p:blipFill>
+          <a:blip r:embed="rId2">
+            <a:extLst>
+              <a:ext uri="{28A0092B-C50C-407E-A947-70E740481C1C}">
+                <a14:useLocalDpi xmlns:a14="http://schemas.microsoft.com/office/drawing/2010/main" val="0"/>
+              </a:ext>
+            </a:extLst>
+          </a:blip>
+          <a:srcRect/>
+          <a:stretch>
+            <a:fillRect/>
+          </a:stretch>
+        </p:blipFill>
+        <p:spPr bwMode="auto">
+          <a:xfrm>
+            <a:off x="2286000" y="2667000"/>
+            <a:ext cx="6210300" cy="2724151"/>
+          </a:xfrm>
+          <a:prstGeom prst="rect">
+            <a:avLst/>
+          </a:prstGeom>
+          <a:noFill/>
+          <a:extLst>
+            <a:ext uri="{909E8E84-426E-40DD-AFC4-6F175D3DCCD1}">
+              <a14:hiddenFill xmlns:a14="http://schemas.microsoft.com/office/drawing/2010/main">
+                <a:solidFill>
+                  <a:srgbClr val="FFFFFF"/>
+                </a:solidFill>
+              </a14:hiddenFill>
+            </a:ext>
+          </a:extLst>
+        </p:spPr>
+      </p:pic>
+    </p:spTree>
+    <p:extLst>
+      <p:ext uri="{BB962C8B-B14F-4D97-AF65-F5344CB8AC3E}">
+        <p14:creationId xmlns:p14="http://schemas.microsoft.com/office/powerpoint/2010/main" val="2984317155"/>
+      </p:ext>
+    </p:extLst>
+  </p:cSld>
+  <p:clrMapOvr>
+    <a:masterClrMapping/>
+  </p:clrMapOvr>
+  <p:transition>
+    <p:fade/>
+  </p:transition>
+  <p:timing>
+    <p:tnLst>
+      <p:par>
+        <p:cTn id="1" dur="indefinite" restart="never" nodeType="tmRoot"/>
+      </p:par>
+    </p:tnLst>
+  </p:timing>
+</p:sld>
+</file>
+
+<file path=ppt/slides/slide21.xml><?xml version="1.0" encoding="utf-8"?>
+<p:sld xmlns:a="http://schemas.openxmlformats.org/drawingml/2006/main" xmlns:r="http://schemas.openxmlformats.org/officeDocument/2006/relationships" xmlns:p="http://schemas.openxmlformats.org/presentationml/2006/main">
+  <p:cSld>
+    <p:spTree>
+      <p:nvGrpSpPr>
+        <p:cNvPr id="1" name=""/>
+        <p:cNvGrpSpPr/>
+        <p:nvPr/>
+      </p:nvGrpSpPr>
+      <p:grpSpPr>
+        <a:xfrm>
+          <a:off x="0" y="0"/>
+          <a:ext cx="0" cy="0"/>
+          <a:chOff x="0" y="0"/>
+          <a:chExt cx="0" cy="0"/>
+        </a:xfrm>
+      </p:grpSpPr>
+      <p:sp>
+        <p:nvSpPr>
+          <p:cNvPr id="2" name="Title 1"/>
+          <p:cNvSpPr>
+            <a:spLocks noGrp="1"/>
+          </p:cNvSpPr>
+          <p:nvPr>
+            <p:ph type="title"/>
+          </p:nvPr>
+        </p:nvSpPr>
+        <p:spPr/>
+        <p:txBody>
+          <a:bodyPr/>
+          <a:lstStyle/>
+          <a:p>
+            <a:r>
+              <a:rPr lang="en-US" dirty="0" smtClean="0"/>
+              <a:t>Summary</a:t>
+            </a:r>
+            <a:endParaRPr lang="en-US" dirty="0"/>
+          </a:p>
+        </p:txBody>
+      </p:sp>
+      <p:sp>
+        <p:nvSpPr>
+          <p:cNvPr id="3" name="Text Placeholder 2"/>
+          <p:cNvSpPr>
+            <a:spLocks noGrp="1"/>
+          </p:cNvSpPr>
+          <p:nvPr>
+            <p:ph type="body" idx="1"/>
+          </p:nvPr>
+        </p:nvSpPr>
+        <p:spPr/>
+        <p:txBody>
+          <a:bodyPr/>
+          <a:lstStyle/>
+          <a:p>
+            <a:pPr lvl="1"/>
+            <a:endParaRPr lang="en-US" dirty="0"/>
+          </a:p>
+        </p:txBody>
+      </p:sp>
+      <p:sp>
+        <p:nvSpPr>
+          <p:cNvPr id="4" name="Rectangle 3"/>
+          <p:cNvSpPr/>
+          <p:nvPr/>
+        </p:nvSpPr>
+        <p:spPr bwMode="auto">
+          <a:xfrm>
+            <a:off x="304800" y="2209800"/>
+            <a:ext cx="4114800" cy="2743200"/>
+          </a:xfrm>
+          <a:prstGeom prst="rect">
+            <a:avLst/>
+          </a:prstGeom>
+          <a:solidFill>
+            <a:srgbClr val="D3D3A9"/>
+          </a:solidFill>
+          <a:ln w="9525" algn="ctr">
+            <a:solidFill>
+              <a:schemeClr val="tx1"/>
+            </a:solidFill>
+            <a:miter lim="800000"/>
+            <a:headEnd/>
+            <a:tailEnd/>
+          </a:ln>
+          <a:effectLst>
+            <a:outerShdw blurRad="50800" dist="38100" dir="2700000" algn="tl" rotWithShape="0">
+              <a:prstClr val="black">
+                <a:alpha val="40000"/>
+              </a:prstClr>
+            </a:outerShdw>
+          </a:effectLst>
+        </p:spPr>
+        <p:txBody>
+          <a:bodyPr wrap="none" rtlCol="0" anchor="ctr"/>
+          <a:lstStyle/>
+          <a:p>
+            <a:pPr algn="ctr"/>
+            <a:r>
+              <a:rPr lang="en-US" sz="2000" dirty="0" smtClean="0">
+                <a:latin typeface="Tekton Pro" pitchFamily="34" charset="0"/>
+              </a:rPr>
+              <a:t>ASP.NET MVC</a:t>
+            </a:r>
+            <a:endParaRPr lang="en-US" sz="2000" dirty="0">
+              <a:latin typeface="Tekton Pro" pitchFamily="34" charset="0"/>
+            </a:endParaRPr>
+          </a:p>
+        </p:txBody>
+      </p:sp>
+      <p:sp>
+        <p:nvSpPr>
+          <p:cNvPr id="5" name="Rectangle 4"/>
+          <p:cNvSpPr/>
+          <p:nvPr/>
+        </p:nvSpPr>
+        <p:spPr bwMode="auto">
+          <a:xfrm>
+            <a:off x="4659984" y="2209800"/>
+            <a:ext cx="4114800" cy="2743200"/>
+          </a:xfrm>
+          <a:prstGeom prst="rect">
+            <a:avLst/>
+          </a:prstGeom>
+          <a:solidFill>
+            <a:srgbClr val="D3D3A9"/>
+          </a:solidFill>
+          <a:ln w="9525" algn="ctr">
+            <a:solidFill>
+              <a:schemeClr val="tx1"/>
+            </a:solidFill>
+            <a:miter lim="800000"/>
+            <a:headEnd/>
+            <a:tailEnd/>
+          </a:ln>
+          <a:effectLst>
+            <a:outerShdw blurRad="50800" dist="38100" dir="2700000" algn="tl" rotWithShape="0">
+              <a:prstClr val="black">
+                <a:alpha val="40000"/>
+              </a:prstClr>
+            </a:outerShdw>
+          </a:effectLst>
+        </p:spPr>
+        <p:txBody>
+          <a:bodyPr wrap="none" rtlCol="0" anchor="ctr"/>
+          <a:lstStyle/>
+          <a:p>
+            <a:pPr algn="ctr"/>
+            <a:r>
+              <a:rPr lang="en-US" sz="2000" dirty="0" smtClean="0">
+                <a:latin typeface="Tekton Pro" pitchFamily="34" charset="0"/>
+              </a:rPr>
+              <a:t>Middleware</a:t>
+            </a:r>
+            <a:endParaRPr lang="en-US" sz="2000" dirty="0">
+              <a:latin typeface="Tekton Pro" pitchFamily="34" charset="0"/>
+            </a:endParaRPr>
+          </a:p>
+        </p:txBody>
+      </p:sp>
+    </p:spTree>
+    <p:extLst>
+      <p:ext uri="{BB962C8B-B14F-4D97-AF65-F5344CB8AC3E}">
+        <p14:creationId xmlns:p14="http://schemas.microsoft.com/office/powerpoint/2010/main" val="3947626774"/>
+      </p:ext>
+    </p:extLst>
+  </p:cSld>
+  <p:clrMapOvr>
+    <a:masterClrMapping/>
+  </p:clrMapOvr>
+  <p:transition>
+    <p:fade/>
+  </p:transition>
+  <p:timing>
+    <p:tnLst>
+      <p:par>
+        <p:cTn id="1" dur="indefinite" restart="never" nodeType="tmRoot"/>
+      </p:par>
+    </p:tnLst>
+  </p:timing>
+</p:sld>
+</file>
+
 <file path=ppt/slides/slide3.xml><?xml version="1.0" encoding="utf-8"?>
 <p:sld xmlns:a="http://schemas.openxmlformats.org/drawingml/2006/main" xmlns:r="http://schemas.openxmlformats.org/officeDocument/2006/relationships" xmlns:p="http://schemas.openxmlformats.org/presentationml/2006/main">
   <p:cSld>
@@ -4069,11 +6206,7 @@
           <a:p>
             <a:r>
               <a:rPr lang="en-US" dirty="0" smtClean="0"/>
-              <a:t>The </a:t>
-            </a:r>
-            <a:r>
-              <a:rPr lang="en-US" dirty="0" err="1" smtClean="0"/>
-              <a:t>project.json</a:t>
+              <a:t>Dynamic Compilation</a:t>
             </a:r>
             <a:endParaRPr lang="en-US" dirty="0"/>
           </a:p>
@@ -4095,37 +6228,8 @@
           <a:lstStyle/>
           <a:p>
             <a:r>
-              <a:rPr lang="en-US" dirty="0" err="1"/>
-              <a:t>p</a:t>
-            </a:r>
-            <a:r>
-              <a:rPr lang="en-US" dirty="0" err="1" smtClean="0"/>
-              <a:t>roject.json</a:t>
-            </a:r>
-            <a:r>
               <a:rPr lang="en-US" dirty="0" smtClean="0"/>
-              <a:t> is the heart of the project</a:t>
-            </a:r>
-          </a:p>
-          <a:p>
-            <a:pPr lvl="1"/>
-            <a:r>
-              <a:rPr lang="en-US" dirty="0" smtClean="0"/>
-              <a:t>Defines dependencies (references)</a:t>
-            </a:r>
-          </a:p>
-          <a:p>
-            <a:pPr lvl="1"/>
-            <a:r>
-              <a:rPr lang="en-US" dirty="0" smtClean="0"/>
-              <a:t>Defines framework</a:t>
-            </a:r>
-          </a:p>
-          <a:p>
-            <a:pPr lvl="1"/>
-            <a:r>
-              <a:rPr lang="en-US" dirty="0" smtClean="0"/>
-              <a:t>Defines the “build”</a:t>
+              <a:t>Roslyn builds assemblies in memory</a:t>
             </a:r>
             <a:endParaRPr lang="en-US" dirty="0"/>
           </a:p>
@@ -4133,22 +6237,29 @@
       </p:sp>
       <p:pic>
         <p:nvPicPr>
-          <p:cNvPr id="4" name="Picture 3"/>
+          <p:cNvPr id="2050" name="Picture 2" descr="http://blogs.msdn.com/cfs-file.ashx/__key/communityserver-blogs-components-weblogfiles/00-00-01-44-14/4370.Roslyn.jpg"/>
           <p:cNvPicPr>
-            <a:picLocks noChangeAspect="1"/>
+            <a:picLocks noChangeAspect="1" noChangeArrowheads="1"/>
           </p:cNvPicPr>
           <p:nvPr/>
         </p:nvPicPr>
         <p:blipFill>
-          <a:blip r:embed="rId2"/>
+          <a:blip r:embed="rId2">
+            <a:extLst>
+              <a:ext uri="{28A0092B-C50C-407E-A947-70E740481C1C}">
+                <a14:useLocalDpi xmlns:a14="http://schemas.microsoft.com/office/drawing/2010/main" val="0"/>
+              </a:ext>
+            </a:extLst>
+          </a:blip>
+          <a:srcRect/>
           <a:stretch>
             <a:fillRect/>
           </a:stretch>
         </p:blipFill>
-        <p:spPr>
+        <p:spPr bwMode="auto">
           <a:xfrm>
-            <a:off x="1690688" y="2971800"/>
-            <a:ext cx="5319712" cy="3430780"/>
+            <a:off x="762000" y="2228849"/>
+            <a:ext cx="7324725" cy="3714751"/>
           </a:xfrm>
           <a:prstGeom prst="rect">
             <a:avLst/>
@@ -4163,12 +6274,21 @@
               </a:srgbClr>
             </a:outerShdw>
           </a:effectLst>
+          <a:extLst>
+            <a:ext uri="{909E8E84-426E-40DD-AFC4-6F175D3DCCD1}">
+              <a14:hiddenFill xmlns:a14="http://schemas.microsoft.com/office/drawing/2010/main">
+                <a:solidFill>
+                  <a:srgbClr val="FFFFFF"/>
+                </a:solidFill>
+              </a14:hiddenFill>
+            </a:ext>
+          </a:extLst>
         </p:spPr>
       </p:pic>
     </p:spTree>
     <p:extLst>
       <p:ext uri="{BB962C8B-B14F-4D97-AF65-F5344CB8AC3E}">
-        <p14:creationId xmlns:p14="http://schemas.microsoft.com/office/powerpoint/2010/main" val="3011975128"/>
+        <p14:creationId xmlns:p14="http://schemas.microsoft.com/office/powerpoint/2010/main" val="3735092684"/>
       </p:ext>
     </p:extLst>
   </p:cSld>
@@ -4514,7 +6634,15 @@
           <a:bodyPr/>
           <a:lstStyle/>
           <a:p>
-            <a:endParaRPr lang="en-US"/>
+            <a:r>
+              <a:rPr lang="en-US" dirty="0" smtClean="0"/>
+              <a:t>The </a:t>
+            </a:r>
+            <a:r>
+              <a:rPr lang="en-US" dirty="0" err="1" smtClean="0"/>
+              <a:t>project.json</a:t>
+            </a:r>
+            <a:endParaRPr lang="en-US" dirty="0"/>
           </a:p>
         </p:txBody>
       </p:sp>
@@ -4533,14 +6661,81 @@
           <a:bodyPr/>
           <a:lstStyle/>
           <a:p>
-            <a:endParaRPr lang="en-US"/>
-          </a:p>
-        </p:txBody>
-      </p:sp>
+            <a:r>
+              <a:rPr lang="en-US" dirty="0" err="1"/>
+              <a:t>p</a:t>
+            </a:r>
+            <a:r>
+              <a:rPr lang="en-US" dirty="0" err="1" smtClean="0"/>
+              <a:t>roject.json</a:t>
+            </a:r>
+            <a:r>
+              <a:rPr lang="en-US" dirty="0" smtClean="0"/>
+              <a:t> is the heart of the project</a:t>
+            </a:r>
+          </a:p>
+          <a:p>
+            <a:pPr lvl="1"/>
+            <a:r>
+              <a:rPr lang="en-US" dirty="0" smtClean="0"/>
+              <a:t>Defines dependencies (references)</a:t>
+            </a:r>
+          </a:p>
+          <a:p>
+            <a:pPr lvl="1"/>
+            <a:r>
+              <a:rPr lang="en-US" dirty="0" smtClean="0"/>
+              <a:t>Defines framework</a:t>
+            </a:r>
+          </a:p>
+          <a:p>
+            <a:pPr lvl="1"/>
+            <a:r>
+              <a:rPr lang="en-US" dirty="0" smtClean="0"/>
+              <a:t>Defines the “build”</a:t>
+            </a:r>
+            <a:endParaRPr lang="en-US" dirty="0"/>
+          </a:p>
+        </p:txBody>
+      </p:sp>
+      <p:pic>
+        <p:nvPicPr>
+          <p:cNvPr id="4" name="Picture 3"/>
+          <p:cNvPicPr>
+            <a:picLocks noChangeAspect="1"/>
+          </p:cNvPicPr>
+          <p:nvPr/>
+        </p:nvPicPr>
+        <p:blipFill>
+          <a:blip r:embed="rId2"/>
+          <a:stretch>
+            <a:fillRect/>
+          </a:stretch>
+        </p:blipFill>
+        <p:spPr>
+          <a:xfrm>
+            <a:off x="1690688" y="2971800"/>
+            <a:ext cx="5319712" cy="3430780"/>
+          </a:xfrm>
+          <a:prstGeom prst="rect">
+            <a:avLst/>
+          </a:prstGeom>
+          <a:ln>
+            <a:noFill/>
+          </a:ln>
+          <a:effectLst>
+            <a:outerShdw blurRad="292100" dist="139700" dir="2700000" algn="tl" rotWithShape="0">
+              <a:srgbClr val="333333">
+                <a:alpha val="65000"/>
+              </a:srgbClr>
+            </a:outerShdw>
+          </a:effectLst>
+        </p:spPr>
+      </p:pic>
     </p:spTree>
     <p:extLst>
       <p:ext uri="{BB962C8B-B14F-4D97-AF65-F5344CB8AC3E}">
-        <p14:creationId xmlns:p14="http://schemas.microsoft.com/office/powerpoint/2010/main" val="380657000"/>
+        <p14:creationId xmlns:p14="http://schemas.microsoft.com/office/powerpoint/2010/main" val="3011975128"/>
       </p:ext>
     </p:extLst>
   </p:cSld>

--- a/aspnet5/slides/01_Overview.pptx
+++ b/aspnet5/slides/01_Overview.pptx
@@ -5,33 +5,34 @@
     <p:sldMasterId id="2147483772" r:id="rId1"/>
   </p:sldMasterIdLst>
   <p:notesMasterIdLst>
-    <p:notesMasterId r:id="rId23"/>
+    <p:notesMasterId r:id="rId24"/>
   </p:notesMasterIdLst>
   <p:handoutMasterIdLst>
-    <p:handoutMasterId r:id="rId24"/>
+    <p:handoutMasterId r:id="rId25"/>
   </p:handoutMasterIdLst>
   <p:sldIdLst>
     <p:sldId id="327" r:id="rId2"/>
     <p:sldId id="328" r:id="rId3"/>
-    <p:sldId id="329" r:id="rId4"/>
-    <p:sldId id="330" r:id="rId5"/>
-    <p:sldId id="331" r:id="rId6"/>
-    <p:sldId id="337" r:id="rId7"/>
-    <p:sldId id="333" r:id="rId8"/>
-    <p:sldId id="334" r:id="rId9"/>
-    <p:sldId id="332" r:id="rId10"/>
-    <p:sldId id="335" r:id="rId11"/>
-    <p:sldId id="336" r:id="rId12"/>
-    <p:sldId id="338" r:id="rId13"/>
-    <p:sldId id="339" r:id="rId14"/>
-    <p:sldId id="340" r:id="rId15"/>
-    <p:sldId id="341" r:id="rId16"/>
-    <p:sldId id="342" r:id="rId17"/>
-    <p:sldId id="343" r:id="rId18"/>
-    <p:sldId id="344" r:id="rId19"/>
-    <p:sldId id="345" r:id="rId20"/>
-    <p:sldId id="346" r:id="rId21"/>
-    <p:sldId id="347" r:id="rId22"/>
+    <p:sldId id="348" r:id="rId4"/>
+    <p:sldId id="329" r:id="rId5"/>
+    <p:sldId id="330" r:id="rId6"/>
+    <p:sldId id="331" r:id="rId7"/>
+    <p:sldId id="337" r:id="rId8"/>
+    <p:sldId id="333" r:id="rId9"/>
+    <p:sldId id="334" r:id="rId10"/>
+    <p:sldId id="332" r:id="rId11"/>
+    <p:sldId id="335" r:id="rId12"/>
+    <p:sldId id="336" r:id="rId13"/>
+    <p:sldId id="338" r:id="rId14"/>
+    <p:sldId id="339" r:id="rId15"/>
+    <p:sldId id="340" r:id="rId16"/>
+    <p:sldId id="341" r:id="rId17"/>
+    <p:sldId id="342" r:id="rId18"/>
+    <p:sldId id="343" r:id="rId19"/>
+    <p:sldId id="344" r:id="rId20"/>
+    <p:sldId id="345" r:id="rId21"/>
+    <p:sldId id="346" r:id="rId22"/>
+    <p:sldId id="347" r:id="rId23"/>
   </p:sldIdLst>
   <p:sldSz cx="9144000" cy="6858000" type="screen4x3"/>
   <p:notesSz cx="7302500" cy="9588500"/>
@@ -167,6 +168,7 @@
           <p14:sldIdLst>
             <p14:sldId id="327"/>
             <p14:sldId id="328"/>
+            <p14:sldId id="348"/>
             <p14:sldId id="329"/>
             <p14:sldId id="330"/>
             <p14:sldId id="331"/>
@@ -313,7 +315,7 @@
               <a:pPr>
                 <a:defRPr/>
               </a:pPr>
-              <a:t>9/1/2015</a:t>
+              <a:t>9/8/2015</a:t>
             </a:fld>
             <a:endParaRPr lang="en-US"/>
           </a:p>
@@ -1025,7 +1027,7 @@
               <a:pPr>
                 <a:defRPr/>
               </a:pPr>
-              <a:t>3</a:t>
+              <a:t>4</a:t>
             </a:fld>
             <a:endParaRPr lang="en-US"/>
           </a:p>
@@ -1115,7 +1117,7 @@
               <a:pPr>
                 <a:defRPr/>
               </a:pPr>
-              <a:t>4</a:t>
+              <a:t>5</a:t>
             </a:fld>
             <a:endParaRPr lang="en-US"/>
           </a:p>
@@ -1205,7 +1207,7 @@
               <a:pPr>
                 <a:defRPr/>
               </a:pPr>
-              <a:t>10</a:t>
+              <a:t>11</a:t>
             </a:fld>
             <a:endParaRPr lang="en-US"/>
           </a:p>
@@ -1295,7 +1297,7 @@
               <a:pPr>
                 <a:defRPr/>
               </a:pPr>
-              <a:t>13</a:t>
+              <a:t>14</a:t>
             </a:fld>
             <a:endParaRPr lang="en-US"/>
           </a:p>
@@ -1385,7 +1387,7 @@
               <a:pPr>
                 <a:defRPr/>
               </a:pPr>
-              <a:t>15</a:t>
+              <a:t>16</a:t>
             </a:fld>
             <a:endParaRPr lang="en-US"/>
           </a:p>
@@ -1475,7 +1477,7 @@
               <a:pPr>
                 <a:defRPr/>
               </a:pPr>
-              <a:t>16</a:t>
+              <a:t>17</a:t>
             </a:fld>
             <a:endParaRPr lang="en-US"/>
           </a:p>
@@ -1565,7 +1567,7 @@
               <a:pPr>
                 <a:defRPr/>
               </a:pPr>
-              <a:t>21</a:t>
+              <a:t>22</a:t>
             </a:fld>
             <a:endParaRPr lang="en-US"/>
           </a:p>
@@ -3420,13 +3422,8 @@
             <a:pPr marL="0" indent="0" defTabSz="914400" eaLnBrk="1" hangingPunct="1"/>
             <a:r>
               <a:rPr lang="en-US" dirty="0" smtClean="0"/>
-              <a:t>ASP.NET </a:t>
-            </a:r>
-            <a:r>
-              <a:rPr lang="en-US" dirty="0" smtClean="0"/>
-              <a:t>5 Overview</a:t>
-            </a:r>
-            <a:endParaRPr lang="en-US" dirty="0" smtClean="0"/>
+              <a:t>ASP.NET 5 Overview</a:t>
+            </a:r>
           </a:p>
         </p:txBody>
       </p:sp>
@@ -3472,6 +3469,159 @@
 </file>
 
 <file path=ppt/slides/slide10.xml><?xml version="1.0" encoding="utf-8"?>
+<p:sld xmlns:a="http://schemas.openxmlformats.org/drawingml/2006/main" xmlns:r="http://schemas.openxmlformats.org/officeDocument/2006/relationships" xmlns:p="http://schemas.openxmlformats.org/presentationml/2006/main">
+  <p:cSld>
+    <p:spTree>
+      <p:nvGrpSpPr>
+        <p:cNvPr id="1" name=""/>
+        <p:cNvGrpSpPr/>
+        <p:nvPr/>
+      </p:nvGrpSpPr>
+      <p:grpSpPr>
+        <a:xfrm>
+          <a:off x="0" y="0"/>
+          <a:ext cx="0" cy="0"/>
+          <a:chOff x="0" y="0"/>
+          <a:chExt cx="0" cy="0"/>
+        </a:xfrm>
+      </p:grpSpPr>
+      <p:sp>
+        <p:nvSpPr>
+          <p:cNvPr id="2" name="Title 1"/>
+          <p:cNvSpPr>
+            <a:spLocks noGrp="1"/>
+          </p:cNvSpPr>
+          <p:nvPr>
+            <p:ph type="title"/>
+          </p:nvPr>
+        </p:nvSpPr>
+        <p:spPr/>
+        <p:txBody>
+          <a:bodyPr/>
+          <a:lstStyle/>
+          <a:p>
+            <a:r>
+              <a:rPr lang="en-US" dirty="0" smtClean="0"/>
+              <a:t>The </a:t>
+            </a:r>
+            <a:r>
+              <a:rPr lang="en-US" dirty="0" err="1" smtClean="0"/>
+              <a:t>project.json</a:t>
+            </a:r>
+            <a:endParaRPr lang="en-US" dirty="0"/>
+          </a:p>
+        </p:txBody>
+      </p:sp>
+      <p:sp>
+        <p:nvSpPr>
+          <p:cNvPr id="3" name="Text Placeholder 2"/>
+          <p:cNvSpPr>
+            <a:spLocks noGrp="1"/>
+          </p:cNvSpPr>
+          <p:nvPr>
+            <p:ph type="body" idx="1"/>
+          </p:nvPr>
+        </p:nvSpPr>
+        <p:spPr/>
+        <p:txBody>
+          <a:bodyPr/>
+          <a:lstStyle/>
+          <a:p>
+            <a:r>
+              <a:rPr lang="en-US" dirty="0" err="1"/>
+              <a:t>p</a:t>
+            </a:r>
+            <a:r>
+              <a:rPr lang="en-US" dirty="0" err="1" smtClean="0"/>
+              <a:t>roject.json</a:t>
+            </a:r>
+            <a:r>
+              <a:rPr lang="en-US" dirty="0" smtClean="0"/>
+              <a:t> is the heart of the project</a:t>
+            </a:r>
+          </a:p>
+          <a:p>
+            <a:pPr lvl="1"/>
+            <a:r>
+              <a:rPr lang="en-US" dirty="0" smtClean="0"/>
+              <a:t>Defines dependencies (references)</a:t>
+            </a:r>
+          </a:p>
+          <a:p>
+            <a:pPr lvl="1"/>
+            <a:r>
+              <a:rPr lang="en-US" dirty="0" smtClean="0"/>
+              <a:t>Defines framework</a:t>
+            </a:r>
+          </a:p>
+          <a:p>
+            <a:pPr lvl="1"/>
+            <a:r>
+              <a:rPr lang="en-US" dirty="0" smtClean="0"/>
+              <a:t>Defines the “build”</a:t>
+            </a:r>
+            <a:endParaRPr lang="en-US" dirty="0"/>
+          </a:p>
+        </p:txBody>
+      </p:sp>
+      <p:pic>
+        <p:nvPicPr>
+          <p:cNvPr id="4" name="Picture 3"/>
+          <p:cNvPicPr>
+            <a:picLocks noChangeAspect="1"/>
+          </p:cNvPicPr>
+          <p:nvPr/>
+        </p:nvPicPr>
+        <p:blipFill>
+          <a:blip r:embed="rId2"/>
+          <a:stretch>
+            <a:fillRect/>
+          </a:stretch>
+        </p:blipFill>
+        <p:spPr>
+          <a:xfrm>
+            <a:off x="1690688" y="2971800"/>
+            <a:ext cx="5319712" cy="3430780"/>
+          </a:xfrm>
+          <a:prstGeom prst="rect">
+            <a:avLst/>
+          </a:prstGeom>
+          <a:ln>
+            <a:noFill/>
+          </a:ln>
+          <a:effectLst>
+            <a:outerShdw blurRad="292100" dist="139700" dir="2700000" algn="tl" rotWithShape="0">
+              <a:srgbClr val="333333">
+                <a:alpha val="65000"/>
+              </a:srgbClr>
+            </a:outerShdw>
+          </a:effectLst>
+        </p:spPr>
+      </p:pic>
+    </p:spTree>
+    <p:extLst>
+      <p:ext uri="{BB962C8B-B14F-4D97-AF65-F5344CB8AC3E}">
+        <p14:creationId xmlns:p14="http://schemas.microsoft.com/office/powerpoint/2010/main" val="3011975128"/>
+      </p:ext>
+    </p:extLst>
+  </p:cSld>
+  <p:clrMapOvr>
+    <a:masterClrMapping/>
+  </p:clrMapOvr>
+  <p:transition>
+    <p:fade/>
+  </p:transition>
+  <p:timing>
+    <p:tnLst>
+      <p:par>
+        <p:cTn id="1" dur="indefinite" restart="never" nodeType="tmRoot"/>
+      </p:par>
+    </p:tnLst>
+  </p:timing>
+</p:sld>
+</file>
+
+<file path=ppt/slides/slide11.xml><?xml version="1.0" encoding="utf-8"?>
 <p:sld xmlns:a="http://schemas.openxmlformats.org/drawingml/2006/main" xmlns:r="http://schemas.openxmlformats.org/officeDocument/2006/relationships" xmlns:p="http://schemas.openxmlformats.org/presentationml/2006/main">
   <p:cSld>
     <p:spTree>
@@ -3685,7 +3835,7 @@
 </p:sld>
 </file>
 
-<file path=ppt/slides/slide11.xml><?xml version="1.0" encoding="utf-8"?>
+<file path=ppt/slides/slide12.xml><?xml version="1.0" encoding="utf-8"?>
 <p:sld xmlns:a="http://schemas.openxmlformats.org/drawingml/2006/main" xmlns:r="http://schemas.openxmlformats.org/officeDocument/2006/relationships" xmlns:p="http://schemas.openxmlformats.org/presentationml/2006/main">
   <p:cSld>
     <p:spTree>
@@ -3831,7 +3981,7 @@
 </p:sld>
 </file>
 
-<file path=ppt/slides/slide12.xml><?xml version="1.0" encoding="utf-8"?>
+<file path=ppt/slides/slide13.xml><?xml version="1.0" encoding="utf-8"?>
 <p:sld xmlns:a="http://schemas.openxmlformats.org/drawingml/2006/main" xmlns:r="http://schemas.openxmlformats.org/officeDocument/2006/relationships" xmlns:p="http://schemas.openxmlformats.org/presentationml/2006/main">
   <p:cSld>
     <p:spTree>
@@ -3947,7 +4097,7 @@
 </p:sld>
 </file>
 
-<file path=ppt/slides/slide13.xml><?xml version="1.0" encoding="utf-8"?>
+<file path=ppt/slides/slide14.xml><?xml version="1.0" encoding="utf-8"?>
 <p:sld xmlns:a="http://schemas.openxmlformats.org/drawingml/2006/main" xmlns:r="http://schemas.openxmlformats.org/officeDocument/2006/relationships" xmlns:p="http://schemas.openxmlformats.org/presentationml/2006/main">
   <p:cSld>
     <p:spTree>
@@ -4066,7 +4216,7 @@
 </p:sld>
 </file>
 
-<file path=ppt/slides/slide14.xml><?xml version="1.0" encoding="utf-8"?>
+<file path=ppt/slides/slide15.xml><?xml version="1.0" encoding="utf-8"?>
 <p:sld xmlns:a="http://schemas.openxmlformats.org/drawingml/2006/main" xmlns:r="http://schemas.openxmlformats.org/officeDocument/2006/relationships" xmlns:p="http://schemas.openxmlformats.org/presentationml/2006/main">
   <p:cSld>
     <p:spTree>
@@ -4188,7 +4338,7 @@
 </p:sld>
 </file>
 
-<file path=ppt/slides/slide15.xml><?xml version="1.0" encoding="utf-8"?>
+<file path=ppt/slides/slide16.xml><?xml version="1.0" encoding="utf-8"?>
 <p:sld xmlns:a="http://schemas.openxmlformats.org/drawingml/2006/main" xmlns:r="http://schemas.openxmlformats.org/officeDocument/2006/relationships" xmlns:p="http://schemas.openxmlformats.org/presentationml/2006/main">
   <p:cSld>
     <p:spTree>
@@ -4302,7 +4452,7 @@
 </p:sld>
 </file>
 
-<file path=ppt/slides/slide16.xml><?xml version="1.0" encoding="utf-8"?>
+<file path=ppt/slides/slide17.xml><?xml version="1.0" encoding="utf-8"?>
 <p:sld xmlns:a="http://schemas.openxmlformats.org/drawingml/2006/main" xmlns:r="http://schemas.openxmlformats.org/officeDocument/2006/relationships" xmlns:p="http://schemas.openxmlformats.org/presentationml/2006/main">
   <p:cSld>
     <p:spTree>
@@ -4432,7 +4582,7 @@
 </p:sld>
 </file>
 
-<file path=ppt/slides/slide17.xml><?xml version="1.0" encoding="utf-8"?>
+<file path=ppt/slides/slide18.xml><?xml version="1.0" encoding="utf-8"?>
 <p:sld xmlns:a="http://schemas.openxmlformats.org/drawingml/2006/main" xmlns:r="http://schemas.openxmlformats.org/officeDocument/2006/relationships" xmlns:p="http://schemas.openxmlformats.org/presentationml/2006/main">
   <p:cSld>
     <p:spTree>
@@ -4574,7 +4724,7 @@
 </p:sld>
 </file>
 
-<file path=ppt/slides/slide18.xml><?xml version="1.0" encoding="utf-8"?>
+<file path=ppt/slides/slide19.xml><?xml version="1.0" encoding="utf-8"?>
 <p:sld xmlns:a="http://schemas.openxmlformats.org/drawingml/2006/main" xmlns:r="http://schemas.openxmlformats.org/officeDocument/2006/relationships" xmlns:p="http://schemas.openxmlformats.org/presentationml/2006/main">
   <p:cSld>
     <p:spTree>
@@ -4665,112 +4815,6 @@
     <p:extLst>
       <p:ext uri="{BB962C8B-B14F-4D97-AF65-F5344CB8AC3E}">
         <p14:creationId xmlns:p14="http://schemas.microsoft.com/office/powerpoint/2010/main" val="1766268052"/>
-      </p:ext>
-    </p:extLst>
-  </p:cSld>
-  <p:clrMapOvr>
-    <a:masterClrMapping/>
-  </p:clrMapOvr>
-  <p:transition>
-    <p:fade/>
-  </p:transition>
-  <p:timing>
-    <p:tnLst>
-      <p:par>
-        <p:cTn id="1" dur="indefinite" restart="never" nodeType="tmRoot"/>
-      </p:par>
-    </p:tnLst>
-  </p:timing>
-</p:sld>
-</file>
-
-<file path=ppt/slides/slide19.xml><?xml version="1.0" encoding="utf-8"?>
-<p:sld xmlns:a="http://schemas.openxmlformats.org/drawingml/2006/main" xmlns:r="http://schemas.openxmlformats.org/officeDocument/2006/relationships" xmlns:p="http://schemas.openxmlformats.org/presentationml/2006/main">
-  <p:cSld>
-    <p:spTree>
-      <p:nvGrpSpPr>
-        <p:cNvPr id="1" name=""/>
-        <p:cNvGrpSpPr/>
-        <p:nvPr/>
-      </p:nvGrpSpPr>
-      <p:grpSpPr>
-        <a:xfrm>
-          <a:off x="0" y="0"/>
-          <a:ext cx="0" cy="0"/>
-          <a:chOff x="0" y="0"/>
-          <a:chExt cx="0" cy="0"/>
-        </a:xfrm>
-      </p:grpSpPr>
-      <p:sp>
-        <p:nvSpPr>
-          <p:cNvPr id="2" name="Title 1"/>
-          <p:cNvSpPr>
-            <a:spLocks noGrp="1"/>
-          </p:cNvSpPr>
-          <p:nvPr>
-            <p:ph type="title"/>
-          </p:nvPr>
-        </p:nvSpPr>
-        <p:spPr/>
-        <p:txBody>
-          <a:bodyPr/>
-          <a:lstStyle/>
-          <a:p>
-            <a:r>
-              <a:rPr lang="en-US" dirty="0" smtClean="0"/>
-              <a:t>Razor Views</a:t>
-            </a:r>
-            <a:endParaRPr lang="en-US" dirty="0"/>
-          </a:p>
-        </p:txBody>
-      </p:sp>
-      <p:sp>
-        <p:nvSpPr>
-          <p:cNvPr id="3" name="Text Placeholder 2"/>
-          <p:cNvSpPr>
-            <a:spLocks noGrp="1"/>
-          </p:cNvSpPr>
-          <p:nvPr>
-            <p:ph type="body" idx="1"/>
-          </p:nvPr>
-        </p:nvSpPr>
-        <p:spPr/>
-        <p:txBody>
-          <a:bodyPr/>
-          <a:lstStyle/>
-          <a:p>
-            <a:endParaRPr lang="en-US" dirty="0"/>
-          </a:p>
-        </p:txBody>
-      </p:sp>
-      <p:pic>
-        <p:nvPicPr>
-          <p:cNvPr id="4" name="Picture 3"/>
-          <p:cNvPicPr>
-            <a:picLocks noChangeAspect="1"/>
-          </p:cNvPicPr>
-          <p:nvPr/>
-        </p:nvPicPr>
-        <p:blipFill>
-          <a:blip r:embed="rId2"/>
-          <a:stretch>
-            <a:fillRect/>
-          </a:stretch>
-        </p:blipFill>
-        <p:spPr>
-          <a:xfrm>
-            <a:off x="466725" y="1219200"/>
-            <a:ext cx="8220075" cy="4820919"/>
-          </a:xfrm>
-          <a:prstGeom prst="rect">
-            <a:avLst/>
-          </a:prstGeom>
-        </p:spPr>
-      </p:pic>
-    </p:spTree>
-    <p:extLst>
-      <p:ext uri="{BB962C8B-B14F-4D97-AF65-F5344CB8AC3E}">
-        <p14:creationId xmlns:p14="http://schemas.microsoft.com/office/powerpoint/2010/main" val="1169428176"/>
       </p:ext>
     </p:extLst>
   </p:cSld>
@@ -5433,6 +5477,112 @@
           <a:p>
             <a:r>
               <a:rPr lang="en-US" dirty="0" smtClean="0"/>
+              <a:t>Razor Views</a:t>
+            </a:r>
+            <a:endParaRPr lang="en-US" dirty="0"/>
+          </a:p>
+        </p:txBody>
+      </p:sp>
+      <p:sp>
+        <p:nvSpPr>
+          <p:cNvPr id="3" name="Text Placeholder 2"/>
+          <p:cNvSpPr>
+            <a:spLocks noGrp="1"/>
+          </p:cNvSpPr>
+          <p:nvPr>
+            <p:ph type="body" idx="1"/>
+          </p:nvPr>
+        </p:nvSpPr>
+        <p:spPr/>
+        <p:txBody>
+          <a:bodyPr/>
+          <a:lstStyle/>
+          <a:p>
+            <a:endParaRPr lang="en-US" dirty="0"/>
+          </a:p>
+        </p:txBody>
+      </p:sp>
+      <p:pic>
+        <p:nvPicPr>
+          <p:cNvPr id="4" name="Picture 3"/>
+          <p:cNvPicPr>
+            <a:picLocks noChangeAspect="1"/>
+          </p:cNvPicPr>
+          <p:nvPr/>
+        </p:nvPicPr>
+        <p:blipFill>
+          <a:blip r:embed="rId2"/>
+          <a:stretch>
+            <a:fillRect/>
+          </a:stretch>
+        </p:blipFill>
+        <p:spPr>
+          <a:xfrm>
+            <a:off x="466725" y="1219200"/>
+            <a:ext cx="8220075" cy="4820919"/>
+          </a:xfrm>
+          <a:prstGeom prst="rect">
+            <a:avLst/>
+          </a:prstGeom>
+        </p:spPr>
+      </p:pic>
+    </p:spTree>
+    <p:extLst>
+      <p:ext uri="{BB962C8B-B14F-4D97-AF65-F5344CB8AC3E}">
+        <p14:creationId xmlns:p14="http://schemas.microsoft.com/office/powerpoint/2010/main" val="1169428176"/>
+      </p:ext>
+    </p:extLst>
+  </p:cSld>
+  <p:clrMapOvr>
+    <a:masterClrMapping/>
+  </p:clrMapOvr>
+  <p:transition>
+    <p:fade/>
+  </p:transition>
+  <p:timing>
+    <p:tnLst>
+      <p:par>
+        <p:cTn id="1" dur="indefinite" restart="never" nodeType="tmRoot"/>
+      </p:par>
+    </p:tnLst>
+  </p:timing>
+</p:sld>
+</file>
+
+<file path=ppt/slides/slide21.xml><?xml version="1.0" encoding="utf-8"?>
+<p:sld xmlns:a="http://schemas.openxmlformats.org/drawingml/2006/main" xmlns:r="http://schemas.openxmlformats.org/officeDocument/2006/relationships" xmlns:p="http://schemas.openxmlformats.org/presentationml/2006/main">
+  <p:cSld>
+    <p:spTree>
+      <p:nvGrpSpPr>
+        <p:cNvPr id="1" name=""/>
+        <p:cNvGrpSpPr/>
+        <p:nvPr/>
+      </p:nvGrpSpPr>
+      <p:grpSpPr>
+        <a:xfrm>
+          <a:off x="0" y="0"/>
+          <a:ext cx="0" cy="0"/>
+          <a:chOff x="0" y="0"/>
+          <a:chExt cx="0" cy="0"/>
+        </a:xfrm>
+      </p:grpSpPr>
+      <p:sp>
+        <p:nvSpPr>
+          <p:cNvPr id="2" name="Title 1"/>
+          <p:cNvSpPr>
+            <a:spLocks noGrp="1"/>
+          </p:cNvSpPr>
+          <p:nvPr>
+            <p:ph type="title"/>
+          </p:nvPr>
+        </p:nvSpPr>
+        <p:spPr/>
+        <p:txBody>
+          <a:bodyPr/>
+          <a:lstStyle/>
+          <a:p>
+            <a:r>
+              <a:rPr lang="en-US" dirty="0" smtClean="0"/>
               <a:t>Hosting</a:t>
             </a:r>
             <a:endParaRPr lang="en-US" dirty="0"/>
@@ -5538,7 +5688,7 @@
 </p:sld>
 </file>
 
-<file path=ppt/slides/slide21.xml><?xml version="1.0" encoding="utf-8"?>
+<file path=ppt/slides/slide22.xml><?xml version="1.0" encoding="utf-8"?>
 <p:sld xmlns:a="http://schemas.openxmlformats.org/drawingml/2006/main" xmlns:r="http://schemas.openxmlformats.org/officeDocument/2006/relationships" xmlns:p="http://schemas.openxmlformats.org/presentationml/2006/main">
   <p:cSld>
     <p:spTree>
@@ -5722,6 +5872,122 @@
 </file>
 
 <file path=ppt/slides/slide3.xml><?xml version="1.0" encoding="utf-8"?>
+<p:sld xmlns:a="http://schemas.openxmlformats.org/drawingml/2006/main" xmlns:r="http://schemas.openxmlformats.org/officeDocument/2006/relationships" xmlns:p="http://schemas.openxmlformats.org/presentationml/2006/main">
+  <p:cSld>
+    <p:spTree>
+      <p:nvGrpSpPr>
+        <p:cNvPr id="1" name=""/>
+        <p:cNvGrpSpPr/>
+        <p:nvPr/>
+      </p:nvGrpSpPr>
+      <p:grpSpPr>
+        <a:xfrm>
+          <a:off x="0" y="0"/>
+          <a:ext cx="0" cy="0"/>
+          <a:chOff x="0" y="0"/>
+          <a:chExt cx="0" cy="0"/>
+        </a:xfrm>
+      </p:grpSpPr>
+      <p:sp>
+        <p:nvSpPr>
+          <p:cNvPr id="2" name="Title 1"/>
+          <p:cNvSpPr>
+            <a:spLocks noGrp="1"/>
+          </p:cNvSpPr>
+          <p:nvPr>
+            <p:ph type="title"/>
+          </p:nvPr>
+        </p:nvSpPr>
+        <p:spPr/>
+        <p:txBody>
+          <a:bodyPr/>
+          <a:lstStyle/>
+          <a:p>
+            <a:r>
+              <a:rPr lang="en-US" smtClean="0"/>
+              <a:t>.NET 2015</a:t>
+            </a:r>
+            <a:endParaRPr lang="en-US"/>
+          </a:p>
+        </p:txBody>
+      </p:sp>
+      <p:sp>
+        <p:nvSpPr>
+          <p:cNvPr id="3" name="Text Placeholder 2"/>
+          <p:cNvSpPr>
+            <a:spLocks noGrp="1"/>
+          </p:cNvSpPr>
+          <p:nvPr>
+            <p:ph type="body" idx="1"/>
+          </p:nvPr>
+        </p:nvSpPr>
+        <p:spPr/>
+        <p:txBody>
+          <a:bodyPr/>
+          <a:lstStyle/>
+          <a:p>
+            <a:endParaRPr lang="en-US"/>
+          </a:p>
+        </p:txBody>
+      </p:sp>
+      <p:pic>
+        <p:nvPicPr>
+          <p:cNvPr id="1026" name="Picture 2" descr="http://lh4.ggpht.com/-Fwh9Xzv9xdA/VO5a8HdR5wI/AAAAAAAAVq8/LanpNEIejVI/image_thumb.png?imgmax=800"/>
+          <p:cNvPicPr>
+            <a:picLocks noChangeAspect="1" noChangeArrowheads="1"/>
+          </p:cNvPicPr>
+          <p:nvPr/>
+        </p:nvPicPr>
+        <p:blipFill>
+          <a:blip r:embed="rId2">
+            <a:extLst>
+              <a:ext uri="{28A0092B-C50C-407E-A947-70E740481C1C}">
+                <a14:useLocalDpi xmlns:a14="http://schemas.microsoft.com/office/drawing/2010/main" val="0"/>
+              </a:ext>
+            </a:extLst>
+          </a:blip>
+          <a:srcRect/>
+          <a:stretch>
+            <a:fillRect/>
+          </a:stretch>
+        </p:blipFill>
+        <p:spPr bwMode="auto">
+          <a:xfrm>
+            <a:off x="640437" y="2133600"/>
+            <a:ext cx="7863125" cy="3886200"/>
+          </a:xfrm>
+          <a:prstGeom prst="rect">
+            <a:avLst/>
+          </a:prstGeom>
+          <a:noFill/>
+          <a:extLst>
+            <a:ext uri="{909E8E84-426E-40DD-AFC4-6F175D3DCCD1}">
+              <a14:hiddenFill xmlns:a14="http://schemas.microsoft.com/office/drawing/2010/main">
+                <a:solidFill>
+                  <a:srgbClr val="FFFFFF"/>
+                </a:solidFill>
+              </a14:hiddenFill>
+            </a:ext>
+          </a:extLst>
+        </p:spPr>
+      </p:pic>
+    </p:spTree>
+    <p:extLst>
+      <p:ext uri="{BB962C8B-B14F-4D97-AF65-F5344CB8AC3E}">
+        <p14:creationId xmlns:p14="http://schemas.microsoft.com/office/powerpoint/2010/main" val="1019577144"/>
+      </p:ext>
+    </p:extLst>
+  </p:cSld>
+  <p:clrMapOvr>
+    <a:masterClrMapping/>
+  </p:clrMapOvr>
+  <p:transition>
+    <p:fade/>
+  </p:transition>
+</p:sld>
+</file>
+
+<file path=ppt/slides/slide4.xml><?xml version="1.0" encoding="utf-8"?>
 <p:sld xmlns:a="http://schemas.openxmlformats.org/drawingml/2006/main" xmlns:r="http://schemas.openxmlformats.org/officeDocument/2006/relationships" xmlns:p="http://schemas.openxmlformats.org/presentationml/2006/main">
   <p:cSld>
     <p:spTree>
@@ -5889,7 +6155,7 @@
 </p:sld>
 </file>
 
-<file path=ppt/slides/slide4.xml><?xml version="1.0" encoding="utf-8"?>
+<file path=ppt/slides/slide5.xml><?xml version="1.0" encoding="utf-8"?>
 <p:sld xmlns:a="http://schemas.openxmlformats.org/drawingml/2006/main" xmlns:r="http://schemas.openxmlformats.org/officeDocument/2006/relationships" xmlns:p="http://schemas.openxmlformats.org/presentationml/2006/main">
   <p:cSld>
     <p:spTree>
@@ -6009,7 +6275,7 @@
 </p:sld>
 </file>
 
-<file path=ppt/slides/slide5.xml><?xml version="1.0" encoding="utf-8"?>
+<file path=ppt/slides/slide6.xml><?xml version="1.0" encoding="utf-8"?>
 <p:sld xmlns:a="http://schemas.openxmlformats.org/drawingml/2006/main" xmlns:r="http://schemas.openxmlformats.org/officeDocument/2006/relationships" xmlns:p="http://schemas.openxmlformats.org/presentationml/2006/main">
   <p:cSld>
     <p:spTree>
@@ -6172,7 +6438,7 @@
 </p:sld>
 </file>
 
-<file path=ppt/slides/slide6.xml><?xml version="1.0" encoding="utf-8"?>
+<file path=ppt/slides/slide7.xml><?xml version="1.0" encoding="utf-8"?>
 <p:sld xmlns:a="http://schemas.openxmlformats.org/drawingml/2006/main" xmlns:r="http://schemas.openxmlformats.org/officeDocument/2006/relationships" xmlns:p="http://schemas.openxmlformats.org/presentationml/2006/main">
   <p:cSld>
     <p:spTree>
@@ -6308,7 +6574,7 @@
 </p:sld>
 </file>
 
-<file path=ppt/slides/slide7.xml><?xml version="1.0" encoding="utf-8"?>
+<file path=ppt/slides/slide8.xml><?xml version="1.0" encoding="utf-8"?>
 <p:sld xmlns:a="http://schemas.openxmlformats.org/drawingml/2006/main" xmlns:r="http://schemas.openxmlformats.org/officeDocument/2006/relationships" xmlns:p="http://schemas.openxmlformats.org/presentationml/2006/main">
   <p:cSld>
     <p:spTree>
@@ -6463,7 +6729,7 @@
 </p:sld>
 </file>
 
-<file path=ppt/slides/slide8.xml><?xml version="1.0" encoding="utf-8"?>
+<file path=ppt/slides/slide9.xml><?xml version="1.0" encoding="utf-8"?>
 <p:sld xmlns:a="http://schemas.openxmlformats.org/drawingml/2006/main" xmlns:r="http://schemas.openxmlformats.org/officeDocument/2006/relationships" xmlns:p="http://schemas.openxmlformats.org/presentationml/2006/main">
   <p:cSld>
     <p:spTree>
@@ -6583,159 +6849,6 @@
     <p:extLst>
       <p:ext uri="{BB962C8B-B14F-4D97-AF65-F5344CB8AC3E}">
         <p14:creationId xmlns:p14="http://schemas.microsoft.com/office/powerpoint/2010/main" val="942590297"/>
-      </p:ext>
-    </p:extLst>
-  </p:cSld>
-  <p:clrMapOvr>
-    <a:masterClrMapping/>
-  </p:clrMapOvr>
-  <p:transition>
-    <p:fade/>
-  </p:transition>
-  <p:timing>
-    <p:tnLst>
-      <p:par>
-        <p:cTn id="1" dur="indefinite" restart="never" nodeType="tmRoot"/>
-      </p:par>
-    </p:tnLst>
-  </p:timing>
-</p:sld>
-</file>
-
-<file path=ppt/slides/slide9.xml><?xml version="1.0" encoding="utf-8"?>
-<p:sld xmlns:a="http://schemas.openxmlformats.org/drawingml/2006/main" xmlns:r="http://schemas.openxmlformats.org/officeDocument/2006/relationships" xmlns:p="http://schemas.openxmlformats.org/presentationml/2006/main">
-  <p:cSld>
-    <p:spTree>
-      <p:nvGrpSpPr>
-        <p:cNvPr id="1" name=""/>
-        <p:cNvGrpSpPr/>
-        <p:nvPr/>
-      </p:nvGrpSpPr>
-      <p:grpSpPr>
-        <a:xfrm>
-          <a:off x="0" y="0"/>
-          <a:ext cx="0" cy="0"/>
-          <a:chOff x="0" y="0"/>
-          <a:chExt cx="0" cy="0"/>
-        </a:xfrm>
-      </p:grpSpPr>
-      <p:sp>
-        <p:nvSpPr>
-          <p:cNvPr id="2" name="Title 1"/>
-          <p:cNvSpPr>
-            <a:spLocks noGrp="1"/>
-          </p:cNvSpPr>
-          <p:nvPr>
-            <p:ph type="title"/>
-          </p:nvPr>
-        </p:nvSpPr>
-        <p:spPr/>
-        <p:txBody>
-          <a:bodyPr/>
-          <a:lstStyle/>
-          <a:p>
-            <a:r>
-              <a:rPr lang="en-US" dirty="0" smtClean="0"/>
-              <a:t>The </a:t>
-            </a:r>
-            <a:r>
-              <a:rPr lang="en-US" dirty="0" err="1" smtClean="0"/>
-              <a:t>project.json</a:t>
-            </a:r>
-            <a:endParaRPr lang="en-US" dirty="0"/>
-          </a:p>
-        </p:txBody>
-      </p:sp>
-      <p:sp>
-        <p:nvSpPr>
-          <p:cNvPr id="3" name="Text Placeholder 2"/>
-          <p:cNvSpPr>
-            <a:spLocks noGrp="1"/>
-          </p:cNvSpPr>
-          <p:nvPr>
-            <p:ph type="body" idx="1"/>
-          </p:nvPr>
-        </p:nvSpPr>
-        <p:spPr/>
-        <p:txBody>
-          <a:bodyPr/>
-          <a:lstStyle/>
-          <a:p>
-            <a:r>
-              <a:rPr lang="en-US" dirty="0" err="1"/>
-              <a:t>p</a:t>
-            </a:r>
-            <a:r>
-              <a:rPr lang="en-US" dirty="0" err="1" smtClean="0"/>
-              <a:t>roject.json</a:t>
-            </a:r>
-            <a:r>
-              <a:rPr lang="en-US" dirty="0" smtClean="0"/>
-              <a:t> is the heart of the project</a:t>
-            </a:r>
-          </a:p>
-          <a:p>
-            <a:pPr lvl="1"/>
-            <a:r>
-              <a:rPr lang="en-US" dirty="0" smtClean="0"/>
-              <a:t>Defines dependencies (references)</a:t>
-            </a:r>
-          </a:p>
-          <a:p>
-            <a:pPr lvl="1"/>
-            <a:r>
-              <a:rPr lang="en-US" dirty="0" smtClean="0"/>
-              <a:t>Defines framework</a:t>
-            </a:r>
-          </a:p>
-          <a:p>
-            <a:pPr lvl="1"/>
-            <a:r>
-              <a:rPr lang="en-US" dirty="0" smtClean="0"/>
-              <a:t>Defines the “build”</a:t>
-            </a:r>
-            <a:endParaRPr lang="en-US" dirty="0"/>
-          </a:p>
-        </p:txBody>
-      </p:sp>
-      <p:pic>
-        <p:nvPicPr>
-          <p:cNvPr id="4" name="Picture 3"/>
-          <p:cNvPicPr>
-            <a:picLocks noChangeAspect="1"/>
-          </p:cNvPicPr>
-          <p:nvPr/>
-        </p:nvPicPr>
-        <p:blipFill>
-          <a:blip r:embed="rId2"/>
-          <a:stretch>
-            <a:fillRect/>
-          </a:stretch>
-        </p:blipFill>
-        <p:spPr>
-          <a:xfrm>
-            <a:off x="1690688" y="2971800"/>
-            <a:ext cx="5319712" cy="3430780"/>
-          </a:xfrm>
-          <a:prstGeom prst="rect">
-            <a:avLst/>
-          </a:prstGeom>
-          <a:ln>
-            <a:noFill/>
-          </a:ln>
-          <a:effectLst>
-            <a:outerShdw blurRad="292100" dist="139700" dir="2700000" algn="tl" rotWithShape="0">
-              <a:srgbClr val="333333">
-                <a:alpha val="65000"/>
-              </a:srgbClr>
-            </a:outerShdw>
-          </a:effectLst>
-        </p:spPr>
-      </p:pic>
-    </p:spTree>
-    <p:extLst>
-      <p:ext uri="{BB962C8B-B14F-4D97-AF65-F5344CB8AC3E}">
-        <p14:creationId xmlns:p14="http://schemas.microsoft.com/office/powerpoint/2010/main" val="3011975128"/>
       </p:ext>
     </p:extLst>
   </p:cSld>

--- a/aspnet5/slides/01_Overview.pptx
+++ b/aspnet5/slides/01_Overview.pptx
@@ -5,10 +5,10 @@
     <p:sldMasterId id="2147483772" r:id="rId1"/>
   </p:sldMasterIdLst>
   <p:notesMasterIdLst>
-    <p:notesMasterId r:id="rId24"/>
+    <p:notesMasterId r:id="rId25"/>
   </p:notesMasterIdLst>
   <p:handoutMasterIdLst>
-    <p:handoutMasterId r:id="rId25"/>
+    <p:handoutMasterId r:id="rId26"/>
   </p:handoutMasterIdLst>
   <p:sldIdLst>
     <p:sldId id="327" r:id="rId2"/>
@@ -26,13 +26,14 @@
     <p:sldId id="338" r:id="rId14"/>
     <p:sldId id="339" r:id="rId15"/>
     <p:sldId id="340" r:id="rId16"/>
-    <p:sldId id="341" r:id="rId17"/>
-    <p:sldId id="342" r:id="rId18"/>
-    <p:sldId id="343" r:id="rId19"/>
-    <p:sldId id="344" r:id="rId20"/>
-    <p:sldId id="345" r:id="rId21"/>
-    <p:sldId id="346" r:id="rId22"/>
-    <p:sldId id="347" r:id="rId23"/>
+    <p:sldId id="349" r:id="rId17"/>
+    <p:sldId id="341" r:id="rId18"/>
+    <p:sldId id="342" r:id="rId19"/>
+    <p:sldId id="343" r:id="rId20"/>
+    <p:sldId id="344" r:id="rId21"/>
+    <p:sldId id="345" r:id="rId22"/>
+    <p:sldId id="346" r:id="rId23"/>
+    <p:sldId id="347" r:id="rId24"/>
   </p:sldIdLst>
   <p:sldSz cx="9144000" cy="6858000" type="screen4x3"/>
   <p:notesSz cx="7302500" cy="9588500"/>
@@ -181,6 +182,7 @@
             <p14:sldId id="338"/>
             <p14:sldId id="339"/>
             <p14:sldId id="340"/>
+            <p14:sldId id="349"/>
             <p14:sldId id="341"/>
             <p14:sldId id="342"/>
             <p14:sldId id="343"/>
@@ -1387,7 +1389,7 @@
               <a:pPr>
                 <a:defRPr/>
               </a:pPr>
-              <a:t>16</a:t>
+              <a:t>17</a:t>
             </a:fld>
             <a:endParaRPr lang="en-US"/>
           </a:p>
@@ -1477,7 +1479,7 @@
               <a:pPr>
                 <a:defRPr/>
               </a:pPr>
-              <a:t>17</a:t>
+              <a:t>18</a:t>
             </a:fld>
             <a:endParaRPr lang="en-US"/>
           </a:p>
@@ -1567,7 +1569,7 @@
               <a:pPr>
                 <a:defRPr/>
               </a:pPr>
-              <a:t>22</a:t>
+              <a:t>23</a:t>
             </a:fld>
             <a:endParaRPr lang="en-US"/>
           </a:p>
@@ -4372,6 +4374,105 @@
           <a:p>
             <a:r>
               <a:rPr lang="en-US" dirty="0" smtClean="0"/>
+              <a:t>Managing Runtimes From VS</a:t>
+            </a:r>
+            <a:endParaRPr lang="en-US" dirty="0"/>
+          </a:p>
+        </p:txBody>
+      </p:sp>
+      <p:sp>
+        <p:nvSpPr>
+          <p:cNvPr id="3" name="Text Placeholder 2"/>
+          <p:cNvSpPr>
+            <a:spLocks noGrp="1"/>
+          </p:cNvSpPr>
+          <p:nvPr>
+            <p:ph type="body" idx="1"/>
+          </p:nvPr>
+        </p:nvSpPr>
+        <p:spPr/>
+        <p:txBody>
+          <a:bodyPr/>
+          <a:lstStyle/>
+          <a:p>
+            <a:endParaRPr lang="en-US"/>
+          </a:p>
+        </p:txBody>
+      </p:sp>
+      <p:pic>
+        <p:nvPicPr>
+          <p:cNvPr id="4" name="Picture 3"/>
+          <p:cNvPicPr>
+            <a:picLocks noChangeAspect="1"/>
+          </p:cNvPicPr>
+          <p:nvPr/>
+        </p:nvPicPr>
+        <p:blipFill>
+          <a:blip r:embed="rId2"/>
+          <a:stretch>
+            <a:fillRect/>
+          </a:stretch>
+        </p:blipFill>
+        <p:spPr>
+          <a:xfrm>
+            <a:off x="1066800" y="1295400"/>
+            <a:ext cx="7153275" cy="5015153"/>
+          </a:xfrm>
+          <a:prstGeom prst="rect">
+            <a:avLst/>
+          </a:prstGeom>
+        </p:spPr>
+      </p:pic>
+    </p:spTree>
+    <p:extLst>
+      <p:ext uri="{BB962C8B-B14F-4D97-AF65-F5344CB8AC3E}">
+        <p14:creationId xmlns:p14="http://schemas.microsoft.com/office/powerpoint/2010/main" val="1280110417"/>
+      </p:ext>
+    </p:extLst>
+  </p:cSld>
+  <p:clrMapOvr>
+    <a:masterClrMapping/>
+  </p:clrMapOvr>
+  <p:transition>
+    <p:fade/>
+  </p:transition>
+</p:sld>
+</file>
+
+<file path=ppt/slides/slide17.xml><?xml version="1.0" encoding="utf-8"?>
+<p:sld xmlns:a="http://schemas.openxmlformats.org/drawingml/2006/main" xmlns:r="http://schemas.openxmlformats.org/officeDocument/2006/relationships" xmlns:p="http://schemas.openxmlformats.org/presentationml/2006/main">
+  <p:cSld>
+    <p:spTree>
+      <p:nvGrpSpPr>
+        <p:cNvPr id="1" name=""/>
+        <p:cNvGrpSpPr/>
+        <p:nvPr/>
+      </p:nvGrpSpPr>
+      <p:grpSpPr>
+        <a:xfrm>
+          <a:off x="0" y="0"/>
+          <a:ext cx="0" cy="0"/>
+          <a:chOff x="0" y="0"/>
+          <a:chExt cx="0" cy="0"/>
+        </a:xfrm>
+      </p:grpSpPr>
+      <p:sp>
+        <p:nvSpPr>
+          <p:cNvPr id="2" name="Title 1"/>
+          <p:cNvSpPr>
+            <a:spLocks noGrp="1"/>
+          </p:cNvSpPr>
+          <p:nvPr>
+            <p:ph type="title"/>
+          </p:nvPr>
+        </p:nvSpPr>
+        <p:spPr/>
+        <p:txBody>
+          <a:bodyPr/>
+          <a:lstStyle/>
+          <a:p>
+            <a:r>
+              <a:rPr lang="en-US" dirty="0" smtClean="0"/>
               <a:t>Locations</a:t>
             </a:r>
             <a:endParaRPr lang="en-US" dirty="0"/>
@@ -4452,7 +4553,7 @@
 </p:sld>
 </file>
 
-<file path=ppt/slides/slide17.xml><?xml version="1.0" encoding="utf-8"?>
+<file path=ppt/slides/slide18.xml><?xml version="1.0" encoding="utf-8"?>
 <p:sld xmlns:a="http://schemas.openxmlformats.org/drawingml/2006/main" xmlns:r="http://schemas.openxmlformats.org/officeDocument/2006/relationships" xmlns:p="http://schemas.openxmlformats.org/presentationml/2006/main">
   <p:cSld>
     <p:spTree>
@@ -4582,7 +4683,7 @@
 </p:sld>
 </file>
 
-<file path=ppt/slides/slide18.xml><?xml version="1.0" encoding="utf-8"?>
+<file path=ppt/slides/slide19.xml><?xml version="1.0" encoding="utf-8"?>
 <p:sld xmlns:a="http://schemas.openxmlformats.org/drawingml/2006/main" xmlns:r="http://schemas.openxmlformats.org/officeDocument/2006/relationships" xmlns:p="http://schemas.openxmlformats.org/presentationml/2006/main">
   <p:cSld>
     <p:spTree>
@@ -4705,116 +4806,6 @@
     <p:extLst>
       <p:ext uri="{BB962C8B-B14F-4D97-AF65-F5344CB8AC3E}">
         <p14:creationId xmlns:p14="http://schemas.microsoft.com/office/powerpoint/2010/main" val="1471707818"/>
-      </p:ext>
-    </p:extLst>
-  </p:cSld>
-  <p:clrMapOvr>
-    <a:masterClrMapping/>
-  </p:clrMapOvr>
-  <p:transition>
-    <p:fade/>
-  </p:transition>
-  <p:timing>
-    <p:tnLst>
-      <p:par>
-        <p:cTn id="1" dur="indefinite" restart="never" nodeType="tmRoot"/>
-      </p:par>
-    </p:tnLst>
-  </p:timing>
-</p:sld>
-</file>
-
-<file path=ppt/slides/slide19.xml><?xml version="1.0" encoding="utf-8"?>
-<p:sld xmlns:a="http://schemas.openxmlformats.org/drawingml/2006/main" xmlns:r="http://schemas.openxmlformats.org/officeDocument/2006/relationships" xmlns:p="http://schemas.openxmlformats.org/presentationml/2006/main">
-  <p:cSld>
-    <p:spTree>
-      <p:nvGrpSpPr>
-        <p:cNvPr id="1" name=""/>
-        <p:cNvGrpSpPr/>
-        <p:nvPr/>
-      </p:nvGrpSpPr>
-      <p:grpSpPr>
-        <a:xfrm>
-          <a:off x="0" y="0"/>
-          <a:ext cx="0" cy="0"/>
-          <a:chOff x="0" y="0"/>
-          <a:chExt cx="0" cy="0"/>
-        </a:xfrm>
-      </p:grpSpPr>
-      <p:sp>
-        <p:nvSpPr>
-          <p:cNvPr id="2" name="Title 1"/>
-          <p:cNvSpPr>
-            <a:spLocks noGrp="1"/>
-          </p:cNvSpPr>
-          <p:nvPr>
-            <p:ph type="title"/>
-          </p:nvPr>
-        </p:nvSpPr>
-        <p:spPr/>
-        <p:txBody>
-          <a:bodyPr/>
-          <a:lstStyle/>
-          <a:p>
-            <a:r>
-              <a:rPr lang="en-US" dirty="0" smtClean="0"/>
-              <a:t>MVC Framework</a:t>
-            </a:r>
-            <a:endParaRPr lang="en-US" dirty="0"/>
-          </a:p>
-        </p:txBody>
-      </p:sp>
-      <p:sp>
-        <p:nvSpPr>
-          <p:cNvPr id="3" name="Text Placeholder 2"/>
-          <p:cNvSpPr>
-            <a:spLocks noGrp="1"/>
-          </p:cNvSpPr>
-          <p:nvPr>
-            <p:ph type="body" idx="1"/>
-          </p:nvPr>
-        </p:nvSpPr>
-        <p:spPr/>
-        <p:txBody>
-          <a:bodyPr/>
-          <a:lstStyle/>
-          <a:p>
-            <a:r>
-              <a:rPr lang="en-US" dirty="0" smtClean="0"/>
-              <a:t>Includes both HTML and API features</a:t>
-            </a:r>
-            <a:endParaRPr lang="en-US" dirty="0"/>
-          </a:p>
-        </p:txBody>
-      </p:sp>
-      <p:pic>
-        <p:nvPicPr>
-          <p:cNvPr id="4" name="Picture 3"/>
-          <p:cNvPicPr>
-            <a:picLocks noChangeAspect="1"/>
-          </p:cNvPicPr>
-          <p:nvPr/>
-        </p:nvPicPr>
-        <p:blipFill>
-          <a:blip r:embed="rId2"/>
-          <a:stretch>
-            <a:fillRect/>
-          </a:stretch>
-        </p:blipFill>
-        <p:spPr>
-          <a:xfrm>
-            <a:off x="457200" y="2082145"/>
-            <a:ext cx="8162925" cy="4229100"/>
-          </a:xfrm>
-          <a:prstGeom prst="rect">
-            <a:avLst/>
-          </a:prstGeom>
-        </p:spPr>
-      </p:pic>
-    </p:spTree>
-    <p:extLst>
-      <p:ext uri="{BB962C8B-B14F-4D97-AF65-F5344CB8AC3E}">
-        <p14:creationId xmlns:p14="http://schemas.microsoft.com/office/powerpoint/2010/main" val="1766268052"/>
       </p:ext>
     </p:extLst>
   </p:cSld>
@@ -5477,6 +5468,116 @@
           <a:p>
             <a:r>
               <a:rPr lang="en-US" dirty="0" smtClean="0"/>
+              <a:t>MVC Framework</a:t>
+            </a:r>
+            <a:endParaRPr lang="en-US" dirty="0"/>
+          </a:p>
+        </p:txBody>
+      </p:sp>
+      <p:sp>
+        <p:nvSpPr>
+          <p:cNvPr id="3" name="Text Placeholder 2"/>
+          <p:cNvSpPr>
+            <a:spLocks noGrp="1"/>
+          </p:cNvSpPr>
+          <p:nvPr>
+            <p:ph type="body" idx="1"/>
+          </p:nvPr>
+        </p:nvSpPr>
+        <p:spPr/>
+        <p:txBody>
+          <a:bodyPr/>
+          <a:lstStyle/>
+          <a:p>
+            <a:r>
+              <a:rPr lang="en-US" dirty="0" smtClean="0"/>
+              <a:t>Includes both HTML and API features</a:t>
+            </a:r>
+            <a:endParaRPr lang="en-US" dirty="0"/>
+          </a:p>
+        </p:txBody>
+      </p:sp>
+      <p:pic>
+        <p:nvPicPr>
+          <p:cNvPr id="4" name="Picture 3"/>
+          <p:cNvPicPr>
+            <a:picLocks noChangeAspect="1"/>
+          </p:cNvPicPr>
+          <p:nvPr/>
+        </p:nvPicPr>
+        <p:blipFill>
+          <a:blip r:embed="rId2"/>
+          <a:stretch>
+            <a:fillRect/>
+          </a:stretch>
+        </p:blipFill>
+        <p:spPr>
+          <a:xfrm>
+            <a:off x="457200" y="2082145"/>
+            <a:ext cx="8162925" cy="4229100"/>
+          </a:xfrm>
+          <a:prstGeom prst="rect">
+            <a:avLst/>
+          </a:prstGeom>
+        </p:spPr>
+      </p:pic>
+    </p:spTree>
+    <p:extLst>
+      <p:ext uri="{BB962C8B-B14F-4D97-AF65-F5344CB8AC3E}">
+        <p14:creationId xmlns:p14="http://schemas.microsoft.com/office/powerpoint/2010/main" val="1766268052"/>
+      </p:ext>
+    </p:extLst>
+  </p:cSld>
+  <p:clrMapOvr>
+    <a:masterClrMapping/>
+  </p:clrMapOvr>
+  <p:transition>
+    <p:fade/>
+  </p:transition>
+  <p:timing>
+    <p:tnLst>
+      <p:par>
+        <p:cTn id="1" dur="indefinite" restart="never" nodeType="tmRoot"/>
+      </p:par>
+    </p:tnLst>
+  </p:timing>
+</p:sld>
+</file>
+
+<file path=ppt/slides/slide21.xml><?xml version="1.0" encoding="utf-8"?>
+<p:sld xmlns:a="http://schemas.openxmlformats.org/drawingml/2006/main" xmlns:r="http://schemas.openxmlformats.org/officeDocument/2006/relationships" xmlns:p="http://schemas.openxmlformats.org/presentationml/2006/main">
+  <p:cSld>
+    <p:spTree>
+      <p:nvGrpSpPr>
+        <p:cNvPr id="1" name=""/>
+        <p:cNvGrpSpPr/>
+        <p:nvPr/>
+      </p:nvGrpSpPr>
+      <p:grpSpPr>
+        <a:xfrm>
+          <a:off x="0" y="0"/>
+          <a:ext cx="0" cy="0"/>
+          <a:chOff x="0" y="0"/>
+          <a:chExt cx="0" cy="0"/>
+        </a:xfrm>
+      </p:grpSpPr>
+      <p:sp>
+        <p:nvSpPr>
+          <p:cNvPr id="2" name="Title 1"/>
+          <p:cNvSpPr>
+            <a:spLocks noGrp="1"/>
+          </p:cNvSpPr>
+          <p:nvPr>
+            <p:ph type="title"/>
+          </p:nvPr>
+        </p:nvSpPr>
+        <p:spPr/>
+        <p:txBody>
+          <a:bodyPr/>
+          <a:lstStyle/>
+          <a:p>
+            <a:r>
+              <a:rPr lang="en-US" dirty="0" smtClean="0"/>
               <a:t>Razor Views</a:t>
             </a:r>
             <a:endParaRPr lang="en-US" dirty="0"/>
@@ -5549,7 +5650,7 @@
 </p:sld>
 </file>
 
-<file path=ppt/slides/slide21.xml><?xml version="1.0" encoding="utf-8"?>
+<file path=ppt/slides/slide22.xml><?xml version="1.0" encoding="utf-8"?>
 <p:sld xmlns:a="http://schemas.openxmlformats.org/drawingml/2006/main" xmlns:r="http://schemas.openxmlformats.org/officeDocument/2006/relationships" xmlns:p="http://schemas.openxmlformats.org/presentationml/2006/main">
   <p:cSld>
     <p:spTree>
@@ -5688,7 +5789,7 @@
 </p:sld>
 </file>
 
-<file path=ppt/slides/slide22.xml><?xml version="1.0" encoding="utf-8"?>
+<file path=ppt/slides/slide23.xml><?xml version="1.0" encoding="utf-8"?>
 <p:sld xmlns:a="http://schemas.openxmlformats.org/drawingml/2006/main" xmlns:r="http://schemas.openxmlformats.org/officeDocument/2006/relationships" xmlns:p="http://schemas.openxmlformats.org/presentationml/2006/main">
   <p:cSld>
     <p:spTree>

--- a/aspnet5/slides/01_Overview.pptx
+++ b/aspnet5/slides/01_Overview.pptx
@@ -5,35 +5,36 @@
     <p:sldMasterId id="2147483772" r:id="rId1"/>
   </p:sldMasterIdLst>
   <p:notesMasterIdLst>
-    <p:notesMasterId r:id="rId25"/>
+    <p:notesMasterId r:id="rId26"/>
   </p:notesMasterIdLst>
   <p:handoutMasterIdLst>
-    <p:handoutMasterId r:id="rId26"/>
+    <p:handoutMasterId r:id="rId27"/>
   </p:handoutMasterIdLst>
   <p:sldIdLst>
     <p:sldId id="327" r:id="rId2"/>
-    <p:sldId id="328" r:id="rId3"/>
-    <p:sldId id="348" r:id="rId4"/>
-    <p:sldId id="329" r:id="rId5"/>
-    <p:sldId id="330" r:id="rId6"/>
-    <p:sldId id="331" r:id="rId7"/>
-    <p:sldId id="337" r:id="rId8"/>
-    <p:sldId id="333" r:id="rId9"/>
-    <p:sldId id="334" r:id="rId10"/>
-    <p:sldId id="332" r:id="rId11"/>
-    <p:sldId id="335" r:id="rId12"/>
-    <p:sldId id="336" r:id="rId13"/>
-    <p:sldId id="338" r:id="rId14"/>
-    <p:sldId id="339" r:id="rId15"/>
-    <p:sldId id="340" r:id="rId16"/>
-    <p:sldId id="349" r:id="rId17"/>
-    <p:sldId id="341" r:id="rId18"/>
-    <p:sldId id="342" r:id="rId19"/>
-    <p:sldId id="343" r:id="rId20"/>
-    <p:sldId id="344" r:id="rId21"/>
-    <p:sldId id="345" r:id="rId22"/>
-    <p:sldId id="346" r:id="rId23"/>
-    <p:sldId id="347" r:id="rId24"/>
+    <p:sldId id="350" r:id="rId3"/>
+    <p:sldId id="328" r:id="rId4"/>
+    <p:sldId id="348" r:id="rId5"/>
+    <p:sldId id="329" r:id="rId6"/>
+    <p:sldId id="330" r:id="rId7"/>
+    <p:sldId id="331" r:id="rId8"/>
+    <p:sldId id="337" r:id="rId9"/>
+    <p:sldId id="333" r:id="rId10"/>
+    <p:sldId id="334" r:id="rId11"/>
+    <p:sldId id="332" r:id="rId12"/>
+    <p:sldId id="335" r:id="rId13"/>
+    <p:sldId id="336" r:id="rId14"/>
+    <p:sldId id="338" r:id="rId15"/>
+    <p:sldId id="339" r:id="rId16"/>
+    <p:sldId id="340" r:id="rId17"/>
+    <p:sldId id="349" r:id="rId18"/>
+    <p:sldId id="341" r:id="rId19"/>
+    <p:sldId id="342" r:id="rId20"/>
+    <p:sldId id="343" r:id="rId21"/>
+    <p:sldId id="344" r:id="rId22"/>
+    <p:sldId id="345" r:id="rId23"/>
+    <p:sldId id="346" r:id="rId24"/>
+    <p:sldId id="347" r:id="rId25"/>
   </p:sldIdLst>
   <p:sldSz cx="9144000" cy="6858000" type="screen4x3"/>
   <p:notesSz cx="7302500" cy="9588500"/>
@@ -168,6 +169,7 @@
         <p14:section name="Default Section" id="{1FAFB904-873B-4B5C-A5B3-7BBCB9659514}">
           <p14:sldIdLst>
             <p14:sldId id="327"/>
+            <p14:sldId id="350"/>
             <p14:sldId id="328"/>
             <p14:sldId id="348"/>
             <p14:sldId id="329"/>
@@ -317,7 +319,7 @@
               <a:pPr>
                 <a:defRPr/>
               </a:pPr>
-              <a:t>9/8/2015</a:t>
+              <a:t>9/16/2015</a:t>
             </a:fld>
             <a:endParaRPr lang="en-US"/>
           </a:p>
@@ -1029,7 +1031,7 @@
               <a:pPr>
                 <a:defRPr/>
               </a:pPr>
-              <a:t>4</a:t>
+              <a:t>5</a:t>
             </a:fld>
             <a:endParaRPr lang="en-US"/>
           </a:p>
@@ -1119,7 +1121,7 @@
               <a:pPr>
                 <a:defRPr/>
               </a:pPr>
-              <a:t>5</a:t>
+              <a:t>6</a:t>
             </a:fld>
             <a:endParaRPr lang="en-US"/>
           </a:p>
@@ -1209,7 +1211,7 @@
               <a:pPr>
                 <a:defRPr/>
               </a:pPr>
-              <a:t>11</a:t>
+              <a:t>12</a:t>
             </a:fld>
             <a:endParaRPr lang="en-US"/>
           </a:p>
@@ -1299,7 +1301,7 @@
               <a:pPr>
                 <a:defRPr/>
               </a:pPr>
-              <a:t>14</a:t>
+              <a:t>15</a:t>
             </a:fld>
             <a:endParaRPr lang="en-US"/>
           </a:p>
@@ -1389,7 +1391,7 @@
               <a:pPr>
                 <a:defRPr/>
               </a:pPr>
-              <a:t>17</a:t>
+              <a:t>18</a:t>
             </a:fld>
             <a:endParaRPr lang="en-US"/>
           </a:p>
@@ -1479,7 +1481,7 @@
               <a:pPr>
                 <a:defRPr/>
               </a:pPr>
-              <a:t>18</a:t>
+              <a:t>19</a:t>
             </a:fld>
             <a:endParaRPr lang="en-US"/>
           </a:p>
@@ -1569,7 +1571,7 @@
               <a:pPr>
                 <a:defRPr/>
               </a:pPr>
-              <a:t>23</a:t>
+              <a:t>24</a:t>
             </a:fld>
             <a:endParaRPr lang="en-US"/>
           </a:p>
@@ -3508,6 +3510,145 @@
             </a:r>
             <a:r>
               <a:rPr lang="en-US" dirty="0" err="1" smtClean="0"/>
+              <a:t>config.json</a:t>
+            </a:r>
+            <a:r>
+              <a:rPr lang="en-US" dirty="0" smtClean="0"/>
+              <a:t> file</a:t>
+            </a:r>
+            <a:endParaRPr lang="en-US" dirty="0"/>
+          </a:p>
+        </p:txBody>
+      </p:sp>
+      <p:sp>
+        <p:nvSpPr>
+          <p:cNvPr id="3" name="Text Placeholder 2"/>
+          <p:cNvSpPr>
+            <a:spLocks noGrp="1"/>
+          </p:cNvSpPr>
+          <p:nvPr>
+            <p:ph type="body" idx="1"/>
+          </p:nvPr>
+        </p:nvSpPr>
+        <p:spPr/>
+        <p:txBody>
+          <a:bodyPr/>
+          <a:lstStyle/>
+          <a:p>
+            <a:r>
+              <a:rPr lang="en-US" dirty="0" smtClean="0"/>
+              <a:t>Runtime configuration options include:</a:t>
+            </a:r>
+          </a:p>
+          <a:p>
+            <a:pPr lvl="1"/>
+            <a:r>
+              <a:rPr lang="en-US" dirty="0" smtClean="0"/>
+              <a:t>JSON files</a:t>
+            </a:r>
+          </a:p>
+          <a:p>
+            <a:pPr lvl="1"/>
+            <a:r>
+              <a:rPr lang="en-US" dirty="0" smtClean="0"/>
+              <a:t>INI files</a:t>
+            </a:r>
+          </a:p>
+          <a:p>
+            <a:pPr lvl="1"/>
+            <a:r>
+              <a:rPr lang="en-US" dirty="0" smtClean="0"/>
+              <a:t>Environment variables</a:t>
+            </a:r>
+            <a:endParaRPr lang="en-US" dirty="0"/>
+          </a:p>
+        </p:txBody>
+      </p:sp>
+      <p:pic>
+        <p:nvPicPr>
+          <p:cNvPr id="4" name="Picture 3"/>
+          <p:cNvPicPr>
+            <a:picLocks noChangeAspect="1"/>
+          </p:cNvPicPr>
+          <p:nvPr/>
+        </p:nvPicPr>
+        <p:blipFill>
+          <a:blip r:embed="rId2"/>
+          <a:stretch>
+            <a:fillRect/>
+          </a:stretch>
+        </p:blipFill>
+        <p:spPr>
+          <a:xfrm>
+            <a:off x="350044" y="3581400"/>
+            <a:ext cx="8443912" cy="983757"/>
+          </a:xfrm>
+          <a:prstGeom prst="rect">
+            <a:avLst/>
+          </a:prstGeom>
+        </p:spPr>
+      </p:pic>
+    </p:spTree>
+    <p:extLst>
+      <p:ext uri="{BB962C8B-B14F-4D97-AF65-F5344CB8AC3E}">
+        <p14:creationId xmlns:p14="http://schemas.microsoft.com/office/powerpoint/2010/main" val="942590297"/>
+      </p:ext>
+    </p:extLst>
+  </p:cSld>
+  <p:clrMapOvr>
+    <a:masterClrMapping/>
+  </p:clrMapOvr>
+  <p:transition>
+    <p:fade/>
+  </p:transition>
+  <p:timing>
+    <p:tnLst>
+      <p:par>
+        <p:cTn id="1" dur="indefinite" restart="never" nodeType="tmRoot"/>
+      </p:par>
+    </p:tnLst>
+  </p:timing>
+</p:sld>
+</file>
+
+<file path=ppt/slides/slide11.xml><?xml version="1.0" encoding="utf-8"?>
+<p:sld xmlns:a="http://schemas.openxmlformats.org/drawingml/2006/main" xmlns:r="http://schemas.openxmlformats.org/officeDocument/2006/relationships" xmlns:p="http://schemas.openxmlformats.org/presentationml/2006/main">
+  <p:cSld>
+    <p:spTree>
+      <p:nvGrpSpPr>
+        <p:cNvPr id="1" name=""/>
+        <p:cNvGrpSpPr/>
+        <p:nvPr/>
+      </p:nvGrpSpPr>
+      <p:grpSpPr>
+        <a:xfrm>
+          <a:off x="0" y="0"/>
+          <a:ext cx="0" cy="0"/>
+          <a:chOff x="0" y="0"/>
+          <a:chExt cx="0" cy="0"/>
+        </a:xfrm>
+      </p:grpSpPr>
+      <p:sp>
+        <p:nvSpPr>
+          <p:cNvPr id="2" name="Title 1"/>
+          <p:cNvSpPr>
+            <a:spLocks noGrp="1"/>
+          </p:cNvSpPr>
+          <p:nvPr>
+            <p:ph type="title"/>
+          </p:nvPr>
+        </p:nvSpPr>
+        <p:spPr/>
+        <p:txBody>
+          <a:bodyPr/>
+          <a:lstStyle/>
+          <a:p>
+            <a:r>
+              <a:rPr lang="en-US" dirty="0" smtClean="0"/>
+              <a:t>The </a:t>
+            </a:r>
+            <a:r>
+              <a:rPr lang="en-US" dirty="0" err="1" smtClean="0"/>
               <a:t>project.json</a:t>
             </a:r>
             <a:endParaRPr lang="en-US" dirty="0"/>
@@ -3623,7 +3764,7 @@
 </p:sld>
 </file>
 
-<file path=ppt/slides/slide11.xml><?xml version="1.0" encoding="utf-8"?>
+<file path=ppt/slides/slide12.xml><?xml version="1.0" encoding="utf-8"?>
 <p:sld xmlns:a="http://schemas.openxmlformats.org/drawingml/2006/main" xmlns:r="http://schemas.openxmlformats.org/officeDocument/2006/relationships" xmlns:p="http://schemas.openxmlformats.org/presentationml/2006/main">
   <p:cSld>
     <p:spTree>
@@ -3837,7 +3978,7 @@
 </p:sld>
 </file>
 
-<file path=ppt/slides/slide12.xml><?xml version="1.0" encoding="utf-8"?>
+<file path=ppt/slides/slide13.xml><?xml version="1.0" encoding="utf-8"?>
 <p:sld xmlns:a="http://schemas.openxmlformats.org/drawingml/2006/main" xmlns:r="http://schemas.openxmlformats.org/officeDocument/2006/relationships" xmlns:p="http://schemas.openxmlformats.org/presentationml/2006/main">
   <p:cSld>
     <p:spTree>
@@ -3983,7 +4124,7 @@
 </p:sld>
 </file>
 
-<file path=ppt/slides/slide13.xml><?xml version="1.0" encoding="utf-8"?>
+<file path=ppt/slides/slide14.xml><?xml version="1.0" encoding="utf-8"?>
 <p:sld xmlns:a="http://schemas.openxmlformats.org/drawingml/2006/main" xmlns:r="http://schemas.openxmlformats.org/officeDocument/2006/relationships" xmlns:p="http://schemas.openxmlformats.org/presentationml/2006/main">
   <p:cSld>
     <p:spTree>
@@ -4099,7 +4240,7 @@
 </p:sld>
 </file>
 
-<file path=ppt/slides/slide14.xml><?xml version="1.0" encoding="utf-8"?>
+<file path=ppt/slides/slide15.xml><?xml version="1.0" encoding="utf-8"?>
 <p:sld xmlns:a="http://schemas.openxmlformats.org/drawingml/2006/main" xmlns:r="http://schemas.openxmlformats.org/officeDocument/2006/relationships" xmlns:p="http://schemas.openxmlformats.org/presentationml/2006/main">
   <p:cSld>
     <p:spTree>
@@ -4218,7 +4359,7 @@
 </p:sld>
 </file>
 
-<file path=ppt/slides/slide15.xml><?xml version="1.0" encoding="utf-8"?>
+<file path=ppt/slides/slide16.xml><?xml version="1.0" encoding="utf-8"?>
 <p:sld xmlns:a="http://schemas.openxmlformats.org/drawingml/2006/main" xmlns:r="http://schemas.openxmlformats.org/officeDocument/2006/relationships" xmlns:p="http://schemas.openxmlformats.org/presentationml/2006/main">
   <p:cSld>
     <p:spTree>
@@ -4340,7 +4481,7 @@
 </p:sld>
 </file>
 
-<file path=ppt/slides/slide16.xml><?xml version="1.0" encoding="utf-8"?>
+<file path=ppt/slides/slide17.xml><?xml version="1.0" encoding="utf-8"?>
 <p:sld xmlns:a="http://schemas.openxmlformats.org/drawingml/2006/main" xmlns:r="http://schemas.openxmlformats.org/officeDocument/2006/relationships" xmlns:p="http://schemas.openxmlformats.org/presentationml/2006/main">
   <p:cSld>
     <p:spTree>
@@ -4436,10 +4577,17 @@
   <p:transition>
     <p:fade/>
   </p:transition>
+  <p:timing>
+    <p:tnLst>
+      <p:par>
+        <p:cTn id="1" dur="indefinite" restart="never" nodeType="tmRoot"/>
+      </p:par>
+    </p:tnLst>
+  </p:timing>
 </p:sld>
 </file>
 
-<file path=ppt/slides/slide17.xml><?xml version="1.0" encoding="utf-8"?>
+<file path=ppt/slides/slide18.xml><?xml version="1.0" encoding="utf-8"?>
 <p:sld xmlns:a="http://schemas.openxmlformats.org/drawingml/2006/main" xmlns:r="http://schemas.openxmlformats.org/officeDocument/2006/relationships" xmlns:p="http://schemas.openxmlformats.org/presentationml/2006/main">
   <p:cSld>
     <p:spTree>
@@ -4553,7 +4701,7 @@
 </p:sld>
 </file>
 
-<file path=ppt/slides/slide18.xml><?xml version="1.0" encoding="utf-8"?>
+<file path=ppt/slides/slide19.xml><?xml version="1.0" encoding="utf-8"?>
 <p:sld xmlns:a="http://schemas.openxmlformats.org/drawingml/2006/main" xmlns:r="http://schemas.openxmlformats.org/officeDocument/2006/relationships" xmlns:p="http://schemas.openxmlformats.org/presentationml/2006/main">
   <p:cSld>
     <p:spTree>
@@ -4683,7 +4831,196 @@
 </p:sld>
 </file>
 
-<file path=ppt/slides/slide19.xml><?xml version="1.0" encoding="utf-8"?>
+<file path=ppt/slides/slide2.xml><?xml version="1.0" encoding="utf-8"?>
+<p:sld xmlns:a="http://schemas.openxmlformats.org/drawingml/2006/main" xmlns:r="http://schemas.openxmlformats.org/officeDocument/2006/relationships" xmlns:p="http://schemas.openxmlformats.org/presentationml/2006/main">
+  <p:cSld>
+    <p:spTree>
+      <p:nvGrpSpPr>
+        <p:cNvPr id="1" name=""/>
+        <p:cNvGrpSpPr/>
+        <p:nvPr/>
+      </p:nvGrpSpPr>
+      <p:grpSpPr>
+        <a:xfrm>
+          <a:off x="0" y="0"/>
+          <a:ext cx="0" cy="0"/>
+          <a:chOff x="0" y="0"/>
+          <a:chExt cx="0" cy="0"/>
+        </a:xfrm>
+      </p:grpSpPr>
+      <p:sp>
+        <p:nvSpPr>
+          <p:cNvPr id="2" name="Title 1"/>
+          <p:cNvSpPr>
+            <a:spLocks noGrp="1"/>
+          </p:cNvSpPr>
+          <p:nvPr>
+            <p:ph type="title"/>
+          </p:nvPr>
+        </p:nvSpPr>
+        <p:spPr/>
+        <p:txBody>
+          <a:bodyPr/>
+          <a:lstStyle/>
+          <a:p>
+            <a:r>
+              <a:rPr lang="en-US" dirty="0" smtClean="0"/>
+              <a:t>ASP.NET 5 Workshop</a:t>
+            </a:r>
+            <a:endParaRPr lang="en-US" dirty="0"/>
+          </a:p>
+        </p:txBody>
+      </p:sp>
+      <p:sp>
+        <p:nvSpPr>
+          <p:cNvPr id="3" name="Text Placeholder 2"/>
+          <p:cNvSpPr>
+            <a:spLocks noGrp="1"/>
+          </p:cNvSpPr>
+          <p:nvPr>
+            <p:ph type="body" idx="1"/>
+          </p:nvPr>
+        </p:nvSpPr>
+        <p:spPr/>
+        <p:txBody>
+          <a:bodyPr/>
+          <a:lstStyle/>
+          <a:p>
+            <a:r>
+              <a:rPr lang="en-US" dirty="0" smtClean="0"/>
+              <a:t>Scott Allen (</a:t>
+            </a:r>
+            <a:r>
+              <a:rPr lang="en-US" dirty="0" smtClean="0">
+                <a:hlinkClick r:id="rId2"/>
+              </a:rPr>
+              <a:t>scott@OdeToCode.com</a:t>
+            </a:r>
+            <a:r>
+              <a:rPr lang="en-US" dirty="0" smtClean="0"/>
+              <a:t>)</a:t>
+            </a:r>
+          </a:p>
+          <a:p>
+            <a:r>
+              <a:rPr lang="en-US" dirty="0" smtClean="0"/>
+              <a:t>Agenda</a:t>
+            </a:r>
+          </a:p>
+          <a:p>
+            <a:pPr lvl="1"/>
+            <a:r>
+              <a:rPr lang="en-US" dirty="0" smtClean="0"/>
+              <a:t>Overview</a:t>
+            </a:r>
+          </a:p>
+          <a:p>
+            <a:pPr lvl="1"/>
+            <a:r>
+              <a:rPr lang="en-US" dirty="0" smtClean="0"/>
+              <a:t>Middleware</a:t>
+            </a:r>
+          </a:p>
+          <a:p>
+            <a:pPr lvl="1"/>
+            <a:r>
+              <a:rPr lang="en-US" dirty="0" smtClean="0"/>
+              <a:t>Configuration and Services</a:t>
+            </a:r>
+          </a:p>
+          <a:p>
+            <a:pPr lvl="1"/>
+            <a:r>
+              <a:rPr lang="en-US" dirty="0" smtClean="0"/>
+              <a:t>Controllers</a:t>
+            </a:r>
+          </a:p>
+          <a:p>
+            <a:pPr lvl="1"/>
+            <a:r>
+              <a:rPr lang="en-US" dirty="0" smtClean="0"/>
+              <a:t>Models and Views</a:t>
+            </a:r>
+          </a:p>
+          <a:p>
+            <a:pPr lvl="1"/>
+            <a:r>
+              <a:rPr lang="en-US" dirty="0" smtClean="0"/>
+              <a:t>Security</a:t>
+            </a:r>
+          </a:p>
+          <a:p>
+            <a:pPr lvl="1"/>
+            <a:r>
+              <a:rPr lang="en-US" dirty="0" err="1" smtClean="0"/>
+              <a:t>NodeJS</a:t>
+            </a:r>
+            <a:r>
+              <a:rPr lang="en-US" dirty="0" smtClean="0"/>
+              <a:t> Tools</a:t>
+            </a:r>
+          </a:p>
+          <a:p>
+            <a:pPr lvl="1"/>
+            <a:r>
+              <a:rPr lang="en-US" dirty="0" smtClean="0"/>
+              <a:t>Deployment and DNU</a:t>
+            </a:r>
+          </a:p>
+          <a:p>
+            <a:r>
+              <a:rPr lang="en-US" dirty="0" smtClean="0"/>
+              <a:t>Schedule</a:t>
+            </a:r>
+          </a:p>
+          <a:p>
+            <a:pPr lvl="1"/>
+            <a:r>
+              <a:rPr lang="en-US" dirty="0" smtClean="0"/>
+              <a:t>9:00-17:00 Workshop</a:t>
+            </a:r>
+          </a:p>
+          <a:p>
+            <a:pPr lvl="1"/>
+            <a:r>
+              <a:rPr lang="en-US" dirty="0" smtClean="0"/>
+              <a:t>12:00-13:00 Lunch</a:t>
+            </a:r>
+          </a:p>
+          <a:p>
+            <a:pPr lvl="1"/>
+            <a:r>
+              <a:rPr lang="en-US" dirty="0" smtClean="0"/>
+              <a:t>15:00-15:30 Coffee Break</a:t>
+            </a:r>
+            <a:endParaRPr lang="en-US" dirty="0"/>
+          </a:p>
+        </p:txBody>
+      </p:sp>
+    </p:spTree>
+    <p:extLst>
+      <p:ext uri="{BB962C8B-B14F-4D97-AF65-F5344CB8AC3E}">
+        <p14:creationId xmlns:p14="http://schemas.microsoft.com/office/powerpoint/2010/main" val="1855960045"/>
+      </p:ext>
+    </p:extLst>
+  </p:cSld>
+  <p:clrMapOvr>
+    <a:masterClrMapping/>
+  </p:clrMapOvr>
+  <p:transition>
+    <p:fade/>
+  </p:transition>
+  <p:timing>
+    <p:tnLst>
+      <p:par>
+        <p:cTn id="1" dur="indefinite" restart="never" nodeType="tmRoot"/>
+      </p:par>
+    </p:tnLst>
+  </p:timing>
+</p:sld>
+</file>
+
+<file path=ppt/slides/slide20.xml><?xml version="1.0" encoding="utf-8"?>
 <p:sld xmlns:a="http://schemas.openxmlformats.org/drawingml/2006/main" xmlns:r="http://schemas.openxmlformats.org/officeDocument/2006/relationships" xmlns:p="http://schemas.openxmlformats.org/presentationml/2006/main">
   <p:cSld>
     <p:spTree>
@@ -4825,7 +5162,545 @@
 </p:sld>
 </file>
 
-<file path=ppt/slides/slide2.xml><?xml version="1.0" encoding="utf-8"?>
+<file path=ppt/slides/slide21.xml><?xml version="1.0" encoding="utf-8"?>
+<p:sld xmlns:a="http://schemas.openxmlformats.org/drawingml/2006/main" xmlns:r="http://schemas.openxmlformats.org/officeDocument/2006/relationships" xmlns:p="http://schemas.openxmlformats.org/presentationml/2006/main">
+  <p:cSld>
+    <p:spTree>
+      <p:nvGrpSpPr>
+        <p:cNvPr id="1" name=""/>
+        <p:cNvGrpSpPr/>
+        <p:nvPr/>
+      </p:nvGrpSpPr>
+      <p:grpSpPr>
+        <a:xfrm>
+          <a:off x="0" y="0"/>
+          <a:ext cx="0" cy="0"/>
+          <a:chOff x="0" y="0"/>
+          <a:chExt cx="0" cy="0"/>
+        </a:xfrm>
+      </p:grpSpPr>
+      <p:sp>
+        <p:nvSpPr>
+          <p:cNvPr id="2" name="Title 1"/>
+          <p:cNvSpPr>
+            <a:spLocks noGrp="1"/>
+          </p:cNvSpPr>
+          <p:nvPr>
+            <p:ph type="title"/>
+          </p:nvPr>
+        </p:nvSpPr>
+        <p:spPr/>
+        <p:txBody>
+          <a:bodyPr/>
+          <a:lstStyle/>
+          <a:p>
+            <a:r>
+              <a:rPr lang="en-US" dirty="0" smtClean="0"/>
+              <a:t>MVC Framework</a:t>
+            </a:r>
+            <a:endParaRPr lang="en-US" dirty="0"/>
+          </a:p>
+        </p:txBody>
+      </p:sp>
+      <p:sp>
+        <p:nvSpPr>
+          <p:cNvPr id="3" name="Text Placeholder 2"/>
+          <p:cNvSpPr>
+            <a:spLocks noGrp="1"/>
+          </p:cNvSpPr>
+          <p:nvPr>
+            <p:ph type="body" idx="1"/>
+          </p:nvPr>
+        </p:nvSpPr>
+        <p:spPr/>
+        <p:txBody>
+          <a:bodyPr/>
+          <a:lstStyle/>
+          <a:p>
+            <a:r>
+              <a:rPr lang="en-US" dirty="0" smtClean="0"/>
+              <a:t>Includes both HTML and API features</a:t>
+            </a:r>
+            <a:endParaRPr lang="en-US" dirty="0"/>
+          </a:p>
+        </p:txBody>
+      </p:sp>
+      <p:pic>
+        <p:nvPicPr>
+          <p:cNvPr id="4" name="Picture 3"/>
+          <p:cNvPicPr>
+            <a:picLocks noChangeAspect="1"/>
+          </p:cNvPicPr>
+          <p:nvPr/>
+        </p:nvPicPr>
+        <p:blipFill>
+          <a:blip r:embed="rId2"/>
+          <a:stretch>
+            <a:fillRect/>
+          </a:stretch>
+        </p:blipFill>
+        <p:spPr>
+          <a:xfrm>
+            <a:off x="457200" y="2082145"/>
+            <a:ext cx="8162925" cy="4229100"/>
+          </a:xfrm>
+          <a:prstGeom prst="rect">
+            <a:avLst/>
+          </a:prstGeom>
+        </p:spPr>
+      </p:pic>
+    </p:spTree>
+    <p:extLst>
+      <p:ext uri="{BB962C8B-B14F-4D97-AF65-F5344CB8AC3E}">
+        <p14:creationId xmlns:p14="http://schemas.microsoft.com/office/powerpoint/2010/main" val="1766268052"/>
+      </p:ext>
+    </p:extLst>
+  </p:cSld>
+  <p:clrMapOvr>
+    <a:masterClrMapping/>
+  </p:clrMapOvr>
+  <p:transition>
+    <p:fade/>
+  </p:transition>
+  <p:timing>
+    <p:tnLst>
+      <p:par>
+        <p:cTn id="1" dur="indefinite" restart="never" nodeType="tmRoot"/>
+      </p:par>
+    </p:tnLst>
+  </p:timing>
+</p:sld>
+</file>
+
+<file path=ppt/slides/slide22.xml><?xml version="1.0" encoding="utf-8"?>
+<p:sld xmlns:a="http://schemas.openxmlformats.org/drawingml/2006/main" xmlns:r="http://schemas.openxmlformats.org/officeDocument/2006/relationships" xmlns:p="http://schemas.openxmlformats.org/presentationml/2006/main">
+  <p:cSld>
+    <p:spTree>
+      <p:nvGrpSpPr>
+        <p:cNvPr id="1" name=""/>
+        <p:cNvGrpSpPr/>
+        <p:nvPr/>
+      </p:nvGrpSpPr>
+      <p:grpSpPr>
+        <a:xfrm>
+          <a:off x="0" y="0"/>
+          <a:ext cx="0" cy="0"/>
+          <a:chOff x="0" y="0"/>
+          <a:chExt cx="0" cy="0"/>
+        </a:xfrm>
+      </p:grpSpPr>
+      <p:sp>
+        <p:nvSpPr>
+          <p:cNvPr id="2" name="Title 1"/>
+          <p:cNvSpPr>
+            <a:spLocks noGrp="1"/>
+          </p:cNvSpPr>
+          <p:nvPr>
+            <p:ph type="title"/>
+          </p:nvPr>
+        </p:nvSpPr>
+        <p:spPr/>
+        <p:txBody>
+          <a:bodyPr/>
+          <a:lstStyle/>
+          <a:p>
+            <a:r>
+              <a:rPr lang="en-US" dirty="0" smtClean="0"/>
+              <a:t>Razor Views</a:t>
+            </a:r>
+            <a:endParaRPr lang="en-US" dirty="0"/>
+          </a:p>
+        </p:txBody>
+      </p:sp>
+      <p:sp>
+        <p:nvSpPr>
+          <p:cNvPr id="3" name="Text Placeholder 2"/>
+          <p:cNvSpPr>
+            <a:spLocks noGrp="1"/>
+          </p:cNvSpPr>
+          <p:nvPr>
+            <p:ph type="body" idx="1"/>
+          </p:nvPr>
+        </p:nvSpPr>
+        <p:spPr/>
+        <p:txBody>
+          <a:bodyPr/>
+          <a:lstStyle/>
+          <a:p>
+            <a:endParaRPr lang="en-US" dirty="0"/>
+          </a:p>
+        </p:txBody>
+      </p:sp>
+      <p:pic>
+        <p:nvPicPr>
+          <p:cNvPr id="4" name="Picture 3"/>
+          <p:cNvPicPr>
+            <a:picLocks noChangeAspect="1"/>
+          </p:cNvPicPr>
+          <p:nvPr/>
+        </p:nvPicPr>
+        <p:blipFill>
+          <a:blip r:embed="rId2"/>
+          <a:stretch>
+            <a:fillRect/>
+          </a:stretch>
+        </p:blipFill>
+        <p:spPr>
+          <a:xfrm>
+            <a:off x="466725" y="1219200"/>
+            <a:ext cx="8220075" cy="4820919"/>
+          </a:xfrm>
+          <a:prstGeom prst="rect">
+            <a:avLst/>
+          </a:prstGeom>
+        </p:spPr>
+      </p:pic>
+    </p:spTree>
+    <p:extLst>
+      <p:ext uri="{BB962C8B-B14F-4D97-AF65-F5344CB8AC3E}">
+        <p14:creationId xmlns:p14="http://schemas.microsoft.com/office/powerpoint/2010/main" val="1169428176"/>
+      </p:ext>
+    </p:extLst>
+  </p:cSld>
+  <p:clrMapOvr>
+    <a:masterClrMapping/>
+  </p:clrMapOvr>
+  <p:transition>
+    <p:fade/>
+  </p:transition>
+  <p:timing>
+    <p:tnLst>
+      <p:par>
+        <p:cTn id="1" dur="indefinite" restart="never" nodeType="tmRoot"/>
+      </p:par>
+    </p:tnLst>
+  </p:timing>
+</p:sld>
+</file>
+
+<file path=ppt/slides/slide23.xml><?xml version="1.0" encoding="utf-8"?>
+<p:sld xmlns:a="http://schemas.openxmlformats.org/drawingml/2006/main" xmlns:r="http://schemas.openxmlformats.org/officeDocument/2006/relationships" xmlns:p="http://schemas.openxmlformats.org/presentationml/2006/main">
+  <p:cSld>
+    <p:spTree>
+      <p:nvGrpSpPr>
+        <p:cNvPr id="1" name=""/>
+        <p:cNvGrpSpPr/>
+        <p:nvPr/>
+      </p:nvGrpSpPr>
+      <p:grpSpPr>
+        <a:xfrm>
+          <a:off x="0" y="0"/>
+          <a:ext cx="0" cy="0"/>
+          <a:chOff x="0" y="0"/>
+          <a:chExt cx="0" cy="0"/>
+        </a:xfrm>
+      </p:grpSpPr>
+      <p:sp>
+        <p:nvSpPr>
+          <p:cNvPr id="2" name="Title 1"/>
+          <p:cNvSpPr>
+            <a:spLocks noGrp="1"/>
+          </p:cNvSpPr>
+          <p:nvPr>
+            <p:ph type="title"/>
+          </p:nvPr>
+        </p:nvSpPr>
+        <p:spPr/>
+        <p:txBody>
+          <a:bodyPr/>
+          <a:lstStyle/>
+          <a:p>
+            <a:r>
+              <a:rPr lang="en-US" dirty="0" smtClean="0"/>
+              <a:t>Hosting</a:t>
+            </a:r>
+            <a:endParaRPr lang="en-US" dirty="0"/>
+          </a:p>
+        </p:txBody>
+      </p:sp>
+      <p:sp>
+        <p:nvSpPr>
+          <p:cNvPr id="3" name="Text Placeholder 2"/>
+          <p:cNvSpPr>
+            <a:spLocks noGrp="1"/>
+          </p:cNvSpPr>
+          <p:nvPr>
+            <p:ph type="body" idx="1"/>
+          </p:nvPr>
+        </p:nvSpPr>
+        <p:spPr/>
+        <p:txBody>
+          <a:bodyPr/>
+          <a:lstStyle/>
+          <a:p>
+            <a:r>
+              <a:rPr lang="en-US" dirty="0" smtClean="0"/>
+              <a:t>IIS / IIS Express</a:t>
+            </a:r>
+          </a:p>
+          <a:p>
+            <a:r>
+              <a:rPr lang="en-US" dirty="0" smtClean="0"/>
+              <a:t>http.sys</a:t>
+            </a:r>
+          </a:p>
+          <a:p>
+            <a:r>
+              <a:rPr lang="en-US" dirty="0" smtClean="0"/>
+              <a:t>Kestrel</a:t>
+            </a:r>
+            <a:endParaRPr lang="en-US" dirty="0"/>
+          </a:p>
+        </p:txBody>
+      </p:sp>
+      <p:pic>
+        <p:nvPicPr>
+          <p:cNvPr id="4098" name="Picture 2" descr="http://4.bp.blogspot.com/-X7CrLfzmTBQ/VB9_rUA0ubI/AAAAAAAACIA/7WXMI4by-F0/s1600/IIS%2B8.png"/>
+          <p:cNvPicPr>
+            <a:picLocks noChangeAspect="1" noChangeArrowheads="1"/>
+          </p:cNvPicPr>
+          <p:nvPr/>
+        </p:nvPicPr>
+        <p:blipFill>
+          <a:blip r:embed="rId2">
+            <a:extLst>
+              <a:ext uri="{28A0092B-C50C-407E-A947-70E740481C1C}">
+                <a14:useLocalDpi xmlns:a14="http://schemas.microsoft.com/office/drawing/2010/main" val="0"/>
+              </a:ext>
+            </a:extLst>
+          </a:blip>
+          <a:srcRect/>
+          <a:stretch>
+            <a:fillRect/>
+          </a:stretch>
+        </p:blipFill>
+        <p:spPr bwMode="auto">
+          <a:xfrm>
+            <a:off x="2286000" y="2667000"/>
+            <a:ext cx="6210300" cy="2724151"/>
+          </a:xfrm>
+          <a:prstGeom prst="rect">
+            <a:avLst/>
+          </a:prstGeom>
+          <a:noFill/>
+          <a:extLst>
+            <a:ext uri="{909E8E84-426E-40DD-AFC4-6F175D3DCCD1}">
+              <a14:hiddenFill xmlns:a14="http://schemas.microsoft.com/office/drawing/2010/main">
+                <a:solidFill>
+                  <a:srgbClr val="FFFFFF"/>
+                </a:solidFill>
+              </a14:hiddenFill>
+            </a:ext>
+          </a:extLst>
+        </p:spPr>
+      </p:pic>
+    </p:spTree>
+    <p:extLst>
+      <p:ext uri="{BB962C8B-B14F-4D97-AF65-F5344CB8AC3E}">
+        <p14:creationId xmlns:p14="http://schemas.microsoft.com/office/powerpoint/2010/main" val="2984317155"/>
+      </p:ext>
+    </p:extLst>
+  </p:cSld>
+  <p:clrMapOvr>
+    <a:masterClrMapping/>
+  </p:clrMapOvr>
+  <p:transition>
+    <p:fade/>
+  </p:transition>
+  <p:timing>
+    <p:tnLst>
+      <p:par>
+        <p:cTn id="1" dur="indefinite" restart="never" nodeType="tmRoot"/>
+      </p:par>
+    </p:tnLst>
+  </p:timing>
+</p:sld>
+</file>
+
+<file path=ppt/slides/slide24.xml><?xml version="1.0" encoding="utf-8"?>
+<p:sld xmlns:a="http://schemas.openxmlformats.org/drawingml/2006/main" xmlns:r="http://schemas.openxmlformats.org/officeDocument/2006/relationships" xmlns:p="http://schemas.openxmlformats.org/presentationml/2006/main">
+  <p:cSld>
+    <p:spTree>
+      <p:nvGrpSpPr>
+        <p:cNvPr id="1" name=""/>
+        <p:cNvGrpSpPr/>
+        <p:nvPr/>
+      </p:nvGrpSpPr>
+      <p:grpSpPr>
+        <a:xfrm>
+          <a:off x="0" y="0"/>
+          <a:ext cx="0" cy="0"/>
+          <a:chOff x="0" y="0"/>
+          <a:chExt cx="0" cy="0"/>
+        </a:xfrm>
+      </p:grpSpPr>
+      <p:sp>
+        <p:nvSpPr>
+          <p:cNvPr id="2" name="Title 1"/>
+          <p:cNvSpPr>
+            <a:spLocks noGrp="1"/>
+          </p:cNvSpPr>
+          <p:nvPr>
+            <p:ph type="title"/>
+          </p:nvPr>
+        </p:nvSpPr>
+        <p:spPr/>
+        <p:txBody>
+          <a:bodyPr/>
+          <a:lstStyle/>
+          <a:p>
+            <a:r>
+              <a:rPr lang="en-US" dirty="0" smtClean="0"/>
+              <a:t>Summary</a:t>
+            </a:r>
+            <a:endParaRPr lang="en-US" dirty="0"/>
+          </a:p>
+        </p:txBody>
+      </p:sp>
+      <p:sp>
+        <p:nvSpPr>
+          <p:cNvPr id="3" name="Text Placeholder 2"/>
+          <p:cNvSpPr>
+            <a:spLocks noGrp="1"/>
+          </p:cNvSpPr>
+          <p:nvPr>
+            <p:ph type="body" idx="1"/>
+          </p:nvPr>
+        </p:nvSpPr>
+        <p:spPr/>
+        <p:txBody>
+          <a:bodyPr/>
+          <a:lstStyle/>
+          <a:p>
+            <a:pPr lvl="1"/>
+            <a:endParaRPr lang="en-US" dirty="0"/>
+          </a:p>
+        </p:txBody>
+      </p:sp>
+      <p:sp>
+        <p:nvSpPr>
+          <p:cNvPr id="4" name="Rectangle 3"/>
+          <p:cNvSpPr/>
+          <p:nvPr/>
+        </p:nvSpPr>
+        <p:spPr bwMode="auto">
+          <a:xfrm>
+            <a:off x="304800" y="2209800"/>
+            <a:ext cx="4114800" cy="2743200"/>
+          </a:xfrm>
+          <a:prstGeom prst="rect">
+            <a:avLst/>
+          </a:prstGeom>
+          <a:solidFill>
+            <a:srgbClr val="D3D3A9"/>
+          </a:solidFill>
+          <a:ln w="9525" algn="ctr">
+            <a:solidFill>
+              <a:schemeClr val="tx1"/>
+            </a:solidFill>
+            <a:miter lim="800000"/>
+            <a:headEnd/>
+            <a:tailEnd/>
+          </a:ln>
+          <a:effectLst>
+            <a:outerShdw blurRad="50800" dist="38100" dir="2700000" algn="tl" rotWithShape="0">
+              <a:prstClr val="black">
+                <a:alpha val="40000"/>
+              </a:prstClr>
+            </a:outerShdw>
+          </a:effectLst>
+        </p:spPr>
+        <p:txBody>
+          <a:bodyPr wrap="none" rtlCol="0" anchor="ctr"/>
+          <a:lstStyle/>
+          <a:p>
+            <a:pPr algn="ctr"/>
+            <a:r>
+              <a:rPr lang="en-US" sz="2000" dirty="0" smtClean="0">
+                <a:latin typeface="Tekton Pro" pitchFamily="34" charset="0"/>
+              </a:rPr>
+              <a:t>ASP.NET MVC</a:t>
+            </a:r>
+            <a:endParaRPr lang="en-US" sz="2000" dirty="0">
+              <a:latin typeface="Tekton Pro" pitchFamily="34" charset="0"/>
+            </a:endParaRPr>
+          </a:p>
+        </p:txBody>
+      </p:sp>
+      <p:sp>
+        <p:nvSpPr>
+          <p:cNvPr id="5" name="Rectangle 4"/>
+          <p:cNvSpPr/>
+          <p:nvPr/>
+        </p:nvSpPr>
+        <p:spPr bwMode="auto">
+          <a:xfrm>
+            <a:off x="4659984" y="2209800"/>
+            <a:ext cx="4114800" cy="2743200"/>
+          </a:xfrm>
+          <a:prstGeom prst="rect">
+            <a:avLst/>
+          </a:prstGeom>
+          <a:solidFill>
+            <a:srgbClr val="D3D3A9"/>
+          </a:solidFill>
+          <a:ln w="9525" algn="ctr">
+            <a:solidFill>
+              <a:schemeClr val="tx1"/>
+            </a:solidFill>
+            <a:miter lim="800000"/>
+            <a:headEnd/>
+            <a:tailEnd/>
+          </a:ln>
+          <a:effectLst>
+            <a:outerShdw blurRad="50800" dist="38100" dir="2700000" algn="tl" rotWithShape="0">
+              <a:prstClr val="black">
+                <a:alpha val="40000"/>
+              </a:prstClr>
+            </a:outerShdw>
+          </a:effectLst>
+        </p:spPr>
+        <p:txBody>
+          <a:bodyPr wrap="none" rtlCol="0" anchor="ctr"/>
+          <a:lstStyle/>
+          <a:p>
+            <a:pPr algn="ctr"/>
+            <a:r>
+              <a:rPr lang="en-US" sz="2000" dirty="0" smtClean="0">
+                <a:latin typeface="Tekton Pro" pitchFamily="34" charset="0"/>
+              </a:rPr>
+              <a:t>Middleware</a:t>
+            </a:r>
+            <a:endParaRPr lang="en-US" sz="2000" dirty="0">
+              <a:latin typeface="Tekton Pro" pitchFamily="34" charset="0"/>
+            </a:endParaRPr>
+          </a:p>
+        </p:txBody>
+      </p:sp>
+    </p:spTree>
+    <p:extLst>
+      <p:ext uri="{BB962C8B-B14F-4D97-AF65-F5344CB8AC3E}">
+        <p14:creationId xmlns:p14="http://schemas.microsoft.com/office/powerpoint/2010/main" val="3947626774"/>
+      </p:ext>
+    </p:extLst>
+  </p:cSld>
+  <p:clrMapOvr>
+    <a:masterClrMapping/>
+  </p:clrMapOvr>
+  <p:transition>
+    <p:fade/>
+  </p:transition>
+  <p:timing>
+    <p:tnLst>
+      <p:par>
+        <p:cTn id="1" dur="indefinite" restart="never" nodeType="tmRoot"/>
+      </p:par>
+    </p:tnLst>
+  </p:timing>
+</p:sld>
+</file>
+
+<file path=ppt/slides/slide3.xml><?xml version="1.0" encoding="utf-8"?>
 <p:sld xmlns:a="http://schemas.openxmlformats.org/drawingml/2006/main" xmlns:r="http://schemas.openxmlformats.org/officeDocument/2006/relationships" xmlns:p="http://schemas.openxmlformats.org/presentationml/2006/main">
   <p:cSld>
     <p:spTree>
@@ -5434,545 +6309,7 @@
 </p:sld>
 </file>
 
-<file path=ppt/slides/slide20.xml><?xml version="1.0" encoding="utf-8"?>
-<p:sld xmlns:a="http://schemas.openxmlformats.org/drawingml/2006/main" xmlns:r="http://schemas.openxmlformats.org/officeDocument/2006/relationships" xmlns:p="http://schemas.openxmlformats.org/presentationml/2006/main">
-  <p:cSld>
-    <p:spTree>
-      <p:nvGrpSpPr>
-        <p:cNvPr id="1" name=""/>
-        <p:cNvGrpSpPr/>
-        <p:nvPr/>
-      </p:nvGrpSpPr>
-      <p:grpSpPr>
-        <a:xfrm>
-          <a:off x="0" y="0"/>
-          <a:ext cx="0" cy="0"/>
-          <a:chOff x="0" y="0"/>
-          <a:chExt cx="0" cy="0"/>
-        </a:xfrm>
-      </p:grpSpPr>
-      <p:sp>
-        <p:nvSpPr>
-          <p:cNvPr id="2" name="Title 1"/>
-          <p:cNvSpPr>
-            <a:spLocks noGrp="1"/>
-          </p:cNvSpPr>
-          <p:nvPr>
-            <p:ph type="title"/>
-          </p:nvPr>
-        </p:nvSpPr>
-        <p:spPr/>
-        <p:txBody>
-          <a:bodyPr/>
-          <a:lstStyle/>
-          <a:p>
-            <a:r>
-              <a:rPr lang="en-US" dirty="0" smtClean="0"/>
-              <a:t>MVC Framework</a:t>
-            </a:r>
-            <a:endParaRPr lang="en-US" dirty="0"/>
-          </a:p>
-        </p:txBody>
-      </p:sp>
-      <p:sp>
-        <p:nvSpPr>
-          <p:cNvPr id="3" name="Text Placeholder 2"/>
-          <p:cNvSpPr>
-            <a:spLocks noGrp="1"/>
-          </p:cNvSpPr>
-          <p:nvPr>
-            <p:ph type="body" idx="1"/>
-          </p:nvPr>
-        </p:nvSpPr>
-        <p:spPr/>
-        <p:txBody>
-          <a:bodyPr/>
-          <a:lstStyle/>
-          <a:p>
-            <a:r>
-              <a:rPr lang="en-US" dirty="0" smtClean="0"/>
-              <a:t>Includes both HTML and API features</a:t>
-            </a:r>
-            <a:endParaRPr lang="en-US" dirty="0"/>
-          </a:p>
-        </p:txBody>
-      </p:sp>
-      <p:pic>
-        <p:nvPicPr>
-          <p:cNvPr id="4" name="Picture 3"/>
-          <p:cNvPicPr>
-            <a:picLocks noChangeAspect="1"/>
-          </p:cNvPicPr>
-          <p:nvPr/>
-        </p:nvPicPr>
-        <p:blipFill>
-          <a:blip r:embed="rId2"/>
-          <a:stretch>
-            <a:fillRect/>
-          </a:stretch>
-        </p:blipFill>
-        <p:spPr>
-          <a:xfrm>
-            <a:off x="457200" y="2082145"/>
-            <a:ext cx="8162925" cy="4229100"/>
-          </a:xfrm>
-          <a:prstGeom prst="rect">
-            <a:avLst/>
-          </a:prstGeom>
-        </p:spPr>
-      </p:pic>
-    </p:spTree>
-    <p:extLst>
-      <p:ext uri="{BB962C8B-B14F-4D97-AF65-F5344CB8AC3E}">
-        <p14:creationId xmlns:p14="http://schemas.microsoft.com/office/powerpoint/2010/main" val="1766268052"/>
-      </p:ext>
-    </p:extLst>
-  </p:cSld>
-  <p:clrMapOvr>
-    <a:masterClrMapping/>
-  </p:clrMapOvr>
-  <p:transition>
-    <p:fade/>
-  </p:transition>
-  <p:timing>
-    <p:tnLst>
-      <p:par>
-        <p:cTn id="1" dur="indefinite" restart="never" nodeType="tmRoot"/>
-      </p:par>
-    </p:tnLst>
-  </p:timing>
-</p:sld>
-</file>
-
-<file path=ppt/slides/slide21.xml><?xml version="1.0" encoding="utf-8"?>
-<p:sld xmlns:a="http://schemas.openxmlformats.org/drawingml/2006/main" xmlns:r="http://schemas.openxmlformats.org/officeDocument/2006/relationships" xmlns:p="http://schemas.openxmlformats.org/presentationml/2006/main">
-  <p:cSld>
-    <p:spTree>
-      <p:nvGrpSpPr>
-        <p:cNvPr id="1" name=""/>
-        <p:cNvGrpSpPr/>
-        <p:nvPr/>
-      </p:nvGrpSpPr>
-      <p:grpSpPr>
-        <a:xfrm>
-          <a:off x="0" y="0"/>
-          <a:ext cx="0" cy="0"/>
-          <a:chOff x="0" y="0"/>
-          <a:chExt cx="0" cy="0"/>
-        </a:xfrm>
-      </p:grpSpPr>
-      <p:sp>
-        <p:nvSpPr>
-          <p:cNvPr id="2" name="Title 1"/>
-          <p:cNvSpPr>
-            <a:spLocks noGrp="1"/>
-          </p:cNvSpPr>
-          <p:nvPr>
-            <p:ph type="title"/>
-          </p:nvPr>
-        </p:nvSpPr>
-        <p:spPr/>
-        <p:txBody>
-          <a:bodyPr/>
-          <a:lstStyle/>
-          <a:p>
-            <a:r>
-              <a:rPr lang="en-US" dirty="0" smtClean="0"/>
-              <a:t>Razor Views</a:t>
-            </a:r>
-            <a:endParaRPr lang="en-US" dirty="0"/>
-          </a:p>
-        </p:txBody>
-      </p:sp>
-      <p:sp>
-        <p:nvSpPr>
-          <p:cNvPr id="3" name="Text Placeholder 2"/>
-          <p:cNvSpPr>
-            <a:spLocks noGrp="1"/>
-          </p:cNvSpPr>
-          <p:nvPr>
-            <p:ph type="body" idx="1"/>
-          </p:nvPr>
-        </p:nvSpPr>
-        <p:spPr/>
-        <p:txBody>
-          <a:bodyPr/>
-          <a:lstStyle/>
-          <a:p>
-            <a:endParaRPr lang="en-US" dirty="0"/>
-          </a:p>
-        </p:txBody>
-      </p:sp>
-      <p:pic>
-        <p:nvPicPr>
-          <p:cNvPr id="4" name="Picture 3"/>
-          <p:cNvPicPr>
-            <a:picLocks noChangeAspect="1"/>
-          </p:cNvPicPr>
-          <p:nvPr/>
-        </p:nvPicPr>
-        <p:blipFill>
-          <a:blip r:embed="rId2"/>
-          <a:stretch>
-            <a:fillRect/>
-          </a:stretch>
-        </p:blipFill>
-        <p:spPr>
-          <a:xfrm>
-            <a:off x="466725" y="1219200"/>
-            <a:ext cx="8220075" cy="4820919"/>
-          </a:xfrm>
-          <a:prstGeom prst="rect">
-            <a:avLst/>
-          </a:prstGeom>
-        </p:spPr>
-      </p:pic>
-    </p:spTree>
-    <p:extLst>
-      <p:ext uri="{BB962C8B-B14F-4D97-AF65-F5344CB8AC3E}">
-        <p14:creationId xmlns:p14="http://schemas.microsoft.com/office/powerpoint/2010/main" val="1169428176"/>
-      </p:ext>
-    </p:extLst>
-  </p:cSld>
-  <p:clrMapOvr>
-    <a:masterClrMapping/>
-  </p:clrMapOvr>
-  <p:transition>
-    <p:fade/>
-  </p:transition>
-  <p:timing>
-    <p:tnLst>
-      <p:par>
-        <p:cTn id="1" dur="indefinite" restart="never" nodeType="tmRoot"/>
-      </p:par>
-    </p:tnLst>
-  </p:timing>
-</p:sld>
-</file>
-
-<file path=ppt/slides/slide22.xml><?xml version="1.0" encoding="utf-8"?>
-<p:sld xmlns:a="http://schemas.openxmlformats.org/drawingml/2006/main" xmlns:r="http://schemas.openxmlformats.org/officeDocument/2006/relationships" xmlns:p="http://schemas.openxmlformats.org/presentationml/2006/main">
-  <p:cSld>
-    <p:spTree>
-      <p:nvGrpSpPr>
-        <p:cNvPr id="1" name=""/>
-        <p:cNvGrpSpPr/>
-        <p:nvPr/>
-      </p:nvGrpSpPr>
-      <p:grpSpPr>
-        <a:xfrm>
-          <a:off x="0" y="0"/>
-          <a:ext cx="0" cy="0"/>
-          <a:chOff x="0" y="0"/>
-          <a:chExt cx="0" cy="0"/>
-        </a:xfrm>
-      </p:grpSpPr>
-      <p:sp>
-        <p:nvSpPr>
-          <p:cNvPr id="2" name="Title 1"/>
-          <p:cNvSpPr>
-            <a:spLocks noGrp="1"/>
-          </p:cNvSpPr>
-          <p:nvPr>
-            <p:ph type="title"/>
-          </p:nvPr>
-        </p:nvSpPr>
-        <p:spPr/>
-        <p:txBody>
-          <a:bodyPr/>
-          <a:lstStyle/>
-          <a:p>
-            <a:r>
-              <a:rPr lang="en-US" dirty="0" smtClean="0"/>
-              <a:t>Hosting</a:t>
-            </a:r>
-            <a:endParaRPr lang="en-US" dirty="0"/>
-          </a:p>
-        </p:txBody>
-      </p:sp>
-      <p:sp>
-        <p:nvSpPr>
-          <p:cNvPr id="3" name="Text Placeholder 2"/>
-          <p:cNvSpPr>
-            <a:spLocks noGrp="1"/>
-          </p:cNvSpPr>
-          <p:nvPr>
-            <p:ph type="body" idx="1"/>
-          </p:nvPr>
-        </p:nvSpPr>
-        <p:spPr/>
-        <p:txBody>
-          <a:bodyPr/>
-          <a:lstStyle/>
-          <a:p>
-            <a:r>
-              <a:rPr lang="en-US" dirty="0" smtClean="0"/>
-              <a:t>IIS / IIS Express</a:t>
-            </a:r>
-          </a:p>
-          <a:p>
-            <a:r>
-              <a:rPr lang="en-US" dirty="0" smtClean="0"/>
-              <a:t>http.sys</a:t>
-            </a:r>
-          </a:p>
-          <a:p>
-            <a:r>
-              <a:rPr lang="en-US" dirty="0" smtClean="0"/>
-              <a:t>Kestrel</a:t>
-            </a:r>
-            <a:endParaRPr lang="en-US" dirty="0"/>
-          </a:p>
-        </p:txBody>
-      </p:sp>
-      <p:pic>
-        <p:nvPicPr>
-          <p:cNvPr id="4098" name="Picture 2" descr="http://4.bp.blogspot.com/-X7CrLfzmTBQ/VB9_rUA0ubI/AAAAAAAACIA/7WXMI4by-F0/s1600/IIS%2B8.png"/>
-          <p:cNvPicPr>
-            <a:picLocks noChangeAspect="1" noChangeArrowheads="1"/>
-          </p:cNvPicPr>
-          <p:nvPr/>
-        </p:nvPicPr>
-        <p:blipFill>
-          <a:blip r:embed="rId2">
-            <a:extLst>
-              <a:ext uri="{28A0092B-C50C-407E-A947-70E740481C1C}">
-                <a14:useLocalDpi xmlns:a14="http://schemas.microsoft.com/office/drawing/2010/main" val="0"/>
-              </a:ext>
-            </a:extLst>
-          </a:blip>
-          <a:srcRect/>
-          <a:stretch>
-            <a:fillRect/>
-          </a:stretch>
-        </p:blipFill>
-        <p:spPr bwMode="auto">
-          <a:xfrm>
-            <a:off x="2286000" y="2667000"/>
-            <a:ext cx="6210300" cy="2724151"/>
-          </a:xfrm>
-          <a:prstGeom prst="rect">
-            <a:avLst/>
-          </a:prstGeom>
-          <a:noFill/>
-          <a:extLst>
-            <a:ext uri="{909E8E84-426E-40DD-AFC4-6F175D3DCCD1}">
-              <a14:hiddenFill xmlns:a14="http://schemas.microsoft.com/office/drawing/2010/main">
-                <a:solidFill>
-                  <a:srgbClr val="FFFFFF"/>
-                </a:solidFill>
-              </a14:hiddenFill>
-            </a:ext>
-          </a:extLst>
-        </p:spPr>
-      </p:pic>
-    </p:spTree>
-    <p:extLst>
-      <p:ext uri="{BB962C8B-B14F-4D97-AF65-F5344CB8AC3E}">
-        <p14:creationId xmlns:p14="http://schemas.microsoft.com/office/powerpoint/2010/main" val="2984317155"/>
-      </p:ext>
-    </p:extLst>
-  </p:cSld>
-  <p:clrMapOvr>
-    <a:masterClrMapping/>
-  </p:clrMapOvr>
-  <p:transition>
-    <p:fade/>
-  </p:transition>
-  <p:timing>
-    <p:tnLst>
-      <p:par>
-        <p:cTn id="1" dur="indefinite" restart="never" nodeType="tmRoot"/>
-      </p:par>
-    </p:tnLst>
-  </p:timing>
-</p:sld>
-</file>
-
-<file path=ppt/slides/slide23.xml><?xml version="1.0" encoding="utf-8"?>
-<p:sld xmlns:a="http://schemas.openxmlformats.org/drawingml/2006/main" xmlns:r="http://schemas.openxmlformats.org/officeDocument/2006/relationships" xmlns:p="http://schemas.openxmlformats.org/presentationml/2006/main">
-  <p:cSld>
-    <p:spTree>
-      <p:nvGrpSpPr>
-        <p:cNvPr id="1" name=""/>
-        <p:cNvGrpSpPr/>
-        <p:nvPr/>
-      </p:nvGrpSpPr>
-      <p:grpSpPr>
-        <a:xfrm>
-          <a:off x="0" y="0"/>
-          <a:ext cx="0" cy="0"/>
-          <a:chOff x="0" y="0"/>
-          <a:chExt cx="0" cy="0"/>
-        </a:xfrm>
-      </p:grpSpPr>
-      <p:sp>
-        <p:nvSpPr>
-          <p:cNvPr id="2" name="Title 1"/>
-          <p:cNvSpPr>
-            <a:spLocks noGrp="1"/>
-          </p:cNvSpPr>
-          <p:nvPr>
-            <p:ph type="title"/>
-          </p:nvPr>
-        </p:nvSpPr>
-        <p:spPr/>
-        <p:txBody>
-          <a:bodyPr/>
-          <a:lstStyle/>
-          <a:p>
-            <a:r>
-              <a:rPr lang="en-US" dirty="0" smtClean="0"/>
-              <a:t>Summary</a:t>
-            </a:r>
-            <a:endParaRPr lang="en-US" dirty="0"/>
-          </a:p>
-        </p:txBody>
-      </p:sp>
-      <p:sp>
-        <p:nvSpPr>
-          <p:cNvPr id="3" name="Text Placeholder 2"/>
-          <p:cNvSpPr>
-            <a:spLocks noGrp="1"/>
-          </p:cNvSpPr>
-          <p:nvPr>
-            <p:ph type="body" idx="1"/>
-          </p:nvPr>
-        </p:nvSpPr>
-        <p:spPr/>
-        <p:txBody>
-          <a:bodyPr/>
-          <a:lstStyle/>
-          <a:p>
-            <a:pPr lvl="1"/>
-            <a:endParaRPr lang="en-US" dirty="0"/>
-          </a:p>
-        </p:txBody>
-      </p:sp>
-      <p:sp>
-        <p:nvSpPr>
-          <p:cNvPr id="4" name="Rectangle 3"/>
-          <p:cNvSpPr/>
-          <p:nvPr/>
-        </p:nvSpPr>
-        <p:spPr bwMode="auto">
-          <a:xfrm>
-            <a:off x="304800" y="2209800"/>
-            <a:ext cx="4114800" cy="2743200"/>
-          </a:xfrm>
-          <a:prstGeom prst="rect">
-            <a:avLst/>
-          </a:prstGeom>
-          <a:solidFill>
-            <a:srgbClr val="D3D3A9"/>
-          </a:solidFill>
-          <a:ln w="9525" algn="ctr">
-            <a:solidFill>
-              <a:schemeClr val="tx1"/>
-            </a:solidFill>
-            <a:miter lim="800000"/>
-            <a:headEnd/>
-            <a:tailEnd/>
-          </a:ln>
-          <a:effectLst>
-            <a:outerShdw blurRad="50800" dist="38100" dir="2700000" algn="tl" rotWithShape="0">
-              <a:prstClr val="black">
-                <a:alpha val="40000"/>
-              </a:prstClr>
-            </a:outerShdw>
-          </a:effectLst>
-        </p:spPr>
-        <p:txBody>
-          <a:bodyPr wrap="none" rtlCol="0" anchor="ctr"/>
-          <a:lstStyle/>
-          <a:p>
-            <a:pPr algn="ctr"/>
-            <a:r>
-              <a:rPr lang="en-US" sz="2000" dirty="0" smtClean="0">
-                <a:latin typeface="Tekton Pro" pitchFamily="34" charset="0"/>
-              </a:rPr>
-              <a:t>ASP.NET MVC</a:t>
-            </a:r>
-            <a:endParaRPr lang="en-US" sz="2000" dirty="0">
-              <a:latin typeface="Tekton Pro" pitchFamily="34" charset="0"/>
-            </a:endParaRPr>
-          </a:p>
-        </p:txBody>
-      </p:sp>
-      <p:sp>
-        <p:nvSpPr>
-          <p:cNvPr id="5" name="Rectangle 4"/>
-          <p:cNvSpPr/>
-          <p:nvPr/>
-        </p:nvSpPr>
-        <p:spPr bwMode="auto">
-          <a:xfrm>
-            <a:off x="4659984" y="2209800"/>
-            <a:ext cx="4114800" cy="2743200"/>
-          </a:xfrm>
-          <a:prstGeom prst="rect">
-            <a:avLst/>
-          </a:prstGeom>
-          <a:solidFill>
-            <a:srgbClr val="D3D3A9"/>
-          </a:solidFill>
-          <a:ln w="9525" algn="ctr">
-            <a:solidFill>
-              <a:schemeClr val="tx1"/>
-            </a:solidFill>
-            <a:miter lim="800000"/>
-            <a:headEnd/>
-            <a:tailEnd/>
-          </a:ln>
-          <a:effectLst>
-            <a:outerShdw blurRad="50800" dist="38100" dir="2700000" algn="tl" rotWithShape="0">
-              <a:prstClr val="black">
-                <a:alpha val="40000"/>
-              </a:prstClr>
-            </a:outerShdw>
-          </a:effectLst>
-        </p:spPr>
-        <p:txBody>
-          <a:bodyPr wrap="none" rtlCol="0" anchor="ctr"/>
-          <a:lstStyle/>
-          <a:p>
-            <a:pPr algn="ctr"/>
-            <a:r>
-              <a:rPr lang="en-US" sz="2000" dirty="0" smtClean="0">
-                <a:latin typeface="Tekton Pro" pitchFamily="34" charset="0"/>
-              </a:rPr>
-              <a:t>Middleware</a:t>
-            </a:r>
-            <a:endParaRPr lang="en-US" sz="2000" dirty="0">
-              <a:latin typeface="Tekton Pro" pitchFamily="34" charset="0"/>
-            </a:endParaRPr>
-          </a:p>
-        </p:txBody>
-      </p:sp>
-    </p:spTree>
-    <p:extLst>
-      <p:ext uri="{BB962C8B-B14F-4D97-AF65-F5344CB8AC3E}">
-        <p14:creationId xmlns:p14="http://schemas.microsoft.com/office/powerpoint/2010/main" val="3947626774"/>
-      </p:ext>
-    </p:extLst>
-  </p:cSld>
-  <p:clrMapOvr>
-    <a:masterClrMapping/>
-  </p:clrMapOvr>
-  <p:transition>
-    <p:fade/>
-  </p:transition>
-  <p:timing>
-    <p:tnLst>
-      <p:par>
-        <p:cTn id="1" dur="indefinite" restart="never" nodeType="tmRoot"/>
-      </p:par>
-    </p:tnLst>
-  </p:timing>
-</p:sld>
-</file>
-
-<file path=ppt/slides/slide3.xml><?xml version="1.0" encoding="utf-8"?>
+<file path=ppt/slides/slide4.xml><?xml version="1.0" encoding="utf-8"?>
 <p:sld xmlns:a="http://schemas.openxmlformats.org/drawingml/2006/main" xmlns:r="http://schemas.openxmlformats.org/officeDocument/2006/relationships" xmlns:p="http://schemas.openxmlformats.org/presentationml/2006/main">
   <p:cSld>
     <p:spTree>
@@ -6085,10 +6422,17 @@
   <p:transition>
     <p:fade/>
   </p:transition>
+  <p:timing>
+    <p:tnLst>
+      <p:par>
+        <p:cTn id="1" dur="indefinite" restart="never" nodeType="tmRoot"/>
+      </p:par>
+    </p:tnLst>
+  </p:timing>
 </p:sld>
 </file>
 
-<file path=ppt/slides/slide4.xml><?xml version="1.0" encoding="utf-8"?>
+<file path=ppt/slides/slide5.xml><?xml version="1.0" encoding="utf-8"?>
 <p:sld xmlns:a="http://schemas.openxmlformats.org/drawingml/2006/main" xmlns:r="http://schemas.openxmlformats.org/officeDocument/2006/relationships" xmlns:p="http://schemas.openxmlformats.org/presentationml/2006/main">
   <p:cSld>
     <p:spTree>
@@ -6256,7 +6600,7 @@
 </p:sld>
 </file>
 
-<file path=ppt/slides/slide5.xml><?xml version="1.0" encoding="utf-8"?>
+<file path=ppt/slides/slide6.xml><?xml version="1.0" encoding="utf-8"?>
 <p:sld xmlns:a="http://schemas.openxmlformats.org/drawingml/2006/main" xmlns:r="http://schemas.openxmlformats.org/officeDocument/2006/relationships" xmlns:p="http://schemas.openxmlformats.org/presentationml/2006/main">
   <p:cSld>
     <p:spTree>
@@ -6376,7 +6720,7 @@
 </p:sld>
 </file>
 
-<file path=ppt/slides/slide6.xml><?xml version="1.0" encoding="utf-8"?>
+<file path=ppt/slides/slide7.xml><?xml version="1.0" encoding="utf-8"?>
 <p:sld xmlns:a="http://schemas.openxmlformats.org/drawingml/2006/main" xmlns:r="http://schemas.openxmlformats.org/officeDocument/2006/relationships" xmlns:p="http://schemas.openxmlformats.org/presentationml/2006/main">
   <p:cSld>
     <p:spTree>
@@ -6539,7 +6883,7 @@
 </p:sld>
 </file>
 
-<file path=ppt/slides/slide7.xml><?xml version="1.0" encoding="utf-8"?>
+<file path=ppt/slides/slide8.xml><?xml version="1.0" encoding="utf-8"?>
 <p:sld xmlns:a="http://schemas.openxmlformats.org/drawingml/2006/main" xmlns:r="http://schemas.openxmlformats.org/officeDocument/2006/relationships" xmlns:p="http://schemas.openxmlformats.org/presentationml/2006/main">
   <p:cSld>
     <p:spTree>
@@ -6675,7 +7019,7 @@
 </p:sld>
 </file>
 
-<file path=ppt/slides/slide8.xml><?xml version="1.0" encoding="utf-8"?>
+<file path=ppt/slides/slide9.xml><?xml version="1.0" encoding="utf-8"?>
 <p:sld xmlns:a="http://schemas.openxmlformats.org/drawingml/2006/main" xmlns:r="http://schemas.openxmlformats.org/officeDocument/2006/relationships" xmlns:p="http://schemas.openxmlformats.org/presentationml/2006/main">
   <p:cSld>
     <p:spTree>
@@ -6811,145 +7155,6 @@
     <p:extLst>
       <p:ext uri="{BB962C8B-B14F-4D97-AF65-F5344CB8AC3E}">
         <p14:creationId xmlns:p14="http://schemas.microsoft.com/office/powerpoint/2010/main" val="1406207352"/>
-      </p:ext>
-    </p:extLst>
-  </p:cSld>
-  <p:clrMapOvr>
-    <a:masterClrMapping/>
-  </p:clrMapOvr>
-  <p:transition>
-    <p:fade/>
-  </p:transition>
-  <p:timing>
-    <p:tnLst>
-      <p:par>
-        <p:cTn id="1" dur="indefinite" restart="never" nodeType="tmRoot"/>
-      </p:par>
-    </p:tnLst>
-  </p:timing>
-</p:sld>
-</file>
-
-<file path=ppt/slides/slide9.xml><?xml version="1.0" encoding="utf-8"?>
-<p:sld xmlns:a="http://schemas.openxmlformats.org/drawingml/2006/main" xmlns:r="http://schemas.openxmlformats.org/officeDocument/2006/relationships" xmlns:p="http://schemas.openxmlformats.org/presentationml/2006/main">
-  <p:cSld>
-    <p:spTree>
-      <p:nvGrpSpPr>
-        <p:cNvPr id="1" name=""/>
-        <p:cNvGrpSpPr/>
-        <p:nvPr/>
-      </p:nvGrpSpPr>
-      <p:grpSpPr>
-        <a:xfrm>
-          <a:off x="0" y="0"/>
-          <a:ext cx="0" cy="0"/>
-          <a:chOff x="0" y="0"/>
-          <a:chExt cx="0" cy="0"/>
-        </a:xfrm>
-      </p:grpSpPr>
-      <p:sp>
-        <p:nvSpPr>
-          <p:cNvPr id="2" name="Title 1"/>
-          <p:cNvSpPr>
-            <a:spLocks noGrp="1"/>
-          </p:cNvSpPr>
-          <p:nvPr>
-            <p:ph type="title"/>
-          </p:nvPr>
-        </p:nvSpPr>
-        <p:spPr/>
-        <p:txBody>
-          <a:bodyPr/>
-          <a:lstStyle/>
-          <a:p>
-            <a:r>
-              <a:rPr lang="en-US" dirty="0" smtClean="0"/>
-              <a:t>The </a:t>
-            </a:r>
-            <a:r>
-              <a:rPr lang="en-US" dirty="0" err="1" smtClean="0"/>
-              <a:t>config.json</a:t>
-            </a:r>
-            <a:r>
-              <a:rPr lang="en-US" dirty="0" smtClean="0"/>
-              <a:t> file</a:t>
-            </a:r>
-            <a:endParaRPr lang="en-US" dirty="0"/>
-          </a:p>
-        </p:txBody>
-      </p:sp>
-      <p:sp>
-        <p:nvSpPr>
-          <p:cNvPr id="3" name="Text Placeholder 2"/>
-          <p:cNvSpPr>
-            <a:spLocks noGrp="1"/>
-          </p:cNvSpPr>
-          <p:nvPr>
-            <p:ph type="body" idx="1"/>
-          </p:nvPr>
-        </p:nvSpPr>
-        <p:spPr/>
-        <p:txBody>
-          <a:bodyPr/>
-          <a:lstStyle/>
-          <a:p>
-            <a:r>
-              <a:rPr lang="en-US" dirty="0" smtClean="0"/>
-              <a:t>Runtime configuration options include:</a:t>
-            </a:r>
-          </a:p>
-          <a:p>
-            <a:pPr lvl="1"/>
-            <a:r>
-              <a:rPr lang="en-US" dirty="0" smtClean="0"/>
-              <a:t>JSON files</a:t>
-            </a:r>
-          </a:p>
-          <a:p>
-            <a:pPr lvl="1"/>
-            <a:r>
-              <a:rPr lang="en-US" dirty="0" smtClean="0"/>
-              <a:t>INI files</a:t>
-            </a:r>
-          </a:p>
-          <a:p>
-            <a:pPr lvl="1"/>
-            <a:r>
-              <a:rPr lang="en-US" dirty="0" smtClean="0"/>
-              <a:t>Environment variables</a:t>
-            </a:r>
-            <a:endParaRPr lang="en-US" dirty="0"/>
-          </a:p>
-        </p:txBody>
-      </p:sp>
-      <p:pic>
-        <p:nvPicPr>
-          <p:cNvPr id="4" name="Picture 3"/>
-          <p:cNvPicPr>
-            <a:picLocks noChangeAspect="1"/>
-          </p:cNvPicPr>
-          <p:nvPr/>
-        </p:nvPicPr>
-        <p:blipFill>
-          <a:blip r:embed="rId2"/>
-          <a:stretch>
-            <a:fillRect/>
-          </a:stretch>
-        </p:blipFill>
-        <p:spPr>
-          <a:xfrm>
-            <a:off x="350044" y="3581400"/>
-            <a:ext cx="8443912" cy="983757"/>
-          </a:xfrm>
-          <a:prstGeom prst="rect">
-            <a:avLst/>
-          </a:prstGeom>
-        </p:spPr>
-      </p:pic>
-    </p:spTree>
-    <p:extLst>
-      <p:ext uri="{BB962C8B-B14F-4D97-AF65-F5344CB8AC3E}">
-        <p14:creationId xmlns:p14="http://schemas.microsoft.com/office/powerpoint/2010/main" val="942590297"/>
       </p:ext>
     </p:extLst>
   </p:cSld>

--- a/aspnet5/slides/01_Overview.pptx
+++ b/aspnet5/slides/01_Overview.pptx
@@ -197,7 +197,7 @@
       </p14:sectionLst>
     </p:ext>
     <p:ext uri="{EFAFB233-063F-42B5-8137-9DF3F51BA10A}">
-      <p15:sldGuideLst xmlns:p15="http://schemas.microsoft.com/office/powerpoint/2012/main">
+      <p15:sldGuideLst xmlns:p15="http://schemas.microsoft.com/office/powerpoint/2012/main" xmlns="">
         <p15:guide id="1" orient="horz" pos="2160">
           <p15:clr>
             <a:srgbClr val="A4A3A4"/>
@@ -211,7 +211,7 @@
       </p15:sldGuideLst>
     </p:ext>
     <p:ext uri="{2D200454-40CA-4A62-9FC3-DE9A4176ACB9}">
-      <p15:notesGuideLst xmlns:p15="http://schemas.microsoft.com/office/powerpoint/2012/main">
+      <p15:notesGuideLst xmlns:p15="http://schemas.microsoft.com/office/powerpoint/2012/main" xmlns="">
         <p15:guide id="1" orient="horz" pos="3020">
           <p15:clr>
             <a:srgbClr val="A4A3A4"/>
@@ -319,7 +319,7 @@
               <a:pPr>
                 <a:defRPr/>
               </a:pPr>
-              <a:t>9/16/2015</a:t>
+              <a:t>9/28/2015</a:t>
             </a:fld>
             <a:endParaRPr lang="en-US"/>
           </a:p>
@@ -6391,7 +6391,7 @@
         </p:blipFill>
         <p:spPr bwMode="auto">
           <a:xfrm>
-            <a:off x="640437" y="2133600"/>
+            <a:off x="640437" y="2209800"/>
             <a:ext cx="7863125" cy="3886200"/>
           </a:xfrm>
           <a:prstGeom prst="rect">

--- a/aspnet5/slides/01_Overview.pptx
+++ b/aspnet5/slides/01_Overview.pptx
@@ -5,36 +5,35 @@
     <p:sldMasterId id="2147483772" r:id="rId1"/>
   </p:sldMasterIdLst>
   <p:notesMasterIdLst>
-    <p:notesMasterId r:id="rId26"/>
+    <p:notesMasterId r:id="rId25"/>
   </p:notesMasterIdLst>
   <p:handoutMasterIdLst>
-    <p:handoutMasterId r:id="rId27"/>
+    <p:handoutMasterId r:id="rId26"/>
   </p:handoutMasterIdLst>
   <p:sldIdLst>
     <p:sldId id="327" r:id="rId2"/>
-    <p:sldId id="350" r:id="rId3"/>
-    <p:sldId id="328" r:id="rId4"/>
-    <p:sldId id="348" r:id="rId5"/>
-    <p:sldId id="329" r:id="rId6"/>
-    <p:sldId id="330" r:id="rId7"/>
-    <p:sldId id="331" r:id="rId8"/>
-    <p:sldId id="337" r:id="rId9"/>
-    <p:sldId id="333" r:id="rId10"/>
-    <p:sldId id="334" r:id="rId11"/>
-    <p:sldId id="332" r:id="rId12"/>
-    <p:sldId id="335" r:id="rId13"/>
-    <p:sldId id="336" r:id="rId14"/>
-    <p:sldId id="338" r:id="rId15"/>
-    <p:sldId id="339" r:id="rId16"/>
-    <p:sldId id="340" r:id="rId17"/>
-    <p:sldId id="349" r:id="rId18"/>
-    <p:sldId id="341" r:id="rId19"/>
-    <p:sldId id="342" r:id="rId20"/>
-    <p:sldId id="343" r:id="rId21"/>
-    <p:sldId id="344" r:id="rId22"/>
-    <p:sldId id="345" r:id="rId23"/>
-    <p:sldId id="346" r:id="rId24"/>
-    <p:sldId id="347" r:id="rId25"/>
+    <p:sldId id="328" r:id="rId3"/>
+    <p:sldId id="348" r:id="rId4"/>
+    <p:sldId id="329" r:id="rId5"/>
+    <p:sldId id="330" r:id="rId6"/>
+    <p:sldId id="331" r:id="rId7"/>
+    <p:sldId id="337" r:id="rId8"/>
+    <p:sldId id="333" r:id="rId9"/>
+    <p:sldId id="334" r:id="rId10"/>
+    <p:sldId id="332" r:id="rId11"/>
+    <p:sldId id="335" r:id="rId12"/>
+    <p:sldId id="336" r:id="rId13"/>
+    <p:sldId id="338" r:id="rId14"/>
+    <p:sldId id="339" r:id="rId15"/>
+    <p:sldId id="340" r:id="rId16"/>
+    <p:sldId id="349" r:id="rId17"/>
+    <p:sldId id="341" r:id="rId18"/>
+    <p:sldId id="342" r:id="rId19"/>
+    <p:sldId id="343" r:id="rId20"/>
+    <p:sldId id="344" r:id="rId21"/>
+    <p:sldId id="345" r:id="rId22"/>
+    <p:sldId id="346" r:id="rId23"/>
+    <p:sldId id="347" r:id="rId24"/>
   </p:sldIdLst>
   <p:sldSz cx="9144000" cy="6858000" type="screen4x3"/>
   <p:notesSz cx="7302500" cy="9588500"/>
@@ -169,7 +168,6 @@
         <p14:section name="Default Section" id="{1FAFB904-873B-4B5C-A5B3-7BBCB9659514}">
           <p14:sldIdLst>
             <p14:sldId id="327"/>
-            <p14:sldId id="350"/>
             <p14:sldId id="328"/>
             <p14:sldId id="348"/>
             <p14:sldId id="329"/>
@@ -197,7 +195,7 @@
       </p14:sectionLst>
     </p:ext>
     <p:ext uri="{EFAFB233-063F-42B5-8137-9DF3F51BA10A}">
-      <p15:sldGuideLst xmlns:p15="http://schemas.microsoft.com/office/powerpoint/2012/main" xmlns="">
+      <p15:sldGuideLst xmlns:p15="http://schemas.microsoft.com/office/powerpoint/2012/main">
         <p15:guide id="1" orient="horz" pos="2160">
           <p15:clr>
             <a:srgbClr val="A4A3A4"/>
@@ -211,7 +209,7 @@
       </p15:sldGuideLst>
     </p:ext>
     <p:ext uri="{2D200454-40CA-4A62-9FC3-DE9A4176ACB9}">
-      <p15:notesGuideLst xmlns:p15="http://schemas.microsoft.com/office/powerpoint/2012/main" xmlns="">
+      <p15:notesGuideLst xmlns:p15="http://schemas.microsoft.com/office/powerpoint/2012/main">
         <p15:guide id="1" orient="horz" pos="3020">
           <p15:clr>
             <a:srgbClr val="A4A3A4"/>
@@ -319,7 +317,7 @@
               <a:pPr>
                 <a:defRPr/>
               </a:pPr>
-              <a:t>9/28/2015</a:t>
+              <a:t>4/30/2016</a:t>
             </a:fld>
             <a:endParaRPr lang="en-US"/>
           </a:p>
@@ -593,35 +591,35 @@
           <a:p>
             <a:pPr lvl="0"/>
             <a:r>
-              <a:rPr lang="en-US" noProof="0" smtClean="0"/>
+              <a:rPr lang="en-US" noProof="0"/>
               <a:t>Click to edit Master text styles</a:t>
             </a:r>
           </a:p>
           <a:p>
             <a:pPr lvl="1"/>
             <a:r>
-              <a:rPr lang="en-US" noProof="0" smtClean="0"/>
+              <a:rPr lang="en-US" noProof="0"/>
               <a:t>Second level</a:t>
             </a:r>
           </a:p>
           <a:p>
             <a:pPr lvl="2"/>
             <a:r>
-              <a:rPr lang="en-US" noProof="0" smtClean="0"/>
+              <a:rPr lang="en-US" noProof="0"/>
               <a:t>Third level</a:t>
             </a:r>
           </a:p>
           <a:p>
             <a:pPr lvl="3"/>
             <a:r>
-              <a:rPr lang="en-US" noProof="0" smtClean="0"/>
+              <a:rPr lang="en-US" noProof="0"/>
               <a:t>Fourth level</a:t>
             </a:r>
           </a:p>
           <a:p>
             <a:pPr lvl="4"/>
             <a:r>
-              <a:rPr lang="en-US" noProof="0" smtClean="0"/>
+              <a:rPr lang="en-US" noProof="0"/>
               <a:t>Fifth level</a:t>
             </a:r>
           </a:p>
@@ -902,7 +900,7 @@
               <a:pPr/>
               <a:t>1</a:t>
             </a:fld>
-            <a:endParaRPr lang="en-US" smtClean="0"/>
+            <a:endParaRPr lang="en-US"/>
           </a:p>
         </p:txBody>
       </p:sp>
@@ -943,7 +941,7 @@
           <a:lstStyle/>
           <a:p>
             <a:pPr eaLnBrk="1" hangingPunct="1"/>
-            <a:endParaRPr lang="en-US" smtClean="0"/>
+            <a:endParaRPr lang="en-US"/>
           </a:p>
         </p:txBody>
       </p:sp>
@@ -1031,7 +1029,7 @@
               <a:pPr>
                 <a:defRPr/>
               </a:pPr>
-              <a:t>5</a:t>
+              <a:t>4</a:t>
             </a:fld>
             <a:endParaRPr lang="en-US"/>
           </a:p>
@@ -1121,7 +1119,7 @@
               <a:pPr>
                 <a:defRPr/>
               </a:pPr>
-              <a:t>6</a:t>
+              <a:t>5</a:t>
             </a:fld>
             <a:endParaRPr lang="en-US"/>
           </a:p>
@@ -1211,7 +1209,7 @@
               <a:pPr>
                 <a:defRPr/>
               </a:pPr>
-              <a:t>12</a:t>
+              <a:t>11</a:t>
             </a:fld>
             <a:endParaRPr lang="en-US"/>
           </a:p>
@@ -1301,7 +1299,7 @@
               <a:pPr>
                 <a:defRPr/>
               </a:pPr>
-              <a:t>15</a:t>
+              <a:t>14</a:t>
             </a:fld>
             <a:endParaRPr lang="en-US"/>
           </a:p>
@@ -1391,7 +1389,7 @@
               <a:pPr>
                 <a:defRPr/>
               </a:pPr>
-              <a:t>18</a:t>
+              <a:t>17</a:t>
             </a:fld>
             <a:endParaRPr lang="en-US"/>
           </a:p>
@@ -1481,7 +1479,7 @@
               <a:pPr>
                 <a:defRPr/>
               </a:pPr>
-              <a:t>19</a:t>
+              <a:t>18</a:t>
             </a:fld>
             <a:endParaRPr lang="en-US"/>
           </a:p>
@@ -1571,7 +1569,7 @@
               <a:pPr>
                 <a:defRPr/>
               </a:pPr>
-              <a:t>24</a:t>
+              <a:t>23</a:t>
             </a:fld>
             <a:endParaRPr lang="en-US"/>
           </a:p>
@@ -1636,7 +1634,7 @@
           </a:lstStyle>
           <a:p>
             <a:r>
-              <a:rPr lang="en-US" smtClean="0"/>
+              <a:rPr lang="en-US"/>
               <a:t>Click to edit Master title style</a:t>
             </a:r>
             <a:endParaRPr lang="en-US" dirty="0"/>
@@ -1672,7 +1670,7 @@
           </a:lstStyle>
           <a:p>
             <a:r>
-              <a:rPr lang="en-US" smtClean="0"/>
+              <a:rPr lang="en-US"/>
               <a:t>Click to edit Master subtitle style</a:t>
             </a:r>
             <a:endParaRPr lang="en-US" dirty="0"/>
@@ -1769,10 +1767,9 @@
           <a:lstStyle/>
           <a:p>
             <a:r>
-              <a:rPr lang="en-US" smtClean="0"/>
+              <a:rPr lang="en-US"/>
               <a:t>Click to edit Master title style</a:t>
             </a:r>
-            <a:endParaRPr lang="en-US"/>
           </a:p>
         </p:txBody>
       </p:sp>
@@ -1813,7 +1810,7 @@
           <a:p>
             <a:pPr lvl="0"/>
             <a:r>
-              <a:rPr lang="en-US" smtClean="0"/>
+              <a:rPr lang="en-US"/>
               <a:t>Click to edit Master text styles</a:t>
             </a:r>
           </a:p>
@@ -1863,10 +1860,9 @@
           <a:lstStyle/>
           <a:p>
             <a:r>
-              <a:rPr lang="en-US" smtClean="0"/>
+              <a:rPr lang="en-US"/>
               <a:t>Click to edit Master title style</a:t>
             </a:r>
-            <a:endParaRPr lang="en-US"/>
           </a:p>
         </p:txBody>
       </p:sp>
@@ -1922,7 +1918,7 @@
           </a:lstStyle>
           <a:p>
             <a:r>
-              <a:rPr lang="en-US" smtClean="0"/>
+              <a:rPr lang="en-US"/>
               <a:t>Click to edit Master title style</a:t>
             </a:r>
             <a:endParaRPr lang="en-US" dirty="0"/>
@@ -1987,35 +1983,35 @@
           <a:p>
             <a:pPr lvl="0"/>
             <a:r>
-              <a:rPr lang="en-US" smtClean="0"/>
+              <a:rPr lang="en-US"/>
               <a:t>Click to edit Master text styles</a:t>
             </a:r>
           </a:p>
           <a:p>
             <a:pPr lvl="1"/>
             <a:r>
-              <a:rPr lang="en-US" smtClean="0"/>
+              <a:rPr lang="en-US"/>
               <a:t>Second level</a:t>
             </a:r>
           </a:p>
           <a:p>
             <a:pPr lvl="2"/>
             <a:r>
-              <a:rPr lang="en-US" smtClean="0"/>
+              <a:rPr lang="en-US"/>
               <a:t>Third level</a:t>
             </a:r>
           </a:p>
           <a:p>
             <a:pPr lvl="3"/>
             <a:r>
-              <a:rPr lang="en-US" smtClean="0"/>
+              <a:rPr lang="en-US"/>
               <a:t>Fourth level</a:t>
             </a:r>
           </a:p>
           <a:p>
             <a:pPr lvl="4"/>
             <a:r>
-              <a:rPr lang="en-US" smtClean="0"/>
+              <a:rPr lang="en-US"/>
               <a:t>Fifth level</a:t>
             </a:r>
             <a:endParaRPr lang="en-US" dirty="0"/>
@@ -2079,10 +2075,9 @@
           </a:lstStyle>
           <a:p>
             <a:r>
-              <a:rPr lang="en-US" dirty="0" smtClean="0"/>
+              <a:rPr lang="en-US" dirty="0"/>
               <a:t>References</a:t>
             </a:r>
-            <a:endParaRPr lang="en-US" dirty="0"/>
           </a:p>
         </p:txBody>
       </p:sp>
@@ -2144,35 +2139,35 @@
           <a:p>
             <a:pPr lvl="0"/>
             <a:r>
-              <a:rPr lang="en-US" smtClean="0"/>
+              <a:rPr lang="en-US"/>
               <a:t>Click to edit Master text styles</a:t>
             </a:r>
           </a:p>
           <a:p>
             <a:pPr lvl="1"/>
             <a:r>
-              <a:rPr lang="en-US" smtClean="0"/>
+              <a:rPr lang="en-US"/>
               <a:t>Second level</a:t>
             </a:r>
           </a:p>
           <a:p>
             <a:pPr lvl="2"/>
             <a:r>
-              <a:rPr lang="en-US" smtClean="0"/>
+              <a:rPr lang="en-US"/>
               <a:t>Third level</a:t>
             </a:r>
           </a:p>
           <a:p>
             <a:pPr lvl="3"/>
             <a:r>
-              <a:rPr lang="en-US" smtClean="0"/>
+              <a:rPr lang="en-US"/>
               <a:t>Fourth level</a:t>
             </a:r>
           </a:p>
           <a:p>
             <a:pPr lvl="4"/>
             <a:r>
-              <a:rPr lang="en-US" smtClean="0"/>
+              <a:rPr lang="en-US"/>
               <a:t>Fifth level</a:t>
             </a:r>
             <a:endParaRPr lang="en-US" dirty="0"/>
@@ -2228,10 +2223,9 @@
           <a:lstStyle/>
           <a:p>
             <a:r>
-              <a:rPr lang="en-US" smtClean="0"/>
+              <a:rPr lang="en-US"/>
               <a:t>Click to edit Master title style</a:t>
             </a:r>
-            <a:endParaRPr lang="en-US"/>
           </a:p>
         </p:txBody>
       </p:sp>
@@ -2272,7 +2266,7 @@
           <a:p>
             <a:pPr lvl="0"/>
             <a:r>
-              <a:rPr lang="en-US" smtClean="0"/>
+              <a:rPr lang="en-US"/>
               <a:t>Click to edit Master text styles</a:t>
             </a:r>
           </a:p>
@@ -2327,10 +2321,9 @@
           <a:lstStyle/>
           <a:p>
             <a:r>
-              <a:rPr lang="en-US" smtClean="0"/>
+              <a:rPr lang="en-US"/>
               <a:t>Click to edit Master title style</a:t>
             </a:r>
-            <a:endParaRPr lang="en-US"/>
           </a:p>
         </p:txBody>
       </p:sp>
@@ -2383,10 +2376,9 @@
           <a:lstStyle/>
           <a:p>
             <a:r>
-              <a:rPr lang="en-US" smtClean="0"/>
+              <a:rPr lang="en-US"/>
               <a:t>Click to edit Master title style</a:t>
             </a:r>
-            <a:endParaRPr lang="en-US"/>
           </a:p>
         </p:txBody>
       </p:sp>
@@ -2427,7 +2419,7 @@
           <a:p>
             <a:pPr lvl="0"/>
             <a:r>
-              <a:rPr lang="en-US" smtClean="0"/>
+              <a:rPr lang="en-US"/>
               <a:t>Click to edit Master text styles</a:t>
             </a:r>
           </a:p>
@@ -2482,10 +2474,9 @@
           <a:lstStyle/>
           <a:p>
             <a:r>
-              <a:rPr lang="en-US" smtClean="0"/>
+              <a:rPr lang="en-US"/>
               <a:t>Click to edit Master title style</a:t>
             </a:r>
-            <a:endParaRPr lang="en-US"/>
           </a:p>
         </p:txBody>
       </p:sp>
@@ -2538,10 +2529,9 @@
           <a:lstStyle/>
           <a:p>
             <a:r>
-              <a:rPr lang="en-US" smtClean="0"/>
+              <a:rPr lang="en-US"/>
               <a:t>Click to edit Master title style</a:t>
             </a:r>
-            <a:endParaRPr lang="en-US"/>
           </a:p>
         </p:txBody>
       </p:sp>
@@ -2582,7 +2572,7 @@
           <a:p>
             <a:pPr lvl="0"/>
             <a:r>
-              <a:rPr lang="en-US" smtClean="0"/>
+              <a:rPr lang="en-US"/>
               <a:t>Click to edit Master text styles</a:t>
             </a:r>
           </a:p>
@@ -2637,10 +2627,9 @@
           <a:lstStyle/>
           <a:p>
             <a:r>
-              <a:rPr lang="en-US" smtClean="0"/>
+              <a:rPr lang="en-US"/>
               <a:t>Click to edit Master title style</a:t>
             </a:r>
-            <a:endParaRPr lang="en-US"/>
           </a:p>
         </p:txBody>
       </p:sp>
@@ -2721,35 +2710,35 @@
           <a:p>
             <a:pPr lvl="0"/>
             <a:r>
-              <a:rPr lang="en-US" smtClean="0"/>
+              <a:rPr lang="en-US"/>
               <a:t>Click to edit Master text styles</a:t>
             </a:r>
           </a:p>
           <a:p>
             <a:pPr lvl="1"/>
             <a:r>
-              <a:rPr lang="en-US" smtClean="0"/>
+              <a:rPr lang="en-US"/>
               <a:t>Second level</a:t>
             </a:r>
           </a:p>
           <a:p>
             <a:pPr lvl="2"/>
             <a:r>
-              <a:rPr lang="en-US" smtClean="0"/>
+              <a:rPr lang="en-US"/>
               <a:t>Third level</a:t>
             </a:r>
           </a:p>
           <a:p>
             <a:pPr lvl="3"/>
             <a:r>
-              <a:rPr lang="en-US" smtClean="0"/>
+              <a:rPr lang="en-US"/>
               <a:t>Fourth level</a:t>
             </a:r>
           </a:p>
           <a:p>
             <a:pPr lvl="4"/>
             <a:r>
-              <a:rPr lang="en-US" smtClean="0"/>
+              <a:rPr lang="en-US"/>
               <a:t>Fifth level</a:t>
             </a:r>
           </a:p>
@@ -2791,7 +2780,7 @@
           <a:p>
             <a:pPr lvl="0"/>
             <a:r>
-              <a:rPr lang="en-US" smtClean="0"/>
+              <a:rPr lang="en-US"/>
               <a:t>Click to edit Master title style</a:t>
             </a:r>
           </a:p>
@@ -2907,13 +2896,6 @@
   <p:transition>
     <p:fade/>
   </p:transition>
-  <p:timing>
-    <p:tnLst>
-      <p:par>
-        <p:cTn id="1" dur="indefinite" restart="never" nodeType="tmRoot"/>
-      </p:par>
-    </p:tnLst>
-  </p:timing>
   <p:txStyles>
     <p:titleStyle>
       <a:lvl1pPr marL="342900" indent="-342900" algn="ctr" defTabSz="-13873163" rtl="0" eaLnBrk="1" fontAlgn="base" hangingPunct="1">
@@ -3425,7 +3407,7 @@
           <a:p>
             <a:pPr marL="0" indent="0" defTabSz="914400" eaLnBrk="1" hangingPunct="1"/>
             <a:r>
-              <a:rPr lang="en-US" dirty="0" smtClean="0"/>
+              <a:rPr lang="en-US" dirty="0"/>
               <a:t>ASP.NET 5 Overview</a:t>
             </a:r>
           </a:p>
@@ -3448,7 +3430,7 @@
           <a:p>
             <a:pPr defTabSz="914400" eaLnBrk="1" hangingPunct="1"/>
             <a:r>
-              <a:rPr lang="en-US" dirty="0" smtClean="0"/>
+              <a:rPr lang="en-US" dirty="0"/>
               <a:t>Old patterns on a new framework</a:t>
             </a:r>
           </a:p>
@@ -3462,13 +3444,6 @@
   <p:transition>
     <p:fade/>
   </p:transition>
-  <p:timing>
-    <p:tnLst>
-      <p:par>
-        <p:cTn id="1" dur="indefinite" restart="never" nodeType="tmRoot"/>
-      </p:par>
-    </p:tnLst>
-  </p:timing>
 </p:sld>
 </file>
 
@@ -3505,16 +3480,12 @@
           <a:lstStyle/>
           <a:p>
             <a:r>
-              <a:rPr lang="en-US" dirty="0" smtClean="0"/>
+              <a:rPr lang="en-US" dirty="0"/>
               <a:t>The </a:t>
             </a:r>
             <a:r>
-              <a:rPr lang="en-US" dirty="0" err="1" smtClean="0"/>
-              <a:t>config.json</a:t>
-            </a:r>
-            <a:r>
-              <a:rPr lang="en-US" dirty="0" smtClean="0"/>
-              <a:t> file</a:t>
+              <a:rPr lang="en-US" dirty="0" err="1"/>
+              <a:t>project.json</a:t>
             </a:r>
             <a:endParaRPr lang="en-US" dirty="0"/>
           </a:p>
@@ -3536,174 +3507,34 @@
           <a:lstStyle/>
           <a:p>
             <a:r>
-              <a:rPr lang="en-US" dirty="0" smtClean="0"/>
-              <a:t>Runtime configuration options include:</a:t>
+              <a:rPr lang="en-US" dirty="0" err="1"/>
+              <a:t>project.json</a:t>
+            </a:r>
+            <a:r>
+              <a:rPr lang="en-US" dirty="0"/>
+              <a:t> is the heart of the project</a:t>
             </a:r>
           </a:p>
           <a:p>
             <a:pPr lvl="1"/>
             <a:r>
-              <a:rPr lang="en-US" dirty="0" smtClean="0"/>
-              <a:t>JSON files</a:t>
+              <a:rPr lang="en-US" dirty="0"/>
+              <a:t>Defines dependencies (references)</a:t>
             </a:r>
           </a:p>
           <a:p>
             <a:pPr lvl="1"/>
             <a:r>
-              <a:rPr lang="en-US" dirty="0" smtClean="0"/>
-              <a:t>INI files</a:t>
+              <a:rPr lang="en-US" dirty="0"/>
+              <a:t>Defines framework</a:t>
             </a:r>
           </a:p>
           <a:p>
             <a:pPr lvl="1"/>
             <a:r>
-              <a:rPr lang="en-US" dirty="0" smtClean="0"/>
-              <a:t>Environment variables</a:t>
-            </a:r>
-            <a:endParaRPr lang="en-US" dirty="0"/>
-          </a:p>
-        </p:txBody>
-      </p:sp>
-      <p:pic>
-        <p:nvPicPr>
-          <p:cNvPr id="4" name="Picture 3"/>
-          <p:cNvPicPr>
-            <a:picLocks noChangeAspect="1"/>
-          </p:cNvPicPr>
-          <p:nvPr/>
-        </p:nvPicPr>
-        <p:blipFill>
-          <a:blip r:embed="rId2"/>
-          <a:stretch>
-            <a:fillRect/>
-          </a:stretch>
-        </p:blipFill>
-        <p:spPr>
-          <a:xfrm>
-            <a:off x="350044" y="3581400"/>
-            <a:ext cx="8443912" cy="983757"/>
-          </a:xfrm>
-          <a:prstGeom prst="rect">
-            <a:avLst/>
-          </a:prstGeom>
-        </p:spPr>
-      </p:pic>
-    </p:spTree>
-    <p:extLst>
-      <p:ext uri="{BB962C8B-B14F-4D97-AF65-F5344CB8AC3E}">
-        <p14:creationId xmlns:p14="http://schemas.microsoft.com/office/powerpoint/2010/main" val="942590297"/>
-      </p:ext>
-    </p:extLst>
-  </p:cSld>
-  <p:clrMapOvr>
-    <a:masterClrMapping/>
-  </p:clrMapOvr>
-  <p:transition>
-    <p:fade/>
-  </p:transition>
-  <p:timing>
-    <p:tnLst>
-      <p:par>
-        <p:cTn id="1" dur="indefinite" restart="never" nodeType="tmRoot"/>
-      </p:par>
-    </p:tnLst>
-  </p:timing>
-</p:sld>
-</file>
-
-<file path=ppt/slides/slide11.xml><?xml version="1.0" encoding="utf-8"?>
-<p:sld xmlns:a="http://schemas.openxmlformats.org/drawingml/2006/main" xmlns:r="http://schemas.openxmlformats.org/officeDocument/2006/relationships" xmlns:p="http://schemas.openxmlformats.org/presentationml/2006/main">
-  <p:cSld>
-    <p:spTree>
-      <p:nvGrpSpPr>
-        <p:cNvPr id="1" name=""/>
-        <p:cNvGrpSpPr/>
-        <p:nvPr/>
-      </p:nvGrpSpPr>
-      <p:grpSpPr>
-        <a:xfrm>
-          <a:off x="0" y="0"/>
-          <a:ext cx="0" cy="0"/>
-          <a:chOff x="0" y="0"/>
-          <a:chExt cx="0" cy="0"/>
-        </a:xfrm>
-      </p:grpSpPr>
-      <p:sp>
-        <p:nvSpPr>
-          <p:cNvPr id="2" name="Title 1"/>
-          <p:cNvSpPr>
-            <a:spLocks noGrp="1"/>
-          </p:cNvSpPr>
-          <p:nvPr>
-            <p:ph type="title"/>
-          </p:nvPr>
-        </p:nvSpPr>
-        <p:spPr/>
-        <p:txBody>
-          <a:bodyPr/>
-          <a:lstStyle/>
-          <a:p>
-            <a:r>
-              <a:rPr lang="en-US" dirty="0" smtClean="0"/>
-              <a:t>The </a:t>
-            </a:r>
-            <a:r>
-              <a:rPr lang="en-US" dirty="0" err="1" smtClean="0"/>
-              <a:t>project.json</a:t>
-            </a:r>
-            <a:endParaRPr lang="en-US" dirty="0"/>
-          </a:p>
-        </p:txBody>
-      </p:sp>
-      <p:sp>
-        <p:nvSpPr>
-          <p:cNvPr id="3" name="Text Placeholder 2"/>
-          <p:cNvSpPr>
-            <a:spLocks noGrp="1"/>
-          </p:cNvSpPr>
-          <p:nvPr>
-            <p:ph type="body" idx="1"/>
-          </p:nvPr>
-        </p:nvSpPr>
-        <p:spPr/>
-        <p:txBody>
-          <a:bodyPr/>
-          <a:lstStyle/>
-          <a:p>
-            <a:r>
-              <a:rPr lang="en-US" dirty="0" err="1"/>
-              <a:t>p</a:t>
-            </a:r>
-            <a:r>
-              <a:rPr lang="en-US" dirty="0" err="1" smtClean="0"/>
-              <a:t>roject.json</a:t>
-            </a:r>
-            <a:r>
-              <a:rPr lang="en-US" dirty="0" smtClean="0"/>
-              <a:t> is the heart of the project</a:t>
-            </a:r>
-          </a:p>
-          <a:p>
-            <a:pPr lvl="1"/>
-            <a:r>
-              <a:rPr lang="en-US" dirty="0" smtClean="0"/>
-              <a:t>Defines dependencies (references)</a:t>
-            </a:r>
-          </a:p>
-          <a:p>
-            <a:pPr lvl="1"/>
-            <a:r>
-              <a:rPr lang="en-US" dirty="0" smtClean="0"/>
-              <a:t>Defines framework</a:t>
-            </a:r>
-          </a:p>
-          <a:p>
-            <a:pPr lvl="1"/>
-            <a:r>
-              <a:rPr lang="en-US" dirty="0" smtClean="0"/>
+              <a:rPr lang="en-US" dirty="0"/>
               <a:t>Defines the “build”</a:t>
             </a:r>
-            <a:endParaRPr lang="en-US" dirty="0"/>
           </a:p>
         </p:txBody>
       </p:sp>
@@ -3754,17 +3585,10 @@
   <p:transition>
     <p:fade/>
   </p:transition>
-  <p:timing>
-    <p:tnLst>
-      <p:par>
-        <p:cTn id="1" dur="indefinite" restart="never" nodeType="tmRoot"/>
-      </p:par>
-    </p:tnLst>
-  </p:timing>
 </p:sld>
 </file>
 
-<file path=ppt/slides/slide12.xml><?xml version="1.0" encoding="utf-8"?>
+<file path=ppt/slides/slide11.xml><?xml version="1.0" encoding="utf-8"?>
 <p:sld xmlns:a="http://schemas.openxmlformats.org/drawingml/2006/main" xmlns:r="http://schemas.openxmlformats.org/officeDocument/2006/relationships" xmlns:p="http://schemas.openxmlformats.org/presentationml/2006/main">
   <p:cSld>
     <p:spTree>
@@ -3797,10 +3621,9 @@
           <a:lstStyle/>
           <a:p>
             <a:r>
-              <a:rPr lang="en-US" dirty="0" smtClean="0"/>
+              <a:rPr lang="en-US" dirty="0"/>
               <a:t>Dependencies</a:t>
             </a:r>
-            <a:endParaRPr lang="en-US" dirty="0"/>
           </a:p>
         </p:txBody>
       </p:sp>
@@ -3820,11 +3643,11 @@
           <a:lstStyle/>
           <a:p>
             <a:r>
-              <a:rPr lang="en-US" dirty="0" smtClean="0"/>
+              <a:rPr lang="en-US" dirty="0"/>
               <a:t>Everything in </a:t>
             </a:r>
             <a:r>
-              <a:rPr lang="en-US" dirty="0" err="1" smtClean="0"/>
+              <a:rPr lang="en-US" dirty="0" err="1"/>
               <a:t>NuGet</a:t>
             </a:r>
             <a:endParaRPr lang="en-US" dirty="0"/>
@@ -3978,7 +3801,7 @@
 </p:sld>
 </file>
 
-<file path=ppt/slides/slide13.xml><?xml version="1.0" encoding="utf-8"?>
+<file path=ppt/slides/slide12.xml><?xml version="1.0" encoding="utf-8"?>
 <p:sld xmlns:a="http://schemas.openxmlformats.org/drawingml/2006/main" xmlns:r="http://schemas.openxmlformats.org/officeDocument/2006/relationships" xmlns:p="http://schemas.openxmlformats.org/presentationml/2006/main">
   <p:cSld>
     <p:spTree>
@@ -4011,10 +3834,9 @@
           <a:lstStyle/>
           <a:p>
             <a:r>
-              <a:rPr lang="en-US" dirty="0" smtClean="0"/>
+              <a:rPr lang="en-US" dirty="0"/>
               <a:t>The Runtimes</a:t>
             </a:r>
-            <a:endParaRPr lang="en-US" dirty="0"/>
           </a:p>
         </p:txBody>
       </p:sp>
@@ -4034,18 +3856,18 @@
           <a:lstStyle/>
           <a:p>
             <a:r>
-              <a:rPr lang="en-US" dirty="0" smtClean="0"/>
+              <a:rPr lang="en-US" dirty="0"/>
               <a:t>Full CLR versus the Core CLR</a:t>
             </a:r>
           </a:p>
           <a:p>
             <a:r>
-              <a:rPr lang="en-US" dirty="0" smtClean="0"/>
+              <a:rPr lang="en-US" dirty="0"/>
               <a:t>Build against 2 frameworks</a:t>
             </a:r>
           </a:p>
           <a:p>
-            <a:endParaRPr lang="en-US" dirty="0" smtClean="0"/>
+            <a:endParaRPr lang="en-US" dirty="0"/>
           </a:p>
           <a:p>
             <a:pPr lvl="1"/>
@@ -4114,17 +3936,10 @@
   <p:transition>
     <p:fade/>
   </p:transition>
-  <p:timing>
-    <p:tnLst>
-      <p:par>
-        <p:cTn id="1" dur="indefinite" restart="never" nodeType="tmRoot"/>
-      </p:par>
-    </p:tnLst>
-  </p:timing>
 </p:sld>
 </file>
 
-<file path=ppt/slides/slide14.xml><?xml version="1.0" encoding="utf-8"?>
+<file path=ppt/slides/slide13.xml><?xml version="1.0" encoding="utf-8"?>
 <p:sld xmlns:a="http://schemas.openxmlformats.org/drawingml/2006/main" xmlns:r="http://schemas.openxmlformats.org/officeDocument/2006/relationships" xmlns:p="http://schemas.openxmlformats.org/presentationml/2006/main">
   <p:cSld>
     <p:spTree>
@@ -4157,10 +3972,9 @@
           <a:lstStyle/>
           <a:p>
             <a:r>
-              <a:rPr lang="en-US" dirty="0" smtClean="0"/>
+              <a:rPr lang="en-US" dirty="0"/>
               <a:t>Core CLR</a:t>
             </a:r>
-            <a:endParaRPr lang="en-US" dirty="0"/>
           </a:p>
         </p:txBody>
       </p:sp>
@@ -4180,16 +3994,15 @@
           <a:lstStyle/>
           <a:p>
             <a:r>
-              <a:rPr lang="en-US" dirty="0" smtClean="0"/>
+              <a:rPr lang="en-US" dirty="0"/>
               <a:t>Cross platform</a:t>
             </a:r>
           </a:p>
           <a:p>
             <a:r>
-              <a:rPr lang="en-US" dirty="0" smtClean="0"/>
+              <a:rPr lang="en-US" dirty="0"/>
               <a:t>Subset of full CLR</a:t>
             </a:r>
-            <a:endParaRPr lang="en-US" dirty="0"/>
           </a:p>
         </p:txBody>
       </p:sp>
@@ -4230,17 +4043,10 @@
   <p:transition>
     <p:fade/>
   </p:transition>
-  <p:timing>
-    <p:tnLst>
-      <p:par>
-        <p:cTn id="1" dur="indefinite" restart="never" nodeType="tmRoot"/>
-      </p:par>
-    </p:tnLst>
-  </p:timing>
 </p:sld>
 </file>
 
-<file path=ppt/slides/slide15.xml><?xml version="1.0" encoding="utf-8"?>
+<file path=ppt/slides/slide14.xml><?xml version="1.0" encoding="utf-8"?>
 <p:sld xmlns:a="http://schemas.openxmlformats.org/drawingml/2006/main" xmlns:r="http://schemas.openxmlformats.org/officeDocument/2006/relationships" xmlns:p="http://schemas.openxmlformats.org/presentationml/2006/main">
   <p:cSld>
     <p:spTree>
@@ -4273,10 +4079,9 @@
           <a:lstStyle/>
           <a:p>
             <a:r>
-              <a:rPr lang="en-US" dirty="0" smtClean="0"/>
+              <a:rPr lang="en-US" dirty="0"/>
               <a:t>Managing .NET</a:t>
             </a:r>
-            <a:endParaRPr lang="en-US" dirty="0"/>
           </a:p>
         </p:txBody>
       </p:sp>
@@ -4296,14 +4101,14 @@
           <a:lstStyle/>
           <a:p>
             <a:r>
-              <a:rPr lang="en-US" dirty="0" smtClean="0"/>
+              <a:rPr lang="en-US" dirty="0"/>
               <a:t>DNVM - .NET Version Manager</a:t>
             </a:r>
           </a:p>
           <a:p>
             <a:pPr lvl="1"/>
             <a:r>
-              <a:rPr lang="en-US" dirty="0" smtClean="0"/>
+              <a:rPr lang="en-US" dirty="0"/>
               <a:t>Set default execution environment</a:t>
             </a:r>
           </a:p>
@@ -4349,17 +4154,10 @@
   <p:transition>
     <p:fade/>
   </p:transition>
-  <p:timing>
-    <p:tnLst>
-      <p:par>
-        <p:cTn id="1" dur="indefinite" restart="never" nodeType="tmRoot"/>
-      </p:par>
-    </p:tnLst>
-  </p:timing>
 </p:sld>
 </file>
 
-<file path=ppt/slides/slide16.xml><?xml version="1.0" encoding="utf-8"?>
+<file path=ppt/slides/slide15.xml><?xml version="1.0" encoding="utf-8"?>
 <p:sld xmlns:a="http://schemas.openxmlformats.org/drawingml/2006/main" xmlns:r="http://schemas.openxmlformats.org/officeDocument/2006/relationships" xmlns:p="http://schemas.openxmlformats.org/presentationml/2006/main">
   <p:cSld>
     <p:spTree>
@@ -4392,10 +4190,9 @@
           <a:lstStyle/>
           <a:p>
             <a:r>
-              <a:rPr lang="en-US" dirty="0" smtClean="0"/>
+              <a:rPr lang="en-US" dirty="0"/>
               <a:t>Executing .NET</a:t>
             </a:r>
-            <a:endParaRPr lang="en-US" dirty="0"/>
           </a:p>
         </p:txBody>
       </p:sp>
@@ -4415,22 +4212,21 @@
           <a:lstStyle/>
           <a:p>
             <a:r>
-              <a:rPr lang="en-US" dirty="0" smtClean="0"/>
+              <a:rPr lang="en-US" dirty="0"/>
               <a:t>DNX - .NET Execution Environment</a:t>
             </a:r>
           </a:p>
           <a:p>
             <a:r>
-              <a:rPr lang="en-US" dirty="0" smtClean="0"/>
+              <a:rPr lang="en-US" dirty="0"/>
               <a:t>Cross platform</a:t>
             </a:r>
           </a:p>
           <a:p>
             <a:r>
-              <a:rPr lang="en-US" dirty="0" smtClean="0"/>
+              <a:rPr lang="en-US" dirty="0"/>
               <a:t>Host for CLR and Core CLR</a:t>
             </a:r>
-            <a:endParaRPr lang="en-US" dirty="0"/>
           </a:p>
         </p:txBody>
       </p:sp>
@@ -4471,17 +4267,10 @@
   <p:transition>
     <p:fade/>
   </p:transition>
-  <p:timing>
-    <p:tnLst>
-      <p:par>
-        <p:cTn id="1" dur="indefinite" restart="never" nodeType="tmRoot"/>
-      </p:par>
-    </p:tnLst>
-  </p:timing>
 </p:sld>
 </file>
 
-<file path=ppt/slides/slide17.xml><?xml version="1.0" encoding="utf-8"?>
+<file path=ppt/slides/slide16.xml><?xml version="1.0" encoding="utf-8"?>
 <p:sld xmlns:a="http://schemas.openxmlformats.org/drawingml/2006/main" xmlns:r="http://schemas.openxmlformats.org/officeDocument/2006/relationships" xmlns:p="http://schemas.openxmlformats.org/presentationml/2006/main">
   <p:cSld>
     <p:spTree>
@@ -4514,10 +4303,9 @@
           <a:lstStyle/>
           <a:p>
             <a:r>
-              <a:rPr lang="en-US" dirty="0" smtClean="0"/>
+              <a:rPr lang="en-US" dirty="0"/>
               <a:t>Managing Runtimes From VS</a:t>
             </a:r>
-            <a:endParaRPr lang="en-US" dirty="0"/>
           </a:p>
         </p:txBody>
       </p:sp>
@@ -4577,17 +4365,10 @@
   <p:transition>
     <p:fade/>
   </p:transition>
-  <p:timing>
-    <p:tnLst>
-      <p:par>
-        <p:cTn id="1" dur="indefinite" restart="never" nodeType="tmRoot"/>
-      </p:par>
-    </p:tnLst>
-  </p:timing>
 </p:sld>
 </file>
 
-<file path=ppt/slides/slide18.xml><?xml version="1.0" encoding="utf-8"?>
+<file path=ppt/slides/slide17.xml><?xml version="1.0" encoding="utf-8"?>
 <p:sld xmlns:a="http://schemas.openxmlformats.org/drawingml/2006/main" xmlns:r="http://schemas.openxmlformats.org/officeDocument/2006/relationships" xmlns:p="http://schemas.openxmlformats.org/presentationml/2006/main">
   <p:cSld>
     <p:spTree>
@@ -4620,10 +4401,9 @@
           <a:lstStyle/>
           <a:p>
             <a:r>
-              <a:rPr lang="en-US" dirty="0" smtClean="0"/>
+              <a:rPr lang="en-US" dirty="0"/>
               <a:t>Locations</a:t>
             </a:r>
-            <a:endParaRPr lang="en-US" dirty="0"/>
           </a:p>
         </p:txBody>
       </p:sp>
@@ -4643,11 +4423,11 @@
           <a:lstStyle/>
           <a:p>
             <a:r>
-              <a:rPr lang="en-US" dirty="0" smtClean="0"/>
+              <a:rPr lang="en-US" dirty="0"/>
               <a:t>Look in ~/.</a:t>
             </a:r>
             <a:r>
-              <a:rPr lang="en-US" dirty="0" err="1" smtClean="0"/>
+              <a:rPr lang="en-US" dirty="0" err="1"/>
               <a:t>dnx</a:t>
             </a:r>
             <a:endParaRPr lang="en-US" dirty="0"/>
@@ -4691,17 +4471,10 @@
   <p:transition>
     <p:fade/>
   </p:transition>
-  <p:timing>
-    <p:tnLst>
-      <p:par>
-        <p:cTn id="1" dur="indefinite" restart="never" nodeType="tmRoot"/>
-      </p:par>
-    </p:tnLst>
-  </p:timing>
 </p:sld>
 </file>
 
-<file path=ppt/slides/slide19.xml><?xml version="1.0" encoding="utf-8"?>
+<file path=ppt/slides/slide18.xml><?xml version="1.0" encoding="utf-8"?>
 <p:sld xmlns:a="http://schemas.openxmlformats.org/drawingml/2006/main" xmlns:r="http://schemas.openxmlformats.org/officeDocument/2006/relationships" xmlns:p="http://schemas.openxmlformats.org/presentationml/2006/main">
   <p:cSld>
     <p:spTree>
@@ -4734,10 +4507,9 @@
           <a:lstStyle/>
           <a:p>
             <a:r>
-              <a:rPr lang="en-US" dirty="0" smtClean="0"/>
+              <a:rPr lang="en-US" dirty="0"/>
               <a:t>Startup</a:t>
             </a:r>
-            <a:endParaRPr lang="en-US" dirty="0"/>
           </a:p>
         </p:txBody>
       </p:sp>
@@ -4757,28 +4529,28 @@
           <a:lstStyle/>
           <a:p>
             <a:r>
-              <a:rPr lang="en-US" dirty="0" smtClean="0"/>
+              <a:rPr lang="en-US" dirty="0"/>
               <a:t>Entry point for web application</a:t>
             </a:r>
           </a:p>
           <a:p>
             <a:pPr lvl="1"/>
             <a:r>
-              <a:rPr lang="en-US" dirty="0" smtClean="0"/>
+              <a:rPr lang="en-US" dirty="0"/>
               <a:t>Configure the configuration</a:t>
             </a:r>
           </a:p>
           <a:p>
             <a:pPr lvl="1"/>
             <a:r>
-              <a:rPr lang="en-US" dirty="0" smtClean="0"/>
+              <a:rPr lang="en-US" dirty="0"/>
               <a:t>Configure the HTTP processing pipeline</a:t>
             </a:r>
           </a:p>
           <a:p>
             <a:pPr lvl="1"/>
             <a:r>
-              <a:rPr lang="en-US" dirty="0" smtClean="0"/>
+              <a:rPr lang="en-US" dirty="0"/>
               <a:t>Configure services and container</a:t>
             </a:r>
           </a:p>
@@ -4821,17 +4593,10 @@
   <p:transition>
     <p:fade/>
   </p:transition>
-  <p:timing>
-    <p:tnLst>
-      <p:par>
-        <p:cTn id="1" dur="indefinite" restart="never" nodeType="tmRoot"/>
-      </p:par>
-    </p:tnLst>
-  </p:timing>
 </p:sld>
 </file>
 
-<file path=ppt/slides/slide2.xml><?xml version="1.0" encoding="utf-8"?>
+<file path=ppt/slides/slide19.xml><?xml version="1.0" encoding="utf-8"?>
 <p:sld xmlns:a="http://schemas.openxmlformats.org/drawingml/2006/main" xmlns:r="http://schemas.openxmlformats.org/officeDocument/2006/relationships" xmlns:p="http://schemas.openxmlformats.org/presentationml/2006/main">
   <p:cSld>
     <p:spTree>
@@ -4864,10 +4629,9 @@
           <a:lstStyle/>
           <a:p>
             <a:r>
-              <a:rPr lang="en-US" dirty="0" smtClean="0"/>
-              <a:t>ASP.NET 5 Workshop</a:t>
-            </a:r>
-            <a:endParaRPr lang="en-US" dirty="0"/>
+              <a:rPr lang="en-US" dirty="0"/>
+              <a:t>Middleware</a:t>
+            </a:r>
           </a:p>
         </p:txBody>
       </p:sp>
@@ -4887,205 +4651,15 @@
           <a:lstStyle/>
           <a:p>
             <a:r>
-              <a:rPr lang="en-US" dirty="0" smtClean="0"/>
-              <a:t>Scott Allen (</a:t>
-            </a:r>
-            <a:r>
-              <a:rPr lang="en-US" dirty="0" smtClean="0">
-                <a:hlinkClick r:id="rId2"/>
-              </a:rPr>
-              <a:t>scott@OdeToCode.com</a:t>
-            </a:r>
-            <a:r>
-              <a:rPr lang="en-US" dirty="0" smtClean="0"/>
-              <a:t>)</a:t>
-            </a:r>
-          </a:p>
-          <a:p>
-            <a:r>
-              <a:rPr lang="en-US" dirty="0" smtClean="0"/>
-              <a:t>Agenda</a:t>
-            </a:r>
-          </a:p>
-          <a:p>
-            <a:pPr lvl="1"/>
-            <a:r>
-              <a:rPr lang="en-US" dirty="0" smtClean="0"/>
-              <a:t>Overview</a:t>
-            </a:r>
-          </a:p>
-          <a:p>
-            <a:pPr lvl="1"/>
-            <a:r>
-              <a:rPr lang="en-US" dirty="0" smtClean="0"/>
-              <a:t>Middleware</a:t>
-            </a:r>
-          </a:p>
-          <a:p>
-            <a:pPr lvl="1"/>
-            <a:r>
-              <a:rPr lang="en-US" dirty="0" smtClean="0"/>
-              <a:t>Configuration and Services</a:t>
-            </a:r>
-          </a:p>
-          <a:p>
-            <a:pPr lvl="1"/>
-            <a:r>
-              <a:rPr lang="en-US" dirty="0" smtClean="0"/>
-              <a:t>Controllers</a:t>
-            </a:r>
-          </a:p>
-          <a:p>
-            <a:pPr lvl="1"/>
-            <a:r>
-              <a:rPr lang="en-US" dirty="0" smtClean="0"/>
-              <a:t>Models and Views</a:t>
-            </a:r>
-          </a:p>
-          <a:p>
-            <a:pPr lvl="1"/>
-            <a:r>
-              <a:rPr lang="en-US" dirty="0" smtClean="0"/>
-              <a:t>Security</a:t>
-            </a:r>
-          </a:p>
-          <a:p>
-            <a:pPr lvl="1"/>
-            <a:r>
-              <a:rPr lang="en-US" dirty="0" err="1" smtClean="0"/>
-              <a:t>NodeJS</a:t>
-            </a:r>
-            <a:r>
-              <a:rPr lang="en-US" dirty="0" smtClean="0"/>
-              <a:t> Tools</a:t>
-            </a:r>
-          </a:p>
-          <a:p>
-            <a:pPr lvl="1"/>
-            <a:r>
-              <a:rPr lang="en-US" dirty="0" smtClean="0"/>
-              <a:t>Deployment and DNU</a:t>
-            </a:r>
-          </a:p>
-          <a:p>
-            <a:r>
-              <a:rPr lang="en-US" dirty="0" smtClean="0"/>
-              <a:t>Schedule</a:t>
-            </a:r>
-          </a:p>
-          <a:p>
-            <a:pPr lvl="1"/>
-            <a:r>
-              <a:rPr lang="en-US" dirty="0" smtClean="0"/>
-              <a:t>9:00-17:00 Workshop</a:t>
-            </a:r>
-          </a:p>
-          <a:p>
-            <a:pPr lvl="1"/>
-            <a:r>
-              <a:rPr lang="en-US" dirty="0" smtClean="0"/>
-              <a:t>12:00-13:00 Lunch</a:t>
-            </a:r>
-          </a:p>
-          <a:p>
-            <a:pPr lvl="1"/>
-            <a:r>
-              <a:rPr lang="en-US" dirty="0" smtClean="0"/>
-              <a:t>15:00-15:30 Coffee Break</a:t>
-            </a:r>
-            <a:endParaRPr lang="en-US" dirty="0"/>
-          </a:p>
-        </p:txBody>
-      </p:sp>
-    </p:spTree>
-    <p:extLst>
-      <p:ext uri="{BB962C8B-B14F-4D97-AF65-F5344CB8AC3E}">
-        <p14:creationId xmlns:p14="http://schemas.microsoft.com/office/powerpoint/2010/main" val="1855960045"/>
-      </p:ext>
-    </p:extLst>
-  </p:cSld>
-  <p:clrMapOvr>
-    <a:masterClrMapping/>
-  </p:clrMapOvr>
-  <p:transition>
-    <p:fade/>
-  </p:transition>
-  <p:timing>
-    <p:tnLst>
-      <p:par>
-        <p:cTn id="1" dur="indefinite" restart="never" nodeType="tmRoot"/>
-      </p:par>
-    </p:tnLst>
-  </p:timing>
-</p:sld>
-</file>
-
-<file path=ppt/slides/slide20.xml><?xml version="1.0" encoding="utf-8"?>
-<p:sld xmlns:a="http://schemas.openxmlformats.org/drawingml/2006/main" xmlns:r="http://schemas.openxmlformats.org/officeDocument/2006/relationships" xmlns:p="http://schemas.openxmlformats.org/presentationml/2006/main">
-  <p:cSld>
-    <p:spTree>
-      <p:nvGrpSpPr>
-        <p:cNvPr id="1" name=""/>
-        <p:cNvGrpSpPr/>
-        <p:nvPr/>
-      </p:nvGrpSpPr>
-      <p:grpSpPr>
-        <a:xfrm>
-          <a:off x="0" y="0"/>
-          <a:ext cx="0" cy="0"/>
-          <a:chOff x="0" y="0"/>
-          <a:chExt cx="0" cy="0"/>
-        </a:xfrm>
-      </p:grpSpPr>
-      <p:sp>
-        <p:nvSpPr>
-          <p:cNvPr id="2" name="Title 1"/>
-          <p:cNvSpPr>
-            <a:spLocks noGrp="1"/>
-          </p:cNvSpPr>
-          <p:nvPr>
-            <p:ph type="title"/>
-          </p:nvPr>
-        </p:nvSpPr>
-        <p:spPr/>
-        <p:txBody>
-          <a:bodyPr/>
-          <a:lstStyle/>
-          <a:p>
-            <a:r>
-              <a:rPr lang="en-US" dirty="0" smtClean="0"/>
-              <a:t>Middleware</a:t>
-            </a:r>
-            <a:endParaRPr lang="en-US" dirty="0"/>
-          </a:p>
-        </p:txBody>
-      </p:sp>
-      <p:sp>
-        <p:nvSpPr>
-          <p:cNvPr id="3" name="Text Placeholder 2"/>
-          <p:cNvSpPr>
-            <a:spLocks noGrp="1"/>
-          </p:cNvSpPr>
-          <p:nvPr>
-            <p:ph type="body" idx="1"/>
-          </p:nvPr>
-        </p:nvSpPr>
-        <p:spPr/>
-        <p:txBody>
-          <a:bodyPr/>
-          <a:lstStyle/>
-          <a:p>
-            <a:r>
-              <a:rPr lang="en-US" dirty="0" smtClean="0"/>
+              <a:rPr lang="en-US" dirty="0"/>
               <a:t>Middleware is the HTTP processing pipeline</a:t>
             </a:r>
           </a:p>
           <a:p>
             <a:r>
-              <a:rPr lang="en-US" dirty="0" smtClean="0"/>
+              <a:rPr lang="en-US" dirty="0"/>
               <a:t>Based on OWIN</a:t>
             </a:r>
-            <a:endParaRPr lang="en-US" dirty="0"/>
           </a:p>
         </p:txBody>
       </p:sp>
@@ -5152,17 +4726,10 @@
   <p:transition>
     <p:fade/>
   </p:transition>
-  <p:timing>
-    <p:tnLst>
-      <p:par>
-        <p:cTn id="1" dur="indefinite" restart="never" nodeType="tmRoot"/>
-      </p:par>
-    </p:tnLst>
-  </p:timing>
 </p:sld>
 </file>
 
-<file path=ppt/slides/slide21.xml><?xml version="1.0" encoding="utf-8"?>
+<file path=ppt/slides/slide2.xml><?xml version="1.0" encoding="utf-8"?>
 <p:sld xmlns:a="http://schemas.openxmlformats.org/drawingml/2006/main" xmlns:r="http://schemas.openxmlformats.org/officeDocument/2006/relationships" xmlns:p="http://schemas.openxmlformats.org/presentationml/2006/main">
   <p:cSld>
     <p:spTree>
@@ -5195,548 +4762,9 @@
           <a:lstStyle/>
           <a:p>
             <a:r>
-              <a:rPr lang="en-US" dirty="0" smtClean="0"/>
-              <a:t>MVC Framework</a:t>
-            </a:r>
-            <a:endParaRPr lang="en-US" dirty="0"/>
-          </a:p>
-        </p:txBody>
-      </p:sp>
-      <p:sp>
-        <p:nvSpPr>
-          <p:cNvPr id="3" name="Text Placeholder 2"/>
-          <p:cNvSpPr>
-            <a:spLocks noGrp="1"/>
-          </p:cNvSpPr>
-          <p:nvPr>
-            <p:ph type="body" idx="1"/>
-          </p:nvPr>
-        </p:nvSpPr>
-        <p:spPr/>
-        <p:txBody>
-          <a:bodyPr/>
-          <a:lstStyle/>
-          <a:p>
-            <a:r>
-              <a:rPr lang="en-US" dirty="0" smtClean="0"/>
-              <a:t>Includes both HTML and API features</a:t>
-            </a:r>
-            <a:endParaRPr lang="en-US" dirty="0"/>
-          </a:p>
-        </p:txBody>
-      </p:sp>
-      <p:pic>
-        <p:nvPicPr>
-          <p:cNvPr id="4" name="Picture 3"/>
-          <p:cNvPicPr>
-            <a:picLocks noChangeAspect="1"/>
-          </p:cNvPicPr>
-          <p:nvPr/>
-        </p:nvPicPr>
-        <p:blipFill>
-          <a:blip r:embed="rId2"/>
-          <a:stretch>
-            <a:fillRect/>
-          </a:stretch>
-        </p:blipFill>
-        <p:spPr>
-          <a:xfrm>
-            <a:off x="457200" y="2082145"/>
-            <a:ext cx="8162925" cy="4229100"/>
-          </a:xfrm>
-          <a:prstGeom prst="rect">
-            <a:avLst/>
-          </a:prstGeom>
-        </p:spPr>
-      </p:pic>
-    </p:spTree>
-    <p:extLst>
-      <p:ext uri="{BB962C8B-B14F-4D97-AF65-F5344CB8AC3E}">
-        <p14:creationId xmlns:p14="http://schemas.microsoft.com/office/powerpoint/2010/main" val="1766268052"/>
-      </p:ext>
-    </p:extLst>
-  </p:cSld>
-  <p:clrMapOvr>
-    <a:masterClrMapping/>
-  </p:clrMapOvr>
-  <p:transition>
-    <p:fade/>
-  </p:transition>
-  <p:timing>
-    <p:tnLst>
-      <p:par>
-        <p:cTn id="1" dur="indefinite" restart="never" nodeType="tmRoot"/>
-      </p:par>
-    </p:tnLst>
-  </p:timing>
-</p:sld>
-</file>
-
-<file path=ppt/slides/slide22.xml><?xml version="1.0" encoding="utf-8"?>
-<p:sld xmlns:a="http://schemas.openxmlformats.org/drawingml/2006/main" xmlns:r="http://schemas.openxmlformats.org/officeDocument/2006/relationships" xmlns:p="http://schemas.openxmlformats.org/presentationml/2006/main">
-  <p:cSld>
-    <p:spTree>
-      <p:nvGrpSpPr>
-        <p:cNvPr id="1" name=""/>
-        <p:cNvGrpSpPr/>
-        <p:nvPr/>
-      </p:nvGrpSpPr>
-      <p:grpSpPr>
-        <a:xfrm>
-          <a:off x="0" y="0"/>
-          <a:ext cx="0" cy="0"/>
-          <a:chOff x="0" y="0"/>
-          <a:chExt cx="0" cy="0"/>
-        </a:xfrm>
-      </p:grpSpPr>
-      <p:sp>
-        <p:nvSpPr>
-          <p:cNvPr id="2" name="Title 1"/>
-          <p:cNvSpPr>
-            <a:spLocks noGrp="1"/>
-          </p:cNvSpPr>
-          <p:nvPr>
-            <p:ph type="title"/>
-          </p:nvPr>
-        </p:nvSpPr>
-        <p:spPr/>
-        <p:txBody>
-          <a:bodyPr/>
-          <a:lstStyle/>
-          <a:p>
-            <a:r>
-              <a:rPr lang="en-US" dirty="0" smtClean="0"/>
-              <a:t>Razor Views</a:t>
-            </a:r>
-            <a:endParaRPr lang="en-US" dirty="0"/>
-          </a:p>
-        </p:txBody>
-      </p:sp>
-      <p:sp>
-        <p:nvSpPr>
-          <p:cNvPr id="3" name="Text Placeholder 2"/>
-          <p:cNvSpPr>
-            <a:spLocks noGrp="1"/>
-          </p:cNvSpPr>
-          <p:nvPr>
-            <p:ph type="body" idx="1"/>
-          </p:nvPr>
-        </p:nvSpPr>
-        <p:spPr/>
-        <p:txBody>
-          <a:bodyPr/>
-          <a:lstStyle/>
-          <a:p>
-            <a:endParaRPr lang="en-US" dirty="0"/>
-          </a:p>
-        </p:txBody>
-      </p:sp>
-      <p:pic>
-        <p:nvPicPr>
-          <p:cNvPr id="4" name="Picture 3"/>
-          <p:cNvPicPr>
-            <a:picLocks noChangeAspect="1"/>
-          </p:cNvPicPr>
-          <p:nvPr/>
-        </p:nvPicPr>
-        <p:blipFill>
-          <a:blip r:embed="rId2"/>
-          <a:stretch>
-            <a:fillRect/>
-          </a:stretch>
-        </p:blipFill>
-        <p:spPr>
-          <a:xfrm>
-            <a:off x="466725" y="1219200"/>
-            <a:ext cx="8220075" cy="4820919"/>
-          </a:xfrm>
-          <a:prstGeom prst="rect">
-            <a:avLst/>
-          </a:prstGeom>
-        </p:spPr>
-      </p:pic>
-    </p:spTree>
-    <p:extLst>
-      <p:ext uri="{BB962C8B-B14F-4D97-AF65-F5344CB8AC3E}">
-        <p14:creationId xmlns:p14="http://schemas.microsoft.com/office/powerpoint/2010/main" val="1169428176"/>
-      </p:ext>
-    </p:extLst>
-  </p:cSld>
-  <p:clrMapOvr>
-    <a:masterClrMapping/>
-  </p:clrMapOvr>
-  <p:transition>
-    <p:fade/>
-  </p:transition>
-  <p:timing>
-    <p:tnLst>
-      <p:par>
-        <p:cTn id="1" dur="indefinite" restart="never" nodeType="tmRoot"/>
-      </p:par>
-    </p:tnLst>
-  </p:timing>
-</p:sld>
-</file>
-
-<file path=ppt/slides/slide23.xml><?xml version="1.0" encoding="utf-8"?>
-<p:sld xmlns:a="http://schemas.openxmlformats.org/drawingml/2006/main" xmlns:r="http://schemas.openxmlformats.org/officeDocument/2006/relationships" xmlns:p="http://schemas.openxmlformats.org/presentationml/2006/main">
-  <p:cSld>
-    <p:spTree>
-      <p:nvGrpSpPr>
-        <p:cNvPr id="1" name=""/>
-        <p:cNvGrpSpPr/>
-        <p:nvPr/>
-      </p:nvGrpSpPr>
-      <p:grpSpPr>
-        <a:xfrm>
-          <a:off x="0" y="0"/>
-          <a:ext cx="0" cy="0"/>
-          <a:chOff x="0" y="0"/>
-          <a:chExt cx="0" cy="0"/>
-        </a:xfrm>
-      </p:grpSpPr>
-      <p:sp>
-        <p:nvSpPr>
-          <p:cNvPr id="2" name="Title 1"/>
-          <p:cNvSpPr>
-            <a:spLocks noGrp="1"/>
-          </p:cNvSpPr>
-          <p:nvPr>
-            <p:ph type="title"/>
-          </p:nvPr>
-        </p:nvSpPr>
-        <p:spPr/>
-        <p:txBody>
-          <a:bodyPr/>
-          <a:lstStyle/>
-          <a:p>
-            <a:r>
-              <a:rPr lang="en-US" dirty="0" smtClean="0"/>
-              <a:t>Hosting</a:t>
-            </a:r>
-            <a:endParaRPr lang="en-US" dirty="0"/>
-          </a:p>
-        </p:txBody>
-      </p:sp>
-      <p:sp>
-        <p:nvSpPr>
-          <p:cNvPr id="3" name="Text Placeholder 2"/>
-          <p:cNvSpPr>
-            <a:spLocks noGrp="1"/>
-          </p:cNvSpPr>
-          <p:nvPr>
-            <p:ph type="body" idx="1"/>
-          </p:nvPr>
-        </p:nvSpPr>
-        <p:spPr/>
-        <p:txBody>
-          <a:bodyPr/>
-          <a:lstStyle/>
-          <a:p>
-            <a:r>
-              <a:rPr lang="en-US" dirty="0" smtClean="0"/>
-              <a:t>IIS / IIS Express</a:t>
-            </a:r>
-          </a:p>
-          <a:p>
-            <a:r>
-              <a:rPr lang="en-US" dirty="0" smtClean="0"/>
-              <a:t>http.sys</a:t>
-            </a:r>
-          </a:p>
-          <a:p>
-            <a:r>
-              <a:rPr lang="en-US" dirty="0" smtClean="0"/>
-              <a:t>Kestrel</a:t>
-            </a:r>
-            <a:endParaRPr lang="en-US" dirty="0"/>
-          </a:p>
-        </p:txBody>
-      </p:sp>
-      <p:pic>
-        <p:nvPicPr>
-          <p:cNvPr id="4098" name="Picture 2" descr="http://4.bp.blogspot.com/-X7CrLfzmTBQ/VB9_rUA0ubI/AAAAAAAACIA/7WXMI4by-F0/s1600/IIS%2B8.png"/>
-          <p:cNvPicPr>
-            <a:picLocks noChangeAspect="1" noChangeArrowheads="1"/>
-          </p:cNvPicPr>
-          <p:nvPr/>
-        </p:nvPicPr>
-        <p:blipFill>
-          <a:blip r:embed="rId2">
-            <a:extLst>
-              <a:ext uri="{28A0092B-C50C-407E-A947-70E740481C1C}">
-                <a14:useLocalDpi xmlns:a14="http://schemas.microsoft.com/office/drawing/2010/main" val="0"/>
-              </a:ext>
-            </a:extLst>
-          </a:blip>
-          <a:srcRect/>
-          <a:stretch>
-            <a:fillRect/>
-          </a:stretch>
-        </p:blipFill>
-        <p:spPr bwMode="auto">
-          <a:xfrm>
-            <a:off x="2286000" y="2667000"/>
-            <a:ext cx="6210300" cy="2724151"/>
-          </a:xfrm>
-          <a:prstGeom prst="rect">
-            <a:avLst/>
-          </a:prstGeom>
-          <a:noFill/>
-          <a:extLst>
-            <a:ext uri="{909E8E84-426E-40DD-AFC4-6F175D3DCCD1}">
-              <a14:hiddenFill xmlns:a14="http://schemas.microsoft.com/office/drawing/2010/main">
-                <a:solidFill>
-                  <a:srgbClr val="FFFFFF"/>
-                </a:solidFill>
-              </a14:hiddenFill>
-            </a:ext>
-          </a:extLst>
-        </p:spPr>
-      </p:pic>
-    </p:spTree>
-    <p:extLst>
-      <p:ext uri="{BB962C8B-B14F-4D97-AF65-F5344CB8AC3E}">
-        <p14:creationId xmlns:p14="http://schemas.microsoft.com/office/powerpoint/2010/main" val="2984317155"/>
-      </p:ext>
-    </p:extLst>
-  </p:cSld>
-  <p:clrMapOvr>
-    <a:masterClrMapping/>
-  </p:clrMapOvr>
-  <p:transition>
-    <p:fade/>
-  </p:transition>
-  <p:timing>
-    <p:tnLst>
-      <p:par>
-        <p:cTn id="1" dur="indefinite" restart="never" nodeType="tmRoot"/>
-      </p:par>
-    </p:tnLst>
-  </p:timing>
-</p:sld>
-</file>
-
-<file path=ppt/slides/slide24.xml><?xml version="1.0" encoding="utf-8"?>
-<p:sld xmlns:a="http://schemas.openxmlformats.org/drawingml/2006/main" xmlns:r="http://schemas.openxmlformats.org/officeDocument/2006/relationships" xmlns:p="http://schemas.openxmlformats.org/presentationml/2006/main">
-  <p:cSld>
-    <p:spTree>
-      <p:nvGrpSpPr>
-        <p:cNvPr id="1" name=""/>
-        <p:cNvGrpSpPr/>
-        <p:nvPr/>
-      </p:nvGrpSpPr>
-      <p:grpSpPr>
-        <a:xfrm>
-          <a:off x="0" y="0"/>
-          <a:ext cx="0" cy="0"/>
-          <a:chOff x="0" y="0"/>
-          <a:chExt cx="0" cy="0"/>
-        </a:xfrm>
-      </p:grpSpPr>
-      <p:sp>
-        <p:nvSpPr>
-          <p:cNvPr id="2" name="Title 1"/>
-          <p:cNvSpPr>
-            <a:spLocks noGrp="1"/>
-          </p:cNvSpPr>
-          <p:nvPr>
-            <p:ph type="title"/>
-          </p:nvPr>
-        </p:nvSpPr>
-        <p:spPr/>
-        <p:txBody>
-          <a:bodyPr/>
-          <a:lstStyle/>
-          <a:p>
-            <a:r>
-              <a:rPr lang="en-US" dirty="0" smtClean="0"/>
-              <a:t>Summary</a:t>
-            </a:r>
-            <a:endParaRPr lang="en-US" dirty="0"/>
-          </a:p>
-        </p:txBody>
-      </p:sp>
-      <p:sp>
-        <p:nvSpPr>
-          <p:cNvPr id="3" name="Text Placeholder 2"/>
-          <p:cNvSpPr>
-            <a:spLocks noGrp="1"/>
-          </p:cNvSpPr>
-          <p:nvPr>
-            <p:ph type="body" idx="1"/>
-          </p:nvPr>
-        </p:nvSpPr>
-        <p:spPr/>
-        <p:txBody>
-          <a:bodyPr/>
-          <a:lstStyle/>
-          <a:p>
-            <a:pPr lvl="1"/>
-            <a:endParaRPr lang="en-US" dirty="0"/>
-          </a:p>
-        </p:txBody>
-      </p:sp>
-      <p:sp>
-        <p:nvSpPr>
-          <p:cNvPr id="4" name="Rectangle 3"/>
-          <p:cNvSpPr/>
-          <p:nvPr/>
-        </p:nvSpPr>
-        <p:spPr bwMode="auto">
-          <a:xfrm>
-            <a:off x="304800" y="2209800"/>
-            <a:ext cx="4114800" cy="2743200"/>
-          </a:xfrm>
-          <a:prstGeom prst="rect">
-            <a:avLst/>
-          </a:prstGeom>
-          <a:solidFill>
-            <a:srgbClr val="D3D3A9"/>
-          </a:solidFill>
-          <a:ln w="9525" algn="ctr">
-            <a:solidFill>
-              <a:schemeClr val="tx1"/>
-            </a:solidFill>
-            <a:miter lim="800000"/>
-            <a:headEnd/>
-            <a:tailEnd/>
-          </a:ln>
-          <a:effectLst>
-            <a:outerShdw blurRad="50800" dist="38100" dir="2700000" algn="tl" rotWithShape="0">
-              <a:prstClr val="black">
-                <a:alpha val="40000"/>
-              </a:prstClr>
-            </a:outerShdw>
-          </a:effectLst>
-        </p:spPr>
-        <p:txBody>
-          <a:bodyPr wrap="none" rtlCol="0" anchor="ctr"/>
-          <a:lstStyle/>
-          <a:p>
-            <a:pPr algn="ctr"/>
-            <a:r>
-              <a:rPr lang="en-US" sz="2000" dirty="0" smtClean="0">
-                <a:latin typeface="Tekton Pro" pitchFamily="34" charset="0"/>
-              </a:rPr>
-              <a:t>ASP.NET MVC</a:t>
-            </a:r>
-            <a:endParaRPr lang="en-US" sz="2000" dirty="0">
-              <a:latin typeface="Tekton Pro" pitchFamily="34" charset="0"/>
-            </a:endParaRPr>
-          </a:p>
-        </p:txBody>
-      </p:sp>
-      <p:sp>
-        <p:nvSpPr>
-          <p:cNvPr id="5" name="Rectangle 4"/>
-          <p:cNvSpPr/>
-          <p:nvPr/>
-        </p:nvSpPr>
-        <p:spPr bwMode="auto">
-          <a:xfrm>
-            <a:off x="4659984" y="2209800"/>
-            <a:ext cx="4114800" cy="2743200"/>
-          </a:xfrm>
-          <a:prstGeom prst="rect">
-            <a:avLst/>
-          </a:prstGeom>
-          <a:solidFill>
-            <a:srgbClr val="D3D3A9"/>
-          </a:solidFill>
-          <a:ln w="9525" algn="ctr">
-            <a:solidFill>
-              <a:schemeClr val="tx1"/>
-            </a:solidFill>
-            <a:miter lim="800000"/>
-            <a:headEnd/>
-            <a:tailEnd/>
-          </a:ln>
-          <a:effectLst>
-            <a:outerShdw blurRad="50800" dist="38100" dir="2700000" algn="tl" rotWithShape="0">
-              <a:prstClr val="black">
-                <a:alpha val="40000"/>
-              </a:prstClr>
-            </a:outerShdw>
-          </a:effectLst>
-        </p:spPr>
-        <p:txBody>
-          <a:bodyPr wrap="none" rtlCol="0" anchor="ctr"/>
-          <a:lstStyle/>
-          <a:p>
-            <a:pPr algn="ctr"/>
-            <a:r>
-              <a:rPr lang="en-US" sz="2000" dirty="0" smtClean="0">
-                <a:latin typeface="Tekton Pro" pitchFamily="34" charset="0"/>
-              </a:rPr>
-              <a:t>Middleware</a:t>
-            </a:r>
-            <a:endParaRPr lang="en-US" sz="2000" dirty="0">
-              <a:latin typeface="Tekton Pro" pitchFamily="34" charset="0"/>
-            </a:endParaRPr>
-          </a:p>
-        </p:txBody>
-      </p:sp>
-    </p:spTree>
-    <p:extLst>
-      <p:ext uri="{BB962C8B-B14F-4D97-AF65-F5344CB8AC3E}">
-        <p14:creationId xmlns:p14="http://schemas.microsoft.com/office/powerpoint/2010/main" val="3947626774"/>
-      </p:ext>
-    </p:extLst>
-  </p:cSld>
-  <p:clrMapOvr>
-    <a:masterClrMapping/>
-  </p:clrMapOvr>
-  <p:transition>
-    <p:fade/>
-  </p:transition>
-  <p:timing>
-    <p:tnLst>
-      <p:par>
-        <p:cTn id="1" dur="indefinite" restart="never" nodeType="tmRoot"/>
-      </p:par>
-    </p:tnLst>
-  </p:timing>
-</p:sld>
-</file>
-
-<file path=ppt/slides/slide3.xml><?xml version="1.0" encoding="utf-8"?>
-<p:sld xmlns:a="http://schemas.openxmlformats.org/drawingml/2006/main" xmlns:r="http://schemas.openxmlformats.org/officeDocument/2006/relationships" xmlns:p="http://schemas.openxmlformats.org/presentationml/2006/main">
-  <p:cSld>
-    <p:spTree>
-      <p:nvGrpSpPr>
-        <p:cNvPr id="1" name=""/>
-        <p:cNvGrpSpPr/>
-        <p:nvPr/>
-      </p:nvGrpSpPr>
-      <p:grpSpPr>
-        <a:xfrm>
-          <a:off x="0" y="0"/>
-          <a:ext cx="0" cy="0"/>
-          <a:chOff x="0" y="0"/>
-          <a:chExt cx="0" cy="0"/>
-        </a:xfrm>
-      </p:grpSpPr>
-      <p:sp>
-        <p:nvSpPr>
-          <p:cNvPr id="2" name="Title 1"/>
-          <p:cNvSpPr>
-            <a:spLocks noGrp="1"/>
-          </p:cNvSpPr>
-          <p:nvPr>
-            <p:ph type="title"/>
-          </p:nvPr>
-        </p:nvSpPr>
-        <p:spPr/>
-        <p:txBody>
-          <a:bodyPr/>
-          <a:lstStyle/>
-          <a:p>
-            <a:r>
-              <a:rPr lang="en-US" dirty="0" smtClean="0"/>
+              <a:rPr lang="en-US" dirty="0"/>
               <a:t>The 15 Year Reboot</a:t>
             </a:r>
-            <a:endParaRPr lang="en-US" dirty="0"/>
           </a:p>
         </p:txBody>
       </p:sp>
@@ -5791,56 +4819,55 @@
           <a:lstStyle/>
           <a:p>
             <a:r>
-              <a:rPr lang="en-US" dirty="0" smtClean="0"/>
+              <a:rPr lang="en-US" dirty="0"/>
               <a:t>Major architectural changes</a:t>
             </a:r>
           </a:p>
           <a:p>
             <a:pPr lvl="1"/>
             <a:r>
-              <a:rPr lang="en-US" dirty="0" smtClean="0"/>
+              <a:rPr lang="en-US" dirty="0"/>
               <a:t>No more System.Web.dll</a:t>
             </a:r>
           </a:p>
           <a:p>
             <a:r>
-              <a:rPr lang="en-US" dirty="0" smtClean="0"/>
+              <a:rPr lang="en-US" dirty="0"/>
               <a:t>Cross Platform</a:t>
             </a:r>
           </a:p>
           <a:p>
             <a:pPr lvl="1"/>
             <a:r>
-              <a:rPr lang="en-US" dirty="0" smtClean="0"/>
+              <a:rPr lang="en-US" dirty="0"/>
               <a:t>Windows, OS/X, Linux</a:t>
             </a:r>
           </a:p>
           <a:p>
             <a:r>
-              <a:rPr lang="en-US" dirty="0" smtClean="0"/>
+              <a:rPr lang="en-US" dirty="0"/>
               <a:t>Unified programming model</a:t>
             </a:r>
           </a:p>
           <a:p>
             <a:pPr lvl="1"/>
             <a:r>
-              <a:rPr lang="en-US" dirty="0" smtClean="0"/>
+              <a:rPr lang="en-US" dirty="0"/>
               <a:t>One framework for UI and APIs</a:t>
             </a:r>
           </a:p>
           <a:p>
             <a:r>
-              <a:rPr lang="en-US" dirty="0" smtClean="0"/>
+              <a:rPr lang="en-US" dirty="0"/>
               <a:t>Faster, lighter, and pay as you go</a:t>
             </a:r>
           </a:p>
           <a:p>
             <a:pPr lvl="1"/>
             <a:r>
-              <a:rPr lang="en-US" dirty="0" smtClean="0"/>
+              <a:rPr lang="en-US" dirty="0"/>
               <a:t>Customize the processing pipeline</a:t>
             </a:r>
-            <a:endParaRPr lang="en-US" dirty="0"/>
           </a:p>
         </p:txBody>
       </p:sp>
@@ -6309,7 +5336,7 @@
 </p:sld>
 </file>
 
-<file path=ppt/slides/slide4.xml><?xml version="1.0" encoding="utf-8"?>
+<file path=ppt/slides/slide20.xml><?xml version="1.0" encoding="utf-8"?>
 <p:sld xmlns:a="http://schemas.openxmlformats.org/drawingml/2006/main" xmlns:r="http://schemas.openxmlformats.org/officeDocument/2006/relationships" xmlns:p="http://schemas.openxmlformats.org/presentationml/2006/main">
   <p:cSld>
     <p:spTree>
@@ -6342,10 +5369,506 @@
           <a:lstStyle/>
           <a:p>
             <a:r>
-              <a:rPr lang="en-US" smtClean="0"/>
+              <a:rPr lang="en-US" dirty="0"/>
+              <a:t>MVC Framework</a:t>
+            </a:r>
+          </a:p>
+        </p:txBody>
+      </p:sp>
+      <p:sp>
+        <p:nvSpPr>
+          <p:cNvPr id="3" name="Text Placeholder 2"/>
+          <p:cNvSpPr>
+            <a:spLocks noGrp="1"/>
+          </p:cNvSpPr>
+          <p:nvPr>
+            <p:ph type="body" idx="1"/>
+          </p:nvPr>
+        </p:nvSpPr>
+        <p:spPr/>
+        <p:txBody>
+          <a:bodyPr/>
+          <a:lstStyle/>
+          <a:p>
+            <a:r>
+              <a:rPr lang="en-US" dirty="0"/>
+              <a:t>Includes both HTML and API features</a:t>
+            </a:r>
+          </a:p>
+        </p:txBody>
+      </p:sp>
+      <p:pic>
+        <p:nvPicPr>
+          <p:cNvPr id="4" name="Picture 3"/>
+          <p:cNvPicPr>
+            <a:picLocks noChangeAspect="1"/>
+          </p:cNvPicPr>
+          <p:nvPr/>
+        </p:nvPicPr>
+        <p:blipFill>
+          <a:blip r:embed="rId2"/>
+          <a:stretch>
+            <a:fillRect/>
+          </a:stretch>
+        </p:blipFill>
+        <p:spPr>
+          <a:xfrm>
+            <a:off x="457200" y="2082145"/>
+            <a:ext cx="8162925" cy="4229100"/>
+          </a:xfrm>
+          <a:prstGeom prst="rect">
+            <a:avLst/>
+          </a:prstGeom>
+        </p:spPr>
+      </p:pic>
+    </p:spTree>
+    <p:extLst>
+      <p:ext uri="{BB962C8B-B14F-4D97-AF65-F5344CB8AC3E}">
+        <p14:creationId xmlns:p14="http://schemas.microsoft.com/office/powerpoint/2010/main" val="1766268052"/>
+      </p:ext>
+    </p:extLst>
+  </p:cSld>
+  <p:clrMapOvr>
+    <a:masterClrMapping/>
+  </p:clrMapOvr>
+  <p:transition>
+    <p:fade/>
+  </p:transition>
+</p:sld>
+</file>
+
+<file path=ppt/slides/slide21.xml><?xml version="1.0" encoding="utf-8"?>
+<p:sld xmlns:a="http://schemas.openxmlformats.org/drawingml/2006/main" xmlns:r="http://schemas.openxmlformats.org/officeDocument/2006/relationships" xmlns:p="http://schemas.openxmlformats.org/presentationml/2006/main">
+  <p:cSld>
+    <p:spTree>
+      <p:nvGrpSpPr>
+        <p:cNvPr id="1" name=""/>
+        <p:cNvGrpSpPr/>
+        <p:nvPr/>
+      </p:nvGrpSpPr>
+      <p:grpSpPr>
+        <a:xfrm>
+          <a:off x="0" y="0"/>
+          <a:ext cx="0" cy="0"/>
+          <a:chOff x="0" y="0"/>
+          <a:chExt cx="0" cy="0"/>
+        </a:xfrm>
+      </p:grpSpPr>
+      <p:sp>
+        <p:nvSpPr>
+          <p:cNvPr id="2" name="Title 1"/>
+          <p:cNvSpPr>
+            <a:spLocks noGrp="1"/>
+          </p:cNvSpPr>
+          <p:nvPr>
+            <p:ph type="title"/>
+          </p:nvPr>
+        </p:nvSpPr>
+        <p:spPr/>
+        <p:txBody>
+          <a:bodyPr/>
+          <a:lstStyle/>
+          <a:p>
+            <a:r>
+              <a:rPr lang="en-US" dirty="0"/>
+              <a:t>Razor Views</a:t>
+            </a:r>
+          </a:p>
+        </p:txBody>
+      </p:sp>
+      <p:sp>
+        <p:nvSpPr>
+          <p:cNvPr id="3" name="Text Placeholder 2"/>
+          <p:cNvSpPr>
+            <a:spLocks noGrp="1"/>
+          </p:cNvSpPr>
+          <p:nvPr>
+            <p:ph type="body" idx="1"/>
+          </p:nvPr>
+        </p:nvSpPr>
+        <p:spPr/>
+        <p:txBody>
+          <a:bodyPr/>
+          <a:lstStyle/>
+          <a:p>
+            <a:endParaRPr lang="en-US" dirty="0"/>
+          </a:p>
+        </p:txBody>
+      </p:sp>
+      <p:pic>
+        <p:nvPicPr>
+          <p:cNvPr id="4" name="Picture 3"/>
+          <p:cNvPicPr>
+            <a:picLocks noChangeAspect="1"/>
+          </p:cNvPicPr>
+          <p:nvPr/>
+        </p:nvPicPr>
+        <p:blipFill>
+          <a:blip r:embed="rId2"/>
+          <a:stretch>
+            <a:fillRect/>
+          </a:stretch>
+        </p:blipFill>
+        <p:spPr>
+          <a:xfrm>
+            <a:off x="466725" y="1219200"/>
+            <a:ext cx="8220075" cy="4820919"/>
+          </a:xfrm>
+          <a:prstGeom prst="rect">
+            <a:avLst/>
+          </a:prstGeom>
+        </p:spPr>
+      </p:pic>
+    </p:spTree>
+    <p:extLst>
+      <p:ext uri="{BB962C8B-B14F-4D97-AF65-F5344CB8AC3E}">
+        <p14:creationId xmlns:p14="http://schemas.microsoft.com/office/powerpoint/2010/main" val="1169428176"/>
+      </p:ext>
+    </p:extLst>
+  </p:cSld>
+  <p:clrMapOvr>
+    <a:masterClrMapping/>
+  </p:clrMapOvr>
+  <p:transition>
+    <p:fade/>
+  </p:transition>
+</p:sld>
+</file>
+
+<file path=ppt/slides/slide22.xml><?xml version="1.0" encoding="utf-8"?>
+<p:sld xmlns:a="http://schemas.openxmlformats.org/drawingml/2006/main" xmlns:r="http://schemas.openxmlformats.org/officeDocument/2006/relationships" xmlns:p="http://schemas.openxmlformats.org/presentationml/2006/main">
+  <p:cSld>
+    <p:spTree>
+      <p:nvGrpSpPr>
+        <p:cNvPr id="1" name=""/>
+        <p:cNvGrpSpPr/>
+        <p:nvPr/>
+      </p:nvGrpSpPr>
+      <p:grpSpPr>
+        <a:xfrm>
+          <a:off x="0" y="0"/>
+          <a:ext cx="0" cy="0"/>
+          <a:chOff x="0" y="0"/>
+          <a:chExt cx="0" cy="0"/>
+        </a:xfrm>
+      </p:grpSpPr>
+      <p:sp>
+        <p:nvSpPr>
+          <p:cNvPr id="2" name="Title 1"/>
+          <p:cNvSpPr>
+            <a:spLocks noGrp="1"/>
+          </p:cNvSpPr>
+          <p:nvPr>
+            <p:ph type="title"/>
+          </p:nvPr>
+        </p:nvSpPr>
+        <p:spPr/>
+        <p:txBody>
+          <a:bodyPr/>
+          <a:lstStyle/>
+          <a:p>
+            <a:r>
+              <a:rPr lang="en-US" dirty="0"/>
+              <a:t>Hosting</a:t>
+            </a:r>
+          </a:p>
+        </p:txBody>
+      </p:sp>
+      <p:sp>
+        <p:nvSpPr>
+          <p:cNvPr id="3" name="Text Placeholder 2"/>
+          <p:cNvSpPr>
+            <a:spLocks noGrp="1"/>
+          </p:cNvSpPr>
+          <p:nvPr>
+            <p:ph type="body" idx="1"/>
+          </p:nvPr>
+        </p:nvSpPr>
+        <p:spPr/>
+        <p:txBody>
+          <a:bodyPr/>
+          <a:lstStyle/>
+          <a:p>
+            <a:r>
+              <a:rPr lang="en-US" dirty="0"/>
+              <a:t>IIS / </a:t>
+            </a:r>
+            <a:r>
+              <a:rPr lang="en-US"/>
+              <a:t>IIS Express</a:t>
+            </a:r>
+            <a:endParaRPr lang="en-US" dirty="0"/>
+          </a:p>
+          <a:p>
+            <a:r>
+              <a:rPr lang="en-US" dirty="0"/>
+              <a:t>Kestrel</a:t>
+            </a:r>
+          </a:p>
+        </p:txBody>
+      </p:sp>
+      <p:pic>
+        <p:nvPicPr>
+          <p:cNvPr id="4098" name="Picture 2" descr="http://4.bp.blogspot.com/-X7CrLfzmTBQ/VB9_rUA0ubI/AAAAAAAACIA/7WXMI4by-F0/s1600/IIS%2B8.png"/>
+          <p:cNvPicPr>
+            <a:picLocks noChangeAspect="1" noChangeArrowheads="1"/>
+          </p:cNvPicPr>
+          <p:nvPr/>
+        </p:nvPicPr>
+        <p:blipFill>
+          <a:blip r:embed="rId2">
+            <a:extLst>
+              <a:ext uri="{28A0092B-C50C-407E-A947-70E740481C1C}">
+                <a14:useLocalDpi xmlns:a14="http://schemas.microsoft.com/office/drawing/2010/main" val="0"/>
+              </a:ext>
+            </a:extLst>
+          </a:blip>
+          <a:srcRect/>
+          <a:stretch>
+            <a:fillRect/>
+          </a:stretch>
+        </p:blipFill>
+        <p:spPr bwMode="auto">
+          <a:xfrm>
+            <a:off x="2286000" y="2667000"/>
+            <a:ext cx="6210300" cy="2724151"/>
+          </a:xfrm>
+          <a:prstGeom prst="rect">
+            <a:avLst/>
+          </a:prstGeom>
+          <a:noFill/>
+          <a:extLst>
+            <a:ext uri="{909E8E84-426E-40DD-AFC4-6F175D3DCCD1}">
+              <a14:hiddenFill xmlns:a14="http://schemas.microsoft.com/office/drawing/2010/main">
+                <a:solidFill>
+                  <a:srgbClr val="FFFFFF"/>
+                </a:solidFill>
+              </a14:hiddenFill>
+            </a:ext>
+          </a:extLst>
+        </p:spPr>
+      </p:pic>
+    </p:spTree>
+    <p:extLst>
+      <p:ext uri="{BB962C8B-B14F-4D97-AF65-F5344CB8AC3E}">
+        <p14:creationId xmlns:p14="http://schemas.microsoft.com/office/powerpoint/2010/main" val="2984317155"/>
+      </p:ext>
+    </p:extLst>
+  </p:cSld>
+  <p:clrMapOvr>
+    <a:masterClrMapping/>
+  </p:clrMapOvr>
+  <p:transition>
+    <p:fade/>
+  </p:transition>
+</p:sld>
+</file>
+
+<file path=ppt/slides/slide23.xml><?xml version="1.0" encoding="utf-8"?>
+<p:sld xmlns:a="http://schemas.openxmlformats.org/drawingml/2006/main" xmlns:r="http://schemas.openxmlformats.org/officeDocument/2006/relationships" xmlns:p="http://schemas.openxmlformats.org/presentationml/2006/main">
+  <p:cSld>
+    <p:spTree>
+      <p:nvGrpSpPr>
+        <p:cNvPr id="1" name=""/>
+        <p:cNvGrpSpPr/>
+        <p:nvPr/>
+      </p:nvGrpSpPr>
+      <p:grpSpPr>
+        <a:xfrm>
+          <a:off x="0" y="0"/>
+          <a:ext cx="0" cy="0"/>
+          <a:chOff x="0" y="0"/>
+          <a:chExt cx="0" cy="0"/>
+        </a:xfrm>
+      </p:grpSpPr>
+      <p:sp>
+        <p:nvSpPr>
+          <p:cNvPr id="2" name="Title 1"/>
+          <p:cNvSpPr>
+            <a:spLocks noGrp="1"/>
+          </p:cNvSpPr>
+          <p:nvPr>
+            <p:ph type="title"/>
+          </p:nvPr>
+        </p:nvSpPr>
+        <p:spPr/>
+        <p:txBody>
+          <a:bodyPr/>
+          <a:lstStyle/>
+          <a:p>
+            <a:r>
+              <a:rPr lang="en-US" dirty="0"/>
+              <a:t>Summary</a:t>
+            </a:r>
+          </a:p>
+        </p:txBody>
+      </p:sp>
+      <p:sp>
+        <p:nvSpPr>
+          <p:cNvPr id="3" name="Text Placeholder 2"/>
+          <p:cNvSpPr>
+            <a:spLocks noGrp="1"/>
+          </p:cNvSpPr>
+          <p:nvPr>
+            <p:ph type="body" idx="1"/>
+          </p:nvPr>
+        </p:nvSpPr>
+        <p:spPr/>
+        <p:txBody>
+          <a:bodyPr/>
+          <a:lstStyle/>
+          <a:p>
+            <a:pPr lvl="1"/>
+            <a:endParaRPr lang="en-US" dirty="0"/>
+          </a:p>
+        </p:txBody>
+      </p:sp>
+      <p:sp>
+        <p:nvSpPr>
+          <p:cNvPr id="4" name="Rectangle 3"/>
+          <p:cNvSpPr/>
+          <p:nvPr/>
+        </p:nvSpPr>
+        <p:spPr bwMode="auto">
+          <a:xfrm>
+            <a:off x="304800" y="2209800"/>
+            <a:ext cx="4114800" cy="2743200"/>
+          </a:xfrm>
+          <a:prstGeom prst="rect">
+            <a:avLst/>
+          </a:prstGeom>
+          <a:solidFill>
+            <a:srgbClr val="D3D3A9"/>
+          </a:solidFill>
+          <a:ln w="9525" algn="ctr">
+            <a:solidFill>
+              <a:schemeClr val="tx1"/>
+            </a:solidFill>
+            <a:miter lim="800000"/>
+            <a:headEnd/>
+            <a:tailEnd/>
+          </a:ln>
+          <a:effectLst>
+            <a:outerShdw blurRad="50800" dist="38100" dir="2700000" algn="tl" rotWithShape="0">
+              <a:prstClr val="black">
+                <a:alpha val="40000"/>
+              </a:prstClr>
+            </a:outerShdw>
+          </a:effectLst>
+        </p:spPr>
+        <p:txBody>
+          <a:bodyPr wrap="none" rtlCol="0" anchor="ctr"/>
+          <a:lstStyle/>
+          <a:p>
+            <a:pPr algn="ctr"/>
+            <a:r>
+              <a:rPr lang="en-US" sz="2000" dirty="0">
+                <a:latin typeface="Tekton Pro" pitchFamily="34" charset="0"/>
+              </a:rPr>
+              <a:t>ASP.NET MVC</a:t>
+            </a:r>
+          </a:p>
+        </p:txBody>
+      </p:sp>
+      <p:sp>
+        <p:nvSpPr>
+          <p:cNvPr id="5" name="Rectangle 4"/>
+          <p:cNvSpPr/>
+          <p:nvPr/>
+        </p:nvSpPr>
+        <p:spPr bwMode="auto">
+          <a:xfrm>
+            <a:off x="4659984" y="2209800"/>
+            <a:ext cx="4114800" cy="2743200"/>
+          </a:xfrm>
+          <a:prstGeom prst="rect">
+            <a:avLst/>
+          </a:prstGeom>
+          <a:solidFill>
+            <a:srgbClr val="D3D3A9"/>
+          </a:solidFill>
+          <a:ln w="9525" algn="ctr">
+            <a:solidFill>
+              <a:schemeClr val="tx1"/>
+            </a:solidFill>
+            <a:miter lim="800000"/>
+            <a:headEnd/>
+            <a:tailEnd/>
+          </a:ln>
+          <a:effectLst>
+            <a:outerShdw blurRad="50800" dist="38100" dir="2700000" algn="tl" rotWithShape="0">
+              <a:prstClr val="black">
+                <a:alpha val="40000"/>
+              </a:prstClr>
+            </a:outerShdw>
+          </a:effectLst>
+        </p:spPr>
+        <p:txBody>
+          <a:bodyPr wrap="none" rtlCol="0" anchor="ctr"/>
+          <a:lstStyle/>
+          <a:p>
+            <a:pPr algn="ctr"/>
+            <a:r>
+              <a:rPr lang="en-US" sz="2000" dirty="0">
+                <a:latin typeface="Tekton Pro" pitchFamily="34" charset="0"/>
+              </a:rPr>
+              <a:t>Middleware</a:t>
+            </a:r>
+          </a:p>
+        </p:txBody>
+      </p:sp>
+    </p:spTree>
+    <p:extLst>
+      <p:ext uri="{BB962C8B-B14F-4D97-AF65-F5344CB8AC3E}">
+        <p14:creationId xmlns:p14="http://schemas.microsoft.com/office/powerpoint/2010/main" val="3947626774"/>
+      </p:ext>
+    </p:extLst>
+  </p:cSld>
+  <p:clrMapOvr>
+    <a:masterClrMapping/>
+  </p:clrMapOvr>
+  <p:transition>
+    <p:fade/>
+  </p:transition>
+</p:sld>
+</file>
+
+<file path=ppt/slides/slide3.xml><?xml version="1.0" encoding="utf-8"?>
+<p:sld xmlns:a="http://schemas.openxmlformats.org/drawingml/2006/main" xmlns:r="http://schemas.openxmlformats.org/officeDocument/2006/relationships" xmlns:p="http://schemas.openxmlformats.org/presentationml/2006/main">
+  <p:cSld>
+    <p:spTree>
+      <p:nvGrpSpPr>
+        <p:cNvPr id="1" name=""/>
+        <p:cNvGrpSpPr/>
+        <p:nvPr/>
+      </p:nvGrpSpPr>
+      <p:grpSpPr>
+        <a:xfrm>
+          <a:off x="0" y="0"/>
+          <a:ext cx="0" cy="0"/>
+          <a:chOff x="0" y="0"/>
+          <a:chExt cx="0" cy="0"/>
+        </a:xfrm>
+      </p:grpSpPr>
+      <p:sp>
+        <p:nvSpPr>
+          <p:cNvPr id="2" name="Title 1"/>
+          <p:cNvSpPr>
+            <a:spLocks noGrp="1"/>
+          </p:cNvSpPr>
+          <p:nvPr>
+            <p:ph type="title"/>
+          </p:nvPr>
+        </p:nvSpPr>
+        <p:spPr/>
+        <p:txBody>
+          <a:bodyPr/>
+          <a:lstStyle/>
+          <a:p>
+            <a:r>
+              <a:rPr lang="en-US"/>
               <a:t>.NET 2015</a:t>
             </a:r>
-            <a:endParaRPr lang="en-US"/>
           </a:p>
         </p:txBody>
       </p:sp>
@@ -6422,17 +5945,10 @@
   <p:transition>
     <p:fade/>
   </p:transition>
-  <p:timing>
-    <p:tnLst>
-      <p:par>
-        <p:cTn id="1" dur="indefinite" restart="never" nodeType="tmRoot"/>
-      </p:par>
-    </p:tnLst>
-  </p:timing>
 </p:sld>
 </file>
 
-<file path=ppt/slides/slide5.xml><?xml version="1.0" encoding="utf-8"?>
+<file path=ppt/slides/slide4.xml><?xml version="1.0" encoding="utf-8"?>
 <p:sld xmlns:a="http://schemas.openxmlformats.org/drawingml/2006/main" xmlns:r="http://schemas.openxmlformats.org/officeDocument/2006/relationships" xmlns:p="http://schemas.openxmlformats.org/presentationml/2006/main">
   <p:cSld>
     <p:spTree>
@@ -6465,10 +5981,9 @@
           <a:lstStyle/>
           <a:p>
             <a:r>
-              <a:rPr lang="en-US" dirty="0" smtClean="0"/>
+              <a:rPr lang="en-US" dirty="0"/>
               <a:t>Getting Started</a:t>
             </a:r>
-            <a:endParaRPr lang="en-US" dirty="0"/>
           </a:p>
         </p:txBody>
       </p:sp>
@@ -6488,24 +6003,23 @@
           <a:lstStyle/>
           <a:p>
             <a:r>
-              <a:rPr lang="en-US" dirty="0" smtClean="0"/>
+              <a:rPr lang="en-US" dirty="0"/>
               <a:t>Install with Visual Studio 2015</a:t>
             </a:r>
           </a:p>
           <a:p>
             <a:r>
-              <a:rPr lang="en-US" dirty="0" smtClean="0"/>
+              <a:rPr lang="en-US" dirty="0"/>
               <a:t>Install using the .NET Version Manager (</a:t>
             </a:r>
             <a:r>
-              <a:rPr lang="en-US" dirty="0" err="1" smtClean="0"/>
+              <a:rPr lang="en-US" dirty="0" err="1"/>
               <a:t>dnvm</a:t>
             </a:r>
             <a:r>
-              <a:rPr lang="en-US" dirty="0" smtClean="0"/>
+              <a:rPr lang="en-US" dirty="0"/>
               <a:t>)</a:t>
             </a:r>
-            <a:endParaRPr lang="en-US" dirty="0"/>
           </a:p>
         </p:txBody>
       </p:sp>
@@ -6590,17 +6104,10 @@
   <p:transition>
     <p:fade/>
   </p:transition>
-  <p:timing>
-    <p:tnLst>
-      <p:par>
-        <p:cTn id="1" dur="indefinite" restart="never" nodeType="tmRoot"/>
-      </p:par>
-    </p:tnLst>
-  </p:timing>
 </p:sld>
 </file>
 
-<file path=ppt/slides/slide6.xml><?xml version="1.0" encoding="utf-8"?>
+<file path=ppt/slides/slide5.xml><?xml version="1.0" encoding="utf-8"?>
 <p:sld xmlns:a="http://schemas.openxmlformats.org/drawingml/2006/main" xmlns:r="http://schemas.openxmlformats.org/officeDocument/2006/relationships" xmlns:p="http://schemas.openxmlformats.org/presentationml/2006/main">
   <p:cSld>
     <p:spTree>
@@ -6633,10 +6140,9 @@
           <a:lstStyle/>
           <a:p>
             <a:r>
-              <a:rPr lang="en-US" dirty="0" smtClean="0"/>
+              <a:rPr lang="en-US" dirty="0"/>
               <a:t>Creating a Web App</a:t>
             </a:r>
-            <a:endParaRPr lang="en-US" dirty="0"/>
           </a:p>
         </p:txBody>
       </p:sp>
@@ -6656,10 +6162,9 @@
           <a:lstStyle/>
           <a:p>
             <a:r>
-              <a:rPr lang="en-US" dirty="0" smtClean="0"/>
+              <a:rPr lang="en-US" dirty="0"/>
               <a:t>Visual Studio offers ASP.NET 5 templates</a:t>
             </a:r>
-            <a:endParaRPr lang="en-US" dirty="0"/>
           </a:p>
         </p:txBody>
       </p:sp>
@@ -6710,17 +6215,10 @@
   <p:transition>
     <p:fade/>
   </p:transition>
-  <p:timing>
-    <p:tnLst>
-      <p:par>
-        <p:cTn id="1" dur="indefinite" restart="never" nodeType="tmRoot"/>
-      </p:par>
-    </p:tnLst>
-  </p:timing>
 </p:sld>
 </file>
 
-<file path=ppt/slides/slide7.xml><?xml version="1.0" encoding="utf-8"?>
+<file path=ppt/slides/slide6.xml><?xml version="1.0" encoding="utf-8"?>
 <p:sld xmlns:a="http://schemas.openxmlformats.org/drawingml/2006/main" xmlns:r="http://schemas.openxmlformats.org/officeDocument/2006/relationships" xmlns:p="http://schemas.openxmlformats.org/presentationml/2006/main">
   <p:cSld>
     <p:spTree>
@@ -6753,18 +6251,17 @@
           <a:lstStyle/>
           <a:p>
             <a:r>
-              <a:rPr lang="en-US" dirty="0" smtClean="0"/>
+              <a:rPr lang="en-US" dirty="0"/>
               <a:t>The .</a:t>
             </a:r>
             <a:r>
-              <a:rPr lang="en-US" dirty="0" err="1" smtClean="0"/>
+              <a:rPr lang="en-US" dirty="0" err="1"/>
               <a:t>xproj</a:t>
             </a:r>
             <a:r>
-              <a:rPr lang="en-US" dirty="0" smtClean="0"/>
+              <a:rPr lang="en-US" dirty="0"/>
               <a:t> file</a:t>
             </a:r>
-            <a:endParaRPr lang="en-US" dirty="0"/>
           </a:p>
         </p:txBody>
       </p:sp>
@@ -6784,45 +6281,44 @@
           <a:lstStyle/>
           <a:p>
             <a:r>
-              <a:rPr lang="en-US" dirty="0" smtClean="0"/>
+              <a:rPr lang="en-US" dirty="0"/>
               <a:t>.</a:t>
             </a:r>
             <a:r>
-              <a:rPr lang="en-US" dirty="0" err="1" smtClean="0"/>
+              <a:rPr lang="en-US" dirty="0" err="1"/>
               <a:t>xproj</a:t>
             </a:r>
             <a:r>
-              <a:rPr lang="en-US" dirty="0" smtClean="0"/>
+              <a:rPr lang="en-US" dirty="0"/>
               <a:t> file for Visual Studio</a:t>
             </a:r>
           </a:p>
           <a:p>
             <a:pPr lvl="1"/>
             <a:r>
-              <a:rPr lang="en-US" dirty="0" smtClean="0"/>
+              <a:rPr lang="en-US" dirty="0"/>
               <a:t>No individual files</a:t>
             </a:r>
           </a:p>
           <a:p>
             <a:pPr lvl="1"/>
             <a:r>
-              <a:rPr lang="en-US" dirty="0" smtClean="0"/>
+              <a:rPr lang="en-US" dirty="0"/>
               <a:t>No assembly references</a:t>
             </a:r>
           </a:p>
           <a:p>
             <a:pPr lvl="1"/>
             <a:r>
-              <a:rPr lang="en-US" dirty="0" smtClean="0"/>
+              <a:rPr lang="en-US" dirty="0"/>
               <a:t>Enabled tooling, building</a:t>
             </a:r>
           </a:p>
           <a:p>
             <a:r>
-              <a:rPr lang="en-US" dirty="0" smtClean="0"/>
+              <a:rPr lang="en-US" dirty="0"/>
               <a:t>File system dictates project contents</a:t>
             </a:r>
-            <a:endParaRPr lang="en-US" dirty="0"/>
           </a:p>
         </p:txBody>
       </p:sp>
@@ -6842,7 +6338,7 @@
         </p:blipFill>
         <p:spPr>
           <a:xfrm>
-            <a:off x="5336210" y="1509028"/>
+            <a:off x="5624513" y="1295400"/>
             <a:ext cx="3367087" cy="4373343"/>
           </a:xfrm>
           <a:prstGeom prst="rect">
@@ -6873,17 +6369,10 @@
   <p:transition>
     <p:fade/>
   </p:transition>
-  <p:timing>
-    <p:tnLst>
-      <p:par>
-        <p:cTn id="1" dur="indefinite" restart="never" nodeType="tmRoot"/>
-      </p:par>
-    </p:tnLst>
-  </p:timing>
 </p:sld>
 </file>
 
-<file path=ppt/slides/slide8.xml><?xml version="1.0" encoding="utf-8"?>
+<file path=ppt/slides/slide7.xml><?xml version="1.0" encoding="utf-8"?>
 <p:sld xmlns:a="http://schemas.openxmlformats.org/drawingml/2006/main" xmlns:r="http://schemas.openxmlformats.org/officeDocument/2006/relationships" xmlns:p="http://schemas.openxmlformats.org/presentationml/2006/main">
   <p:cSld>
     <p:spTree>
@@ -6916,10 +6405,9 @@
           <a:lstStyle/>
           <a:p>
             <a:r>
-              <a:rPr lang="en-US" dirty="0" smtClean="0"/>
+              <a:rPr lang="en-US" dirty="0"/>
               <a:t>Dynamic Compilation</a:t>
             </a:r>
-            <a:endParaRPr lang="en-US" dirty="0"/>
           </a:p>
         </p:txBody>
       </p:sp>
@@ -6939,10 +6427,9 @@
           <a:lstStyle/>
           <a:p>
             <a:r>
-              <a:rPr lang="en-US" dirty="0" smtClean="0"/>
+              <a:rPr lang="en-US" dirty="0"/>
               <a:t>Roslyn builds assemblies in memory</a:t>
             </a:r>
-            <a:endParaRPr lang="en-US" dirty="0"/>
           </a:p>
         </p:txBody>
       </p:sp>
@@ -7009,17 +6496,10 @@
   <p:transition>
     <p:fade/>
   </p:transition>
-  <p:timing>
-    <p:tnLst>
-      <p:par>
-        <p:cTn id="1" dur="indefinite" restart="never" nodeType="tmRoot"/>
-      </p:par>
-    </p:tnLst>
-  </p:timing>
 </p:sld>
 </file>
 
-<file path=ppt/slides/slide9.xml><?xml version="1.0" encoding="utf-8"?>
+<file path=ppt/slides/slide8.xml><?xml version="1.0" encoding="utf-8"?>
 <p:sld xmlns:a="http://schemas.openxmlformats.org/drawingml/2006/main" xmlns:r="http://schemas.openxmlformats.org/officeDocument/2006/relationships" xmlns:p="http://schemas.openxmlformats.org/presentationml/2006/main">
   <p:cSld>
     <p:spTree>
@@ -7052,18 +6532,17 @@
           <a:lstStyle/>
           <a:p>
             <a:r>
-              <a:rPr lang="en-US" dirty="0" smtClean="0"/>
+              <a:rPr lang="en-US" dirty="0"/>
               <a:t>The </a:t>
             </a:r>
             <a:r>
-              <a:rPr lang="en-US" dirty="0" err="1" smtClean="0"/>
+              <a:rPr lang="en-US" dirty="0" err="1"/>
               <a:t>wwwroot</a:t>
             </a:r>
             <a:r>
-              <a:rPr lang="en-US" dirty="0" smtClean="0"/>
+              <a:rPr lang="en-US" dirty="0"/>
               <a:t> folder</a:t>
             </a:r>
-            <a:endParaRPr lang="en-US" dirty="0"/>
           </a:p>
         </p:txBody>
       </p:sp>
@@ -7083,34 +6562,34 @@
           <a:lstStyle/>
           <a:p>
             <a:r>
-              <a:rPr lang="en-US" dirty="0" smtClean="0"/>
+              <a:rPr lang="en-US" dirty="0"/>
               <a:t>Web site is rooted in </a:t>
             </a:r>
             <a:r>
-              <a:rPr lang="en-US" dirty="0" err="1" smtClean="0"/>
+              <a:rPr lang="en-US" dirty="0" err="1"/>
               <a:t>wwwroot</a:t>
             </a:r>
-            <a:endParaRPr lang="en-US" dirty="0" smtClean="0"/>
+            <a:endParaRPr lang="en-US" dirty="0"/>
           </a:p>
           <a:p>
             <a:pPr lvl="1"/>
             <a:r>
-              <a:rPr lang="en-US" dirty="0" smtClean="0"/>
+              <a:rPr lang="en-US" dirty="0"/>
               <a:t>Static assets must live in </a:t>
             </a:r>
             <a:r>
-              <a:rPr lang="en-US" dirty="0" err="1" smtClean="0"/>
+              <a:rPr lang="en-US" dirty="0" err="1"/>
               <a:t>wwwroot</a:t>
             </a:r>
-            <a:endParaRPr lang="en-US" dirty="0" smtClean="0"/>
-          </a:p>
-          <a:p>
-            <a:r>
-              <a:rPr lang="en-US" dirty="0" smtClean="0"/>
+            <a:endParaRPr lang="en-US" dirty="0"/>
+          </a:p>
+          <a:p>
+            <a:r>
+              <a:rPr lang="en-US" dirty="0"/>
               <a:t>Name is configurable in </a:t>
             </a:r>
             <a:r>
-              <a:rPr lang="en-US" dirty="0" err="1" smtClean="0"/>
+              <a:rPr lang="en-US" dirty="0" err="1"/>
               <a:t>project.json</a:t>
             </a:r>
             <a:endParaRPr lang="en-US" dirty="0"/>
@@ -7164,13 +6643,136 @@
   <p:transition>
     <p:fade/>
   </p:transition>
-  <p:timing>
-    <p:tnLst>
-      <p:par>
-        <p:cTn id="1" dur="indefinite" restart="never" nodeType="tmRoot"/>
-      </p:par>
-    </p:tnLst>
-  </p:timing>
+</p:sld>
+</file>
+
+<file path=ppt/slides/slide9.xml><?xml version="1.0" encoding="utf-8"?>
+<p:sld xmlns:a="http://schemas.openxmlformats.org/drawingml/2006/main" xmlns:r="http://schemas.openxmlformats.org/officeDocument/2006/relationships" xmlns:p="http://schemas.openxmlformats.org/presentationml/2006/main">
+  <p:cSld>
+    <p:spTree>
+      <p:nvGrpSpPr>
+        <p:cNvPr id="1" name=""/>
+        <p:cNvGrpSpPr/>
+        <p:nvPr/>
+      </p:nvGrpSpPr>
+      <p:grpSpPr>
+        <a:xfrm>
+          <a:off x="0" y="0"/>
+          <a:ext cx="0" cy="0"/>
+          <a:chOff x="0" y="0"/>
+          <a:chExt cx="0" cy="0"/>
+        </a:xfrm>
+      </p:grpSpPr>
+      <p:sp>
+        <p:nvSpPr>
+          <p:cNvPr id="2" name="Title 1"/>
+          <p:cNvSpPr>
+            <a:spLocks noGrp="1"/>
+          </p:cNvSpPr>
+          <p:nvPr>
+            <p:ph type="title"/>
+          </p:nvPr>
+        </p:nvSpPr>
+        <p:spPr/>
+        <p:txBody>
+          <a:bodyPr/>
+          <a:lstStyle/>
+          <a:p>
+            <a:r>
+              <a:rPr lang="en-US" dirty="0"/>
+              <a:t>The </a:t>
+            </a:r>
+            <a:r>
+              <a:rPr lang="en-US" dirty="0" err="1"/>
+              <a:t>config.json</a:t>
+            </a:r>
+            <a:r>
+              <a:rPr lang="en-US" dirty="0"/>
+              <a:t> file</a:t>
+            </a:r>
+          </a:p>
+        </p:txBody>
+      </p:sp>
+      <p:sp>
+        <p:nvSpPr>
+          <p:cNvPr id="3" name="Text Placeholder 2"/>
+          <p:cNvSpPr>
+            <a:spLocks noGrp="1"/>
+          </p:cNvSpPr>
+          <p:nvPr>
+            <p:ph type="body" idx="1"/>
+          </p:nvPr>
+        </p:nvSpPr>
+        <p:spPr/>
+        <p:txBody>
+          <a:bodyPr/>
+          <a:lstStyle/>
+          <a:p>
+            <a:r>
+              <a:rPr lang="en-US" dirty="0"/>
+              <a:t>Runtime configuration options include:</a:t>
+            </a:r>
+          </a:p>
+          <a:p>
+            <a:pPr lvl="1"/>
+            <a:r>
+              <a:rPr lang="en-US" dirty="0"/>
+              <a:t>JSON files</a:t>
+            </a:r>
+          </a:p>
+          <a:p>
+            <a:pPr lvl="1"/>
+            <a:r>
+              <a:rPr lang="en-US" dirty="0"/>
+              <a:t>INI files</a:t>
+            </a:r>
+          </a:p>
+          <a:p>
+            <a:pPr lvl="1"/>
+            <a:r>
+              <a:rPr lang="en-US" dirty="0"/>
+              <a:t>Environment variables</a:t>
+            </a:r>
+          </a:p>
+        </p:txBody>
+      </p:sp>
+      <p:pic>
+        <p:nvPicPr>
+          <p:cNvPr id="4" name="Picture 3"/>
+          <p:cNvPicPr>
+            <a:picLocks noChangeAspect="1"/>
+          </p:cNvPicPr>
+          <p:nvPr/>
+        </p:nvPicPr>
+        <p:blipFill>
+          <a:blip r:embed="rId2"/>
+          <a:stretch>
+            <a:fillRect/>
+          </a:stretch>
+        </p:blipFill>
+        <p:spPr>
+          <a:xfrm>
+            <a:off x="350044" y="3581400"/>
+            <a:ext cx="8443912" cy="983757"/>
+          </a:xfrm>
+          <a:prstGeom prst="rect">
+            <a:avLst/>
+          </a:prstGeom>
+        </p:spPr>
+      </p:pic>
+    </p:spTree>
+    <p:extLst>
+      <p:ext uri="{BB962C8B-B14F-4D97-AF65-F5344CB8AC3E}">
+        <p14:creationId xmlns:p14="http://schemas.microsoft.com/office/powerpoint/2010/main" val="942590297"/>
+      </p:ext>
+    </p:extLst>
+  </p:cSld>
+  <p:clrMapOvr>
+    <a:masterClrMapping/>
+  </p:clrMapOvr>
+  <p:transition>
+    <p:fade/>
+  </p:transition>
 </p:sld>
 </file>
 

--- a/aspnet5/slides/01_Overview.pptx
+++ b/aspnet5/slides/01_Overview.pptx
@@ -317,7 +317,7 @@
               <a:pPr>
                 <a:defRPr/>
               </a:pPr>
-              <a:t>4/30/2016</a:t>
+              <a:t>5/2/2016</a:t>
             </a:fld>
             <a:endParaRPr lang="en-US"/>
           </a:p>
@@ -941,7 +941,7 @@
           <a:lstStyle/>
           <a:p>
             <a:pPr eaLnBrk="1" hangingPunct="1"/>
-            <a:endParaRPr lang="en-US"/>
+            <a:endParaRPr lang="en-US" dirty="0"/>
           </a:p>
         </p:txBody>
       </p:sp>
@@ -3408,7 +3408,7 @@
             <a:pPr marL="0" indent="0" defTabSz="914400" eaLnBrk="1" hangingPunct="1"/>
             <a:r>
               <a:rPr lang="en-US" dirty="0"/>
-              <a:t>ASP.NET 5 Overview</a:t>
+              <a:t>ASP.NET Core Overview</a:t>
             </a:r>
           </a:p>
         </p:txBody>

--- a/aspnet5/slides/01_Overview.pptx
+++ b/aspnet5/slides/01_Overview.pptx
@@ -5,10 +5,10 @@
     <p:sldMasterId id="2147483772" r:id="rId1"/>
   </p:sldMasterIdLst>
   <p:notesMasterIdLst>
-    <p:notesMasterId r:id="rId25"/>
+    <p:notesMasterId r:id="rId21"/>
   </p:notesMasterIdLst>
   <p:handoutMasterIdLst>
-    <p:handoutMasterId r:id="rId26"/>
+    <p:handoutMasterId r:id="rId22"/>
   </p:handoutMasterIdLst>
   <p:sldIdLst>
     <p:sldId id="327" r:id="rId2"/>
@@ -20,20 +20,16 @@
     <p:sldId id="337" r:id="rId8"/>
     <p:sldId id="333" r:id="rId9"/>
     <p:sldId id="334" r:id="rId10"/>
-    <p:sldId id="332" r:id="rId11"/>
-    <p:sldId id="335" r:id="rId12"/>
-    <p:sldId id="336" r:id="rId13"/>
-    <p:sldId id="338" r:id="rId14"/>
-    <p:sldId id="339" r:id="rId15"/>
-    <p:sldId id="340" r:id="rId16"/>
-    <p:sldId id="349" r:id="rId17"/>
-    <p:sldId id="341" r:id="rId18"/>
-    <p:sldId id="342" r:id="rId19"/>
-    <p:sldId id="343" r:id="rId20"/>
-    <p:sldId id="344" r:id="rId21"/>
-    <p:sldId id="345" r:id="rId22"/>
-    <p:sldId id="346" r:id="rId23"/>
-    <p:sldId id="347" r:id="rId24"/>
+    <p:sldId id="335" r:id="rId11"/>
+    <p:sldId id="336" r:id="rId12"/>
+    <p:sldId id="338" r:id="rId13"/>
+    <p:sldId id="340" r:id="rId14"/>
+    <p:sldId id="342" r:id="rId15"/>
+    <p:sldId id="343" r:id="rId16"/>
+    <p:sldId id="344" r:id="rId17"/>
+    <p:sldId id="345" r:id="rId18"/>
+    <p:sldId id="346" r:id="rId19"/>
+    <p:sldId id="347" r:id="rId20"/>
   </p:sldIdLst>
   <p:sldSz cx="9144000" cy="6858000" type="screen4x3"/>
   <p:notesSz cx="7302500" cy="9588500"/>
@@ -176,14 +172,10 @@
             <p14:sldId id="337"/>
             <p14:sldId id="333"/>
             <p14:sldId id="334"/>
-            <p14:sldId id="332"/>
             <p14:sldId id="335"/>
             <p14:sldId id="336"/>
             <p14:sldId id="338"/>
-            <p14:sldId id="339"/>
             <p14:sldId id="340"/>
-            <p14:sldId id="349"/>
-            <p14:sldId id="341"/>
             <p14:sldId id="342"/>
             <p14:sldId id="343"/>
             <p14:sldId id="344"/>
@@ -317,7 +309,7 @@
               <a:pPr>
                 <a:defRPr/>
               </a:pPr>
-              <a:t>5/2/2016</a:t>
+              <a:t>2/21/2017</a:t>
             </a:fld>
             <a:endParaRPr lang="en-US"/>
           </a:p>
@@ -1209,7 +1201,7 @@
               <a:pPr>
                 <a:defRPr/>
               </a:pPr>
-              <a:t>11</a:t>
+              <a:t>10</a:t>
             </a:fld>
             <a:endParaRPr lang="en-US"/>
           </a:p>
@@ -1299,7 +1291,7 @@
               <a:pPr>
                 <a:defRPr/>
               </a:pPr>
-              <a:t>14</a:t>
+              <a:t>11</a:t>
             </a:fld>
             <a:endParaRPr lang="en-US"/>
           </a:p>
@@ -1308,7 +1300,7 @@
     </p:spTree>
     <p:extLst>
       <p:ext uri="{BB962C8B-B14F-4D97-AF65-F5344CB8AC3E}">
-        <p14:creationId xmlns:p14="http://schemas.microsoft.com/office/powerpoint/2010/main" val="374624918"/>
+        <p14:creationId xmlns:p14="http://schemas.microsoft.com/office/powerpoint/2010/main" val="907013250"/>
       </p:ext>
     </p:extLst>
   </p:cSld>
@@ -1389,7 +1381,7 @@
               <a:pPr>
                 <a:defRPr/>
               </a:pPr>
-              <a:t>17</a:t>
+              <a:t>14</a:t>
             </a:fld>
             <a:endParaRPr lang="en-US"/>
           </a:p>
@@ -1398,7 +1390,7 @@
     </p:spTree>
     <p:extLst>
       <p:ext uri="{BB962C8B-B14F-4D97-AF65-F5344CB8AC3E}">
-        <p14:creationId xmlns:p14="http://schemas.microsoft.com/office/powerpoint/2010/main" val="1500199805"/>
+        <p14:creationId xmlns:p14="http://schemas.microsoft.com/office/powerpoint/2010/main" val="3112602916"/>
       </p:ext>
     </p:extLst>
   </p:cSld>
@@ -1452,7 +1444,7 @@
           <a:bodyPr/>
           <a:lstStyle/>
           <a:p>
-            <a:endParaRPr lang="en-US" dirty="0"/>
+            <a:endParaRPr lang="en-US"/>
           </a:p>
         </p:txBody>
       </p:sp>
@@ -1479,97 +1471,7 @@
               <a:pPr>
                 <a:defRPr/>
               </a:pPr>
-              <a:t>18</a:t>
-            </a:fld>
-            <a:endParaRPr lang="en-US"/>
-          </a:p>
-        </p:txBody>
-      </p:sp>
-    </p:spTree>
-    <p:extLst>
-      <p:ext uri="{BB962C8B-B14F-4D97-AF65-F5344CB8AC3E}">
-        <p14:creationId xmlns:p14="http://schemas.microsoft.com/office/powerpoint/2010/main" val="3112602916"/>
-      </p:ext>
-    </p:extLst>
-  </p:cSld>
-  <p:clrMapOvr>
-    <a:masterClrMapping/>
-  </p:clrMapOvr>
-</p:notes>
-</file>
-
-<file path=ppt/notesSlides/notesSlide8.xml><?xml version="1.0" encoding="utf-8"?>
-<p:notes xmlns:a="http://schemas.openxmlformats.org/drawingml/2006/main" xmlns:r="http://schemas.openxmlformats.org/officeDocument/2006/relationships" xmlns:p="http://schemas.openxmlformats.org/presentationml/2006/main">
-  <p:cSld>
-    <p:spTree>
-      <p:nvGrpSpPr>
-        <p:cNvPr id="1" name=""/>
-        <p:cNvGrpSpPr/>
-        <p:nvPr/>
-      </p:nvGrpSpPr>
-      <p:grpSpPr>
-        <a:xfrm>
-          <a:off x="0" y="0"/>
-          <a:ext cx="0" cy="0"/>
-          <a:chOff x="0" y="0"/>
-          <a:chExt cx="0" cy="0"/>
-        </a:xfrm>
-      </p:grpSpPr>
-      <p:sp>
-        <p:nvSpPr>
-          <p:cNvPr id="2" name="Slide Image Placeholder 1"/>
-          <p:cNvSpPr>
-            <a:spLocks noGrp="1" noRot="1" noChangeAspect="1"/>
-          </p:cNvSpPr>
-          <p:nvPr>
-            <p:ph type="sldImg"/>
-          </p:nvPr>
-        </p:nvSpPr>
-        <p:spPr/>
-      </p:sp>
-      <p:sp>
-        <p:nvSpPr>
-          <p:cNvPr id="3" name="Notes Placeholder 2"/>
-          <p:cNvSpPr>
-            <a:spLocks noGrp="1"/>
-          </p:cNvSpPr>
-          <p:nvPr>
-            <p:ph type="body" idx="1"/>
-          </p:nvPr>
-        </p:nvSpPr>
-        <p:spPr/>
-        <p:txBody>
-          <a:bodyPr/>
-          <a:lstStyle/>
-          <a:p>
-            <a:endParaRPr lang="en-US"/>
-          </a:p>
-        </p:txBody>
-      </p:sp>
-      <p:sp>
-        <p:nvSpPr>
-          <p:cNvPr id="4" name="Slide Number Placeholder 3"/>
-          <p:cNvSpPr>
-            <a:spLocks noGrp="1"/>
-          </p:cNvSpPr>
-          <p:nvPr>
-            <p:ph type="sldNum" sz="quarter" idx="10"/>
-          </p:nvPr>
-        </p:nvSpPr>
-        <p:spPr/>
-        <p:txBody>
-          <a:bodyPr/>
-          <a:lstStyle/>
-          <a:p>
-            <a:pPr>
-              <a:defRPr/>
-            </a:pPr>
-            <a:fld id="{11D29CD3-EA91-4B07-8041-33A63E8C46BA}" type="slidenum">
-              <a:rPr lang="en-US" smtClean="0"/>
-              <a:pPr>
-                <a:defRPr/>
-              </a:pPr>
-              <a:t>23</a:t>
+              <a:t>19</a:t>
             </a:fld>
             <a:endParaRPr lang="en-US"/>
           </a:p>
@@ -3481,147 +3383,6 @@
           <a:p>
             <a:r>
               <a:rPr lang="en-US" dirty="0"/>
-              <a:t>The </a:t>
-            </a:r>
-            <a:r>
-              <a:rPr lang="en-US" dirty="0" err="1"/>
-              <a:t>project.json</a:t>
-            </a:r>
-            <a:endParaRPr lang="en-US" dirty="0"/>
-          </a:p>
-        </p:txBody>
-      </p:sp>
-      <p:sp>
-        <p:nvSpPr>
-          <p:cNvPr id="3" name="Text Placeholder 2"/>
-          <p:cNvSpPr>
-            <a:spLocks noGrp="1"/>
-          </p:cNvSpPr>
-          <p:nvPr>
-            <p:ph type="body" idx="1"/>
-          </p:nvPr>
-        </p:nvSpPr>
-        <p:spPr/>
-        <p:txBody>
-          <a:bodyPr/>
-          <a:lstStyle/>
-          <a:p>
-            <a:r>
-              <a:rPr lang="en-US" dirty="0" err="1"/>
-              <a:t>project.json</a:t>
-            </a:r>
-            <a:r>
-              <a:rPr lang="en-US" dirty="0"/>
-              <a:t> is the heart of the project</a:t>
-            </a:r>
-          </a:p>
-          <a:p>
-            <a:pPr lvl="1"/>
-            <a:r>
-              <a:rPr lang="en-US" dirty="0"/>
-              <a:t>Defines dependencies (references)</a:t>
-            </a:r>
-          </a:p>
-          <a:p>
-            <a:pPr lvl="1"/>
-            <a:r>
-              <a:rPr lang="en-US" dirty="0"/>
-              <a:t>Defines framework</a:t>
-            </a:r>
-          </a:p>
-          <a:p>
-            <a:pPr lvl="1"/>
-            <a:r>
-              <a:rPr lang="en-US" dirty="0"/>
-              <a:t>Defines the “build”</a:t>
-            </a:r>
-          </a:p>
-        </p:txBody>
-      </p:sp>
-      <p:pic>
-        <p:nvPicPr>
-          <p:cNvPr id="4" name="Picture 3"/>
-          <p:cNvPicPr>
-            <a:picLocks noChangeAspect="1"/>
-          </p:cNvPicPr>
-          <p:nvPr/>
-        </p:nvPicPr>
-        <p:blipFill>
-          <a:blip r:embed="rId2"/>
-          <a:stretch>
-            <a:fillRect/>
-          </a:stretch>
-        </p:blipFill>
-        <p:spPr>
-          <a:xfrm>
-            <a:off x="1690688" y="2971800"/>
-            <a:ext cx="5319712" cy="3430780"/>
-          </a:xfrm>
-          <a:prstGeom prst="rect">
-            <a:avLst/>
-          </a:prstGeom>
-          <a:ln>
-            <a:noFill/>
-          </a:ln>
-          <a:effectLst>
-            <a:outerShdw blurRad="292100" dist="139700" dir="2700000" algn="tl" rotWithShape="0">
-              <a:srgbClr val="333333">
-                <a:alpha val="65000"/>
-              </a:srgbClr>
-            </a:outerShdw>
-          </a:effectLst>
-        </p:spPr>
-      </p:pic>
-    </p:spTree>
-    <p:extLst>
-      <p:ext uri="{BB962C8B-B14F-4D97-AF65-F5344CB8AC3E}">
-        <p14:creationId xmlns:p14="http://schemas.microsoft.com/office/powerpoint/2010/main" val="3011975128"/>
-      </p:ext>
-    </p:extLst>
-  </p:cSld>
-  <p:clrMapOvr>
-    <a:masterClrMapping/>
-  </p:clrMapOvr>
-  <p:transition>
-    <p:fade/>
-  </p:transition>
-</p:sld>
-</file>
-
-<file path=ppt/slides/slide11.xml><?xml version="1.0" encoding="utf-8"?>
-<p:sld xmlns:a="http://schemas.openxmlformats.org/drawingml/2006/main" xmlns:r="http://schemas.openxmlformats.org/officeDocument/2006/relationships" xmlns:p="http://schemas.openxmlformats.org/presentationml/2006/main">
-  <p:cSld>
-    <p:spTree>
-      <p:nvGrpSpPr>
-        <p:cNvPr id="1" name=""/>
-        <p:cNvGrpSpPr/>
-        <p:nvPr/>
-      </p:nvGrpSpPr>
-      <p:grpSpPr>
-        <a:xfrm>
-          <a:off x="0" y="0"/>
-          <a:ext cx="0" cy="0"/>
-          <a:chOff x="0" y="0"/>
-          <a:chExt cx="0" cy="0"/>
-        </a:xfrm>
-      </p:grpSpPr>
-      <p:sp>
-        <p:nvSpPr>
-          <p:cNvPr id="2" name="Title 1"/>
-          <p:cNvSpPr>
-            <a:spLocks noGrp="1"/>
-          </p:cNvSpPr>
-          <p:nvPr>
-            <p:ph type="title"/>
-          </p:nvPr>
-        </p:nvSpPr>
-        <p:spPr/>
-        <p:txBody>
-          <a:bodyPr/>
-          <a:lstStyle/>
-          <a:p>
-            <a:r>
-              <a:rPr lang="en-US" dirty="0"/>
               <a:t>Dependencies</a:t>
             </a:r>
           </a:p>
@@ -3801,7 +3562,7 @@
 </p:sld>
 </file>
 
-<file path=ppt/slides/slide12.xml><?xml version="1.0" encoding="utf-8"?>
+<file path=ppt/slides/slide11.xml><?xml version="1.0" encoding="utf-8"?>
 <p:sld xmlns:a="http://schemas.openxmlformats.org/drawingml/2006/main" xmlns:r="http://schemas.openxmlformats.org/officeDocument/2006/relationships" xmlns:p="http://schemas.openxmlformats.org/presentationml/2006/main">
   <p:cSld>
     <p:spTree>
@@ -3877,31 +3638,7 @@
       </p:sp>
       <p:pic>
         <p:nvPicPr>
-          <p:cNvPr id="4" name="Picture 3"/>
-          <p:cNvPicPr>
-            <a:picLocks noChangeAspect="1"/>
-          </p:cNvPicPr>
-          <p:nvPr/>
-        </p:nvPicPr>
-        <p:blipFill>
-          <a:blip r:embed="rId2"/>
-          <a:stretch>
-            <a:fillRect/>
-          </a:stretch>
-        </p:blipFill>
-        <p:spPr>
-          <a:xfrm>
-            <a:off x="1524000" y="3200400"/>
-            <a:ext cx="2676525" cy="1152525"/>
-          </a:xfrm>
-          <a:prstGeom prst="rect">
-            <a:avLst/>
-          </a:prstGeom>
-        </p:spPr>
-      </p:pic>
-      <p:pic>
-        <p:nvPicPr>
-          <p:cNvPr id="5" name="Picture 4"/>
+          <p:cNvPr id="6" name="Picture 5"/>
           <p:cNvPicPr>
             <a:picLocks noChangeAspect="1"/>
           </p:cNvPicPr>
@@ -3915,8 +3652,32 @@
         </p:blipFill>
         <p:spPr>
           <a:xfrm>
-            <a:off x="4953000" y="3438524"/>
-            <a:ext cx="2305050" cy="676275"/>
+            <a:off x="885825" y="2662237"/>
+            <a:ext cx="7372350" cy="1533525"/>
+          </a:xfrm>
+          <a:prstGeom prst="rect">
+            <a:avLst/>
+          </a:prstGeom>
+        </p:spPr>
+      </p:pic>
+      <p:pic>
+        <p:nvPicPr>
+          <p:cNvPr id="7" name="Picture 6"/>
+          <p:cNvPicPr>
+            <a:picLocks noChangeAspect="1"/>
+          </p:cNvPicPr>
+          <p:nvPr/>
+        </p:nvPicPr>
+        <p:blipFill>
+          <a:blip r:embed="rId4"/>
+          <a:stretch>
+            <a:fillRect/>
+          </a:stretch>
+        </p:blipFill>
+        <p:spPr>
+          <a:xfrm>
+            <a:off x="809625" y="4455318"/>
+            <a:ext cx="7524750" cy="1228725"/>
           </a:xfrm>
           <a:prstGeom prst="rect">
             <a:avLst/>
@@ -3939,7 +3700,7 @@
 </p:sld>
 </file>
 
-<file path=ppt/slides/slide13.xml><?xml version="1.0" encoding="utf-8"?>
+<file path=ppt/slides/slide12.xml><?xml version="1.0" encoding="utf-8"?>
 <p:sld xmlns:a="http://schemas.openxmlformats.org/drawingml/2006/main" xmlns:r="http://schemas.openxmlformats.org/officeDocument/2006/relationships" xmlns:p="http://schemas.openxmlformats.org/presentationml/2006/main">
   <p:cSld>
     <p:spTree>
@@ -4046,7 +3807,7 @@
 </p:sld>
 </file>
 
-<file path=ppt/slides/slide14.xml><?xml version="1.0" encoding="utf-8"?>
+<file path=ppt/slides/slide13.xml><?xml version="1.0" encoding="utf-8"?>
 <p:sld xmlns:a="http://schemas.openxmlformats.org/drawingml/2006/main" xmlns:r="http://schemas.openxmlformats.org/officeDocument/2006/relationships" xmlns:p="http://schemas.openxmlformats.org/presentationml/2006/main">
   <p:cSld>
     <p:spTree>
@@ -4080,7 +3841,7 @@
           <a:p>
             <a:r>
               <a:rPr lang="en-US" dirty="0"/>
-              <a:t>Managing .NET</a:t>
+              <a:t>Executing .NET</a:t>
             </a:r>
           </a:p>
         </p:txBody>
@@ -4101,119 +3862,12 @@
           <a:lstStyle/>
           <a:p>
             <a:r>
+              <a:rPr lang="en-US" dirty="0" err="1"/>
+              <a:t>dotnet</a:t>
+            </a:r>
+            <a:r>
               <a:rPr lang="en-US" dirty="0"/>
-              <a:t>DNVM - .NET Version Manager</a:t>
-            </a:r>
-          </a:p>
-          <a:p>
-            <a:pPr lvl="1"/>
-            <a:r>
-              <a:rPr lang="en-US" dirty="0"/>
-              <a:t>Set default execution environment</a:t>
-            </a:r>
-          </a:p>
-          <a:p>
-            <a:endParaRPr lang="en-US" dirty="0"/>
-          </a:p>
-        </p:txBody>
-      </p:sp>
-      <p:pic>
-        <p:nvPicPr>
-          <p:cNvPr id="4" name="Picture 3"/>
-          <p:cNvPicPr>
-            <a:picLocks noChangeAspect="1"/>
-          </p:cNvPicPr>
-          <p:nvPr/>
-        </p:nvPicPr>
-        <p:blipFill>
-          <a:blip r:embed="rId3"/>
-          <a:stretch>
-            <a:fillRect/>
-          </a:stretch>
-        </p:blipFill>
-        <p:spPr>
-          <a:xfrm>
-            <a:off x="1555011" y="2209800"/>
-            <a:ext cx="6033978" cy="4401193"/>
-          </a:xfrm>
-          <a:prstGeom prst="rect">
-            <a:avLst/>
-          </a:prstGeom>
-        </p:spPr>
-      </p:pic>
-    </p:spTree>
-    <p:extLst>
-      <p:ext uri="{BB962C8B-B14F-4D97-AF65-F5344CB8AC3E}">
-        <p14:creationId xmlns:p14="http://schemas.microsoft.com/office/powerpoint/2010/main" val="131624184"/>
-      </p:ext>
-    </p:extLst>
-  </p:cSld>
-  <p:clrMapOvr>
-    <a:masterClrMapping/>
-  </p:clrMapOvr>
-  <p:transition>
-    <p:fade/>
-  </p:transition>
-</p:sld>
-</file>
-
-<file path=ppt/slides/slide15.xml><?xml version="1.0" encoding="utf-8"?>
-<p:sld xmlns:a="http://schemas.openxmlformats.org/drawingml/2006/main" xmlns:r="http://schemas.openxmlformats.org/officeDocument/2006/relationships" xmlns:p="http://schemas.openxmlformats.org/presentationml/2006/main">
-  <p:cSld>
-    <p:spTree>
-      <p:nvGrpSpPr>
-        <p:cNvPr id="1" name=""/>
-        <p:cNvGrpSpPr/>
-        <p:nvPr/>
-      </p:nvGrpSpPr>
-      <p:grpSpPr>
-        <a:xfrm>
-          <a:off x="0" y="0"/>
-          <a:ext cx="0" cy="0"/>
-          <a:chOff x="0" y="0"/>
-          <a:chExt cx="0" cy="0"/>
-        </a:xfrm>
-      </p:grpSpPr>
-      <p:sp>
-        <p:nvSpPr>
-          <p:cNvPr id="2" name="Title 1"/>
-          <p:cNvSpPr>
-            <a:spLocks noGrp="1"/>
-          </p:cNvSpPr>
-          <p:nvPr>
-            <p:ph type="title"/>
-          </p:nvPr>
-        </p:nvSpPr>
-        <p:spPr/>
-        <p:txBody>
-          <a:bodyPr/>
-          <a:lstStyle/>
-          <a:p>
-            <a:r>
-              <a:rPr lang="en-US" dirty="0"/>
-              <a:t>Executing .NET</a:t>
-            </a:r>
-          </a:p>
-        </p:txBody>
-      </p:sp>
-      <p:sp>
-        <p:nvSpPr>
-          <p:cNvPr id="3" name="Text Placeholder 2"/>
-          <p:cNvSpPr>
-            <a:spLocks noGrp="1"/>
-          </p:cNvSpPr>
-          <p:nvPr>
-            <p:ph type="body" idx="1"/>
-          </p:nvPr>
-        </p:nvSpPr>
-        <p:spPr/>
-        <p:txBody>
-          <a:bodyPr/>
-          <a:lstStyle/>
-          <a:p>
-            <a:r>
-              <a:rPr lang="en-US" dirty="0"/>
-              <a:t>DNX - .NET Execution Environment</a:t>
+              <a:t> - .NET Execution Environment</a:t>
             </a:r>
           </a:p>
           <a:p>
@@ -4246,8 +3900,8 @@
         </p:blipFill>
         <p:spPr>
           <a:xfrm>
-            <a:off x="1600200" y="2819400"/>
-            <a:ext cx="5109942" cy="3727199"/>
+            <a:off x="838200" y="3200400"/>
+            <a:ext cx="7696200" cy="1821586"/>
           </a:xfrm>
           <a:prstGeom prst="rect">
             <a:avLst/>
@@ -4270,211 +3924,7 @@
 </p:sld>
 </file>
 
-<file path=ppt/slides/slide16.xml><?xml version="1.0" encoding="utf-8"?>
-<p:sld xmlns:a="http://schemas.openxmlformats.org/drawingml/2006/main" xmlns:r="http://schemas.openxmlformats.org/officeDocument/2006/relationships" xmlns:p="http://schemas.openxmlformats.org/presentationml/2006/main">
-  <p:cSld>
-    <p:spTree>
-      <p:nvGrpSpPr>
-        <p:cNvPr id="1" name=""/>
-        <p:cNvGrpSpPr/>
-        <p:nvPr/>
-      </p:nvGrpSpPr>
-      <p:grpSpPr>
-        <a:xfrm>
-          <a:off x="0" y="0"/>
-          <a:ext cx="0" cy="0"/>
-          <a:chOff x="0" y="0"/>
-          <a:chExt cx="0" cy="0"/>
-        </a:xfrm>
-      </p:grpSpPr>
-      <p:sp>
-        <p:nvSpPr>
-          <p:cNvPr id="2" name="Title 1"/>
-          <p:cNvSpPr>
-            <a:spLocks noGrp="1"/>
-          </p:cNvSpPr>
-          <p:nvPr>
-            <p:ph type="title"/>
-          </p:nvPr>
-        </p:nvSpPr>
-        <p:spPr/>
-        <p:txBody>
-          <a:bodyPr/>
-          <a:lstStyle/>
-          <a:p>
-            <a:r>
-              <a:rPr lang="en-US" dirty="0"/>
-              <a:t>Managing Runtimes From VS</a:t>
-            </a:r>
-          </a:p>
-        </p:txBody>
-      </p:sp>
-      <p:sp>
-        <p:nvSpPr>
-          <p:cNvPr id="3" name="Text Placeholder 2"/>
-          <p:cNvSpPr>
-            <a:spLocks noGrp="1"/>
-          </p:cNvSpPr>
-          <p:nvPr>
-            <p:ph type="body" idx="1"/>
-          </p:nvPr>
-        </p:nvSpPr>
-        <p:spPr/>
-        <p:txBody>
-          <a:bodyPr/>
-          <a:lstStyle/>
-          <a:p>
-            <a:endParaRPr lang="en-US"/>
-          </a:p>
-        </p:txBody>
-      </p:sp>
-      <p:pic>
-        <p:nvPicPr>
-          <p:cNvPr id="4" name="Picture 3"/>
-          <p:cNvPicPr>
-            <a:picLocks noChangeAspect="1"/>
-          </p:cNvPicPr>
-          <p:nvPr/>
-        </p:nvPicPr>
-        <p:blipFill>
-          <a:blip r:embed="rId2"/>
-          <a:stretch>
-            <a:fillRect/>
-          </a:stretch>
-        </p:blipFill>
-        <p:spPr>
-          <a:xfrm>
-            <a:off x="1066800" y="1295400"/>
-            <a:ext cx="7153275" cy="5015153"/>
-          </a:xfrm>
-          <a:prstGeom prst="rect">
-            <a:avLst/>
-          </a:prstGeom>
-        </p:spPr>
-      </p:pic>
-    </p:spTree>
-    <p:extLst>
-      <p:ext uri="{BB962C8B-B14F-4D97-AF65-F5344CB8AC3E}">
-        <p14:creationId xmlns:p14="http://schemas.microsoft.com/office/powerpoint/2010/main" val="1280110417"/>
-      </p:ext>
-    </p:extLst>
-  </p:cSld>
-  <p:clrMapOvr>
-    <a:masterClrMapping/>
-  </p:clrMapOvr>
-  <p:transition>
-    <p:fade/>
-  </p:transition>
-</p:sld>
-</file>
-
-<file path=ppt/slides/slide17.xml><?xml version="1.0" encoding="utf-8"?>
-<p:sld xmlns:a="http://schemas.openxmlformats.org/drawingml/2006/main" xmlns:r="http://schemas.openxmlformats.org/officeDocument/2006/relationships" xmlns:p="http://schemas.openxmlformats.org/presentationml/2006/main">
-  <p:cSld>
-    <p:spTree>
-      <p:nvGrpSpPr>
-        <p:cNvPr id="1" name=""/>
-        <p:cNvGrpSpPr/>
-        <p:nvPr/>
-      </p:nvGrpSpPr>
-      <p:grpSpPr>
-        <a:xfrm>
-          <a:off x="0" y="0"/>
-          <a:ext cx="0" cy="0"/>
-          <a:chOff x="0" y="0"/>
-          <a:chExt cx="0" cy="0"/>
-        </a:xfrm>
-      </p:grpSpPr>
-      <p:sp>
-        <p:nvSpPr>
-          <p:cNvPr id="2" name="Title 1"/>
-          <p:cNvSpPr>
-            <a:spLocks noGrp="1"/>
-          </p:cNvSpPr>
-          <p:nvPr>
-            <p:ph type="title"/>
-          </p:nvPr>
-        </p:nvSpPr>
-        <p:spPr/>
-        <p:txBody>
-          <a:bodyPr/>
-          <a:lstStyle/>
-          <a:p>
-            <a:r>
-              <a:rPr lang="en-US" dirty="0"/>
-              <a:t>Locations</a:t>
-            </a:r>
-          </a:p>
-        </p:txBody>
-      </p:sp>
-      <p:sp>
-        <p:nvSpPr>
-          <p:cNvPr id="3" name="Text Placeholder 2"/>
-          <p:cNvSpPr>
-            <a:spLocks noGrp="1"/>
-          </p:cNvSpPr>
-          <p:nvPr>
-            <p:ph type="body" idx="1"/>
-          </p:nvPr>
-        </p:nvSpPr>
-        <p:spPr/>
-        <p:txBody>
-          <a:bodyPr/>
-          <a:lstStyle/>
-          <a:p>
-            <a:r>
-              <a:rPr lang="en-US" dirty="0"/>
-              <a:t>Look in ~/.</a:t>
-            </a:r>
-            <a:r>
-              <a:rPr lang="en-US" dirty="0" err="1"/>
-              <a:t>dnx</a:t>
-            </a:r>
-            <a:endParaRPr lang="en-US" dirty="0"/>
-          </a:p>
-        </p:txBody>
-      </p:sp>
-      <p:pic>
-        <p:nvPicPr>
-          <p:cNvPr id="4" name="Picture 3"/>
-          <p:cNvPicPr>
-            <a:picLocks noChangeAspect="1"/>
-          </p:cNvPicPr>
-          <p:nvPr/>
-        </p:nvPicPr>
-        <p:blipFill>
-          <a:blip r:embed="rId3"/>
-          <a:stretch>
-            <a:fillRect/>
-          </a:stretch>
-        </p:blipFill>
-        <p:spPr>
-          <a:xfrm>
-            <a:off x="280987" y="2362200"/>
-            <a:ext cx="8582025" cy="3419475"/>
-          </a:xfrm>
-          <a:prstGeom prst="rect">
-            <a:avLst/>
-          </a:prstGeom>
-        </p:spPr>
-      </p:pic>
-    </p:spTree>
-    <p:extLst>
-      <p:ext uri="{BB962C8B-B14F-4D97-AF65-F5344CB8AC3E}">
-        <p14:creationId xmlns:p14="http://schemas.microsoft.com/office/powerpoint/2010/main" val="836720630"/>
-      </p:ext>
-    </p:extLst>
-  </p:cSld>
-  <p:clrMapOvr>
-    <a:masterClrMapping/>
-  </p:clrMapOvr>
-  <p:transition>
-    <p:fade/>
-  </p:transition>
-</p:sld>
-</file>
-
-<file path=ppt/slides/slide18.xml><?xml version="1.0" encoding="utf-8"?>
+<file path=ppt/slides/slide14.xml><?xml version="1.0" encoding="utf-8"?>
 <p:sld xmlns:a="http://schemas.openxmlformats.org/drawingml/2006/main" xmlns:r="http://schemas.openxmlformats.org/officeDocument/2006/relationships" xmlns:p="http://schemas.openxmlformats.org/presentationml/2006/main">
   <p:cSld>
     <p:spTree>
@@ -4596,7 +4046,7 @@
 </p:sld>
 </file>
 
-<file path=ppt/slides/slide19.xml><?xml version="1.0" encoding="utf-8"?>
+<file path=ppt/slides/slide15.xml><?xml version="1.0" encoding="utf-8"?>
 <p:sld xmlns:a="http://schemas.openxmlformats.org/drawingml/2006/main" xmlns:r="http://schemas.openxmlformats.org/officeDocument/2006/relationships" xmlns:p="http://schemas.openxmlformats.org/presentationml/2006/main">
   <p:cSld>
     <p:spTree>
@@ -4655,17 +4105,1606 @@
               <a:t>Middleware is the HTTP processing pipeline</a:t>
             </a:r>
           </a:p>
+        </p:txBody>
+      </p:sp>
+      <p:sp>
+        <p:nvSpPr>
+          <p:cNvPr id="4" name="Rectangle 3"/>
+          <p:cNvSpPr/>
+          <p:nvPr/>
+        </p:nvSpPr>
+        <p:spPr bwMode="auto">
+          <a:xfrm>
+            <a:off x="698500" y="2971800"/>
+            <a:ext cx="2286000" cy="1447800"/>
+          </a:xfrm>
+          <a:prstGeom prst="rect">
+            <a:avLst/>
+          </a:prstGeom>
+          <a:solidFill>
+            <a:srgbClr val="D3D3A9"/>
+          </a:solidFill>
+          <a:ln>
+            <a:headEnd/>
+            <a:tailEnd/>
+          </a:ln>
+        </p:spPr>
+        <p:style>
+          <a:lnRef idx="2">
+            <a:schemeClr val="dk1">
+              <a:shade val="50000"/>
+            </a:schemeClr>
+          </a:lnRef>
+          <a:fillRef idx="1">
+            <a:schemeClr val="dk1"/>
+          </a:fillRef>
+          <a:effectRef idx="0">
+            <a:schemeClr val="dk1"/>
+          </a:effectRef>
+          <a:fontRef idx="minor">
+            <a:schemeClr val="lt1"/>
+          </a:fontRef>
+        </p:style>
+        <p:txBody>
+          <a:bodyPr wrap="none" rtlCol="0" anchor="ctr"/>
+          <a:lstStyle/>
+          <a:p>
+            <a:pPr algn="ctr"/>
+            <a:r>
+              <a:rPr lang="en-US" sz="2000" dirty="0">
+                <a:solidFill>
+                  <a:schemeClr val="tx1"/>
+                </a:solidFill>
+                <a:latin typeface="Tekton Pro" pitchFamily="34" charset="0"/>
+              </a:rPr>
+              <a:t>Me</a:t>
+            </a:r>
+          </a:p>
+        </p:txBody>
+      </p:sp>
+      <p:sp>
+        <p:nvSpPr>
+          <p:cNvPr id="5" name="Rectangle 4"/>
+          <p:cNvSpPr/>
+          <p:nvPr/>
+        </p:nvSpPr>
+        <p:spPr bwMode="auto">
+          <a:xfrm>
+            <a:off x="3403600" y="2971800"/>
+            <a:ext cx="2286000" cy="1447800"/>
+          </a:xfrm>
+          <a:prstGeom prst="rect">
+            <a:avLst/>
+          </a:prstGeom>
+          <a:solidFill>
+            <a:srgbClr val="D3D3A9"/>
+          </a:solidFill>
+          <a:ln>
+            <a:headEnd/>
+            <a:tailEnd/>
+          </a:ln>
+        </p:spPr>
+        <p:style>
+          <a:lnRef idx="2">
+            <a:schemeClr val="dk1">
+              <a:shade val="50000"/>
+            </a:schemeClr>
+          </a:lnRef>
+          <a:fillRef idx="1">
+            <a:schemeClr val="dk1"/>
+          </a:fillRef>
+          <a:effectRef idx="0">
+            <a:schemeClr val="dk1"/>
+          </a:effectRef>
+          <a:fontRef idx="minor">
+            <a:schemeClr val="lt1"/>
+          </a:fontRef>
+        </p:style>
+        <p:txBody>
+          <a:bodyPr wrap="none" rtlCol="0" anchor="ctr"/>
+          <a:lstStyle/>
+          <a:p>
+            <a:pPr algn="ctr"/>
+            <a:r>
+              <a:rPr lang="en-US" sz="2000" dirty="0">
+                <a:solidFill>
+                  <a:schemeClr val="tx1"/>
+                </a:solidFill>
+                <a:latin typeface="Tekton Pro" pitchFamily="34" charset="0"/>
+              </a:rPr>
+              <a:t>Mom</a:t>
+            </a:r>
+          </a:p>
+        </p:txBody>
+      </p:sp>
+      <p:sp>
+        <p:nvSpPr>
+          <p:cNvPr id="6" name="Rectangle 5"/>
+          <p:cNvSpPr/>
+          <p:nvPr/>
+        </p:nvSpPr>
+        <p:spPr bwMode="auto">
+          <a:xfrm>
+            <a:off x="6096000" y="2971800"/>
+            <a:ext cx="2286000" cy="1447800"/>
+          </a:xfrm>
+          <a:prstGeom prst="rect">
+            <a:avLst/>
+          </a:prstGeom>
+          <a:solidFill>
+            <a:srgbClr val="D3D3A9"/>
+          </a:solidFill>
+          <a:ln>
+            <a:headEnd/>
+            <a:tailEnd/>
+          </a:ln>
+        </p:spPr>
+        <p:style>
+          <a:lnRef idx="2">
+            <a:schemeClr val="dk1">
+              <a:shade val="50000"/>
+            </a:schemeClr>
+          </a:lnRef>
+          <a:fillRef idx="1">
+            <a:schemeClr val="dk1"/>
+          </a:fillRef>
+          <a:effectRef idx="0">
+            <a:schemeClr val="dk1"/>
+          </a:effectRef>
+          <a:fontRef idx="minor">
+            <a:schemeClr val="lt1"/>
+          </a:fontRef>
+        </p:style>
+        <p:txBody>
+          <a:bodyPr wrap="none" rtlCol="0" anchor="ctr"/>
+          <a:lstStyle/>
+          <a:p>
+            <a:pPr algn="ctr"/>
+            <a:r>
+              <a:rPr lang="en-US" sz="2000" dirty="0">
+                <a:solidFill>
+                  <a:schemeClr val="tx1"/>
+                </a:solidFill>
+                <a:latin typeface="Tekton Pro" pitchFamily="34" charset="0"/>
+              </a:rPr>
+              <a:t>Dad</a:t>
+            </a:r>
+          </a:p>
+        </p:txBody>
+      </p:sp>
+      <p:sp>
+        <p:nvSpPr>
+          <p:cNvPr id="7" name="Right Arrow 8"/>
+          <p:cNvSpPr/>
+          <p:nvPr/>
+        </p:nvSpPr>
+        <p:spPr bwMode="auto">
+          <a:xfrm>
+            <a:off x="2644775" y="3000375"/>
+            <a:ext cx="1092200" cy="609600"/>
+          </a:xfrm>
+          <a:prstGeom prst="rightArrow">
+            <a:avLst/>
+          </a:prstGeom>
+          <a:ln>
+            <a:headEnd/>
+            <a:tailEnd/>
+          </a:ln>
+        </p:spPr>
+        <p:style>
+          <a:lnRef idx="2">
+            <a:schemeClr val="dk1">
+              <a:shade val="50000"/>
+            </a:schemeClr>
+          </a:lnRef>
+          <a:fillRef idx="1">
+            <a:schemeClr val="dk1"/>
+          </a:fillRef>
+          <a:effectRef idx="0">
+            <a:schemeClr val="dk1"/>
+          </a:effectRef>
+          <a:fontRef idx="minor">
+            <a:schemeClr val="lt1"/>
+          </a:fontRef>
+        </p:style>
+        <p:txBody>
+          <a:bodyPr wrap="none" rtlCol="0" anchor="ctr"/>
+          <a:lstStyle/>
+          <a:p>
+            <a:pPr algn="ctr"/>
+            <a:r>
+              <a:rPr lang="en-US" sz="2000" dirty="0">
+                <a:latin typeface="Tekton Pro" pitchFamily="34" charset="0"/>
+              </a:rPr>
+              <a:t>next</a:t>
+            </a:r>
+          </a:p>
+        </p:txBody>
+      </p:sp>
+      <p:sp>
+        <p:nvSpPr>
+          <p:cNvPr id="8" name="Right Arrow 12"/>
+          <p:cNvSpPr/>
+          <p:nvPr/>
+        </p:nvSpPr>
+        <p:spPr bwMode="auto">
+          <a:xfrm>
+            <a:off x="5338960" y="3000375"/>
+            <a:ext cx="1092200" cy="609600"/>
+          </a:xfrm>
+          <a:prstGeom prst="rightArrow">
+            <a:avLst/>
+          </a:prstGeom>
+          <a:ln>
+            <a:headEnd/>
+            <a:tailEnd/>
+          </a:ln>
+        </p:spPr>
+        <p:style>
+          <a:lnRef idx="2">
+            <a:schemeClr val="dk1">
+              <a:shade val="50000"/>
+            </a:schemeClr>
+          </a:lnRef>
+          <a:fillRef idx="1">
+            <a:schemeClr val="dk1"/>
+          </a:fillRef>
+          <a:effectRef idx="0">
+            <a:schemeClr val="dk1"/>
+          </a:effectRef>
+          <a:fontRef idx="minor">
+            <a:schemeClr val="lt1"/>
+          </a:fontRef>
+        </p:style>
+        <p:txBody>
+          <a:bodyPr wrap="none" rtlCol="0" anchor="ctr"/>
+          <a:lstStyle/>
+          <a:p>
+            <a:pPr algn="ctr"/>
+            <a:r>
+              <a:rPr lang="en-US" sz="2000" dirty="0">
+                <a:latin typeface="Tekton Pro" pitchFamily="34" charset="0"/>
+              </a:rPr>
+              <a:t>next</a:t>
+            </a:r>
+          </a:p>
+        </p:txBody>
+      </p:sp>
+      <p:sp>
+        <p:nvSpPr>
+          <p:cNvPr id="9" name="Left Arrow 9"/>
+          <p:cNvSpPr/>
+          <p:nvPr/>
+        </p:nvSpPr>
+        <p:spPr bwMode="auto">
+          <a:xfrm>
+            <a:off x="5353199" y="3790950"/>
+            <a:ext cx="1094780" cy="609600"/>
+          </a:xfrm>
+          <a:prstGeom prst="leftArrow">
+            <a:avLst/>
+          </a:prstGeom>
+          <a:ln>
+            <a:headEnd/>
+            <a:tailEnd/>
+          </a:ln>
+        </p:spPr>
+        <p:style>
+          <a:lnRef idx="2">
+            <a:schemeClr val="dk1">
+              <a:shade val="50000"/>
+            </a:schemeClr>
+          </a:lnRef>
+          <a:fillRef idx="1">
+            <a:schemeClr val="dk1"/>
+          </a:fillRef>
+          <a:effectRef idx="0">
+            <a:schemeClr val="dk1"/>
+          </a:effectRef>
+          <a:fontRef idx="minor">
+            <a:schemeClr val="lt1"/>
+          </a:fontRef>
+        </p:style>
+        <p:txBody>
+          <a:bodyPr wrap="none" rtlCol="0" anchor="ctr"/>
+          <a:lstStyle/>
+          <a:p>
+            <a:pPr algn="ctr"/>
+            <a:r>
+              <a:rPr lang="en-US" sz="2000" dirty="0">
+                <a:latin typeface="Tekton Pro" pitchFamily="34" charset="0"/>
+              </a:rPr>
+              <a:t>return</a:t>
+            </a:r>
+          </a:p>
+        </p:txBody>
+      </p:sp>
+      <p:sp>
+        <p:nvSpPr>
+          <p:cNvPr id="10" name="Left Arrow 20"/>
+          <p:cNvSpPr/>
+          <p:nvPr/>
+        </p:nvSpPr>
+        <p:spPr bwMode="auto">
+          <a:xfrm>
+            <a:off x="2653010" y="3810000"/>
+            <a:ext cx="1094780" cy="609600"/>
+          </a:xfrm>
+          <a:prstGeom prst="leftArrow">
+            <a:avLst/>
+          </a:prstGeom>
+          <a:ln>
+            <a:headEnd/>
+            <a:tailEnd/>
+          </a:ln>
+        </p:spPr>
+        <p:style>
+          <a:lnRef idx="2">
+            <a:schemeClr val="dk1">
+              <a:shade val="50000"/>
+            </a:schemeClr>
+          </a:lnRef>
+          <a:fillRef idx="1">
+            <a:schemeClr val="dk1"/>
+          </a:fillRef>
+          <a:effectRef idx="0">
+            <a:schemeClr val="dk1"/>
+          </a:effectRef>
+          <a:fontRef idx="minor">
+            <a:schemeClr val="lt1"/>
+          </a:fontRef>
+        </p:style>
+        <p:txBody>
+          <a:bodyPr wrap="none" rtlCol="0" anchor="ctr"/>
+          <a:lstStyle/>
+          <a:p>
+            <a:pPr algn="ctr"/>
+            <a:r>
+              <a:rPr lang="en-US" sz="2000" dirty="0">
+                <a:latin typeface="Tekton Pro" pitchFamily="34" charset="0"/>
+              </a:rPr>
+              <a:t>return</a:t>
+            </a:r>
+          </a:p>
+        </p:txBody>
+      </p:sp>
+      <p:sp>
+        <p:nvSpPr>
+          <p:cNvPr id="11" name="Rectangle 10"/>
+          <p:cNvSpPr/>
+          <p:nvPr/>
+        </p:nvSpPr>
+        <p:spPr bwMode="auto">
+          <a:xfrm>
+            <a:off x="931167" y="2476500"/>
+            <a:ext cx="1820665" cy="609600"/>
+          </a:xfrm>
+          <a:prstGeom prst="rect">
+            <a:avLst/>
+          </a:prstGeom>
+          <a:ln>
+            <a:headEnd/>
+            <a:tailEnd/>
+          </a:ln>
+        </p:spPr>
+        <p:style>
+          <a:lnRef idx="2">
+            <a:schemeClr val="accent1">
+              <a:shade val="50000"/>
+            </a:schemeClr>
+          </a:lnRef>
+          <a:fillRef idx="1">
+            <a:schemeClr val="accent1"/>
+          </a:fillRef>
+          <a:effectRef idx="0">
+            <a:schemeClr val="accent1"/>
+          </a:effectRef>
+          <a:fontRef idx="minor">
+            <a:schemeClr val="lt1"/>
+          </a:fontRef>
+        </p:style>
+        <p:txBody>
+          <a:bodyPr wrap="none" rtlCol="0" anchor="ctr"/>
+          <a:lstStyle/>
+          <a:p>
+            <a:pPr algn="ctr"/>
+            <a:r>
+              <a:rPr lang="en-US" sz="2000" dirty="0">
+                <a:latin typeface="Tekton Pro" pitchFamily="34" charset="0"/>
+              </a:rPr>
+              <a:t>POST /corn</a:t>
+            </a:r>
+          </a:p>
+        </p:txBody>
+      </p:sp>
+      <p:sp>
+        <p:nvSpPr>
+          <p:cNvPr id="12" name="Rectangle 11"/>
+          <p:cNvSpPr/>
+          <p:nvPr/>
+        </p:nvSpPr>
+        <p:spPr bwMode="auto">
+          <a:xfrm>
+            <a:off x="3649861" y="2433638"/>
+            <a:ext cx="1820665" cy="609600"/>
+          </a:xfrm>
+          <a:prstGeom prst="rect">
+            <a:avLst/>
+          </a:prstGeom>
+          <a:ln>
+            <a:headEnd/>
+            <a:tailEnd/>
+          </a:ln>
+        </p:spPr>
+        <p:style>
+          <a:lnRef idx="2">
+            <a:schemeClr val="accent1">
+              <a:shade val="50000"/>
+            </a:schemeClr>
+          </a:lnRef>
+          <a:fillRef idx="1">
+            <a:schemeClr val="accent1"/>
+          </a:fillRef>
+          <a:effectRef idx="0">
+            <a:schemeClr val="accent1"/>
+          </a:effectRef>
+          <a:fontRef idx="minor">
+            <a:schemeClr val="lt1"/>
+          </a:fontRef>
+        </p:style>
+        <p:txBody>
+          <a:bodyPr wrap="none" rtlCol="0" anchor="ctr"/>
+          <a:lstStyle/>
+          <a:p>
+            <a:pPr algn="ctr"/>
+            <a:r>
+              <a:rPr lang="en-US" sz="2000" dirty="0">
+                <a:latin typeface="Tekton Pro" pitchFamily="34" charset="0"/>
+              </a:rPr>
+              <a:t>POST /corn</a:t>
+            </a:r>
+          </a:p>
+        </p:txBody>
+      </p:sp>
+      <p:sp>
+        <p:nvSpPr>
+          <p:cNvPr id="13" name="Rectangle 12"/>
+          <p:cNvSpPr/>
+          <p:nvPr/>
+        </p:nvSpPr>
+        <p:spPr bwMode="auto">
+          <a:xfrm>
+            <a:off x="6370836" y="2433638"/>
+            <a:ext cx="1820665" cy="609600"/>
+          </a:xfrm>
+          <a:prstGeom prst="rect">
+            <a:avLst/>
+          </a:prstGeom>
+          <a:ln>
+            <a:headEnd/>
+            <a:tailEnd/>
+          </a:ln>
+        </p:spPr>
+        <p:style>
+          <a:lnRef idx="2">
+            <a:schemeClr val="accent1">
+              <a:shade val="50000"/>
+            </a:schemeClr>
+          </a:lnRef>
+          <a:fillRef idx="1">
+            <a:schemeClr val="accent1"/>
+          </a:fillRef>
+          <a:effectRef idx="0">
+            <a:schemeClr val="accent1"/>
+          </a:effectRef>
+          <a:fontRef idx="minor">
+            <a:schemeClr val="lt1"/>
+          </a:fontRef>
+        </p:style>
+        <p:txBody>
+          <a:bodyPr wrap="none" rtlCol="0" anchor="ctr"/>
+          <a:lstStyle/>
+          <a:p>
+            <a:pPr algn="ctr"/>
+            <a:r>
+              <a:rPr lang="en-US" sz="2000" dirty="0">
+                <a:latin typeface="Tekton Pro" pitchFamily="34" charset="0"/>
+              </a:rPr>
+              <a:t>POST /corn</a:t>
+            </a:r>
+          </a:p>
+        </p:txBody>
+      </p:sp>
+      <p:sp>
+        <p:nvSpPr>
+          <p:cNvPr id="14" name="Rectangle 13"/>
+          <p:cNvSpPr/>
+          <p:nvPr/>
+        </p:nvSpPr>
+        <p:spPr bwMode="auto">
+          <a:xfrm>
+            <a:off x="6370344" y="4357687"/>
+            <a:ext cx="1820665" cy="1128714"/>
+          </a:xfrm>
+          <a:prstGeom prst="rect">
+            <a:avLst/>
+          </a:prstGeom>
+          <a:ln>
+            <a:headEnd/>
+            <a:tailEnd/>
+          </a:ln>
+        </p:spPr>
+        <p:style>
+          <a:lnRef idx="2">
+            <a:schemeClr val="accent1">
+              <a:shade val="50000"/>
+            </a:schemeClr>
+          </a:lnRef>
+          <a:fillRef idx="1">
+            <a:schemeClr val="accent1"/>
+          </a:fillRef>
+          <a:effectRef idx="0">
+            <a:schemeClr val="accent1"/>
+          </a:effectRef>
+          <a:fontRef idx="minor">
+            <a:schemeClr val="lt1"/>
+          </a:fontRef>
+        </p:style>
+        <p:txBody>
+          <a:bodyPr wrap="none" rtlCol="0" anchor="ctr"/>
+          <a:lstStyle/>
+          <a:p>
+            <a:pPr algn="ctr"/>
+            <a:r>
+              <a:rPr lang="en-US" sz="1400" dirty="0">
+                <a:latin typeface="Tekton Pro" pitchFamily="34" charset="0"/>
+              </a:rPr>
+              <a:t>HTTP/1.0 200 OK</a:t>
+            </a:r>
+          </a:p>
+          <a:p>
+            <a:pPr algn="ctr"/>
+            <a:r>
+              <a:rPr lang="en-US" sz="1400" dirty="0">
+                <a:latin typeface="Tekton Pro" pitchFamily="34" charset="0"/>
+              </a:rPr>
+              <a:t>&lt;html&gt;</a:t>
+            </a:r>
+          </a:p>
+          <a:p>
+            <a:pPr algn="ctr"/>
+            <a:r>
+              <a:rPr lang="en-US" sz="1400" dirty="0">
+                <a:latin typeface="Tekton Pro" pitchFamily="34" charset="0"/>
+              </a:rPr>
+              <a:t>….</a:t>
+            </a:r>
+          </a:p>
+          <a:p>
+            <a:pPr algn="ctr"/>
+            <a:r>
+              <a:rPr lang="en-US" sz="1400" dirty="0">
+                <a:latin typeface="Tekton Pro" pitchFamily="34" charset="0"/>
+              </a:rPr>
+              <a:t>&lt;/html&gt;</a:t>
+            </a:r>
+          </a:p>
+        </p:txBody>
+      </p:sp>
+      <p:sp>
+        <p:nvSpPr>
+          <p:cNvPr id="15" name="Rectangle 14"/>
+          <p:cNvSpPr/>
+          <p:nvPr/>
+        </p:nvSpPr>
+        <p:spPr bwMode="auto">
+          <a:xfrm>
+            <a:off x="3665244" y="4367212"/>
+            <a:ext cx="1820665" cy="1128714"/>
+          </a:xfrm>
+          <a:prstGeom prst="rect">
+            <a:avLst/>
+          </a:prstGeom>
+          <a:ln>
+            <a:headEnd/>
+            <a:tailEnd/>
+          </a:ln>
+        </p:spPr>
+        <p:style>
+          <a:lnRef idx="2">
+            <a:schemeClr val="accent1">
+              <a:shade val="50000"/>
+            </a:schemeClr>
+          </a:lnRef>
+          <a:fillRef idx="1">
+            <a:schemeClr val="accent1"/>
+          </a:fillRef>
+          <a:effectRef idx="0">
+            <a:schemeClr val="accent1"/>
+          </a:effectRef>
+          <a:fontRef idx="minor">
+            <a:schemeClr val="lt1"/>
+          </a:fontRef>
+        </p:style>
+        <p:txBody>
+          <a:bodyPr wrap="none" rtlCol="0" anchor="ctr"/>
+          <a:lstStyle/>
+          <a:p>
+            <a:pPr algn="ctr"/>
+            <a:r>
+              <a:rPr lang="en-US" sz="1400" dirty="0">
+                <a:latin typeface="Tekton Pro" pitchFamily="34" charset="0"/>
+              </a:rPr>
+              <a:t>HTTP/1.0 200 OK</a:t>
+            </a:r>
+          </a:p>
+          <a:p>
+            <a:pPr algn="ctr"/>
+            <a:r>
+              <a:rPr lang="en-US" sz="1400" dirty="0">
+                <a:latin typeface="Tekton Pro" pitchFamily="34" charset="0"/>
+              </a:rPr>
+              <a:t>&lt;html&gt;</a:t>
+            </a:r>
+          </a:p>
+          <a:p>
+            <a:pPr algn="ctr"/>
+            <a:r>
+              <a:rPr lang="en-US" sz="1400" dirty="0">
+                <a:latin typeface="Tekton Pro" pitchFamily="34" charset="0"/>
+              </a:rPr>
+              <a:t>….</a:t>
+            </a:r>
+          </a:p>
+          <a:p>
+            <a:pPr algn="ctr"/>
+            <a:r>
+              <a:rPr lang="en-US" sz="1400" dirty="0">
+                <a:latin typeface="Tekton Pro" pitchFamily="34" charset="0"/>
+              </a:rPr>
+              <a:t>&lt;/html&gt;</a:t>
+            </a:r>
+          </a:p>
+        </p:txBody>
+      </p:sp>
+      <p:sp>
+        <p:nvSpPr>
+          <p:cNvPr id="16" name="Rectangle 15"/>
+          <p:cNvSpPr/>
+          <p:nvPr/>
+        </p:nvSpPr>
+        <p:spPr bwMode="auto">
+          <a:xfrm>
+            <a:off x="931167" y="4348162"/>
+            <a:ext cx="1820665" cy="1128714"/>
+          </a:xfrm>
+          <a:prstGeom prst="rect">
+            <a:avLst/>
+          </a:prstGeom>
+          <a:ln>
+            <a:headEnd/>
+            <a:tailEnd/>
+          </a:ln>
+        </p:spPr>
+        <p:style>
+          <a:lnRef idx="2">
+            <a:schemeClr val="accent1">
+              <a:shade val="50000"/>
+            </a:schemeClr>
+          </a:lnRef>
+          <a:fillRef idx="1">
+            <a:schemeClr val="accent1"/>
+          </a:fillRef>
+          <a:effectRef idx="0">
+            <a:schemeClr val="accent1"/>
+          </a:effectRef>
+          <a:fontRef idx="minor">
+            <a:schemeClr val="lt1"/>
+          </a:fontRef>
+        </p:style>
+        <p:txBody>
+          <a:bodyPr wrap="none" rtlCol="0" anchor="ctr"/>
+          <a:lstStyle/>
+          <a:p>
+            <a:pPr algn="ctr"/>
+            <a:r>
+              <a:rPr lang="en-US" sz="1400" dirty="0">
+                <a:latin typeface="Tekton Pro" pitchFamily="34" charset="0"/>
+              </a:rPr>
+              <a:t>HTTP/1.0 200 OK</a:t>
+            </a:r>
+          </a:p>
+          <a:p>
+            <a:pPr algn="ctr"/>
+            <a:r>
+              <a:rPr lang="en-US" sz="1400" dirty="0">
+                <a:latin typeface="Tekton Pro" pitchFamily="34" charset="0"/>
+              </a:rPr>
+              <a:t>&lt;html&gt;</a:t>
+            </a:r>
+          </a:p>
+          <a:p>
+            <a:pPr algn="ctr"/>
+            <a:r>
+              <a:rPr lang="en-US" sz="1400" dirty="0">
+                <a:latin typeface="Tekton Pro" pitchFamily="34" charset="0"/>
+              </a:rPr>
+              <a:t>….</a:t>
+            </a:r>
+          </a:p>
+          <a:p>
+            <a:pPr algn="ctr"/>
+            <a:r>
+              <a:rPr lang="en-US" sz="1400" dirty="0">
+                <a:latin typeface="Tekton Pro" pitchFamily="34" charset="0"/>
+              </a:rPr>
+              <a:t>&lt;/html&gt;</a:t>
+            </a:r>
+          </a:p>
+        </p:txBody>
+      </p:sp>
+    </p:spTree>
+    <p:extLst>
+      <p:ext uri="{BB962C8B-B14F-4D97-AF65-F5344CB8AC3E}">
+        <p14:creationId xmlns:p14="http://schemas.microsoft.com/office/powerpoint/2010/main" val="1471707818"/>
+      </p:ext>
+    </p:extLst>
+  </p:cSld>
+  <p:clrMapOvr>
+    <a:masterClrMapping/>
+  </p:clrMapOvr>
+  <p:transition>
+    <p:fade/>
+  </p:transition>
+  <p:timing>
+    <p:tnLst>
+      <p:par>
+        <p:cTn id="1" dur="indefinite" restart="never" nodeType="tmRoot">
+          <p:childTnLst>
+            <p:seq concurrent="1" nextAc="seek">
+              <p:cTn id="2" dur="indefinite" nodeType="mainSeq">
+                <p:childTnLst>
+                  <p:par>
+                    <p:cTn id="3" fill="hold">
+                      <p:stCondLst>
+                        <p:cond delay="indefinite"/>
+                      </p:stCondLst>
+                      <p:childTnLst>
+                        <p:par>
+                          <p:cTn id="4" fill="hold">
+                            <p:stCondLst>
+                              <p:cond delay="0"/>
+                            </p:stCondLst>
+                            <p:childTnLst>
+                              <p:par>
+                                <p:cTn id="5" presetID="10" presetClass="entr" presetSubtype="0" fill="hold" grpId="0" nodeType="clickEffect">
+                                  <p:stCondLst>
+                                    <p:cond delay="0"/>
+                                  </p:stCondLst>
+                                  <p:childTnLst>
+                                    <p:set>
+                                      <p:cBhvr>
+                                        <p:cTn id="6" dur="1" fill="hold">
+                                          <p:stCondLst>
+                                            <p:cond delay="0"/>
+                                          </p:stCondLst>
+                                        </p:cTn>
+                                        <p:tgtEl>
+                                          <p:spTgt spid="11"/>
+                                        </p:tgtEl>
+                                        <p:attrNameLst>
+                                          <p:attrName>style.visibility</p:attrName>
+                                        </p:attrNameLst>
+                                      </p:cBhvr>
+                                      <p:to>
+                                        <p:strVal val="visible"/>
+                                      </p:to>
+                                    </p:set>
+                                    <p:animEffect transition="in" filter="fade">
+                                      <p:cBhvr>
+                                        <p:cTn id="7" dur="500"/>
+                                        <p:tgtEl>
+                                          <p:spTgt spid="11"/>
+                                        </p:tgtEl>
+                                      </p:cBhvr>
+                                    </p:animEffect>
+                                  </p:childTnLst>
+                                </p:cTn>
+                              </p:par>
+                            </p:childTnLst>
+                          </p:cTn>
+                        </p:par>
+                      </p:childTnLst>
+                    </p:cTn>
+                  </p:par>
+                  <p:par>
+                    <p:cTn id="8" fill="hold">
+                      <p:stCondLst>
+                        <p:cond delay="indefinite"/>
+                      </p:stCondLst>
+                      <p:childTnLst>
+                        <p:par>
+                          <p:cTn id="9" fill="hold">
+                            <p:stCondLst>
+                              <p:cond delay="0"/>
+                            </p:stCondLst>
+                            <p:childTnLst>
+                              <p:par>
+                                <p:cTn id="10" presetID="10" presetClass="entr" presetSubtype="0" fill="hold" grpId="0" nodeType="clickEffect">
+                                  <p:stCondLst>
+                                    <p:cond delay="0"/>
+                                  </p:stCondLst>
+                                  <p:childTnLst>
+                                    <p:set>
+                                      <p:cBhvr>
+                                        <p:cTn id="11" dur="1" fill="hold">
+                                          <p:stCondLst>
+                                            <p:cond delay="0"/>
+                                          </p:stCondLst>
+                                        </p:cTn>
+                                        <p:tgtEl>
+                                          <p:spTgt spid="7"/>
+                                        </p:tgtEl>
+                                        <p:attrNameLst>
+                                          <p:attrName>style.visibility</p:attrName>
+                                        </p:attrNameLst>
+                                      </p:cBhvr>
+                                      <p:to>
+                                        <p:strVal val="visible"/>
+                                      </p:to>
+                                    </p:set>
+                                    <p:animEffect transition="in" filter="fade">
+                                      <p:cBhvr>
+                                        <p:cTn id="12" dur="500"/>
+                                        <p:tgtEl>
+                                          <p:spTgt spid="7"/>
+                                        </p:tgtEl>
+                                      </p:cBhvr>
+                                    </p:animEffect>
+                                  </p:childTnLst>
+                                </p:cTn>
+                              </p:par>
+                            </p:childTnLst>
+                          </p:cTn>
+                        </p:par>
+                      </p:childTnLst>
+                    </p:cTn>
+                  </p:par>
+                  <p:par>
+                    <p:cTn id="13" fill="hold">
+                      <p:stCondLst>
+                        <p:cond delay="indefinite"/>
+                      </p:stCondLst>
+                      <p:childTnLst>
+                        <p:par>
+                          <p:cTn id="14" fill="hold">
+                            <p:stCondLst>
+                              <p:cond delay="0"/>
+                            </p:stCondLst>
+                            <p:childTnLst>
+                              <p:par>
+                                <p:cTn id="15" presetID="10" presetClass="entr" presetSubtype="0" fill="hold" grpId="0" nodeType="clickEffect">
+                                  <p:stCondLst>
+                                    <p:cond delay="0"/>
+                                  </p:stCondLst>
+                                  <p:childTnLst>
+                                    <p:set>
+                                      <p:cBhvr>
+                                        <p:cTn id="16" dur="1" fill="hold">
+                                          <p:stCondLst>
+                                            <p:cond delay="0"/>
+                                          </p:stCondLst>
+                                        </p:cTn>
+                                        <p:tgtEl>
+                                          <p:spTgt spid="12"/>
+                                        </p:tgtEl>
+                                        <p:attrNameLst>
+                                          <p:attrName>style.visibility</p:attrName>
+                                        </p:attrNameLst>
+                                      </p:cBhvr>
+                                      <p:to>
+                                        <p:strVal val="visible"/>
+                                      </p:to>
+                                    </p:set>
+                                    <p:animEffect transition="in" filter="fade">
+                                      <p:cBhvr>
+                                        <p:cTn id="17" dur="500"/>
+                                        <p:tgtEl>
+                                          <p:spTgt spid="12"/>
+                                        </p:tgtEl>
+                                      </p:cBhvr>
+                                    </p:animEffect>
+                                  </p:childTnLst>
+                                </p:cTn>
+                              </p:par>
+                            </p:childTnLst>
+                          </p:cTn>
+                        </p:par>
+                      </p:childTnLst>
+                    </p:cTn>
+                  </p:par>
+                  <p:par>
+                    <p:cTn id="18" fill="hold">
+                      <p:stCondLst>
+                        <p:cond delay="indefinite"/>
+                      </p:stCondLst>
+                      <p:childTnLst>
+                        <p:par>
+                          <p:cTn id="19" fill="hold">
+                            <p:stCondLst>
+                              <p:cond delay="0"/>
+                            </p:stCondLst>
+                            <p:childTnLst>
+                              <p:par>
+                                <p:cTn id="20" presetID="10" presetClass="entr" presetSubtype="0" fill="hold" grpId="0" nodeType="clickEffect">
+                                  <p:stCondLst>
+                                    <p:cond delay="0"/>
+                                  </p:stCondLst>
+                                  <p:childTnLst>
+                                    <p:set>
+                                      <p:cBhvr>
+                                        <p:cTn id="21" dur="1" fill="hold">
+                                          <p:stCondLst>
+                                            <p:cond delay="0"/>
+                                          </p:stCondLst>
+                                        </p:cTn>
+                                        <p:tgtEl>
+                                          <p:spTgt spid="8"/>
+                                        </p:tgtEl>
+                                        <p:attrNameLst>
+                                          <p:attrName>style.visibility</p:attrName>
+                                        </p:attrNameLst>
+                                      </p:cBhvr>
+                                      <p:to>
+                                        <p:strVal val="visible"/>
+                                      </p:to>
+                                    </p:set>
+                                    <p:animEffect transition="in" filter="fade">
+                                      <p:cBhvr>
+                                        <p:cTn id="22" dur="500"/>
+                                        <p:tgtEl>
+                                          <p:spTgt spid="8"/>
+                                        </p:tgtEl>
+                                      </p:cBhvr>
+                                    </p:animEffect>
+                                  </p:childTnLst>
+                                </p:cTn>
+                              </p:par>
+                            </p:childTnLst>
+                          </p:cTn>
+                        </p:par>
+                      </p:childTnLst>
+                    </p:cTn>
+                  </p:par>
+                  <p:par>
+                    <p:cTn id="23" fill="hold">
+                      <p:stCondLst>
+                        <p:cond delay="indefinite"/>
+                      </p:stCondLst>
+                      <p:childTnLst>
+                        <p:par>
+                          <p:cTn id="24" fill="hold">
+                            <p:stCondLst>
+                              <p:cond delay="0"/>
+                            </p:stCondLst>
+                            <p:childTnLst>
+                              <p:par>
+                                <p:cTn id="25" presetID="10" presetClass="entr" presetSubtype="0" fill="hold" grpId="0" nodeType="clickEffect">
+                                  <p:stCondLst>
+                                    <p:cond delay="0"/>
+                                  </p:stCondLst>
+                                  <p:childTnLst>
+                                    <p:set>
+                                      <p:cBhvr>
+                                        <p:cTn id="26" dur="1" fill="hold">
+                                          <p:stCondLst>
+                                            <p:cond delay="0"/>
+                                          </p:stCondLst>
+                                        </p:cTn>
+                                        <p:tgtEl>
+                                          <p:spTgt spid="13"/>
+                                        </p:tgtEl>
+                                        <p:attrNameLst>
+                                          <p:attrName>style.visibility</p:attrName>
+                                        </p:attrNameLst>
+                                      </p:cBhvr>
+                                      <p:to>
+                                        <p:strVal val="visible"/>
+                                      </p:to>
+                                    </p:set>
+                                    <p:animEffect transition="in" filter="fade">
+                                      <p:cBhvr>
+                                        <p:cTn id="27" dur="500"/>
+                                        <p:tgtEl>
+                                          <p:spTgt spid="13"/>
+                                        </p:tgtEl>
+                                      </p:cBhvr>
+                                    </p:animEffect>
+                                  </p:childTnLst>
+                                </p:cTn>
+                              </p:par>
+                            </p:childTnLst>
+                          </p:cTn>
+                        </p:par>
+                      </p:childTnLst>
+                    </p:cTn>
+                  </p:par>
+                  <p:par>
+                    <p:cTn id="28" fill="hold">
+                      <p:stCondLst>
+                        <p:cond delay="indefinite"/>
+                      </p:stCondLst>
+                      <p:childTnLst>
+                        <p:par>
+                          <p:cTn id="29" fill="hold">
+                            <p:stCondLst>
+                              <p:cond delay="0"/>
+                            </p:stCondLst>
+                            <p:childTnLst>
+                              <p:par>
+                                <p:cTn id="30" presetID="10" presetClass="entr" presetSubtype="0" fill="hold" grpId="0" nodeType="clickEffect">
+                                  <p:stCondLst>
+                                    <p:cond delay="0"/>
+                                  </p:stCondLst>
+                                  <p:childTnLst>
+                                    <p:set>
+                                      <p:cBhvr>
+                                        <p:cTn id="31" dur="1" fill="hold">
+                                          <p:stCondLst>
+                                            <p:cond delay="0"/>
+                                          </p:stCondLst>
+                                        </p:cTn>
+                                        <p:tgtEl>
+                                          <p:spTgt spid="14"/>
+                                        </p:tgtEl>
+                                        <p:attrNameLst>
+                                          <p:attrName>style.visibility</p:attrName>
+                                        </p:attrNameLst>
+                                      </p:cBhvr>
+                                      <p:to>
+                                        <p:strVal val="visible"/>
+                                      </p:to>
+                                    </p:set>
+                                    <p:animEffect transition="in" filter="fade">
+                                      <p:cBhvr>
+                                        <p:cTn id="32" dur="500"/>
+                                        <p:tgtEl>
+                                          <p:spTgt spid="14"/>
+                                        </p:tgtEl>
+                                      </p:cBhvr>
+                                    </p:animEffect>
+                                  </p:childTnLst>
+                                </p:cTn>
+                              </p:par>
+                            </p:childTnLst>
+                          </p:cTn>
+                        </p:par>
+                      </p:childTnLst>
+                    </p:cTn>
+                  </p:par>
+                  <p:par>
+                    <p:cTn id="33" fill="hold">
+                      <p:stCondLst>
+                        <p:cond delay="indefinite"/>
+                      </p:stCondLst>
+                      <p:childTnLst>
+                        <p:par>
+                          <p:cTn id="34" fill="hold">
+                            <p:stCondLst>
+                              <p:cond delay="0"/>
+                            </p:stCondLst>
+                            <p:childTnLst>
+                              <p:par>
+                                <p:cTn id="35" presetID="10" presetClass="entr" presetSubtype="0" fill="hold" grpId="0" nodeType="clickEffect">
+                                  <p:stCondLst>
+                                    <p:cond delay="0"/>
+                                  </p:stCondLst>
+                                  <p:childTnLst>
+                                    <p:set>
+                                      <p:cBhvr>
+                                        <p:cTn id="36" dur="1" fill="hold">
+                                          <p:stCondLst>
+                                            <p:cond delay="0"/>
+                                          </p:stCondLst>
+                                        </p:cTn>
+                                        <p:tgtEl>
+                                          <p:spTgt spid="9"/>
+                                        </p:tgtEl>
+                                        <p:attrNameLst>
+                                          <p:attrName>style.visibility</p:attrName>
+                                        </p:attrNameLst>
+                                      </p:cBhvr>
+                                      <p:to>
+                                        <p:strVal val="visible"/>
+                                      </p:to>
+                                    </p:set>
+                                    <p:animEffect transition="in" filter="fade">
+                                      <p:cBhvr>
+                                        <p:cTn id="37" dur="500"/>
+                                        <p:tgtEl>
+                                          <p:spTgt spid="9"/>
+                                        </p:tgtEl>
+                                      </p:cBhvr>
+                                    </p:animEffect>
+                                  </p:childTnLst>
+                                </p:cTn>
+                              </p:par>
+                            </p:childTnLst>
+                          </p:cTn>
+                        </p:par>
+                      </p:childTnLst>
+                    </p:cTn>
+                  </p:par>
+                  <p:par>
+                    <p:cTn id="38" fill="hold">
+                      <p:stCondLst>
+                        <p:cond delay="indefinite"/>
+                      </p:stCondLst>
+                      <p:childTnLst>
+                        <p:par>
+                          <p:cTn id="39" fill="hold">
+                            <p:stCondLst>
+                              <p:cond delay="0"/>
+                            </p:stCondLst>
+                            <p:childTnLst>
+                              <p:par>
+                                <p:cTn id="40" presetID="10" presetClass="entr" presetSubtype="0" fill="hold" grpId="0" nodeType="clickEffect">
+                                  <p:stCondLst>
+                                    <p:cond delay="0"/>
+                                  </p:stCondLst>
+                                  <p:childTnLst>
+                                    <p:set>
+                                      <p:cBhvr>
+                                        <p:cTn id="41" dur="1" fill="hold">
+                                          <p:stCondLst>
+                                            <p:cond delay="0"/>
+                                          </p:stCondLst>
+                                        </p:cTn>
+                                        <p:tgtEl>
+                                          <p:spTgt spid="15"/>
+                                        </p:tgtEl>
+                                        <p:attrNameLst>
+                                          <p:attrName>style.visibility</p:attrName>
+                                        </p:attrNameLst>
+                                      </p:cBhvr>
+                                      <p:to>
+                                        <p:strVal val="visible"/>
+                                      </p:to>
+                                    </p:set>
+                                    <p:animEffect transition="in" filter="fade">
+                                      <p:cBhvr>
+                                        <p:cTn id="42" dur="500"/>
+                                        <p:tgtEl>
+                                          <p:spTgt spid="15"/>
+                                        </p:tgtEl>
+                                      </p:cBhvr>
+                                    </p:animEffect>
+                                  </p:childTnLst>
+                                </p:cTn>
+                              </p:par>
+                            </p:childTnLst>
+                          </p:cTn>
+                        </p:par>
+                      </p:childTnLst>
+                    </p:cTn>
+                  </p:par>
+                  <p:par>
+                    <p:cTn id="43" fill="hold">
+                      <p:stCondLst>
+                        <p:cond delay="indefinite"/>
+                      </p:stCondLst>
+                      <p:childTnLst>
+                        <p:par>
+                          <p:cTn id="44" fill="hold">
+                            <p:stCondLst>
+                              <p:cond delay="0"/>
+                            </p:stCondLst>
+                            <p:childTnLst>
+                              <p:par>
+                                <p:cTn id="45" presetID="10" presetClass="entr" presetSubtype="0" fill="hold" grpId="0" nodeType="clickEffect">
+                                  <p:stCondLst>
+                                    <p:cond delay="0"/>
+                                  </p:stCondLst>
+                                  <p:childTnLst>
+                                    <p:set>
+                                      <p:cBhvr>
+                                        <p:cTn id="46" dur="1" fill="hold">
+                                          <p:stCondLst>
+                                            <p:cond delay="0"/>
+                                          </p:stCondLst>
+                                        </p:cTn>
+                                        <p:tgtEl>
+                                          <p:spTgt spid="10"/>
+                                        </p:tgtEl>
+                                        <p:attrNameLst>
+                                          <p:attrName>style.visibility</p:attrName>
+                                        </p:attrNameLst>
+                                      </p:cBhvr>
+                                      <p:to>
+                                        <p:strVal val="visible"/>
+                                      </p:to>
+                                    </p:set>
+                                    <p:animEffect transition="in" filter="fade">
+                                      <p:cBhvr>
+                                        <p:cTn id="47" dur="500"/>
+                                        <p:tgtEl>
+                                          <p:spTgt spid="10"/>
+                                        </p:tgtEl>
+                                      </p:cBhvr>
+                                    </p:animEffect>
+                                  </p:childTnLst>
+                                </p:cTn>
+                              </p:par>
+                            </p:childTnLst>
+                          </p:cTn>
+                        </p:par>
+                      </p:childTnLst>
+                    </p:cTn>
+                  </p:par>
+                  <p:par>
+                    <p:cTn id="48" fill="hold">
+                      <p:stCondLst>
+                        <p:cond delay="indefinite"/>
+                      </p:stCondLst>
+                      <p:childTnLst>
+                        <p:par>
+                          <p:cTn id="49" fill="hold">
+                            <p:stCondLst>
+                              <p:cond delay="0"/>
+                            </p:stCondLst>
+                            <p:childTnLst>
+                              <p:par>
+                                <p:cTn id="50" presetID="10" presetClass="entr" presetSubtype="0" fill="hold" grpId="0" nodeType="clickEffect">
+                                  <p:stCondLst>
+                                    <p:cond delay="0"/>
+                                  </p:stCondLst>
+                                  <p:childTnLst>
+                                    <p:set>
+                                      <p:cBhvr>
+                                        <p:cTn id="51" dur="1" fill="hold">
+                                          <p:stCondLst>
+                                            <p:cond delay="0"/>
+                                          </p:stCondLst>
+                                        </p:cTn>
+                                        <p:tgtEl>
+                                          <p:spTgt spid="16"/>
+                                        </p:tgtEl>
+                                        <p:attrNameLst>
+                                          <p:attrName>style.visibility</p:attrName>
+                                        </p:attrNameLst>
+                                      </p:cBhvr>
+                                      <p:to>
+                                        <p:strVal val="visible"/>
+                                      </p:to>
+                                    </p:set>
+                                    <p:animEffect transition="in" filter="fade">
+                                      <p:cBhvr>
+                                        <p:cTn id="52" dur="500"/>
+                                        <p:tgtEl>
+                                          <p:spTgt spid="16"/>
+                                        </p:tgtEl>
+                                      </p:cBhvr>
+                                    </p:animEffect>
+                                  </p:childTnLst>
+                                </p:cTn>
+                              </p:par>
+                            </p:childTnLst>
+                          </p:cTn>
+                        </p:par>
+                      </p:childTnLst>
+                    </p:cTn>
+                  </p:par>
+                </p:childTnLst>
+              </p:cTn>
+              <p:prevCondLst>
+                <p:cond evt="onPrev" delay="0">
+                  <p:tgtEl>
+                    <p:sldTgt/>
+                  </p:tgtEl>
+                </p:cond>
+              </p:prevCondLst>
+              <p:nextCondLst>
+                <p:cond evt="onNext" delay="0">
+                  <p:tgtEl>
+                    <p:sldTgt/>
+                  </p:tgtEl>
+                </p:cond>
+              </p:nextCondLst>
+            </p:seq>
+          </p:childTnLst>
+        </p:cTn>
+      </p:par>
+    </p:tnLst>
+    <p:bldLst>
+      <p:bldP spid="7" grpId="0" animBg="1"/>
+      <p:bldP spid="8" grpId="0" animBg="1"/>
+      <p:bldP spid="9" grpId="0" animBg="1"/>
+      <p:bldP spid="10" grpId="0" animBg="1"/>
+      <p:bldP spid="11" grpId="0" animBg="1"/>
+      <p:bldP spid="12" grpId="0" animBg="1"/>
+      <p:bldP spid="13" grpId="0" animBg="1"/>
+      <p:bldP spid="14" grpId="0" animBg="1"/>
+      <p:bldP spid="15" grpId="0" animBg="1"/>
+      <p:bldP spid="16" grpId="0" animBg="1"/>
+    </p:bldLst>
+  </p:timing>
+</p:sld>
+</file>
+
+<file path=ppt/slides/slide16.xml><?xml version="1.0" encoding="utf-8"?>
+<p:sld xmlns:a="http://schemas.openxmlformats.org/drawingml/2006/main" xmlns:r="http://schemas.openxmlformats.org/officeDocument/2006/relationships" xmlns:p="http://schemas.openxmlformats.org/presentationml/2006/main">
+  <p:cSld>
+    <p:spTree>
+      <p:nvGrpSpPr>
+        <p:cNvPr id="1" name=""/>
+        <p:cNvGrpSpPr/>
+        <p:nvPr/>
+      </p:nvGrpSpPr>
+      <p:grpSpPr>
+        <a:xfrm>
+          <a:off x="0" y="0"/>
+          <a:ext cx="0" cy="0"/>
+          <a:chOff x="0" y="0"/>
+          <a:chExt cx="0" cy="0"/>
+        </a:xfrm>
+      </p:grpSpPr>
+      <p:sp>
+        <p:nvSpPr>
+          <p:cNvPr id="2" name="Title 1"/>
+          <p:cNvSpPr>
+            <a:spLocks noGrp="1"/>
+          </p:cNvSpPr>
+          <p:nvPr>
+            <p:ph type="title"/>
+          </p:nvPr>
+        </p:nvSpPr>
+        <p:spPr/>
+        <p:txBody>
+          <a:bodyPr/>
+          <a:lstStyle/>
           <a:p>
             <a:r>
               <a:rPr lang="en-US" dirty="0"/>
-              <a:t>Based on OWIN</a:t>
+              <a:t>MVC Framework</a:t>
+            </a:r>
+          </a:p>
+        </p:txBody>
+      </p:sp>
+      <p:sp>
+        <p:nvSpPr>
+          <p:cNvPr id="3" name="Text Placeholder 2"/>
+          <p:cNvSpPr>
+            <a:spLocks noGrp="1"/>
+          </p:cNvSpPr>
+          <p:nvPr>
+            <p:ph type="body" idx="1"/>
+          </p:nvPr>
+        </p:nvSpPr>
+        <p:spPr/>
+        <p:txBody>
+          <a:bodyPr/>
+          <a:lstStyle/>
+          <a:p>
+            <a:r>
+              <a:rPr lang="en-US" dirty="0"/>
+              <a:t>Includes both HTML and API features</a:t>
             </a:r>
           </a:p>
         </p:txBody>
       </p:sp>
       <p:pic>
         <p:nvPicPr>
-          <p:cNvPr id="3074" name="Picture 2" descr="../_images/request-delegate-pipeline.png"/>
+          <p:cNvPr id="4" name="Picture 3"/>
+          <p:cNvPicPr>
+            <a:picLocks noChangeAspect="1"/>
+          </p:cNvPicPr>
+          <p:nvPr/>
+        </p:nvPicPr>
+        <p:blipFill>
+          <a:blip r:embed="rId2"/>
+          <a:stretch>
+            <a:fillRect/>
+          </a:stretch>
+        </p:blipFill>
+        <p:spPr>
+          <a:xfrm>
+            <a:off x="457200" y="2082145"/>
+            <a:ext cx="8162925" cy="4229100"/>
+          </a:xfrm>
+          <a:prstGeom prst="rect">
+            <a:avLst/>
+          </a:prstGeom>
+        </p:spPr>
+      </p:pic>
+    </p:spTree>
+    <p:extLst>
+      <p:ext uri="{BB962C8B-B14F-4D97-AF65-F5344CB8AC3E}">
+        <p14:creationId xmlns:p14="http://schemas.microsoft.com/office/powerpoint/2010/main" val="1766268052"/>
+      </p:ext>
+    </p:extLst>
+  </p:cSld>
+  <p:clrMapOvr>
+    <a:masterClrMapping/>
+  </p:clrMapOvr>
+  <p:transition>
+    <p:fade/>
+  </p:transition>
+</p:sld>
+</file>
+
+<file path=ppt/slides/slide17.xml><?xml version="1.0" encoding="utf-8"?>
+<p:sld xmlns:a="http://schemas.openxmlformats.org/drawingml/2006/main" xmlns:r="http://schemas.openxmlformats.org/officeDocument/2006/relationships" xmlns:p="http://schemas.openxmlformats.org/presentationml/2006/main">
+  <p:cSld>
+    <p:spTree>
+      <p:nvGrpSpPr>
+        <p:cNvPr id="1" name=""/>
+        <p:cNvGrpSpPr/>
+        <p:nvPr/>
+      </p:nvGrpSpPr>
+      <p:grpSpPr>
+        <a:xfrm>
+          <a:off x="0" y="0"/>
+          <a:ext cx="0" cy="0"/>
+          <a:chOff x="0" y="0"/>
+          <a:chExt cx="0" cy="0"/>
+        </a:xfrm>
+      </p:grpSpPr>
+      <p:sp>
+        <p:nvSpPr>
+          <p:cNvPr id="2" name="Title 1"/>
+          <p:cNvSpPr>
+            <a:spLocks noGrp="1"/>
+          </p:cNvSpPr>
+          <p:nvPr>
+            <p:ph type="title"/>
+          </p:nvPr>
+        </p:nvSpPr>
+        <p:spPr/>
+        <p:txBody>
+          <a:bodyPr/>
+          <a:lstStyle/>
+          <a:p>
+            <a:r>
+              <a:rPr lang="en-US" dirty="0"/>
+              <a:t>Razor Views</a:t>
+            </a:r>
+          </a:p>
+        </p:txBody>
+      </p:sp>
+      <p:sp>
+        <p:nvSpPr>
+          <p:cNvPr id="3" name="Text Placeholder 2"/>
+          <p:cNvSpPr>
+            <a:spLocks noGrp="1"/>
+          </p:cNvSpPr>
+          <p:nvPr>
+            <p:ph type="body" idx="1"/>
+          </p:nvPr>
+        </p:nvSpPr>
+        <p:spPr/>
+        <p:txBody>
+          <a:bodyPr/>
+          <a:lstStyle/>
+          <a:p>
+            <a:endParaRPr lang="en-US" dirty="0"/>
+          </a:p>
+        </p:txBody>
+      </p:sp>
+      <p:pic>
+        <p:nvPicPr>
+          <p:cNvPr id="4" name="Picture 3"/>
+          <p:cNvPicPr>
+            <a:picLocks noChangeAspect="1"/>
+          </p:cNvPicPr>
+          <p:nvPr/>
+        </p:nvPicPr>
+        <p:blipFill>
+          <a:blip r:embed="rId2"/>
+          <a:stretch>
+            <a:fillRect/>
+          </a:stretch>
+        </p:blipFill>
+        <p:spPr>
+          <a:xfrm>
+            <a:off x="466725" y="1219200"/>
+            <a:ext cx="8220075" cy="4820919"/>
+          </a:xfrm>
+          <a:prstGeom prst="rect">
+            <a:avLst/>
+          </a:prstGeom>
+        </p:spPr>
+      </p:pic>
+    </p:spTree>
+    <p:extLst>
+      <p:ext uri="{BB962C8B-B14F-4D97-AF65-F5344CB8AC3E}">
+        <p14:creationId xmlns:p14="http://schemas.microsoft.com/office/powerpoint/2010/main" val="1169428176"/>
+      </p:ext>
+    </p:extLst>
+  </p:cSld>
+  <p:clrMapOvr>
+    <a:masterClrMapping/>
+  </p:clrMapOvr>
+  <p:transition>
+    <p:fade/>
+  </p:transition>
+</p:sld>
+</file>
+
+<file path=ppt/slides/slide18.xml><?xml version="1.0" encoding="utf-8"?>
+<p:sld xmlns:a="http://schemas.openxmlformats.org/drawingml/2006/main" xmlns:r="http://schemas.openxmlformats.org/officeDocument/2006/relationships" xmlns:p="http://schemas.openxmlformats.org/presentationml/2006/main">
+  <p:cSld>
+    <p:spTree>
+      <p:nvGrpSpPr>
+        <p:cNvPr id="1" name=""/>
+        <p:cNvGrpSpPr/>
+        <p:nvPr/>
+      </p:nvGrpSpPr>
+      <p:grpSpPr>
+        <a:xfrm>
+          <a:off x="0" y="0"/>
+          <a:ext cx="0" cy="0"/>
+          <a:chOff x="0" y="0"/>
+          <a:chExt cx="0" cy="0"/>
+        </a:xfrm>
+      </p:grpSpPr>
+      <p:sp>
+        <p:nvSpPr>
+          <p:cNvPr id="2" name="Title 1"/>
+          <p:cNvSpPr>
+            <a:spLocks noGrp="1"/>
+          </p:cNvSpPr>
+          <p:nvPr>
+            <p:ph type="title"/>
+          </p:nvPr>
+        </p:nvSpPr>
+        <p:spPr/>
+        <p:txBody>
+          <a:bodyPr/>
+          <a:lstStyle/>
+          <a:p>
+            <a:r>
+              <a:rPr lang="en-US" dirty="0"/>
+              <a:t>Hosting</a:t>
+            </a:r>
+          </a:p>
+        </p:txBody>
+      </p:sp>
+      <p:sp>
+        <p:nvSpPr>
+          <p:cNvPr id="3" name="Text Placeholder 2"/>
+          <p:cNvSpPr>
+            <a:spLocks noGrp="1"/>
+          </p:cNvSpPr>
+          <p:nvPr>
+            <p:ph type="body" idx="1"/>
+          </p:nvPr>
+        </p:nvSpPr>
+        <p:spPr/>
+        <p:txBody>
+          <a:bodyPr/>
+          <a:lstStyle/>
+          <a:p>
+            <a:r>
+              <a:rPr lang="en-US" dirty="0"/>
+              <a:t>IIS / </a:t>
+            </a:r>
+            <a:r>
+              <a:rPr lang="en-US"/>
+              <a:t>IIS Express</a:t>
+            </a:r>
+            <a:endParaRPr lang="en-US" dirty="0"/>
+          </a:p>
+          <a:p>
+            <a:r>
+              <a:rPr lang="en-US" dirty="0"/>
+              <a:t>Kestrel</a:t>
+            </a:r>
+          </a:p>
+        </p:txBody>
+      </p:sp>
+      <p:pic>
+        <p:nvPicPr>
+          <p:cNvPr id="4098" name="Picture 2" descr="http://4.bp.blogspot.com/-X7CrLfzmTBQ/VB9_rUA0ubI/AAAAAAAACIA/7WXMI4by-F0/s1600/IIS%2B8.png"/>
           <p:cNvPicPr>
             <a:picLocks noChangeAspect="1" noChangeArrowheads="1"/>
           </p:cNvPicPr>
@@ -4686,22 +5725,13 @@
         </p:blipFill>
         <p:spPr bwMode="auto">
           <a:xfrm>
-            <a:off x="1981200" y="2590800"/>
-            <a:ext cx="4953000" cy="3169920"/>
+            <a:off x="2286000" y="2667000"/>
+            <a:ext cx="6210300" cy="2724151"/>
           </a:xfrm>
           <a:prstGeom prst="rect">
             <a:avLst/>
           </a:prstGeom>
-          <a:ln>
-            <a:noFill/>
-          </a:ln>
-          <a:effectLst>
-            <a:outerShdw blurRad="292100" dist="139700" dir="2700000" algn="tl" rotWithShape="0">
-              <a:srgbClr val="333333">
-                <a:alpha val="65000"/>
-              </a:srgbClr>
-            </a:outerShdw>
-          </a:effectLst>
+          <a:noFill/>
           <a:extLst>
             <a:ext uri="{909E8E84-426E-40DD-AFC4-6F175D3DCCD1}">
               <a14:hiddenFill xmlns:a14="http://schemas.microsoft.com/office/drawing/2010/main">
@@ -4716,7 +5746,176 @@
     </p:spTree>
     <p:extLst>
       <p:ext uri="{BB962C8B-B14F-4D97-AF65-F5344CB8AC3E}">
-        <p14:creationId xmlns:p14="http://schemas.microsoft.com/office/powerpoint/2010/main" val="1471707818"/>
+        <p14:creationId xmlns:p14="http://schemas.microsoft.com/office/powerpoint/2010/main" val="2984317155"/>
+      </p:ext>
+    </p:extLst>
+  </p:cSld>
+  <p:clrMapOvr>
+    <a:masterClrMapping/>
+  </p:clrMapOvr>
+  <p:transition>
+    <p:fade/>
+  </p:transition>
+</p:sld>
+</file>
+
+<file path=ppt/slides/slide19.xml><?xml version="1.0" encoding="utf-8"?>
+<p:sld xmlns:a="http://schemas.openxmlformats.org/drawingml/2006/main" xmlns:r="http://schemas.openxmlformats.org/officeDocument/2006/relationships" xmlns:p="http://schemas.openxmlformats.org/presentationml/2006/main">
+  <p:cSld>
+    <p:spTree>
+      <p:nvGrpSpPr>
+        <p:cNvPr id="1" name=""/>
+        <p:cNvGrpSpPr/>
+        <p:nvPr/>
+      </p:nvGrpSpPr>
+      <p:grpSpPr>
+        <a:xfrm>
+          <a:off x="0" y="0"/>
+          <a:ext cx="0" cy="0"/>
+          <a:chOff x="0" y="0"/>
+          <a:chExt cx="0" cy="0"/>
+        </a:xfrm>
+      </p:grpSpPr>
+      <p:sp>
+        <p:nvSpPr>
+          <p:cNvPr id="2" name="Title 1"/>
+          <p:cNvSpPr>
+            <a:spLocks noGrp="1"/>
+          </p:cNvSpPr>
+          <p:nvPr>
+            <p:ph type="title"/>
+          </p:nvPr>
+        </p:nvSpPr>
+        <p:spPr/>
+        <p:txBody>
+          <a:bodyPr/>
+          <a:lstStyle/>
+          <a:p>
+            <a:r>
+              <a:rPr lang="en-US" dirty="0"/>
+              <a:t>Summary</a:t>
+            </a:r>
+          </a:p>
+        </p:txBody>
+      </p:sp>
+      <p:sp>
+        <p:nvSpPr>
+          <p:cNvPr id="3" name="Text Placeholder 2"/>
+          <p:cNvSpPr>
+            <a:spLocks noGrp="1"/>
+          </p:cNvSpPr>
+          <p:nvPr>
+            <p:ph type="body" idx="1"/>
+          </p:nvPr>
+        </p:nvSpPr>
+        <p:spPr/>
+        <p:txBody>
+          <a:bodyPr/>
+          <a:lstStyle/>
+          <a:p>
+            <a:pPr lvl="1"/>
+            <a:endParaRPr lang="en-US" dirty="0"/>
+          </a:p>
+        </p:txBody>
+      </p:sp>
+      <p:sp>
+        <p:nvSpPr>
+          <p:cNvPr id="4" name="Rectangle 3"/>
+          <p:cNvSpPr/>
+          <p:nvPr/>
+        </p:nvSpPr>
+        <p:spPr bwMode="auto">
+          <a:xfrm>
+            <a:off x="304800" y="2209800"/>
+            <a:ext cx="4114800" cy="2743200"/>
+          </a:xfrm>
+          <a:prstGeom prst="rect">
+            <a:avLst/>
+          </a:prstGeom>
+          <a:solidFill>
+            <a:srgbClr val="D3D3A9"/>
+          </a:solidFill>
+          <a:ln w="9525" algn="ctr">
+            <a:solidFill>
+              <a:schemeClr val="tx1"/>
+            </a:solidFill>
+            <a:miter lim="800000"/>
+            <a:headEnd/>
+            <a:tailEnd/>
+          </a:ln>
+          <a:effectLst>
+            <a:outerShdw blurRad="50800" dist="38100" dir="2700000" algn="tl" rotWithShape="0">
+              <a:prstClr val="black">
+                <a:alpha val="40000"/>
+              </a:prstClr>
+            </a:outerShdw>
+          </a:effectLst>
+        </p:spPr>
+        <p:txBody>
+          <a:bodyPr wrap="none" rtlCol="0" anchor="ctr"/>
+          <a:lstStyle/>
+          <a:p>
+            <a:pPr algn="ctr"/>
+            <a:r>
+              <a:rPr lang="en-US" sz="2000" dirty="0">
+                <a:latin typeface="Tekton Pro" pitchFamily="34" charset="0"/>
+              </a:rPr>
+              <a:t>ASP.NET MVC</a:t>
+            </a:r>
+          </a:p>
+        </p:txBody>
+      </p:sp>
+      <p:sp>
+        <p:nvSpPr>
+          <p:cNvPr id="5" name="Rectangle 4"/>
+          <p:cNvSpPr/>
+          <p:nvPr/>
+        </p:nvSpPr>
+        <p:spPr bwMode="auto">
+          <a:xfrm>
+            <a:off x="4659984" y="2209800"/>
+            <a:ext cx="4114800" cy="2743200"/>
+          </a:xfrm>
+          <a:prstGeom prst="rect">
+            <a:avLst/>
+          </a:prstGeom>
+          <a:solidFill>
+            <a:srgbClr val="D3D3A9"/>
+          </a:solidFill>
+          <a:ln w="9525" algn="ctr">
+            <a:solidFill>
+              <a:schemeClr val="tx1"/>
+            </a:solidFill>
+            <a:miter lim="800000"/>
+            <a:headEnd/>
+            <a:tailEnd/>
+          </a:ln>
+          <a:effectLst>
+            <a:outerShdw blurRad="50800" dist="38100" dir="2700000" algn="tl" rotWithShape="0">
+              <a:prstClr val="black">
+                <a:alpha val="40000"/>
+              </a:prstClr>
+            </a:outerShdw>
+          </a:effectLst>
+        </p:spPr>
+        <p:txBody>
+          <a:bodyPr wrap="none" rtlCol="0" anchor="ctr"/>
+          <a:lstStyle/>
+          <a:p>
+            <a:pPr algn="ctr"/>
+            <a:r>
+              <a:rPr lang="en-US" sz="2000" dirty="0">
+                <a:latin typeface="Tekton Pro" pitchFamily="34" charset="0"/>
+              </a:rPr>
+              <a:t>Middleware</a:t>
+            </a:r>
+          </a:p>
+        </p:txBody>
+      </p:sp>
+    </p:spTree>
+    <p:extLst>
+      <p:ext uri="{BB962C8B-B14F-4D97-AF65-F5344CB8AC3E}">
+        <p14:creationId xmlns:p14="http://schemas.microsoft.com/office/powerpoint/2010/main" val="3947626774"/>
       </p:ext>
     </p:extLst>
   </p:cSld>
@@ -5336,503 +6535,6 @@
 </p:sld>
 </file>
 
-<file path=ppt/slides/slide20.xml><?xml version="1.0" encoding="utf-8"?>
-<p:sld xmlns:a="http://schemas.openxmlformats.org/drawingml/2006/main" xmlns:r="http://schemas.openxmlformats.org/officeDocument/2006/relationships" xmlns:p="http://schemas.openxmlformats.org/presentationml/2006/main">
-  <p:cSld>
-    <p:spTree>
-      <p:nvGrpSpPr>
-        <p:cNvPr id="1" name=""/>
-        <p:cNvGrpSpPr/>
-        <p:nvPr/>
-      </p:nvGrpSpPr>
-      <p:grpSpPr>
-        <a:xfrm>
-          <a:off x="0" y="0"/>
-          <a:ext cx="0" cy="0"/>
-          <a:chOff x="0" y="0"/>
-          <a:chExt cx="0" cy="0"/>
-        </a:xfrm>
-      </p:grpSpPr>
-      <p:sp>
-        <p:nvSpPr>
-          <p:cNvPr id="2" name="Title 1"/>
-          <p:cNvSpPr>
-            <a:spLocks noGrp="1"/>
-          </p:cNvSpPr>
-          <p:nvPr>
-            <p:ph type="title"/>
-          </p:nvPr>
-        </p:nvSpPr>
-        <p:spPr/>
-        <p:txBody>
-          <a:bodyPr/>
-          <a:lstStyle/>
-          <a:p>
-            <a:r>
-              <a:rPr lang="en-US" dirty="0"/>
-              <a:t>MVC Framework</a:t>
-            </a:r>
-          </a:p>
-        </p:txBody>
-      </p:sp>
-      <p:sp>
-        <p:nvSpPr>
-          <p:cNvPr id="3" name="Text Placeholder 2"/>
-          <p:cNvSpPr>
-            <a:spLocks noGrp="1"/>
-          </p:cNvSpPr>
-          <p:nvPr>
-            <p:ph type="body" idx="1"/>
-          </p:nvPr>
-        </p:nvSpPr>
-        <p:spPr/>
-        <p:txBody>
-          <a:bodyPr/>
-          <a:lstStyle/>
-          <a:p>
-            <a:r>
-              <a:rPr lang="en-US" dirty="0"/>
-              <a:t>Includes both HTML and API features</a:t>
-            </a:r>
-          </a:p>
-        </p:txBody>
-      </p:sp>
-      <p:pic>
-        <p:nvPicPr>
-          <p:cNvPr id="4" name="Picture 3"/>
-          <p:cNvPicPr>
-            <a:picLocks noChangeAspect="1"/>
-          </p:cNvPicPr>
-          <p:nvPr/>
-        </p:nvPicPr>
-        <p:blipFill>
-          <a:blip r:embed="rId2"/>
-          <a:stretch>
-            <a:fillRect/>
-          </a:stretch>
-        </p:blipFill>
-        <p:spPr>
-          <a:xfrm>
-            <a:off x="457200" y="2082145"/>
-            <a:ext cx="8162925" cy="4229100"/>
-          </a:xfrm>
-          <a:prstGeom prst="rect">
-            <a:avLst/>
-          </a:prstGeom>
-        </p:spPr>
-      </p:pic>
-    </p:spTree>
-    <p:extLst>
-      <p:ext uri="{BB962C8B-B14F-4D97-AF65-F5344CB8AC3E}">
-        <p14:creationId xmlns:p14="http://schemas.microsoft.com/office/powerpoint/2010/main" val="1766268052"/>
-      </p:ext>
-    </p:extLst>
-  </p:cSld>
-  <p:clrMapOvr>
-    <a:masterClrMapping/>
-  </p:clrMapOvr>
-  <p:transition>
-    <p:fade/>
-  </p:transition>
-</p:sld>
-</file>
-
-<file path=ppt/slides/slide21.xml><?xml version="1.0" encoding="utf-8"?>
-<p:sld xmlns:a="http://schemas.openxmlformats.org/drawingml/2006/main" xmlns:r="http://schemas.openxmlformats.org/officeDocument/2006/relationships" xmlns:p="http://schemas.openxmlformats.org/presentationml/2006/main">
-  <p:cSld>
-    <p:spTree>
-      <p:nvGrpSpPr>
-        <p:cNvPr id="1" name=""/>
-        <p:cNvGrpSpPr/>
-        <p:nvPr/>
-      </p:nvGrpSpPr>
-      <p:grpSpPr>
-        <a:xfrm>
-          <a:off x="0" y="0"/>
-          <a:ext cx="0" cy="0"/>
-          <a:chOff x="0" y="0"/>
-          <a:chExt cx="0" cy="0"/>
-        </a:xfrm>
-      </p:grpSpPr>
-      <p:sp>
-        <p:nvSpPr>
-          <p:cNvPr id="2" name="Title 1"/>
-          <p:cNvSpPr>
-            <a:spLocks noGrp="1"/>
-          </p:cNvSpPr>
-          <p:nvPr>
-            <p:ph type="title"/>
-          </p:nvPr>
-        </p:nvSpPr>
-        <p:spPr/>
-        <p:txBody>
-          <a:bodyPr/>
-          <a:lstStyle/>
-          <a:p>
-            <a:r>
-              <a:rPr lang="en-US" dirty="0"/>
-              <a:t>Razor Views</a:t>
-            </a:r>
-          </a:p>
-        </p:txBody>
-      </p:sp>
-      <p:sp>
-        <p:nvSpPr>
-          <p:cNvPr id="3" name="Text Placeholder 2"/>
-          <p:cNvSpPr>
-            <a:spLocks noGrp="1"/>
-          </p:cNvSpPr>
-          <p:nvPr>
-            <p:ph type="body" idx="1"/>
-          </p:nvPr>
-        </p:nvSpPr>
-        <p:spPr/>
-        <p:txBody>
-          <a:bodyPr/>
-          <a:lstStyle/>
-          <a:p>
-            <a:endParaRPr lang="en-US" dirty="0"/>
-          </a:p>
-        </p:txBody>
-      </p:sp>
-      <p:pic>
-        <p:nvPicPr>
-          <p:cNvPr id="4" name="Picture 3"/>
-          <p:cNvPicPr>
-            <a:picLocks noChangeAspect="1"/>
-          </p:cNvPicPr>
-          <p:nvPr/>
-        </p:nvPicPr>
-        <p:blipFill>
-          <a:blip r:embed="rId2"/>
-          <a:stretch>
-            <a:fillRect/>
-          </a:stretch>
-        </p:blipFill>
-        <p:spPr>
-          <a:xfrm>
-            <a:off x="466725" y="1219200"/>
-            <a:ext cx="8220075" cy="4820919"/>
-          </a:xfrm>
-          <a:prstGeom prst="rect">
-            <a:avLst/>
-          </a:prstGeom>
-        </p:spPr>
-      </p:pic>
-    </p:spTree>
-    <p:extLst>
-      <p:ext uri="{BB962C8B-B14F-4D97-AF65-F5344CB8AC3E}">
-        <p14:creationId xmlns:p14="http://schemas.microsoft.com/office/powerpoint/2010/main" val="1169428176"/>
-      </p:ext>
-    </p:extLst>
-  </p:cSld>
-  <p:clrMapOvr>
-    <a:masterClrMapping/>
-  </p:clrMapOvr>
-  <p:transition>
-    <p:fade/>
-  </p:transition>
-</p:sld>
-</file>
-
-<file path=ppt/slides/slide22.xml><?xml version="1.0" encoding="utf-8"?>
-<p:sld xmlns:a="http://schemas.openxmlformats.org/drawingml/2006/main" xmlns:r="http://schemas.openxmlformats.org/officeDocument/2006/relationships" xmlns:p="http://schemas.openxmlformats.org/presentationml/2006/main">
-  <p:cSld>
-    <p:spTree>
-      <p:nvGrpSpPr>
-        <p:cNvPr id="1" name=""/>
-        <p:cNvGrpSpPr/>
-        <p:nvPr/>
-      </p:nvGrpSpPr>
-      <p:grpSpPr>
-        <a:xfrm>
-          <a:off x="0" y="0"/>
-          <a:ext cx="0" cy="0"/>
-          <a:chOff x="0" y="0"/>
-          <a:chExt cx="0" cy="0"/>
-        </a:xfrm>
-      </p:grpSpPr>
-      <p:sp>
-        <p:nvSpPr>
-          <p:cNvPr id="2" name="Title 1"/>
-          <p:cNvSpPr>
-            <a:spLocks noGrp="1"/>
-          </p:cNvSpPr>
-          <p:nvPr>
-            <p:ph type="title"/>
-          </p:nvPr>
-        </p:nvSpPr>
-        <p:spPr/>
-        <p:txBody>
-          <a:bodyPr/>
-          <a:lstStyle/>
-          <a:p>
-            <a:r>
-              <a:rPr lang="en-US" dirty="0"/>
-              <a:t>Hosting</a:t>
-            </a:r>
-          </a:p>
-        </p:txBody>
-      </p:sp>
-      <p:sp>
-        <p:nvSpPr>
-          <p:cNvPr id="3" name="Text Placeholder 2"/>
-          <p:cNvSpPr>
-            <a:spLocks noGrp="1"/>
-          </p:cNvSpPr>
-          <p:nvPr>
-            <p:ph type="body" idx="1"/>
-          </p:nvPr>
-        </p:nvSpPr>
-        <p:spPr/>
-        <p:txBody>
-          <a:bodyPr/>
-          <a:lstStyle/>
-          <a:p>
-            <a:r>
-              <a:rPr lang="en-US" dirty="0"/>
-              <a:t>IIS / </a:t>
-            </a:r>
-            <a:r>
-              <a:rPr lang="en-US"/>
-              <a:t>IIS Express</a:t>
-            </a:r>
-            <a:endParaRPr lang="en-US" dirty="0"/>
-          </a:p>
-          <a:p>
-            <a:r>
-              <a:rPr lang="en-US" dirty="0"/>
-              <a:t>Kestrel</a:t>
-            </a:r>
-          </a:p>
-        </p:txBody>
-      </p:sp>
-      <p:pic>
-        <p:nvPicPr>
-          <p:cNvPr id="4098" name="Picture 2" descr="http://4.bp.blogspot.com/-X7CrLfzmTBQ/VB9_rUA0ubI/AAAAAAAACIA/7WXMI4by-F0/s1600/IIS%2B8.png"/>
-          <p:cNvPicPr>
-            <a:picLocks noChangeAspect="1" noChangeArrowheads="1"/>
-          </p:cNvPicPr>
-          <p:nvPr/>
-        </p:nvPicPr>
-        <p:blipFill>
-          <a:blip r:embed="rId2">
-            <a:extLst>
-              <a:ext uri="{28A0092B-C50C-407E-A947-70E740481C1C}">
-                <a14:useLocalDpi xmlns:a14="http://schemas.microsoft.com/office/drawing/2010/main" val="0"/>
-              </a:ext>
-            </a:extLst>
-          </a:blip>
-          <a:srcRect/>
-          <a:stretch>
-            <a:fillRect/>
-          </a:stretch>
-        </p:blipFill>
-        <p:spPr bwMode="auto">
-          <a:xfrm>
-            <a:off x="2286000" y="2667000"/>
-            <a:ext cx="6210300" cy="2724151"/>
-          </a:xfrm>
-          <a:prstGeom prst="rect">
-            <a:avLst/>
-          </a:prstGeom>
-          <a:noFill/>
-          <a:extLst>
-            <a:ext uri="{909E8E84-426E-40DD-AFC4-6F175D3DCCD1}">
-              <a14:hiddenFill xmlns:a14="http://schemas.microsoft.com/office/drawing/2010/main">
-                <a:solidFill>
-                  <a:srgbClr val="FFFFFF"/>
-                </a:solidFill>
-              </a14:hiddenFill>
-            </a:ext>
-          </a:extLst>
-        </p:spPr>
-      </p:pic>
-    </p:spTree>
-    <p:extLst>
-      <p:ext uri="{BB962C8B-B14F-4D97-AF65-F5344CB8AC3E}">
-        <p14:creationId xmlns:p14="http://schemas.microsoft.com/office/powerpoint/2010/main" val="2984317155"/>
-      </p:ext>
-    </p:extLst>
-  </p:cSld>
-  <p:clrMapOvr>
-    <a:masterClrMapping/>
-  </p:clrMapOvr>
-  <p:transition>
-    <p:fade/>
-  </p:transition>
-</p:sld>
-</file>
-
-<file path=ppt/slides/slide23.xml><?xml version="1.0" encoding="utf-8"?>
-<p:sld xmlns:a="http://schemas.openxmlformats.org/drawingml/2006/main" xmlns:r="http://schemas.openxmlformats.org/officeDocument/2006/relationships" xmlns:p="http://schemas.openxmlformats.org/presentationml/2006/main">
-  <p:cSld>
-    <p:spTree>
-      <p:nvGrpSpPr>
-        <p:cNvPr id="1" name=""/>
-        <p:cNvGrpSpPr/>
-        <p:nvPr/>
-      </p:nvGrpSpPr>
-      <p:grpSpPr>
-        <a:xfrm>
-          <a:off x="0" y="0"/>
-          <a:ext cx="0" cy="0"/>
-          <a:chOff x="0" y="0"/>
-          <a:chExt cx="0" cy="0"/>
-        </a:xfrm>
-      </p:grpSpPr>
-      <p:sp>
-        <p:nvSpPr>
-          <p:cNvPr id="2" name="Title 1"/>
-          <p:cNvSpPr>
-            <a:spLocks noGrp="1"/>
-          </p:cNvSpPr>
-          <p:nvPr>
-            <p:ph type="title"/>
-          </p:nvPr>
-        </p:nvSpPr>
-        <p:spPr/>
-        <p:txBody>
-          <a:bodyPr/>
-          <a:lstStyle/>
-          <a:p>
-            <a:r>
-              <a:rPr lang="en-US" dirty="0"/>
-              <a:t>Summary</a:t>
-            </a:r>
-          </a:p>
-        </p:txBody>
-      </p:sp>
-      <p:sp>
-        <p:nvSpPr>
-          <p:cNvPr id="3" name="Text Placeholder 2"/>
-          <p:cNvSpPr>
-            <a:spLocks noGrp="1"/>
-          </p:cNvSpPr>
-          <p:nvPr>
-            <p:ph type="body" idx="1"/>
-          </p:nvPr>
-        </p:nvSpPr>
-        <p:spPr/>
-        <p:txBody>
-          <a:bodyPr/>
-          <a:lstStyle/>
-          <a:p>
-            <a:pPr lvl="1"/>
-            <a:endParaRPr lang="en-US" dirty="0"/>
-          </a:p>
-        </p:txBody>
-      </p:sp>
-      <p:sp>
-        <p:nvSpPr>
-          <p:cNvPr id="4" name="Rectangle 3"/>
-          <p:cNvSpPr/>
-          <p:nvPr/>
-        </p:nvSpPr>
-        <p:spPr bwMode="auto">
-          <a:xfrm>
-            <a:off x="304800" y="2209800"/>
-            <a:ext cx="4114800" cy="2743200"/>
-          </a:xfrm>
-          <a:prstGeom prst="rect">
-            <a:avLst/>
-          </a:prstGeom>
-          <a:solidFill>
-            <a:srgbClr val="D3D3A9"/>
-          </a:solidFill>
-          <a:ln w="9525" algn="ctr">
-            <a:solidFill>
-              <a:schemeClr val="tx1"/>
-            </a:solidFill>
-            <a:miter lim="800000"/>
-            <a:headEnd/>
-            <a:tailEnd/>
-          </a:ln>
-          <a:effectLst>
-            <a:outerShdw blurRad="50800" dist="38100" dir="2700000" algn="tl" rotWithShape="0">
-              <a:prstClr val="black">
-                <a:alpha val="40000"/>
-              </a:prstClr>
-            </a:outerShdw>
-          </a:effectLst>
-        </p:spPr>
-        <p:txBody>
-          <a:bodyPr wrap="none" rtlCol="0" anchor="ctr"/>
-          <a:lstStyle/>
-          <a:p>
-            <a:pPr algn="ctr"/>
-            <a:r>
-              <a:rPr lang="en-US" sz="2000" dirty="0">
-                <a:latin typeface="Tekton Pro" pitchFamily="34" charset="0"/>
-              </a:rPr>
-              <a:t>ASP.NET MVC</a:t>
-            </a:r>
-          </a:p>
-        </p:txBody>
-      </p:sp>
-      <p:sp>
-        <p:nvSpPr>
-          <p:cNvPr id="5" name="Rectangle 4"/>
-          <p:cNvSpPr/>
-          <p:nvPr/>
-        </p:nvSpPr>
-        <p:spPr bwMode="auto">
-          <a:xfrm>
-            <a:off x="4659984" y="2209800"/>
-            <a:ext cx="4114800" cy="2743200"/>
-          </a:xfrm>
-          <a:prstGeom prst="rect">
-            <a:avLst/>
-          </a:prstGeom>
-          <a:solidFill>
-            <a:srgbClr val="D3D3A9"/>
-          </a:solidFill>
-          <a:ln w="9525" algn="ctr">
-            <a:solidFill>
-              <a:schemeClr val="tx1"/>
-            </a:solidFill>
-            <a:miter lim="800000"/>
-            <a:headEnd/>
-            <a:tailEnd/>
-          </a:ln>
-          <a:effectLst>
-            <a:outerShdw blurRad="50800" dist="38100" dir="2700000" algn="tl" rotWithShape="0">
-              <a:prstClr val="black">
-                <a:alpha val="40000"/>
-              </a:prstClr>
-            </a:outerShdw>
-          </a:effectLst>
-        </p:spPr>
-        <p:txBody>
-          <a:bodyPr wrap="none" rtlCol="0" anchor="ctr"/>
-          <a:lstStyle/>
-          <a:p>
-            <a:pPr algn="ctr"/>
-            <a:r>
-              <a:rPr lang="en-US" sz="2000" dirty="0">
-                <a:latin typeface="Tekton Pro" pitchFamily="34" charset="0"/>
-              </a:rPr>
-              <a:t>Middleware</a:t>
-            </a:r>
-          </a:p>
-        </p:txBody>
-      </p:sp>
-    </p:spTree>
-    <p:extLst>
-      <p:ext uri="{BB962C8B-B14F-4D97-AF65-F5344CB8AC3E}">
-        <p14:creationId xmlns:p14="http://schemas.microsoft.com/office/powerpoint/2010/main" val="3947626774"/>
-      </p:ext>
-    </p:extLst>
-  </p:cSld>
-  <p:clrMapOvr>
-    <a:masterClrMapping/>
-  </p:clrMapOvr>
-  <p:transition>
-    <p:fade/>
-  </p:transition>
-</p:sld>
-</file>
-
 <file path=ppt/slides/slide3.xml><?xml version="1.0" encoding="utf-8"?>
 <p:sld xmlns:a="http://schemas.openxmlformats.org/drawingml/2006/main" xmlns:r="http://schemas.openxmlformats.org/officeDocument/2006/relationships" xmlns:p="http://schemas.openxmlformats.org/presentationml/2006/main">
   <p:cSld>
@@ -5866,8 +6568,8 @@
           <a:lstStyle/>
           <a:p>
             <a:r>
-              <a:rPr lang="en-US"/>
-              <a:t>.NET 2015</a:t>
+              <a:rPr lang="en-US" dirty="0"/>
+              <a:t>.NET 2016</a:t>
             </a:r>
           </a:p>
         </p:txBody>
@@ -5893,43 +6595,26 @@
       </p:sp>
       <p:pic>
         <p:nvPicPr>
-          <p:cNvPr id="1026" name="Picture 2" descr="http://lh4.ggpht.com/-Fwh9Xzv9xdA/VO5a8HdR5wI/AAAAAAAAVq8/LanpNEIejVI/image_thumb.png?imgmax=800"/>
+          <p:cNvPr id="4" name="Picture 3"/>
           <p:cNvPicPr>
-            <a:picLocks noChangeAspect="1" noChangeArrowheads="1"/>
+            <a:picLocks noChangeAspect="1"/>
           </p:cNvPicPr>
           <p:nvPr/>
         </p:nvPicPr>
         <p:blipFill>
-          <a:blip r:embed="rId2">
-            <a:extLst>
-              <a:ext uri="{28A0092B-C50C-407E-A947-70E740481C1C}">
-                <a14:useLocalDpi xmlns:a14="http://schemas.microsoft.com/office/drawing/2010/main" val="0"/>
-              </a:ext>
-            </a:extLst>
-          </a:blip>
-          <a:srcRect/>
+          <a:blip r:embed="rId2"/>
           <a:stretch>
             <a:fillRect/>
           </a:stretch>
         </p:blipFill>
-        <p:spPr bwMode="auto">
+        <p:spPr>
           <a:xfrm>
-            <a:off x="640437" y="2209800"/>
-            <a:ext cx="7863125" cy="3886200"/>
+            <a:off x="1371600" y="1066800"/>
+            <a:ext cx="6204408" cy="5325908"/>
           </a:xfrm>
           <a:prstGeom prst="rect">
             <a:avLst/>
           </a:prstGeom>
-          <a:noFill/>
-          <a:extLst>
-            <a:ext uri="{909E8E84-426E-40DD-AFC4-6F175D3DCCD1}">
-              <a14:hiddenFill xmlns:a14="http://schemas.microsoft.com/office/drawing/2010/main">
-                <a:solidFill>
-                  <a:srgbClr val="FFFFFF"/>
-                </a:solidFill>
-              </a14:hiddenFill>
-            </a:ext>
-          </a:extLst>
         </p:spPr>
       </p:pic>
     </p:spTree>
@@ -6004,21 +6689,13 @@
           <a:p>
             <a:r>
               <a:rPr lang="en-US" dirty="0"/>
-              <a:t>Install with Visual Studio 2015</a:t>
+              <a:t>Install with Visual Studio</a:t>
             </a:r>
           </a:p>
           <a:p>
             <a:r>
               <a:rPr lang="en-US" dirty="0"/>
-              <a:t>Install using the .NET Version Manager (</a:t>
-            </a:r>
-            <a:r>
-              <a:rPr lang="en-US" dirty="0" err="1"/>
-              <a:t>dnvm</a:t>
-            </a:r>
-            <a:r>
-              <a:rPr lang="en-US" dirty="0"/>
-              <a:t>)</a:t>
+              <a:t>Install using the .NET Core SDK</a:t>
             </a:r>
           </a:p>
         </p:txBody>
@@ -6073,22 +6750,12 @@
         </p:blipFill>
         <p:spPr>
           <a:xfrm>
-            <a:off x="4593076" y="2667000"/>
-            <a:ext cx="3788923" cy="2763646"/>
+            <a:off x="4495800" y="2711993"/>
+            <a:ext cx="4114800" cy="2751106"/>
           </a:xfrm>
           <a:prstGeom prst="rect">
             <a:avLst/>
           </a:prstGeom>
-          <a:ln>
-            <a:noFill/>
-          </a:ln>
-          <a:effectLst>
-            <a:outerShdw blurRad="292100" dist="139700" dir="2700000" algn="tl" rotWithShape="0">
-              <a:srgbClr val="333333">
-                <a:alpha val="65000"/>
-              </a:srgbClr>
-            </a:outerShdw>
-          </a:effectLst>
         </p:spPr>
       </p:pic>
     </p:spTree>
@@ -6163,7 +6830,7 @@
           <a:p>
             <a:r>
               <a:rPr lang="en-US" dirty="0"/>
-              <a:t>Visual Studio offers ASP.NET 5 templates</a:t>
+              <a:t>Visual Studio offers ASP.NET Core templates</a:t>
             </a:r>
           </a:p>
         </p:txBody>
@@ -6256,7 +6923,7 @@
             </a:r>
             <a:r>
               <a:rPr lang="en-US" dirty="0" err="1"/>
-              <a:t>xproj</a:t>
+              <a:t>csproj</a:t>
             </a:r>
             <a:r>
               <a:rPr lang="en-US" dirty="0"/>
@@ -6286,7 +6953,7 @@
             </a:r>
             <a:r>
               <a:rPr lang="en-US" dirty="0" err="1"/>
-              <a:t>xproj</a:t>
+              <a:t>csproj</a:t>
             </a:r>
             <a:r>
               <a:rPr lang="en-US" dirty="0"/>
@@ -6298,13 +6965,6 @@
             <a:r>
               <a:rPr lang="en-US" dirty="0"/>
               <a:t>No individual files</a:t>
-            </a:r>
-          </a:p>
-          <a:p>
-            <a:pPr lvl="1"/>
-            <a:r>
-              <a:rPr lang="en-US" dirty="0"/>
-              <a:t>No assembly references</a:t>
             </a:r>
           </a:p>
           <a:p>
@@ -6563,7 +7223,7 @@
           <a:p>
             <a:r>
               <a:rPr lang="en-US" dirty="0"/>
-              <a:t>Web site is rooted in </a:t>
+              <a:t>Static assets must live in </a:t>
             </a:r>
             <a:r>
               <a:rPr lang="en-US" dirty="0" err="1"/>
@@ -6572,26 +7232,12 @@
             <a:endParaRPr lang="en-US" dirty="0"/>
           </a:p>
           <a:p>
-            <a:pPr lvl="1"/>
             <a:r>
               <a:rPr lang="en-US" dirty="0"/>
-              <a:t>Static assets must live in </a:t>
-            </a:r>
-            <a:r>
-              <a:rPr lang="en-US" dirty="0" err="1"/>
-              <a:t>wwwroot</a:t>
-            </a:r>
-            <a:endParaRPr lang="en-US" dirty="0"/>
-          </a:p>
-          <a:p>
-            <a:r>
-              <a:rPr lang="en-US" dirty="0"/>
-              <a:t>Name is configurable in </a:t>
-            </a:r>
-            <a:r>
-              <a:rPr lang="en-US" dirty="0" err="1"/>
-              <a:t>project.json</a:t>
-            </a:r>
+              <a:t>This behavior is configurable</a:t>
+            </a:r>
+          </a:p>
+          <a:p>
             <a:endParaRPr lang="en-US" dirty="0"/>
           </a:p>
         </p:txBody>
@@ -6612,7 +7258,7 @@
         </p:blipFill>
         <p:spPr>
           <a:xfrm>
-            <a:off x="4542148" y="2805112"/>
+            <a:off x="4419600" y="2362200"/>
             <a:ext cx="3889415" cy="3138488"/>
           </a:xfrm>
           <a:prstGeom prst="rect">

--- a/aspnet5/slides/01_Overview.pptx
+++ b/aspnet5/slides/01_Overview.pptx
@@ -5,10 +5,10 @@
     <p:sldMasterId id="2147483772" r:id="rId1"/>
   </p:sldMasterIdLst>
   <p:notesMasterIdLst>
-    <p:notesMasterId r:id="rId21"/>
+    <p:notesMasterId r:id="rId20"/>
   </p:notesMasterIdLst>
   <p:handoutMasterIdLst>
-    <p:handoutMasterId r:id="rId22"/>
+    <p:handoutMasterId r:id="rId21"/>
   </p:handoutMasterIdLst>
   <p:sldIdLst>
     <p:sldId id="327" r:id="rId2"/>
@@ -17,19 +17,18 @@
     <p:sldId id="329" r:id="rId5"/>
     <p:sldId id="330" r:id="rId6"/>
     <p:sldId id="331" r:id="rId7"/>
-    <p:sldId id="337" r:id="rId8"/>
-    <p:sldId id="333" r:id="rId9"/>
-    <p:sldId id="334" r:id="rId10"/>
-    <p:sldId id="335" r:id="rId11"/>
-    <p:sldId id="336" r:id="rId12"/>
-    <p:sldId id="338" r:id="rId13"/>
-    <p:sldId id="340" r:id="rId14"/>
-    <p:sldId id="342" r:id="rId15"/>
-    <p:sldId id="343" r:id="rId16"/>
-    <p:sldId id="344" r:id="rId17"/>
-    <p:sldId id="345" r:id="rId18"/>
-    <p:sldId id="346" r:id="rId19"/>
-    <p:sldId id="347" r:id="rId20"/>
+    <p:sldId id="333" r:id="rId8"/>
+    <p:sldId id="334" r:id="rId9"/>
+    <p:sldId id="335" r:id="rId10"/>
+    <p:sldId id="336" r:id="rId11"/>
+    <p:sldId id="338" r:id="rId12"/>
+    <p:sldId id="340" r:id="rId13"/>
+    <p:sldId id="342" r:id="rId14"/>
+    <p:sldId id="343" r:id="rId15"/>
+    <p:sldId id="344" r:id="rId16"/>
+    <p:sldId id="345" r:id="rId17"/>
+    <p:sldId id="346" r:id="rId18"/>
+    <p:sldId id="347" r:id="rId19"/>
   </p:sldIdLst>
   <p:sldSz cx="9144000" cy="6858000" type="screen4x3"/>
   <p:notesSz cx="7302500" cy="9588500"/>
@@ -169,7 +168,6 @@
             <p14:sldId id="329"/>
             <p14:sldId id="330"/>
             <p14:sldId id="331"/>
-            <p14:sldId id="337"/>
             <p14:sldId id="333"/>
             <p14:sldId id="334"/>
             <p14:sldId id="335"/>
@@ -309,7 +307,7 @@
               <a:pPr>
                 <a:defRPr/>
               </a:pPr>
-              <a:t>2/21/2017</a:t>
+              <a:t>3/8/2018</a:t>
             </a:fld>
             <a:endParaRPr lang="en-US"/>
           </a:p>
@@ -1201,7 +1199,7 @@
               <a:pPr>
                 <a:defRPr/>
               </a:pPr>
-              <a:t>10</a:t>
+              <a:t>9</a:t>
             </a:fld>
             <a:endParaRPr lang="en-US"/>
           </a:p>
@@ -1291,7 +1289,7 @@
               <a:pPr>
                 <a:defRPr/>
               </a:pPr>
-              <a:t>11</a:t>
+              <a:t>10</a:t>
             </a:fld>
             <a:endParaRPr lang="en-US"/>
           </a:p>
@@ -1381,7 +1379,7 @@
               <a:pPr>
                 <a:defRPr/>
               </a:pPr>
-              <a:t>14</a:t>
+              <a:t>13</a:t>
             </a:fld>
             <a:endParaRPr lang="en-US"/>
           </a:p>
@@ -1471,7 +1469,7 @@
               <a:pPr>
                 <a:defRPr/>
               </a:pPr>
-              <a:t>19</a:t>
+              <a:t>18</a:t>
             </a:fld>
             <a:endParaRPr lang="en-US"/>
           </a:p>
@@ -3383,219 +3381,6 @@
           <a:p>
             <a:r>
               <a:rPr lang="en-US" dirty="0"/>
-              <a:t>Dependencies</a:t>
-            </a:r>
-          </a:p>
-        </p:txBody>
-      </p:sp>
-      <p:sp>
-        <p:nvSpPr>
-          <p:cNvPr id="3" name="Text Placeholder 2"/>
-          <p:cNvSpPr>
-            <a:spLocks noGrp="1"/>
-          </p:cNvSpPr>
-          <p:nvPr>
-            <p:ph type="body" idx="1"/>
-          </p:nvPr>
-        </p:nvSpPr>
-        <p:spPr/>
-        <p:txBody>
-          <a:bodyPr/>
-          <a:lstStyle/>
-          <a:p>
-            <a:r>
-              <a:rPr lang="en-US" dirty="0"/>
-              <a:t>Everything in </a:t>
-            </a:r>
-            <a:r>
-              <a:rPr lang="en-US" dirty="0" err="1"/>
-              <a:t>NuGet</a:t>
-            </a:r>
-            <a:endParaRPr lang="en-US" dirty="0"/>
-          </a:p>
-        </p:txBody>
-      </p:sp>
-      <p:pic>
-        <p:nvPicPr>
-          <p:cNvPr id="4" name="Picture 3"/>
-          <p:cNvPicPr>
-            <a:picLocks noChangeAspect="1"/>
-          </p:cNvPicPr>
-          <p:nvPr/>
-        </p:nvPicPr>
-        <p:blipFill>
-          <a:blip r:embed="rId3"/>
-          <a:stretch>
-            <a:fillRect/>
-          </a:stretch>
-        </p:blipFill>
-        <p:spPr>
-          <a:xfrm>
-            <a:off x="4495800" y="1828800"/>
-            <a:ext cx="4064164" cy="4357687"/>
-          </a:xfrm>
-          <a:prstGeom prst="rect">
-            <a:avLst/>
-          </a:prstGeom>
-        </p:spPr>
-      </p:pic>
-      <p:pic>
-        <p:nvPicPr>
-          <p:cNvPr id="5" name="Picture 4"/>
-          <p:cNvPicPr>
-            <a:picLocks noChangeAspect="1"/>
-          </p:cNvPicPr>
-          <p:nvPr/>
-        </p:nvPicPr>
-        <p:blipFill>
-          <a:blip r:embed="rId4"/>
-          <a:stretch>
-            <a:fillRect/>
-          </a:stretch>
-        </p:blipFill>
-        <p:spPr>
-          <a:xfrm>
-            <a:off x="152400" y="2362200"/>
-            <a:ext cx="5064199" cy="3067050"/>
-          </a:xfrm>
-          <a:prstGeom prst="rect">
-            <a:avLst/>
-          </a:prstGeom>
-        </p:spPr>
-      </p:pic>
-    </p:spTree>
-    <p:extLst>
-      <p:ext uri="{BB962C8B-B14F-4D97-AF65-F5344CB8AC3E}">
-        <p14:creationId xmlns:p14="http://schemas.microsoft.com/office/powerpoint/2010/main" val="380657000"/>
-      </p:ext>
-    </p:extLst>
-  </p:cSld>
-  <p:clrMapOvr>
-    <a:masterClrMapping/>
-  </p:clrMapOvr>
-  <p:transition>
-    <p:fade/>
-  </p:transition>
-  <p:timing>
-    <p:tnLst>
-      <p:par>
-        <p:cTn id="1" dur="indefinite" restart="never" nodeType="tmRoot">
-          <p:childTnLst>
-            <p:seq concurrent="1" nextAc="seek">
-              <p:cTn id="2" dur="indefinite" nodeType="mainSeq">
-                <p:childTnLst>
-                  <p:par>
-                    <p:cTn id="3" fill="hold">
-                      <p:stCondLst>
-                        <p:cond delay="indefinite"/>
-                      </p:stCondLst>
-                      <p:childTnLst>
-                        <p:par>
-                          <p:cTn id="4" fill="hold">
-                            <p:stCondLst>
-                              <p:cond delay="0"/>
-                            </p:stCondLst>
-                            <p:childTnLst>
-                              <p:par>
-                                <p:cTn id="5" presetID="10" presetClass="entr" presetSubtype="0" fill="hold" nodeType="clickEffect">
-                                  <p:stCondLst>
-                                    <p:cond delay="0"/>
-                                  </p:stCondLst>
-                                  <p:childTnLst>
-                                    <p:set>
-                                      <p:cBhvr>
-                                        <p:cTn id="6" dur="1" fill="hold">
-                                          <p:stCondLst>
-                                            <p:cond delay="0"/>
-                                          </p:stCondLst>
-                                        </p:cTn>
-                                        <p:tgtEl>
-                                          <p:spTgt spid="4"/>
-                                        </p:tgtEl>
-                                        <p:attrNameLst>
-                                          <p:attrName>style.visibility</p:attrName>
-                                        </p:attrNameLst>
-                                      </p:cBhvr>
-                                      <p:to>
-                                        <p:strVal val="visible"/>
-                                      </p:to>
-                                    </p:set>
-                                    <p:animEffect transition="in" filter="fade">
-                                      <p:cBhvr>
-                                        <p:cTn id="7" dur="500"/>
-                                        <p:tgtEl>
-                                          <p:spTgt spid="4"/>
-                                        </p:tgtEl>
-                                      </p:cBhvr>
-                                    </p:animEffect>
-                                  </p:childTnLst>
-                                </p:cTn>
-                              </p:par>
-                            </p:childTnLst>
-                          </p:cTn>
-                        </p:par>
-                      </p:childTnLst>
-                    </p:cTn>
-                  </p:par>
-                </p:childTnLst>
-              </p:cTn>
-              <p:prevCondLst>
-                <p:cond evt="onPrev" delay="0">
-                  <p:tgtEl>
-                    <p:sldTgt/>
-                  </p:tgtEl>
-                </p:cond>
-              </p:prevCondLst>
-              <p:nextCondLst>
-                <p:cond evt="onNext" delay="0">
-                  <p:tgtEl>
-                    <p:sldTgt/>
-                  </p:tgtEl>
-                </p:cond>
-              </p:nextCondLst>
-            </p:seq>
-          </p:childTnLst>
-        </p:cTn>
-      </p:par>
-    </p:tnLst>
-  </p:timing>
-</p:sld>
-</file>
-
-<file path=ppt/slides/slide11.xml><?xml version="1.0" encoding="utf-8"?>
-<p:sld xmlns:a="http://schemas.openxmlformats.org/drawingml/2006/main" xmlns:r="http://schemas.openxmlformats.org/officeDocument/2006/relationships" xmlns:p="http://schemas.openxmlformats.org/presentationml/2006/main">
-  <p:cSld>
-    <p:spTree>
-      <p:nvGrpSpPr>
-        <p:cNvPr id="1" name=""/>
-        <p:cNvGrpSpPr/>
-        <p:nvPr/>
-      </p:nvGrpSpPr>
-      <p:grpSpPr>
-        <a:xfrm>
-          <a:off x="0" y="0"/>
-          <a:ext cx="0" cy="0"/>
-          <a:chOff x="0" y="0"/>
-          <a:chExt cx="0" cy="0"/>
-        </a:xfrm>
-      </p:grpSpPr>
-      <p:sp>
-        <p:nvSpPr>
-          <p:cNvPr id="2" name="Title 1"/>
-          <p:cNvSpPr>
-            <a:spLocks noGrp="1"/>
-          </p:cNvSpPr>
-          <p:nvPr>
-            <p:ph type="title"/>
-          </p:nvPr>
-        </p:nvSpPr>
-        <p:spPr/>
-        <p:txBody>
-          <a:bodyPr/>
-          <a:lstStyle/>
-          <a:p>
-            <a:r>
-              <a:rPr lang="en-US" dirty="0"/>
               <a:t>The Runtimes</a:t>
             </a:r>
           </a:p>
@@ -3700,7 +3485,7 @@
 </p:sld>
 </file>
 
-<file path=ppt/slides/slide12.xml><?xml version="1.0" encoding="utf-8"?>
+<file path=ppt/slides/slide11.xml><?xml version="1.0" encoding="utf-8"?>
 <p:sld xmlns:a="http://schemas.openxmlformats.org/drawingml/2006/main" xmlns:r="http://schemas.openxmlformats.org/officeDocument/2006/relationships" xmlns:p="http://schemas.openxmlformats.org/presentationml/2006/main">
   <p:cSld>
     <p:spTree>
@@ -3807,7 +3592,7 @@
 </p:sld>
 </file>
 
-<file path=ppt/slides/slide13.xml><?xml version="1.0" encoding="utf-8"?>
+<file path=ppt/slides/slide12.xml><?xml version="1.0" encoding="utf-8"?>
 <p:sld xmlns:a="http://schemas.openxmlformats.org/drawingml/2006/main" xmlns:r="http://schemas.openxmlformats.org/officeDocument/2006/relationships" xmlns:p="http://schemas.openxmlformats.org/presentationml/2006/main">
   <p:cSld>
     <p:spTree>
@@ -3924,7 +3709,7 @@
 </p:sld>
 </file>
 
-<file path=ppt/slides/slide14.xml><?xml version="1.0" encoding="utf-8"?>
+<file path=ppt/slides/slide13.xml><?xml version="1.0" encoding="utf-8"?>
 <p:sld xmlns:a="http://schemas.openxmlformats.org/drawingml/2006/main" xmlns:r="http://schemas.openxmlformats.org/officeDocument/2006/relationships" xmlns:p="http://schemas.openxmlformats.org/presentationml/2006/main">
   <p:cSld>
     <p:spTree>
@@ -4046,7 +3831,7 @@
 </p:sld>
 </file>
 
-<file path=ppt/slides/slide15.xml><?xml version="1.0" encoding="utf-8"?>
+<file path=ppt/slides/slide14.xml><?xml version="1.0" encoding="utf-8"?>
 <p:sld xmlns:a="http://schemas.openxmlformats.org/drawingml/2006/main" xmlns:r="http://schemas.openxmlformats.org/officeDocument/2006/relationships" xmlns:p="http://schemas.openxmlformats.org/presentationml/2006/main">
   <p:cSld>
     <p:spTree>
@@ -5431,7 +5216,7 @@
 </p:sld>
 </file>
 
-<file path=ppt/slides/slide16.xml><?xml version="1.0" encoding="utf-8"?>
+<file path=ppt/slides/slide15.xml><?xml version="1.0" encoding="utf-8"?>
 <p:sld xmlns:a="http://schemas.openxmlformats.org/drawingml/2006/main" xmlns:r="http://schemas.openxmlformats.org/officeDocument/2006/relationships" xmlns:p="http://schemas.openxmlformats.org/presentationml/2006/main">
   <p:cSld>
     <p:spTree>
@@ -5532,7 +5317,7 @@
 </p:sld>
 </file>
 
-<file path=ppt/slides/slide17.xml><?xml version="1.0" encoding="utf-8"?>
+<file path=ppt/slides/slide16.xml><?xml version="1.0" encoding="utf-8"?>
 <p:sld xmlns:a="http://schemas.openxmlformats.org/drawingml/2006/main" xmlns:r="http://schemas.openxmlformats.org/officeDocument/2006/relationships" xmlns:p="http://schemas.openxmlformats.org/presentationml/2006/main">
   <p:cSld>
     <p:spTree>
@@ -5630,7 +5415,7 @@
 </p:sld>
 </file>
 
-<file path=ppt/slides/slide18.xml><?xml version="1.0" encoding="utf-8"?>
+<file path=ppt/slides/slide17.xml><?xml version="1.0" encoding="utf-8"?>
 <p:sld xmlns:a="http://schemas.openxmlformats.org/drawingml/2006/main" xmlns:r="http://schemas.openxmlformats.org/officeDocument/2006/relationships" xmlns:p="http://schemas.openxmlformats.org/presentationml/2006/main">
   <p:cSld>
     <p:spTree>
@@ -5759,7 +5544,7 @@
 </p:sld>
 </file>
 
-<file path=ppt/slides/slide19.xml><?xml version="1.0" encoding="utf-8"?>
+<file path=ppt/slides/slide18.xml><?xml version="1.0" encoding="utf-8"?>
 <p:sld xmlns:a="http://schemas.openxmlformats.org/drawingml/2006/main" xmlns:r="http://schemas.openxmlformats.org/officeDocument/2006/relationships" xmlns:p="http://schemas.openxmlformats.org/presentationml/2006/main">
   <p:cSld>
     <p:spTree>
@@ -6569,7 +6354,7 @@
           <a:p>
             <a:r>
               <a:rPr lang="en-US" dirty="0"/>
-              <a:t>.NET 2016</a:t>
+              <a:t>.NET Now</a:t>
             </a:r>
           </a:p>
         </p:txBody>
@@ -7066,133 +6851,6 @@
           <a:p>
             <a:r>
               <a:rPr lang="en-US" dirty="0"/>
-              <a:t>Dynamic Compilation</a:t>
-            </a:r>
-          </a:p>
-        </p:txBody>
-      </p:sp>
-      <p:sp>
-        <p:nvSpPr>
-          <p:cNvPr id="3" name="Text Placeholder 2"/>
-          <p:cNvSpPr>
-            <a:spLocks noGrp="1"/>
-          </p:cNvSpPr>
-          <p:nvPr>
-            <p:ph type="body" idx="1"/>
-          </p:nvPr>
-        </p:nvSpPr>
-        <p:spPr/>
-        <p:txBody>
-          <a:bodyPr/>
-          <a:lstStyle/>
-          <a:p>
-            <a:r>
-              <a:rPr lang="en-US" dirty="0"/>
-              <a:t>Roslyn builds assemblies in memory</a:t>
-            </a:r>
-          </a:p>
-        </p:txBody>
-      </p:sp>
-      <p:pic>
-        <p:nvPicPr>
-          <p:cNvPr id="2050" name="Picture 2" descr="http://blogs.msdn.com/cfs-file.ashx/__key/communityserver-blogs-components-weblogfiles/00-00-01-44-14/4370.Roslyn.jpg"/>
-          <p:cNvPicPr>
-            <a:picLocks noChangeAspect="1" noChangeArrowheads="1"/>
-          </p:cNvPicPr>
-          <p:nvPr/>
-        </p:nvPicPr>
-        <p:blipFill>
-          <a:blip r:embed="rId2">
-            <a:extLst>
-              <a:ext uri="{28A0092B-C50C-407E-A947-70E740481C1C}">
-                <a14:useLocalDpi xmlns:a14="http://schemas.microsoft.com/office/drawing/2010/main" val="0"/>
-              </a:ext>
-            </a:extLst>
-          </a:blip>
-          <a:srcRect/>
-          <a:stretch>
-            <a:fillRect/>
-          </a:stretch>
-        </p:blipFill>
-        <p:spPr bwMode="auto">
-          <a:xfrm>
-            <a:off x="762000" y="2228849"/>
-            <a:ext cx="7324725" cy="3714751"/>
-          </a:xfrm>
-          <a:prstGeom prst="rect">
-            <a:avLst/>
-          </a:prstGeom>
-          <a:ln>
-            <a:noFill/>
-          </a:ln>
-          <a:effectLst>
-            <a:outerShdw blurRad="292100" dist="139700" dir="2700000" algn="tl" rotWithShape="0">
-              <a:srgbClr val="333333">
-                <a:alpha val="65000"/>
-              </a:srgbClr>
-            </a:outerShdw>
-          </a:effectLst>
-          <a:extLst>
-            <a:ext uri="{909E8E84-426E-40DD-AFC4-6F175D3DCCD1}">
-              <a14:hiddenFill xmlns:a14="http://schemas.microsoft.com/office/drawing/2010/main">
-                <a:solidFill>
-                  <a:srgbClr val="FFFFFF"/>
-                </a:solidFill>
-              </a14:hiddenFill>
-            </a:ext>
-          </a:extLst>
-        </p:spPr>
-      </p:pic>
-    </p:spTree>
-    <p:extLst>
-      <p:ext uri="{BB962C8B-B14F-4D97-AF65-F5344CB8AC3E}">
-        <p14:creationId xmlns:p14="http://schemas.microsoft.com/office/powerpoint/2010/main" val="3735092684"/>
-      </p:ext>
-    </p:extLst>
-  </p:cSld>
-  <p:clrMapOvr>
-    <a:masterClrMapping/>
-  </p:clrMapOvr>
-  <p:transition>
-    <p:fade/>
-  </p:transition>
-</p:sld>
-</file>
-
-<file path=ppt/slides/slide8.xml><?xml version="1.0" encoding="utf-8"?>
-<p:sld xmlns:a="http://schemas.openxmlformats.org/drawingml/2006/main" xmlns:r="http://schemas.openxmlformats.org/officeDocument/2006/relationships" xmlns:p="http://schemas.openxmlformats.org/presentationml/2006/main">
-  <p:cSld>
-    <p:spTree>
-      <p:nvGrpSpPr>
-        <p:cNvPr id="1" name=""/>
-        <p:cNvGrpSpPr/>
-        <p:nvPr/>
-      </p:nvGrpSpPr>
-      <p:grpSpPr>
-        <a:xfrm>
-          <a:off x="0" y="0"/>
-          <a:ext cx="0" cy="0"/>
-          <a:chOff x="0" y="0"/>
-          <a:chExt cx="0" cy="0"/>
-        </a:xfrm>
-      </p:grpSpPr>
-      <p:sp>
-        <p:nvSpPr>
-          <p:cNvPr id="2" name="Title 1"/>
-          <p:cNvSpPr>
-            <a:spLocks noGrp="1"/>
-          </p:cNvSpPr>
-          <p:nvPr>
-            <p:ph type="title"/>
-          </p:nvPr>
-        </p:nvSpPr>
-        <p:spPr/>
-        <p:txBody>
-          <a:bodyPr/>
-          <a:lstStyle/>
-          <a:p>
-            <a:r>
-              <a:rPr lang="en-US" dirty="0"/>
               <a:t>The </a:t>
             </a:r>
             <a:r>
@@ -7292,7 +6950,7 @@
 </p:sld>
 </file>
 
-<file path=ppt/slides/slide9.xml><?xml version="1.0" encoding="utf-8"?>
+<file path=ppt/slides/slide8.xml><?xml version="1.0" encoding="utf-8"?>
 <p:sld xmlns:a="http://schemas.openxmlformats.org/drawingml/2006/main" xmlns:r="http://schemas.openxmlformats.org/officeDocument/2006/relationships" xmlns:p="http://schemas.openxmlformats.org/presentationml/2006/main">
   <p:cSld>
     <p:spTree>
@@ -7325,17 +6983,10 @@
           <a:lstStyle/>
           <a:p>
             <a:r>
-              <a:rPr lang="en-US" dirty="0"/>
-              <a:t>The </a:t>
-            </a:r>
-            <a:r>
               <a:rPr lang="en-US" dirty="0" err="1"/>
-              <a:t>config.json</a:t>
-            </a:r>
-            <a:r>
-              <a:rPr lang="en-US" dirty="0"/>
-              <a:t> file</a:t>
-            </a:r>
+              <a:t>AppSettings</a:t>
+            </a:r>
+            <a:endParaRPr lang="en-US" dirty="0"/>
           </a:p>
         </p:txBody>
       </p:sp>
@@ -7419,6 +7070,219 @@
   <p:transition>
     <p:fade/>
   </p:transition>
+</p:sld>
+</file>
+
+<file path=ppt/slides/slide9.xml><?xml version="1.0" encoding="utf-8"?>
+<p:sld xmlns:a="http://schemas.openxmlformats.org/drawingml/2006/main" xmlns:r="http://schemas.openxmlformats.org/officeDocument/2006/relationships" xmlns:p="http://schemas.openxmlformats.org/presentationml/2006/main">
+  <p:cSld>
+    <p:spTree>
+      <p:nvGrpSpPr>
+        <p:cNvPr id="1" name=""/>
+        <p:cNvGrpSpPr/>
+        <p:nvPr/>
+      </p:nvGrpSpPr>
+      <p:grpSpPr>
+        <a:xfrm>
+          <a:off x="0" y="0"/>
+          <a:ext cx="0" cy="0"/>
+          <a:chOff x="0" y="0"/>
+          <a:chExt cx="0" cy="0"/>
+        </a:xfrm>
+      </p:grpSpPr>
+      <p:sp>
+        <p:nvSpPr>
+          <p:cNvPr id="2" name="Title 1"/>
+          <p:cNvSpPr>
+            <a:spLocks noGrp="1"/>
+          </p:cNvSpPr>
+          <p:nvPr>
+            <p:ph type="title"/>
+          </p:nvPr>
+        </p:nvSpPr>
+        <p:spPr/>
+        <p:txBody>
+          <a:bodyPr/>
+          <a:lstStyle/>
+          <a:p>
+            <a:r>
+              <a:rPr lang="en-US" dirty="0"/>
+              <a:t>Dependencies</a:t>
+            </a:r>
+          </a:p>
+        </p:txBody>
+      </p:sp>
+      <p:sp>
+        <p:nvSpPr>
+          <p:cNvPr id="3" name="Text Placeholder 2"/>
+          <p:cNvSpPr>
+            <a:spLocks noGrp="1"/>
+          </p:cNvSpPr>
+          <p:nvPr>
+            <p:ph type="body" idx="1"/>
+          </p:nvPr>
+        </p:nvSpPr>
+        <p:spPr/>
+        <p:txBody>
+          <a:bodyPr/>
+          <a:lstStyle/>
+          <a:p>
+            <a:r>
+              <a:rPr lang="en-US" dirty="0"/>
+              <a:t>Everything in </a:t>
+            </a:r>
+            <a:r>
+              <a:rPr lang="en-US" dirty="0" err="1"/>
+              <a:t>NuGet</a:t>
+            </a:r>
+            <a:endParaRPr lang="en-US" dirty="0"/>
+          </a:p>
+        </p:txBody>
+      </p:sp>
+      <p:pic>
+        <p:nvPicPr>
+          <p:cNvPr id="4" name="Picture 3"/>
+          <p:cNvPicPr>
+            <a:picLocks noChangeAspect="1"/>
+          </p:cNvPicPr>
+          <p:nvPr/>
+        </p:nvPicPr>
+        <p:blipFill>
+          <a:blip r:embed="rId3"/>
+          <a:stretch>
+            <a:fillRect/>
+          </a:stretch>
+        </p:blipFill>
+        <p:spPr>
+          <a:xfrm>
+            <a:off x="4495800" y="1828800"/>
+            <a:ext cx="4064164" cy="4357687"/>
+          </a:xfrm>
+          <a:prstGeom prst="rect">
+            <a:avLst/>
+          </a:prstGeom>
+        </p:spPr>
+      </p:pic>
+      <p:pic>
+        <p:nvPicPr>
+          <p:cNvPr id="5" name="Picture 4"/>
+          <p:cNvPicPr>
+            <a:picLocks noChangeAspect="1"/>
+          </p:cNvPicPr>
+          <p:nvPr/>
+        </p:nvPicPr>
+        <p:blipFill>
+          <a:blip r:embed="rId4"/>
+          <a:stretch>
+            <a:fillRect/>
+          </a:stretch>
+        </p:blipFill>
+        <p:spPr>
+          <a:xfrm>
+            <a:off x="152400" y="2362200"/>
+            <a:ext cx="5064199" cy="3067050"/>
+          </a:xfrm>
+          <a:prstGeom prst="rect">
+            <a:avLst/>
+          </a:prstGeom>
+        </p:spPr>
+      </p:pic>
+    </p:spTree>
+    <p:extLst>
+      <p:ext uri="{BB962C8B-B14F-4D97-AF65-F5344CB8AC3E}">
+        <p14:creationId xmlns:p14="http://schemas.microsoft.com/office/powerpoint/2010/main" val="380657000"/>
+      </p:ext>
+    </p:extLst>
+  </p:cSld>
+  <p:clrMapOvr>
+    <a:masterClrMapping/>
+  </p:clrMapOvr>
+  <p:transition>
+    <p:fade/>
+  </p:transition>
+  <p:timing>
+    <p:tnLst>
+      <p:par>
+        <p:cTn id="1" dur="indefinite" restart="never" nodeType="tmRoot">
+          <p:childTnLst>
+            <p:seq concurrent="1" nextAc="seek">
+              <p:cTn id="2" dur="indefinite" nodeType="mainSeq">
+                <p:childTnLst>
+                  <p:par>
+                    <p:cTn id="3" fill="hold">
+                      <p:stCondLst>
+                        <p:cond delay="indefinite"/>
+                      </p:stCondLst>
+                      <p:childTnLst>
+                        <p:par>
+                          <p:cTn id="4" fill="hold">
+                            <p:stCondLst>
+                              <p:cond delay="0"/>
+                            </p:stCondLst>
+                            <p:childTnLst>
+                              <p:par>
+                                <p:cTn id="5" presetID="10" presetClass="entr" presetSubtype="0" fill="hold" nodeType="clickEffect">
+                                  <p:stCondLst>
+                                    <p:cond delay="0"/>
+                                  </p:stCondLst>
+                                  <p:childTnLst>
+                                    <p:set>
+                                      <p:cBhvr>
+                                        <p:cTn id="6" dur="1" fill="hold">
+                                          <p:stCondLst>
+                                            <p:cond delay="0"/>
+                                          </p:stCondLst>
+                                        </p:cTn>
+                                        <p:tgtEl>
+                                          <p:spTgt spid="4"/>
+                                        </p:tgtEl>
+                                        <p:attrNameLst>
+                                          <p:attrName>style.visibility</p:attrName>
+                                        </p:attrNameLst>
+                                      </p:cBhvr>
+                                      <p:to>
+                                        <p:strVal val="visible"/>
+                                      </p:to>
+                                    </p:set>
+                                    <p:animEffect transition="in" filter="fade">
+                                      <p:cBhvr>
+                                        <p:cTn id="7" dur="500"/>
+                                        <p:tgtEl>
+                                          <p:spTgt spid="4"/>
+                                        </p:tgtEl>
+                                      </p:cBhvr>
+                                    </p:animEffect>
+                                  </p:childTnLst>
+                                </p:cTn>
+                              </p:par>
+                            </p:childTnLst>
+                          </p:cTn>
+                        </p:par>
+                      </p:childTnLst>
+                    </p:cTn>
+                  </p:par>
+                </p:childTnLst>
+              </p:cTn>
+              <p:prevCondLst>
+                <p:cond evt="onPrev" delay="0">
+                  <p:tgtEl>
+                    <p:sldTgt/>
+                  </p:tgtEl>
+                </p:cond>
+              </p:prevCondLst>
+              <p:nextCondLst>
+                <p:cond evt="onNext" delay="0">
+                  <p:tgtEl>
+                    <p:sldTgt/>
+                  </p:tgtEl>
+                </p:cond>
+              </p:nextCondLst>
+            </p:seq>
+          </p:childTnLst>
+        </p:cTn>
+      </p:par>
+    </p:tnLst>
+  </p:timing>
 </p:sld>
 </file>
 
